--- a/translations/en-us/intermediate/ColorFollowerDistance.pptx
+++ b/translations/en-us/intermediate/ColorFollowerDistance.pptx
@@ -1,27 +1,28 @@
 
 <file path=ppt/presentation.xml><?xml version="1.0" encoding="utf-8"?>
-<p:presentation xmlns:a="http://schemas.openxmlformats.org/drawingml/2006/main" xmlns:r="http://schemas.openxmlformats.org/officeDocument/2006/relationships" xmlns:p="http://schemas.openxmlformats.org/presentationml/2006/main" saveSubsetFonts="1" autoCompressPictures="0">
+<p:presentation xmlns:a="http://schemas.openxmlformats.org/drawingml/2006/main" xmlns:r="http://schemas.openxmlformats.org/officeDocument/2006/relationships" xmlns:p="http://schemas.openxmlformats.org/presentationml/2006/main" showSpecialPlsOnTitleSld="0" saveSubsetFonts="1" autoCompressPictures="0">
   <p:sldMasterIdLst>
     <p:sldMasterId id="2147483714" r:id="rId1"/>
   </p:sldMasterIdLst>
   <p:notesMasterIdLst>
-    <p:notesMasterId r:id="rId13"/>
+    <p:notesMasterId r:id="rId14"/>
   </p:notesMasterIdLst>
   <p:handoutMasterIdLst>
-    <p:handoutMasterId r:id="rId14"/>
+    <p:handoutMasterId r:id="rId15"/>
   </p:handoutMasterIdLst>
   <p:sldIdLst>
     <p:sldId id="381" r:id="rId2"/>
     <p:sldId id="383" r:id="rId3"/>
     <p:sldId id="356" r:id="rId4"/>
     <p:sldId id="386" r:id="rId5"/>
-    <p:sldId id="385" r:id="rId6"/>
-    <p:sldId id="368" r:id="rId7"/>
-    <p:sldId id="362" r:id="rId8"/>
-    <p:sldId id="369" r:id="rId9"/>
-    <p:sldId id="370" r:id="rId10"/>
-    <p:sldId id="384" r:id="rId11"/>
-    <p:sldId id="382" r:id="rId12"/>
+    <p:sldId id="389" r:id="rId6"/>
+    <p:sldId id="385" r:id="rId7"/>
+    <p:sldId id="368" r:id="rId8"/>
+    <p:sldId id="362" r:id="rId9"/>
+    <p:sldId id="387" r:id="rId10"/>
+    <p:sldId id="388" r:id="rId11"/>
+    <p:sldId id="384" r:id="rId12"/>
+    <p:sldId id="382" r:id="rId13"/>
   </p:sldIdLst>
   <p:sldSz cx="9144000" cy="6858000" type="screen4x3"/>
   <p:notesSz cx="6858000" cy="9144000"/>
@@ -122,7 +123,7 @@
   </p:defaultTextStyle>
   <p:extLst>
     <p:ext uri="{EFAFB233-063F-42B5-8137-9DF3F51BA10A}">
-      <p15:sldGuideLst xmlns="" xmlns:p15="http://schemas.microsoft.com/office/powerpoint/2012/main">
+      <p15:sldGuideLst xmlns:p15="http://schemas.microsoft.com/office/powerpoint/2012/main">
         <p15:guide id="1" orient="horz" pos="2160">
           <p15:clr>
             <a:srgbClr val="A4A3A4"/>
@@ -221,7 +222,7 @@
           <a:p>
             <a:fld id="{E00FA3B4-5499-9244-86B5-B0871A9DDD84}" type="datetimeFigureOut">
               <a:rPr lang="en-US" smtClean="0"/>
-              <a:t>4/5/15</a:t>
+              <a:t>11/6/2015</a:t>
             </a:fld>
             <a:endParaRPr lang="en-US"/>
           </a:p>
@@ -387,7 +388,7 @@
           <a:p>
             <a:fld id="{FD3EFF1E-85A1-6640-AFB9-C38833E80A84}" type="datetimeFigureOut">
               <a:rPr lang="en-US" smtClean="0"/>
-              <a:t>4/5/15</a:t>
+              <a:t>11/6/2015</a:t>
             </a:fld>
             <a:endParaRPr lang="en-US"/>
           </a:p>
@@ -805,7 +806,7 @@
           <a:p>
             <a:fld id="{13967457-1E83-1040-AFF7-8D09C473DBD5}" type="slidenum">
               <a:rPr lang="en-US" smtClean="0"/>
-              <a:t>11</a:t>
+              <a:t>12</a:t>
             </a:fld>
             <a:endParaRPr lang="en-US"/>
           </a:p>
@@ -1015,9 +1016,9 @@
           <a:bodyPr/>
           <a:lstStyle/>
           <a:p>
-            <a:fld id="{62583A50-19ED-B847-B8AA-240563305C0A}" type="datetime1">
-              <a:rPr lang="en-US" smtClean="0"/>
-              <a:t>4/5/15</a:t>
+            <a:fld id="{97DB2C82-93E7-46E9-848A-FDF8C24C1771}" type="datetime1">
+              <a:rPr lang="en-US" smtClean="0"/>
+              <a:t>11/6/2015</a:t>
             </a:fld>
             <a:endParaRPr lang="en-US"/>
           </a:p>
@@ -1040,7 +1041,7 @@
           <a:p>
             <a:r>
               <a:rPr lang="en-US" smtClean="0"/>
-              <a:t>© 2014, Droids Robotics,  Last edit 4/5/2015</a:t>
+              <a:t>© 2014, Droids Robotics,  Last edit 11/5/2015</a:t>
             </a:r>
             <a:endParaRPr lang="en-US"/>
           </a:p>
@@ -1314,9 +1315,9 @@
           <a:bodyPr/>
           <a:lstStyle/>
           <a:p>
-            <a:fld id="{4A044382-6DF0-B64E-9743-7B3245A5A797}" type="datetime1">
-              <a:rPr lang="en-US" smtClean="0"/>
-              <a:t>4/5/15</a:t>
+            <a:fld id="{4853FB2F-CD2B-4D48-9247-EB2A69D2FF67}" type="datetime1">
+              <a:rPr lang="en-US" smtClean="0"/>
+              <a:t>11/6/2015</a:t>
             </a:fld>
             <a:endParaRPr lang="en-US"/>
           </a:p>
@@ -1339,7 +1340,7 @@
           <a:p>
             <a:r>
               <a:rPr lang="en-US" smtClean="0"/>
-              <a:t>© 2014, Droids Robotics,  Last edit 4/5/2015</a:t>
+              <a:t>© 2014, Droids Robotics,  Last edit 11/5/2015</a:t>
             </a:r>
             <a:endParaRPr lang="en-US"/>
           </a:p>
@@ -1501,9 +1502,9 @@
           <a:bodyPr/>
           <a:lstStyle/>
           <a:p>
-            <a:fld id="{3A7DC9D8-91D9-CD4A-A67C-871A0015AD81}" type="datetime1">
-              <a:rPr lang="en-US" smtClean="0"/>
-              <a:t>4/5/15</a:t>
+            <a:fld id="{7EC9F89D-5B5C-4C1A-9564-C60172E4A7D7}" type="datetime1">
+              <a:rPr lang="en-US" smtClean="0"/>
+              <a:t>11/6/2015</a:t>
             </a:fld>
             <a:endParaRPr lang="en-US"/>
           </a:p>
@@ -1526,7 +1527,7 @@
           <a:p>
             <a:r>
               <a:rPr lang="en-US" smtClean="0"/>
-              <a:t>© 2014, Droids Robotics,  Last edit 4/5/2015</a:t>
+              <a:t>© 2014, Droids Robotics,  Last edit 11/5/2015</a:t>
             </a:r>
             <a:endParaRPr lang="en-US"/>
           </a:p>
@@ -1688,9 +1689,9 @@
           <a:bodyPr/>
           <a:lstStyle/>
           <a:p>
-            <a:fld id="{87A01DE7-D61C-C940-9099-A28BF77F4C80}" type="datetime1">
-              <a:rPr lang="en-US" smtClean="0"/>
-              <a:t>4/5/15</a:t>
+            <a:fld id="{43872B16-92AD-4074-B2B3-7B43ADC9B270}" type="datetime1">
+              <a:rPr lang="en-US" smtClean="0"/>
+              <a:t>11/6/2015</a:t>
             </a:fld>
             <a:endParaRPr lang="en-US"/>
           </a:p>
@@ -1713,7 +1714,7 @@
           <a:p>
             <a:r>
               <a:rPr lang="en-US" smtClean="0"/>
-              <a:t>© 2014, Droids Robotics,  Last edit 4/5/2015</a:t>
+              <a:t>© 2014, Droids Robotics,  Last edit 11/5/2015</a:t>
             </a:r>
             <a:endParaRPr lang="en-US"/>
           </a:p>
@@ -1949,9 +1950,9 @@
           <a:bodyPr/>
           <a:lstStyle/>
           <a:p>
-            <a:fld id="{92AE94CF-36F4-4C43-82BB-12B9C3AB5FE0}" type="datetime1">
-              <a:rPr lang="en-US" smtClean="0"/>
-              <a:t>4/5/15</a:t>
+            <a:fld id="{A919F831-71D9-42A5-82D5-FEF0823A7A9A}" type="datetime1">
+              <a:rPr lang="en-US" smtClean="0"/>
+              <a:t>11/6/2015</a:t>
             </a:fld>
             <a:endParaRPr lang="en-US"/>
           </a:p>
@@ -2005,7 +2006,7 @@
           <a:p>
             <a:r>
               <a:rPr lang="en-US" smtClean="0"/>
-              <a:t>© 2014, Droids Robotics,  Last edit 4/5/2015</a:t>
+              <a:t>© 2014, Droids Robotics,  Last edit 11/5/2015</a:t>
             </a:r>
             <a:endParaRPr lang="en-US"/>
           </a:p>
@@ -2249,9 +2250,9 @@
           <a:bodyPr/>
           <a:lstStyle/>
           <a:p>
-            <a:fld id="{F34C16E8-05C7-1348-938C-082991D03586}" type="datetime1">
-              <a:rPr lang="en-US" smtClean="0"/>
-              <a:t>4/5/15</a:t>
+            <a:fld id="{DD06FA99-68FF-4177-AD6E-03AC082F47B4}" type="datetime1">
+              <a:rPr lang="en-US" smtClean="0"/>
+              <a:t>11/6/2015</a:t>
             </a:fld>
             <a:endParaRPr lang="en-US"/>
           </a:p>
@@ -2274,7 +2275,7 @@
           <a:p>
             <a:r>
               <a:rPr lang="en-US" smtClean="0"/>
-              <a:t>© 2014, Droids Robotics,  Last edit 4/5/2015</a:t>
+              <a:t>© 2014, Droids Robotics,  Last edit 11/5/2015</a:t>
             </a:r>
             <a:endParaRPr lang="en-US"/>
           </a:p>
@@ -2700,9 +2701,9 @@
           <a:bodyPr/>
           <a:lstStyle/>
           <a:p>
-            <a:fld id="{37A838BB-39A0-CC4E-9AD1-936CC2B8FE5D}" type="datetime1">
-              <a:rPr lang="en-US" smtClean="0"/>
-              <a:t>4/5/15</a:t>
+            <a:fld id="{F6430F14-6EBC-4A09-9663-48326AEF9B18}" type="datetime1">
+              <a:rPr lang="en-US" smtClean="0"/>
+              <a:t>11/6/2015</a:t>
             </a:fld>
             <a:endParaRPr lang="en-US"/>
           </a:p>
@@ -2725,7 +2726,7 @@
           <a:p>
             <a:r>
               <a:rPr lang="en-US" smtClean="0"/>
-              <a:t>© 2014, Droids Robotics,  Last edit 4/5/2015</a:t>
+              <a:t>© 2014, Droids Robotics,  Last edit 11/5/2015</a:t>
             </a:r>
             <a:endParaRPr lang="en-US"/>
           </a:p>
@@ -2825,9 +2826,9 @@
           <a:bodyPr/>
           <a:lstStyle/>
           <a:p>
-            <a:fld id="{BAA8458B-8711-9A4C-8F79-837CEE5A545D}" type="datetime1">
-              <a:rPr lang="en-US" smtClean="0"/>
-              <a:t>4/5/15</a:t>
+            <a:fld id="{47AED7AF-8DE4-492B-8259-D89DB42316F3}" type="datetime1">
+              <a:rPr lang="en-US" smtClean="0"/>
+              <a:t>11/6/2015</a:t>
             </a:fld>
             <a:endParaRPr lang="en-US"/>
           </a:p>
@@ -2850,7 +2851,7 @@
           <a:p>
             <a:r>
               <a:rPr lang="en-US" smtClean="0"/>
-              <a:t>© 2014, Droids Robotics,  Last edit 4/5/2015</a:t>
+              <a:t>© 2014, Droids Robotics,  Last edit 11/5/2015</a:t>
             </a:r>
             <a:endParaRPr lang="en-US"/>
           </a:p>
@@ -2927,9 +2928,9 @@
           <a:bodyPr/>
           <a:lstStyle/>
           <a:p>
-            <a:fld id="{5A458F14-E10C-3D46-808C-E3FB4A342C37}" type="datetime1">
-              <a:rPr lang="en-US" smtClean="0"/>
-              <a:t>4/5/15</a:t>
+            <a:fld id="{CAF130FD-9B14-4FEA-A98A-F6E19ACFD305}" type="datetime1">
+              <a:rPr lang="en-US" smtClean="0"/>
+              <a:t>11/6/2015</a:t>
             </a:fld>
             <a:endParaRPr lang="en-US"/>
           </a:p>
@@ -2952,7 +2953,7 @@
           <a:p>
             <a:r>
               <a:rPr lang="en-US" smtClean="0"/>
-              <a:t>© 2014, Droids Robotics,  Last edit 4/5/2015</a:t>
+              <a:t>© 2014, Droids Robotics,  Last edit 11/5/2015</a:t>
             </a:r>
             <a:endParaRPr lang="en-US"/>
           </a:p>
@@ -3181,9 +3182,9 @@
           <a:bodyPr/>
           <a:lstStyle/>
           <a:p>
-            <a:fld id="{F5A1936E-935B-3B44-9A9C-CB87C81A69F6}" type="datetime1">
-              <a:rPr lang="en-US" smtClean="0"/>
-              <a:t>4/5/15</a:t>
+            <a:fld id="{1D6B59F5-9643-4F31-B468-0386E5057B9D}" type="datetime1">
+              <a:rPr lang="en-US" smtClean="0"/>
+              <a:t>11/6/2015</a:t>
             </a:fld>
             <a:endParaRPr lang="en-US"/>
           </a:p>
@@ -3206,7 +3207,7 @@
           <a:p>
             <a:r>
               <a:rPr lang="en-US" smtClean="0"/>
-              <a:t>© 2014, Droids Robotics,  Last edit 4/5/2015</a:t>
+              <a:t>© 2014, Droids Robotics,  Last edit 11/5/2015</a:t>
             </a:r>
             <a:endParaRPr lang="en-US"/>
           </a:p>
@@ -3487,9 +3488,9 @@
           <a:bodyPr/>
           <a:lstStyle/>
           <a:p>
-            <a:fld id="{F178CF15-A010-684D-B12D-D479094B78AE}" type="datetime1">
-              <a:rPr lang="en-US" smtClean="0"/>
-              <a:t>4/5/15</a:t>
+            <a:fld id="{D506149E-A90A-444A-950F-4D5DDDED37AC}" type="datetime1">
+              <a:rPr lang="en-US" smtClean="0"/>
+              <a:t>11/6/2015</a:t>
             </a:fld>
             <a:endParaRPr lang="en-US"/>
           </a:p>
@@ -3512,7 +3513,7 @@
           <a:p>
             <a:r>
               <a:rPr lang="en-US" smtClean="0"/>
-              <a:t>© 2014, Droids Robotics,  Last edit 4/5/2015</a:t>
+              <a:t>© 2014, Droids Robotics,  Last edit 11/5/2015</a:t>
             </a:r>
             <a:endParaRPr lang="en-US"/>
           </a:p>
@@ -3793,9 +3794,9 @@
             </a:lvl1pPr>
           </a:lstStyle>
           <a:p>
-            <a:fld id="{5B28FCF3-02CB-5040-8592-31A7F91CD5BE}" type="datetime1">
-              <a:rPr lang="en-US" smtClean="0"/>
-              <a:t>4/5/15</a:t>
+            <a:fld id="{E98529B6-8F73-424D-B274-C01A928C4178}" type="datetime1">
+              <a:rPr lang="en-US" smtClean="0"/>
+              <a:t>11/6/2015</a:t>
             </a:fld>
             <a:endParaRPr lang="en-US"/>
           </a:p>
@@ -3834,7 +3835,7 @@
           <a:p>
             <a:r>
               <a:rPr lang="en-US" smtClean="0"/>
-              <a:t>© 2014, Droids Robotics,  Last edit 4/5/2015</a:t>
+              <a:t>© 2014, Droids Robotics,  Last edit 11/5/2015</a:t>
             </a:r>
             <a:endParaRPr lang="en-US"/>
           </a:p>
@@ -4355,8 +4356,8 @@
         </p:nvSpPr>
         <p:spPr>
           <a:xfrm>
-            <a:off x="1487501" y="5949643"/>
-            <a:ext cx="4750545" cy="523220"/>
+            <a:off x="1487501" y="6274931"/>
+            <a:ext cx="4750545" cy="400110"/>
           </a:xfrm>
           <a:prstGeom prst="rect">
             <a:avLst/>
@@ -4370,42 +4371,12 @@
           <a:lstStyle/>
           <a:p>
             <a:r>
-              <a:rPr lang="en-US" sz="2800" dirty="0" smtClean="0"/>
+              <a:rPr lang="en-US" sz="2000" dirty="0" smtClean="0"/>
               <a:t>By: Droids Robotics</a:t>
             </a:r>
           </a:p>
         </p:txBody>
       </p:sp>
-      <p:pic>
-        <p:nvPicPr>
-          <p:cNvPr id="3" name="Picture 2" descr="Droidslogo2.png"/>
-          <p:cNvPicPr>
-            <a:picLocks noChangeAspect="1"/>
-          </p:cNvPicPr>
-          <p:nvPr/>
-        </p:nvPicPr>
-        <p:blipFill>
-          <a:blip r:embed="rId3">
-            <a:extLst>
-              <a:ext uri="{28A0092B-C50C-407E-A947-70E740481C1C}">
-                <a14:useLocalDpi xmlns:a14="http://schemas.microsoft.com/office/drawing/2010/main" val="0"/>
-              </a:ext>
-            </a:extLst>
-          </a:blip>
-          <a:stretch>
-            <a:fillRect/>
-          </a:stretch>
-        </p:blipFill>
-        <p:spPr>
-          <a:xfrm>
-            <a:off x="402306" y="5456830"/>
-            <a:ext cx="1085195" cy="1085195"/>
-          </a:xfrm>
-          <a:prstGeom prst="rect">
-            <a:avLst/>
-          </a:prstGeom>
-        </p:spPr>
-      </p:pic>
       <p:sp>
         <p:nvSpPr>
           <p:cNvPr id="4" name="TextBox 3"/>
@@ -4466,7 +4437,7 @@
           <p:nvPr/>
         </p:nvPicPr>
         <p:blipFill>
-          <a:blip r:embed="rId4">
+          <a:blip r:embed="rId3">
             <a:extLst>
               <a:ext uri="{28A0092B-C50C-407E-A947-70E740481C1C}">
                 <a14:useLocalDpi xmlns:a14="http://schemas.microsoft.com/office/drawing/2010/main" val="0"/>
@@ -4489,7 +4460,7 @@
           <a:noFill/>
           <a:extLst>
             <a:ext uri="{909E8E84-426E-40dd-AFC4-6F175D3DCCD1}">
-              <a14:hiddenFill xmlns:a14="http://schemas.microsoft.com/office/drawing/2010/main">
+              <a14:hiddenFill xmlns:a14="http://schemas.microsoft.com/office/drawing/2010/main" xmlns="">
                 <a:solidFill>
                   <a:srgbClr val="FFFFFF"/>
                 </a:solidFill>
@@ -4498,29 +4469,36 @@
           </a:extLst>
         </p:spPr>
       </p:pic>
-      <p:sp>
-        <p:nvSpPr>
-          <p:cNvPr id="5" name="Footer Placeholder 4"/>
-          <p:cNvSpPr>
-            <a:spLocks noGrp="1"/>
-          </p:cNvSpPr>
-          <p:nvPr>
-            <p:ph type="ftr" sz="quarter" idx="11"/>
-          </p:nvPr>
-        </p:nvSpPr>
-        <p:spPr/>
-        <p:txBody>
-          <a:bodyPr/>
-          <a:lstStyle/>
-          <a:p>
-            <a:r>
-              <a:rPr lang="en-US" smtClean="0"/>
-              <a:t>© 2014, Droids Robotics,  Last edit 4/5/2015</a:t>
-            </a:r>
-            <a:endParaRPr lang="en-US"/>
-          </a:p>
-        </p:txBody>
-      </p:sp>
+      <p:pic>
+        <p:nvPicPr>
+          <p:cNvPr id="6" name="Picture 5"/>
+          <p:cNvPicPr>
+            <a:picLocks noChangeAspect="1"/>
+          </p:cNvPicPr>
+          <p:nvPr/>
+        </p:nvPicPr>
+        <p:blipFill>
+          <a:blip r:embed="rId4">
+            <a:extLst>
+              <a:ext uri="{28A0092B-C50C-407E-A947-70E740481C1C}">
+                <a14:useLocalDpi xmlns:a14="http://schemas.microsoft.com/office/drawing/2010/main" val="0"/>
+              </a:ext>
+            </a:extLst>
+          </a:blip>
+          <a:stretch>
+            <a:fillRect/>
+          </a:stretch>
+        </p:blipFill>
+        <p:spPr>
+          <a:xfrm>
+            <a:off x="170301" y="5414920"/>
+            <a:ext cx="1317200" cy="1260121"/>
+          </a:xfrm>
+          <a:prstGeom prst="rect">
+            <a:avLst/>
+          </a:prstGeom>
+        </p:spPr>
+      </p:pic>
     </p:spTree>
     <p:extLst>
       <p:ext uri="{BB962C8B-B14F-4D97-AF65-F5344CB8AC3E}">
@@ -4534,7 +4512,7 @@
   <p:timing>
     <p:tnLst>
       <p:par>
-        <p:cTn xmlns:p14="http://schemas.microsoft.com/office/powerpoint/2010/main" id="1" dur="indefinite" restart="never" nodeType="tmRoot"/>
+        <p:cTn id="1" dur="indefinite" restart="never" nodeType="tmRoot"/>
       </p:par>
     </p:tnLst>
   </p:timing>
@@ -4575,118 +4553,249 @@
           <a:p>
             <a:r>
               <a:rPr lang="en-US" dirty="0" smtClean="0"/>
-              <a:t>Next steps</a:t>
+              <a:t>Step 3B: Wire the </a:t>
+            </a:r>
+            <a:r>
+              <a:rPr lang="en-US" smtClean="0"/>
+              <a:t>My Block</a:t>
             </a:r>
             <a:endParaRPr lang="en-US" dirty="0"/>
           </a:p>
         </p:txBody>
       </p:sp>
-      <p:sp>
-        <p:nvSpPr>
-          <p:cNvPr id="3" name="Content Placeholder 2"/>
-          <p:cNvSpPr>
-            <a:spLocks noGrp="1"/>
-          </p:cNvSpPr>
+      <p:pic>
+        <p:nvPicPr>
+          <p:cNvPr id="5" name="Content Placeholder 4" descr="Screen Clipping"/>
+          <p:cNvPicPr>
+            <a:picLocks noGrp="1" noChangeAspect="1"/>
+          </p:cNvPicPr>
           <p:nvPr>
             <p:ph idx="1"/>
           </p:nvPr>
-        </p:nvSpPr>
+        </p:nvPicPr>
+        <p:blipFill>
+          <a:blip r:embed="rId2">
+            <a:extLst>
+              <a:ext uri="{28A0092B-C50C-407E-A947-70E740481C1C}">
+                <a14:useLocalDpi xmlns:a14="http://schemas.microsoft.com/office/drawing/2010/main" val="0"/>
+              </a:ext>
+            </a:extLst>
+          </a:blip>
+          <a:stretch>
+            <a:fillRect/>
+          </a:stretch>
+        </p:blipFill>
         <p:spPr>
           <a:xfrm>
-            <a:off x="457200" y="1752600"/>
-            <a:ext cx="8245474" cy="4373563"/>
-          </a:xfrm>
-        </p:spPr>
+            <a:off x="283114" y="1067146"/>
+            <a:ext cx="8593644" cy="3549825"/>
+          </a:xfrm>
+        </p:spPr>
+      </p:pic>
+      <p:sp>
+        <p:nvSpPr>
+          <p:cNvPr id="4" name="Footer Placeholder 3"/>
+          <p:cNvSpPr>
+            <a:spLocks noGrp="1"/>
+          </p:cNvSpPr>
+          <p:nvPr>
+            <p:ph type="ftr" sz="quarter" idx="11"/>
+          </p:nvPr>
+        </p:nvSpPr>
+        <p:spPr/>
         <p:txBody>
           <a:bodyPr/>
           <a:lstStyle/>
           <a:p>
-            <a:pPr marL="233363" indent="-233363">
-              <a:buFont typeface="Arial"/>
+            <a:r>
+              <a:rPr lang="en-US" smtClean="0"/>
+              <a:t>© 2014, Droids Robotics,  Last edit 11/5/2015</a:t>
+            </a:r>
+            <a:endParaRPr lang="en-US"/>
+          </a:p>
+        </p:txBody>
+      </p:sp>
+      <p:sp>
+        <p:nvSpPr>
+          <p:cNvPr id="6" name="TextBox 5"/>
+          <p:cNvSpPr txBox="1"/>
+          <p:nvPr/>
+        </p:nvSpPr>
+        <p:spPr>
+          <a:xfrm>
+            <a:off x="457199" y="4706912"/>
+            <a:ext cx="7908195" cy="923330"/>
+          </a:xfrm>
+          <a:prstGeom prst="rect">
+            <a:avLst/>
+          </a:prstGeom>
+          <a:noFill/>
+        </p:spPr>
+        <p:txBody>
+          <a:bodyPr wrap="square" rtlCol="0">
+            <a:spAutoFit/>
+          </a:bodyPr>
+          <a:lstStyle/>
+          <a:p>
+            <a:pPr marL="285750" indent="-285750">
+              <a:buFont typeface="Arial" panose="020B0604020202020204" pitchFamily="34" charset="0"/>
               <a:buChar char="•"/>
             </a:pPr>
             <a:r>
-              <a:rPr lang="en-US" b="0" dirty="0" smtClean="0"/>
-              <a:t>We </a:t>
-            </a:r>
-            <a:r>
-              <a:rPr lang="en-US" b="0" dirty="0"/>
-              <a:t>use a simple line follower in this lesson. You can combine these techniques with any line follower. </a:t>
-            </a:r>
-          </a:p>
-          <a:p>
-            <a:pPr marL="233363" indent="-233363">
-              <a:buFont typeface="Arial"/>
+              <a:rPr lang="en-US" dirty="0" smtClean="0"/>
+              <a:t>The degrees input goes into loop exit condition</a:t>
+            </a:r>
+          </a:p>
+          <a:p>
+            <a:pPr marL="285750" indent="-285750">
+              <a:buFont typeface="Arial" panose="020B0604020202020204" pitchFamily="34" charset="0"/>
               <a:buChar char="•"/>
             </a:pPr>
             <a:r>
-              <a:rPr lang="en-US" b="0" dirty="0" smtClean="0"/>
-              <a:t>Learn how </a:t>
-            </a:r>
-            <a:r>
-              <a:rPr lang="en-US" b="0" dirty="0"/>
-              <a:t>to create a proportional line follower for light or a smooth line follower for color </a:t>
-            </a:r>
-            <a:r>
-              <a:rPr lang="en-US" b="0" dirty="0">
-                <a:sym typeface="Wingdings"/>
+              <a:rPr lang="en-US" dirty="0" smtClean="0"/>
+              <a:t>The power input goes into power input on the steering block</a:t>
+            </a:r>
+          </a:p>
+          <a:p>
+            <a:pPr marL="285750" indent="-285750">
+              <a:buFont typeface="Arial" panose="020B0604020202020204" pitchFamily="34" charset="0"/>
+              <a:buChar char="•"/>
+            </a:pPr>
+            <a:r>
+              <a:rPr lang="en-US" dirty="0" smtClean="0"/>
+              <a:t>The color input goes into color input for the switch</a:t>
+            </a:r>
+            <a:endParaRPr lang="en-US" dirty="0"/>
+          </a:p>
+        </p:txBody>
+      </p:sp>
+      <p:sp>
+        <p:nvSpPr>
+          <p:cNvPr id="7" name="TextBox 6"/>
+          <p:cNvSpPr txBox="1"/>
+          <p:nvPr/>
+        </p:nvSpPr>
+        <p:spPr>
+          <a:xfrm>
+            <a:off x="70050" y="4663023"/>
+            <a:ext cx="426128" cy="523220"/>
+          </a:xfrm>
+          <a:prstGeom prst="rect">
+            <a:avLst/>
+          </a:prstGeom>
+          <a:noFill/>
+        </p:spPr>
+        <p:txBody>
+          <a:bodyPr wrap="square" rtlCol="0">
+            <a:spAutoFit/>
+          </a:bodyPr>
+          <a:lstStyle/>
+          <a:p>
+            <a:r>
+              <a:rPr lang="en-US" sz="2800" b="1" dirty="0">
+                <a:solidFill>
+                  <a:srgbClr val="FF0000"/>
+                </a:solidFill>
               </a:rPr>
-              <a:t> </a:t>
-            </a:r>
-            <a:r>
-              <a:rPr lang="en-US" b="0" dirty="0"/>
-              <a:t>check out </a:t>
-            </a:r>
-            <a:r>
-              <a:rPr lang="en-US" b="0"/>
-              <a:t>our </a:t>
-            </a:r>
-            <a:r>
-              <a:rPr lang="en-US" b="0"/>
-              <a:t>Advanced: Proportional Line </a:t>
-            </a:r>
-            <a:r>
-              <a:rPr lang="en-US" b="0"/>
-              <a:t>Follower </a:t>
-            </a:r>
-            <a:r>
-              <a:rPr lang="en-US" b="0" smtClean="0"/>
-              <a:t>lesson.</a:t>
-            </a:r>
-            <a:endParaRPr lang="en-US" b="0" dirty="0"/>
-          </a:p>
-          <a:p>
-            <a:endParaRPr lang="en-US" dirty="0"/>
-          </a:p>
-        </p:txBody>
-      </p:sp>
-      <p:sp>
-        <p:nvSpPr>
-          <p:cNvPr id="4" name="Footer Placeholder 3"/>
-          <p:cNvSpPr>
-            <a:spLocks noGrp="1"/>
-          </p:cNvSpPr>
-          <p:nvPr>
-            <p:ph type="ftr" sz="quarter" idx="11"/>
-          </p:nvPr>
-        </p:nvSpPr>
-        <p:spPr/>
-        <p:txBody>
-          <a:bodyPr/>
-          <a:lstStyle/>
-          <a:p>
-            <a:r>
-              <a:rPr lang="en-US" smtClean="0"/>
-              <a:t>© 2014, Droids Robotics,  Last edit 4/5/2015</a:t>
-            </a:r>
-            <a:endParaRPr lang="en-US"/>
+              <a:t>C</a:t>
+            </a:r>
+          </a:p>
+        </p:txBody>
+      </p:sp>
+      <p:sp>
+        <p:nvSpPr>
+          <p:cNvPr id="8" name="TextBox 7"/>
+          <p:cNvSpPr txBox="1"/>
+          <p:nvPr/>
+        </p:nvSpPr>
+        <p:spPr>
+          <a:xfrm>
+            <a:off x="689514" y="4114356"/>
+            <a:ext cx="1054619" cy="261610"/>
+          </a:xfrm>
+          <a:prstGeom prst="rect">
+            <a:avLst/>
+          </a:prstGeom>
+          <a:noFill/>
+        </p:spPr>
+        <p:txBody>
+          <a:bodyPr wrap="square" rtlCol="0">
+            <a:spAutoFit/>
+          </a:bodyPr>
+          <a:lstStyle/>
+          <a:p>
+            <a:r>
+              <a:rPr lang="en-US" sz="1100" dirty="0" smtClean="0"/>
+              <a:t>Degrees</a:t>
+            </a:r>
+            <a:endParaRPr lang="en-US" sz="1100" dirty="0"/>
+          </a:p>
+        </p:txBody>
+      </p:sp>
+      <p:sp>
+        <p:nvSpPr>
+          <p:cNvPr id="9" name="TextBox 8"/>
+          <p:cNvSpPr txBox="1"/>
+          <p:nvPr/>
+        </p:nvSpPr>
+        <p:spPr>
+          <a:xfrm>
+            <a:off x="4833934" y="4292157"/>
+            <a:ext cx="652464" cy="261610"/>
+          </a:xfrm>
+          <a:prstGeom prst="rect">
+            <a:avLst/>
+          </a:prstGeom>
+          <a:noFill/>
+        </p:spPr>
+        <p:txBody>
+          <a:bodyPr wrap="square" rtlCol="0">
+            <a:spAutoFit/>
+          </a:bodyPr>
+          <a:lstStyle/>
+          <a:p>
+            <a:r>
+              <a:rPr lang="en-US" sz="1100" dirty="0" smtClean="0"/>
+              <a:t>Power</a:t>
+            </a:r>
+            <a:endParaRPr lang="en-US" sz="1100" dirty="0"/>
+          </a:p>
+        </p:txBody>
+      </p:sp>
+      <p:sp>
+        <p:nvSpPr>
+          <p:cNvPr id="10" name="TextBox 9"/>
+          <p:cNvSpPr txBox="1"/>
+          <p:nvPr/>
+        </p:nvSpPr>
+        <p:spPr>
+          <a:xfrm>
+            <a:off x="3626807" y="3907281"/>
+            <a:ext cx="1054619" cy="261610"/>
+          </a:xfrm>
+          <a:prstGeom prst="rect">
+            <a:avLst/>
+          </a:prstGeom>
+          <a:noFill/>
+        </p:spPr>
+        <p:txBody>
+          <a:bodyPr wrap="square" rtlCol="0">
+            <a:spAutoFit/>
+          </a:bodyPr>
+          <a:lstStyle/>
+          <a:p>
+            <a:r>
+              <a:rPr lang="en-US" sz="1100" dirty="0" smtClean="0"/>
+              <a:t>Color</a:t>
+            </a:r>
+            <a:endParaRPr lang="en-US" sz="1100" dirty="0"/>
           </a:p>
         </p:txBody>
       </p:sp>
     </p:spTree>
     <p:extLst>
       <p:ext uri="{BB962C8B-B14F-4D97-AF65-F5344CB8AC3E}">
-        <p14:creationId xmlns:p14="http://schemas.microsoft.com/office/powerpoint/2010/main" val="4094186617"/>
+        <p14:creationId xmlns:p14="http://schemas.microsoft.com/office/powerpoint/2010/main" val="1278452750"/>
       </p:ext>
     </p:extLst>
   </p:cSld>
@@ -4696,7 +4805,7 @@
   <p:timing>
     <p:tnLst>
       <p:par>
-        <p:cTn xmlns:p14="http://schemas.microsoft.com/office/powerpoint/2010/main" id="1" dur="indefinite" restart="never" nodeType="tmRoot"/>
+        <p:cTn id="1" dur="indefinite" restart="never" nodeType="tmRoot"/>
       </p:par>
     </p:tnLst>
   </p:timing>
@@ -4720,6 +4829,193 @@
           <a:chExt cx="0" cy="0"/>
         </a:xfrm>
       </p:grpSpPr>
+      <p:pic>
+        <p:nvPicPr>
+          <p:cNvPr id="6" name="Picture 5" descr="Screen Clipping"/>
+          <p:cNvPicPr>
+            <a:picLocks noChangeAspect="1"/>
+          </p:cNvPicPr>
+          <p:nvPr/>
+        </p:nvPicPr>
+        <p:blipFill>
+          <a:blip r:embed="rId2">
+            <a:extLst>
+              <a:ext uri="{28A0092B-C50C-407E-A947-70E740481C1C}">
+                <a14:useLocalDpi xmlns:a14="http://schemas.microsoft.com/office/drawing/2010/main" val="0"/>
+              </a:ext>
+            </a:extLst>
+          </a:blip>
+          <a:stretch>
+            <a:fillRect/>
+          </a:stretch>
+        </p:blipFill>
+        <p:spPr>
+          <a:xfrm>
+            <a:off x="457199" y="1167471"/>
+            <a:ext cx="5270790" cy="4296054"/>
+          </a:xfrm>
+          <a:prstGeom prst="rect">
+            <a:avLst/>
+          </a:prstGeom>
+        </p:spPr>
+      </p:pic>
+      <p:sp>
+        <p:nvSpPr>
+          <p:cNvPr id="2" name="Title 1"/>
+          <p:cNvSpPr>
+            <a:spLocks noGrp="1"/>
+          </p:cNvSpPr>
+          <p:nvPr>
+            <p:ph type="title"/>
+          </p:nvPr>
+        </p:nvSpPr>
+        <p:spPr/>
+        <p:txBody>
+          <a:bodyPr/>
+          <a:lstStyle/>
+          <a:p>
+            <a:r>
+              <a:rPr lang="en-US" dirty="0" smtClean="0"/>
+              <a:t>STEP 3C: USING THE MY Block</a:t>
+            </a:r>
+            <a:endParaRPr lang="en-US" dirty="0"/>
+          </a:p>
+        </p:txBody>
+      </p:sp>
+      <p:sp>
+        <p:nvSpPr>
+          <p:cNvPr id="3" name="Content Placeholder 2"/>
+          <p:cNvSpPr>
+            <a:spLocks noGrp="1"/>
+          </p:cNvSpPr>
+          <p:nvPr>
+            <p:ph idx="1"/>
+          </p:nvPr>
+        </p:nvSpPr>
+        <p:spPr>
+          <a:xfrm>
+            <a:off x="4579936" y="1772667"/>
+            <a:ext cx="3890831" cy="4720207"/>
+          </a:xfrm>
+        </p:spPr>
+        <p:txBody>
+          <a:bodyPr>
+            <a:normAutofit fontScale="92500" lnSpcReduction="10000"/>
+          </a:bodyPr>
+          <a:lstStyle/>
+          <a:p>
+            <a:pPr marL="342900" indent="-342900">
+              <a:buFont typeface="Arial" panose="020B0604020202020204" pitchFamily="34" charset="0"/>
+              <a:buChar char="•"/>
+            </a:pPr>
+            <a:r>
+              <a:rPr lang="en-US" sz="1800" b="0" dirty="0" smtClean="0"/>
+              <a:t>Now the My Block appears in the turquoise tab and the same My Block can be used again and again with new inputs (see left)</a:t>
+            </a:r>
+          </a:p>
+          <a:p>
+            <a:pPr marL="342900" indent="-342900">
+              <a:buFont typeface="Arial" panose="020B0604020202020204" pitchFamily="34" charset="0"/>
+              <a:buChar char="•"/>
+            </a:pPr>
+            <a:r>
+              <a:rPr lang="en-US" sz="1800" b="0" dirty="0" smtClean="0"/>
+              <a:t>The first block alone solves the challenge of line following for 720 degrees.</a:t>
+            </a:r>
+          </a:p>
+          <a:p>
+            <a:pPr marL="342900" indent="-342900">
+              <a:buFont typeface="Arial" panose="020B0604020202020204" pitchFamily="34" charset="0"/>
+              <a:buChar char="•"/>
+            </a:pPr>
+            <a:r>
+              <a:rPr lang="en-US" sz="1800" b="0" dirty="0" smtClean="0"/>
+              <a:t>The second block in this code is to show that the same block can be used with different inputs to follow a different line for a different distance.</a:t>
+            </a:r>
+          </a:p>
+          <a:p>
+            <a:pPr marL="233363" indent="-233363">
+              <a:buFont typeface="Arial"/>
+              <a:buChar char="•"/>
+            </a:pPr>
+            <a:endParaRPr lang="en-US" sz="1800" b="0" dirty="0"/>
+          </a:p>
+          <a:p>
+            <a:pPr marL="347663" indent="-347663">
+              <a:buFont typeface="Arial"/>
+              <a:buChar char="•"/>
+            </a:pPr>
+            <a:r>
+              <a:rPr lang="en-US" sz="1800" b="0" dirty="0" smtClean="0"/>
+              <a:t>If you want to learn smoother line followers, proceed to the proportional control lesson in Advanced.</a:t>
+            </a:r>
+            <a:endParaRPr lang="en-US" sz="1800" b="0" dirty="0"/>
+          </a:p>
+          <a:p>
+            <a:endParaRPr lang="en-US" sz="1800" dirty="0"/>
+          </a:p>
+        </p:txBody>
+      </p:sp>
+      <p:sp>
+        <p:nvSpPr>
+          <p:cNvPr id="4" name="Footer Placeholder 3"/>
+          <p:cNvSpPr>
+            <a:spLocks noGrp="1"/>
+          </p:cNvSpPr>
+          <p:nvPr>
+            <p:ph type="ftr" sz="quarter" idx="11"/>
+          </p:nvPr>
+        </p:nvSpPr>
+        <p:spPr/>
+        <p:txBody>
+          <a:bodyPr/>
+          <a:lstStyle/>
+          <a:p>
+            <a:r>
+              <a:rPr lang="en-US" smtClean="0"/>
+              <a:t>© 2014, Droids Robotics,  Last edit 11/5/2015</a:t>
+            </a:r>
+            <a:endParaRPr lang="en-US"/>
+          </a:p>
+        </p:txBody>
+      </p:sp>
+    </p:spTree>
+    <p:extLst>
+      <p:ext uri="{BB962C8B-B14F-4D97-AF65-F5344CB8AC3E}">
+        <p14:creationId xmlns:p14="http://schemas.microsoft.com/office/powerpoint/2010/main" val="4094186617"/>
+      </p:ext>
+    </p:extLst>
+  </p:cSld>
+  <p:clrMapOvr>
+    <a:masterClrMapping/>
+  </p:clrMapOvr>
+  <p:timing>
+    <p:tnLst>
+      <p:par>
+        <p:cTn id="1" dur="indefinite" restart="never" nodeType="tmRoot"/>
+      </p:par>
+    </p:tnLst>
+  </p:timing>
+</p:sld>
+</file>
+
+<file path=ppt/slides/slide12.xml><?xml version="1.0" encoding="utf-8"?>
+<p:sld xmlns:a="http://schemas.openxmlformats.org/drawingml/2006/main" xmlns:r="http://schemas.openxmlformats.org/officeDocument/2006/relationships" xmlns:p="http://schemas.openxmlformats.org/presentationml/2006/main">
+  <p:cSld>
+    <p:spTree>
+      <p:nvGrpSpPr>
+        <p:cNvPr id="1" name=""/>
+        <p:cNvGrpSpPr/>
+        <p:nvPr/>
+      </p:nvGrpSpPr>
+      <p:grpSpPr>
+        <a:xfrm>
+          <a:off x="0" y="0"/>
+          <a:ext cx="0" cy="0"/>
+          <a:chOff x="0" y="0"/>
+          <a:chExt cx="0" cy="0"/>
+        </a:xfrm>
+      </p:grpSpPr>
       <p:sp>
         <p:nvSpPr>
           <p:cNvPr id="2" name="Title 1"/>
@@ -4808,7 +5104,7 @@
           <a:p>
             <a:r>
               <a:rPr lang="en-US" smtClean="0"/>
-              <a:t>© 2014, Droids Robotics,  Last edit 4/5/2015</a:t>
+              <a:t>© 2014, Droids Robotics,  Last edit 11/5/2015</a:t>
             </a:r>
             <a:endParaRPr lang="en-US" dirty="0"/>
           </a:p>
@@ -4839,7 +5135,7 @@
           <a:effectLst/>
           <a:extLst>
             <a:ext uri="{91240B29-F687-4f45-9708-019B960494DF}">
-              <a14:hiddenLine xmlns:a14="http://schemas.microsoft.com/office/drawing/2010/main" w="9525">
+              <a14:hiddenLine xmlns:a14="http://schemas.microsoft.com/office/drawing/2010/main" xmlns="" w="9525">
                 <a:solidFill>
                   <a:schemeClr val="tx1"/>
                 </a:solidFill>
@@ -4849,7 +5145,7 @@
               </a14:hiddenLine>
             </a:ext>
             <a:ext uri="{AF507438-7753-43e0-B8FC-AC1667EBCBE1}">
-              <a14:hiddenEffects xmlns:a14="http://schemas.microsoft.com/office/drawing/2010/main">
+              <a14:hiddenEffects xmlns:a14="http://schemas.microsoft.com/office/drawing/2010/main" xmlns="">
                 <a:effectLst>
                   <a:outerShdw dist="35921" dir="2700000" algn="ctr" rotWithShape="0">
                     <a:schemeClr val="bg2"/>
@@ -5202,7 +5498,7 @@
           <a:noFill/>
           <a:extLst>
             <a:ext uri="{909E8E84-426E-40dd-AFC4-6F175D3DCCD1}">
-              <a14:hiddenFill xmlns:a14="http://schemas.microsoft.com/office/drawing/2010/main">
+              <a14:hiddenFill xmlns:a14="http://schemas.microsoft.com/office/drawing/2010/main" xmlns="">
                 <a:solidFill>
                   <a:srgbClr val="FFFFFF"/>
                 </a:solidFill>
@@ -5224,7 +5520,7 @@
   <p:timing>
     <p:tnLst>
       <p:par>
-        <p:cTn xmlns:p14="http://schemas.microsoft.com/office/powerpoint/2010/main" id="1" dur="indefinite" restart="never" nodeType="tmRoot"/>
+        <p:cTn id="1" dur="indefinite" restart="never" nodeType="tmRoot"/>
       </p:par>
     </p:tnLst>
   </p:timing>
@@ -5283,7 +5579,9 @@
         </p:nvSpPr>
         <p:spPr/>
         <p:txBody>
-          <a:bodyPr/>
+          <a:bodyPr>
+            <a:normAutofit/>
+          </a:bodyPr>
           <a:lstStyle/>
           <a:p>
             <a:pPr marL="457200" indent="-457200">
@@ -5312,6 +5610,33 @@
               <a:t>Practice making a useful My Block</a:t>
             </a:r>
           </a:p>
+          <a:p>
+            <a:pPr marL="457200" indent="-457200">
+              <a:buAutoNum type="arabicParenR"/>
+            </a:pPr>
+            <a:endParaRPr lang="en-US" dirty="0"/>
+          </a:p>
+          <a:p>
+            <a:pPr marL="457200" indent="-457200">
+              <a:buAutoNum type="arabicParenR"/>
+            </a:pPr>
+            <a:endParaRPr lang="en-US" dirty="0" smtClean="0"/>
+          </a:p>
+          <a:p>
+            <a:r>
+              <a:rPr lang="en-US" dirty="0" smtClean="0"/>
+              <a:t>Prerequisites: My Blocks with Inputs &amp; Outputs, Data wires, Loops, Switches.</a:t>
+            </a:r>
+          </a:p>
+          <a:p>
+            <a:endParaRPr lang="en-US" dirty="0"/>
+          </a:p>
+          <a:p>
+            <a:r>
+              <a:rPr lang="en-US" sz="1600" b="0" i="1" dirty="0" smtClean="0"/>
+              <a:t>The code uses Blue Comment Blocks.  Make sure you are running the most recent version of the EV3 Software. EV3Lessons has Quick Guides to help you.</a:t>
+            </a:r>
+          </a:p>
         </p:txBody>
       </p:sp>
       <p:sp>
@@ -5331,7 +5656,7 @@
           <a:p>
             <a:r>
               <a:rPr lang="en-US" smtClean="0"/>
-              <a:t>© 2014, Droids Robotics,  Last edit 4/5/2015</a:t>
+              <a:t>© 2014, Droids Robotics,  Last edit 11/5/2015</a:t>
             </a:r>
             <a:endParaRPr lang="en-US"/>
           </a:p>
@@ -5347,6 +5672,13 @@
   <p:clrMapOvr>
     <a:masterClrMapping/>
   </p:clrMapOvr>
+  <p:timing>
+    <p:tnLst>
+      <p:par>
+        <p:cTn id="1" dur="indefinite" restart="never" nodeType="tmRoot"/>
+      </p:par>
+    </p:tnLst>
+  </p:timing>
 </p:sld>
 </file>
 
@@ -5473,7 +5805,7 @@
           <a:p>
             <a:r>
               <a:rPr lang="en-US" smtClean="0"/>
-              <a:t>© 2014, Droids Robotics,  Last edit 4/5/2015</a:t>
+              <a:t>© 2014, Droids Robotics,  Last edit 11/5/2015</a:t>
             </a:r>
             <a:endParaRPr lang="en-US"/>
           </a:p>
@@ -5500,7 +5832,7 @@
   <p:timing>
     <p:tnLst>
       <p:par>
-        <p:cTn xmlns:p14="http://schemas.microsoft.com/office/powerpoint/2010/main" id="1" dur="indefinite" restart="never" nodeType="tmRoot"/>
+        <p:cTn id="1" dur="indefinite" restart="never" nodeType="tmRoot"/>
       </p:par>
     </p:tnLst>
   </p:timing>
@@ -5574,15 +5906,7 @@
             </a:pPr>
             <a:r>
               <a:rPr lang="en-US" b="0" dirty="0" smtClean="0"/>
-              <a:t>You will need to know how to make a Simple Color Line Follower </a:t>
-            </a:r>
-            <a:r>
-              <a:rPr lang="en-US" b="0" dirty="0" smtClean="0"/>
-              <a:t>program and how to make a My Block with </a:t>
-            </a:r>
-            <a:r>
-              <a:rPr lang="en-US" b="0" dirty="0" smtClean="0"/>
-              <a:t>inputs</a:t>
+              <a:t>You will need to know how to make a Simple Color Line Follower program and how to make a My Block with inputs</a:t>
             </a:r>
           </a:p>
           <a:p>
@@ -5609,7 +5933,6 @@
               <a:rPr lang="en-US" b="0" dirty="0" smtClean="0"/>
               <a:t>lesson</a:t>
             </a:r>
-            <a:endParaRPr lang="en-US" b="0" dirty="0" smtClean="0"/>
           </a:p>
           <a:p>
             <a:pPr marL="457200" indent="-457200">
@@ -5617,11 +5940,7 @@
             </a:pPr>
             <a:r>
               <a:rPr lang="en-US" b="0" dirty="0" smtClean="0"/>
-              <a:t>Check </a:t>
-            </a:r>
-            <a:r>
-              <a:rPr lang="en-US" b="0" dirty="0" smtClean="0"/>
-              <a:t>which ports you have your color sensor connected to and adjust the code as needed</a:t>
+              <a:t>Check which ports you have your color sensor connected to and adjust the code as needed</a:t>
             </a:r>
             <a:endParaRPr lang="en-US" b="0" dirty="0"/>
           </a:p>
@@ -5631,15 +5950,7 @@
             </a:pPr>
             <a:r>
               <a:rPr lang="en-US" b="0" dirty="0" smtClean="0"/>
-              <a:t>You may have to adjust the speed or direction to work for your robot.  </a:t>
-            </a:r>
-            <a:r>
-              <a:rPr lang="en-US" b="0" dirty="0" smtClean="0"/>
-              <a:t>Make sure that the </a:t>
-            </a:r>
-            <a:r>
-              <a:rPr lang="en-US" b="0" dirty="0" smtClean="0"/>
-              <a:t>the color sensor is in front of the wheels in the direction of travel.</a:t>
+              <a:t>You may have to adjust the speed or direction to work for your robot.  Make sure that the the color sensor is in front of the wheels in the direction of travel.</a:t>
             </a:r>
             <a:endParaRPr lang="en-US" b="0" dirty="0"/>
           </a:p>
@@ -5649,11 +5960,7 @@
             </a:pPr>
             <a:r>
               <a:rPr lang="en-US" b="0" dirty="0" smtClean="0"/>
-              <a:t>Make sure you place the robot on the side of the line that you are following.  The most common mistake is placing the robot on the wrong side of the line to begin with</a:t>
-            </a:r>
-            <a:r>
-              <a:rPr lang="en-US" b="0" dirty="0" smtClean="0"/>
-              <a:t>.</a:t>
+              <a:t>Make sure you place the robot on the side of the line that you are following.  The most common mistake is placing the robot on the wrong side of the line to begin with.</a:t>
             </a:r>
           </a:p>
           <a:p>
@@ -5662,11 +5969,11 @@
             </a:pPr>
             <a:r>
               <a:rPr lang="en-US" b="0" dirty="0"/>
-              <a:t>Follow along in the companion EV3 File.  Always start at Stage </a:t>
+              <a:t>Follow along in the companion EV3 File</a:t>
             </a:r>
             <a:r>
               <a:rPr lang="en-US" b="0" dirty="0" smtClean="0"/>
-              <a:t>1</a:t>
+              <a:t>.</a:t>
             </a:r>
             <a:endParaRPr lang="en-US" b="0" dirty="0"/>
           </a:p>
@@ -5689,7 +5996,7 @@
           <a:p>
             <a:r>
               <a:rPr lang="en-US" smtClean="0"/>
-              <a:t>© 2014, Droids Robotics, v. 2.0, Last edit 4/5/2015</a:t>
+              <a:t>© 2014, Droids Robotics,  Last edit 11/5/2015</a:t>
             </a:r>
             <a:endParaRPr lang="en-US"/>
           </a:p>
@@ -5708,7 +6015,7 @@
   <p:timing>
     <p:tnLst>
       <p:par>
-        <p:cTn xmlns:p14="http://schemas.microsoft.com/office/powerpoint/2010/main" id="1" dur="indefinite" restart="never" nodeType="tmRoot"/>
+        <p:cTn id="1" dur="indefinite" restart="never" nodeType="tmRoot"/>
       </p:par>
     </p:tnLst>
   </p:timing>
@@ -5734,14 +6041,271 @@
       </p:grpSpPr>
       <p:sp>
         <p:nvSpPr>
+          <p:cNvPr id="2" name="Title 1"/>
+          <p:cNvSpPr>
+            <a:spLocks noGrp="1"/>
+          </p:cNvSpPr>
+          <p:nvPr>
+            <p:ph type="title"/>
+          </p:nvPr>
+        </p:nvSpPr>
+        <p:spPr/>
+        <p:txBody>
+          <a:bodyPr/>
+          <a:lstStyle/>
+          <a:p>
+            <a:r>
+              <a:rPr lang="en-US" dirty="0" smtClean="0"/>
+              <a:t>New Block</a:t>
+            </a:r>
+            <a:endParaRPr lang="en-US" dirty="0"/>
+          </a:p>
+        </p:txBody>
+      </p:sp>
+      <p:sp>
+        <p:nvSpPr>
+          <p:cNvPr id="3" name="Content Placeholder 2"/>
+          <p:cNvSpPr>
+            <a:spLocks noGrp="1"/>
+          </p:cNvSpPr>
+          <p:nvPr>
+            <p:ph idx="1"/>
+          </p:nvPr>
+        </p:nvSpPr>
+        <p:spPr>
+          <a:xfrm>
+            <a:off x="457200" y="1152992"/>
+            <a:ext cx="8245474" cy="4373563"/>
+          </a:xfrm>
+        </p:spPr>
+        <p:txBody>
+          <a:bodyPr/>
+          <a:lstStyle/>
+          <a:p>
+            <a:r>
+              <a:rPr lang="en-US" dirty="0" smtClean="0"/>
+              <a:t>In this lesson, you will use the Sensor Block from the yellow tab for the first time.</a:t>
+            </a:r>
+            <a:endParaRPr lang="en-US" dirty="0"/>
+          </a:p>
+        </p:txBody>
+      </p:sp>
+      <p:sp>
+        <p:nvSpPr>
+          <p:cNvPr id="4" name="Footer Placeholder 3"/>
+          <p:cNvSpPr>
+            <a:spLocks noGrp="1"/>
+          </p:cNvSpPr>
+          <p:nvPr>
+            <p:ph type="ftr" sz="quarter" idx="11"/>
+          </p:nvPr>
+        </p:nvSpPr>
+        <p:spPr/>
+        <p:txBody>
+          <a:bodyPr/>
+          <a:lstStyle/>
+          <a:p>
+            <a:r>
+              <a:rPr lang="en-US" smtClean="0"/>
+              <a:t>© 2014, Droids Robotics,  Last edit 11/5/2015</a:t>
+            </a:r>
+            <a:endParaRPr lang="en-US"/>
+          </a:p>
+        </p:txBody>
+      </p:sp>
+      <p:pic>
+        <p:nvPicPr>
+          <p:cNvPr id="5" name="Picture 4" descr="Screen Clipping"/>
+          <p:cNvPicPr>
+            <a:picLocks noChangeAspect="1"/>
+          </p:cNvPicPr>
+          <p:nvPr/>
+        </p:nvPicPr>
+        <p:blipFill>
+          <a:blip r:embed="rId2">
+            <a:extLst>
+              <a:ext uri="{28A0092B-C50C-407E-A947-70E740481C1C}">
+                <a14:useLocalDpi xmlns:a14="http://schemas.microsoft.com/office/drawing/2010/main" val="0"/>
+              </a:ext>
+            </a:extLst>
+          </a:blip>
+          <a:stretch>
+            <a:fillRect/>
+          </a:stretch>
+        </p:blipFill>
+        <p:spPr>
+          <a:xfrm>
+            <a:off x="578774" y="1754536"/>
+            <a:ext cx="7986452" cy="1097375"/>
+          </a:xfrm>
+          <a:prstGeom prst="rect">
+            <a:avLst/>
+          </a:prstGeom>
+        </p:spPr>
+      </p:pic>
+      <p:pic>
+        <p:nvPicPr>
+          <p:cNvPr id="10" name="Picture 9" descr="Screen Clipping"/>
+          <p:cNvPicPr>
+            <a:picLocks noChangeAspect="1"/>
+          </p:cNvPicPr>
+          <p:nvPr/>
+        </p:nvPicPr>
+        <p:blipFill>
+          <a:blip r:embed="rId3">
+            <a:extLst>
+              <a:ext uri="{28A0092B-C50C-407E-A947-70E740481C1C}">
+                <a14:useLocalDpi xmlns:a14="http://schemas.microsoft.com/office/drawing/2010/main" val="0"/>
+              </a:ext>
+            </a:extLst>
+          </a:blip>
+          <a:stretch>
+            <a:fillRect/>
+          </a:stretch>
+        </p:blipFill>
+        <p:spPr>
+          <a:xfrm>
+            <a:off x="3969082" y="3392717"/>
+            <a:ext cx="4580368" cy="2733446"/>
+          </a:xfrm>
+          <a:prstGeom prst="rect">
+            <a:avLst/>
+          </a:prstGeom>
+        </p:spPr>
+      </p:pic>
+      <p:sp>
+        <p:nvSpPr>
+          <p:cNvPr id="13" name="TextBox 12"/>
+          <p:cNvSpPr txBox="1"/>
+          <p:nvPr/>
+        </p:nvSpPr>
+        <p:spPr>
+          <a:xfrm>
+            <a:off x="457200" y="3132944"/>
+            <a:ext cx="3380282" cy="2862322"/>
+          </a:xfrm>
+          <a:prstGeom prst="rect">
+            <a:avLst/>
+          </a:prstGeom>
+          <a:noFill/>
+        </p:spPr>
+        <p:txBody>
+          <a:bodyPr wrap="square" rtlCol="0">
+            <a:spAutoFit/>
+          </a:bodyPr>
+          <a:lstStyle/>
+          <a:p>
+            <a:r>
+              <a:rPr lang="en-US" dirty="0" smtClean="0"/>
+              <a:t>We will use the Motor Rotation block.  This is the rotation sensor.</a:t>
+            </a:r>
+          </a:p>
+          <a:p>
+            <a:endParaRPr lang="en-US" dirty="0"/>
+          </a:p>
+          <a:p>
+            <a:r>
+              <a:rPr lang="en-US" dirty="0" smtClean="0"/>
+              <a:t>The block has many useful modes.</a:t>
+            </a:r>
+          </a:p>
+          <a:p>
+            <a:endParaRPr lang="en-US" dirty="0"/>
+          </a:p>
+          <a:p>
+            <a:r>
+              <a:rPr lang="en-US" dirty="0" smtClean="0"/>
+              <a:t>In this lesson, we learn to use it in reset mode so that the value in the sensor will be set to 0.</a:t>
+            </a:r>
+          </a:p>
+        </p:txBody>
+      </p:sp>
+      <p:sp>
+        <p:nvSpPr>
+          <p:cNvPr id="14" name="Rounded Rectangle 13"/>
+          <p:cNvSpPr/>
+          <p:nvPr/>
+        </p:nvSpPr>
+        <p:spPr>
+          <a:xfrm>
+            <a:off x="5058136" y="5503404"/>
+            <a:ext cx="1551007" cy="330235"/>
+          </a:xfrm>
+          <a:prstGeom prst="roundRect">
+            <a:avLst/>
+          </a:prstGeom>
+          <a:noFill/>
+          <a:ln w="57150">
+            <a:solidFill>
+              <a:srgbClr val="FF0000"/>
+            </a:solidFill>
+          </a:ln>
+        </p:spPr>
+        <p:style>
+          <a:lnRef idx="2">
+            <a:schemeClr val="accent1">
+              <a:shade val="50000"/>
+            </a:schemeClr>
+          </a:lnRef>
+          <a:fillRef idx="1">
+            <a:schemeClr val="accent1"/>
+          </a:fillRef>
+          <a:effectRef idx="0">
+            <a:schemeClr val="accent1"/>
+          </a:effectRef>
+          <a:fontRef idx="minor">
+            <a:schemeClr val="lt1"/>
+          </a:fontRef>
+        </p:style>
+        <p:txBody>
+          <a:bodyPr rtlCol="0" anchor="ctr"/>
+          <a:lstStyle/>
+          <a:p>
+            <a:pPr algn="ctr"/>
+            <a:endParaRPr lang="en-US"/>
+          </a:p>
+        </p:txBody>
+      </p:sp>
+    </p:spTree>
+    <p:extLst>
+      <p:ext uri="{BB962C8B-B14F-4D97-AF65-F5344CB8AC3E}">
+        <p14:creationId xmlns:p14="http://schemas.microsoft.com/office/powerpoint/2010/main" val="4293960550"/>
+      </p:ext>
+    </p:extLst>
+  </p:cSld>
+  <p:clrMapOvr>
+    <a:masterClrMapping/>
+  </p:clrMapOvr>
+</p:sld>
+</file>
+
+<file path=ppt/slides/slide6.xml><?xml version="1.0" encoding="utf-8"?>
+<p:sld xmlns:a="http://schemas.openxmlformats.org/drawingml/2006/main" xmlns:r="http://schemas.openxmlformats.org/officeDocument/2006/relationships" xmlns:p="http://schemas.openxmlformats.org/presentationml/2006/main">
+  <p:cSld>
+    <p:spTree>
+      <p:nvGrpSpPr>
+        <p:cNvPr id="1" name=""/>
+        <p:cNvGrpSpPr/>
+        <p:nvPr/>
+      </p:nvGrpSpPr>
+      <p:grpSpPr>
+        <a:xfrm>
+          <a:off x="0" y="0"/>
+          <a:ext cx="0" cy="0"/>
+          <a:chOff x="0" y="0"/>
+          <a:chExt cx="0" cy="0"/>
+        </a:xfrm>
+      </p:grpSpPr>
+      <p:sp>
+        <p:nvSpPr>
           <p:cNvPr id="13" name="Rectangle 12"/>
           <p:cNvSpPr/>
           <p:nvPr/>
         </p:nvSpPr>
         <p:spPr>
           <a:xfrm>
-            <a:off x="5863547" y="1370114"/>
-            <a:ext cx="2649207" cy="4320745"/>
+            <a:off x="4966080" y="1524318"/>
+            <a:ext cx="3602187" cy="4320745"/>
           </a:xfrm>
           <a:prstGeom prst="rect">
             <a:avLst/>
@@ -5790,7 +6354,7 @@
           <a:p>
             <a:r>
               <a:rPr lang="en-US" dirty="0" smtClean="0"/>
-              <a:t>Challenge with TIPS</a:t>
+              <a:t>Color Follower for distance in 3 easy steps</a:t>
             </a:r>
             <a:endParaRPr lang="en-US" dirty="0"/>
           </a:p>
@@ -5808,68 +6372,97 @@
         </p:nvSpPr>
         <p:spPr>
           <a:xfrm>
-            <a:off x="457201" y="2633099"/>
-            <a:ext cx="5077556" cy="3493064"/>
+            <a:off x="389951" y="1486248"/>
+            <a:ext cx="4402802" cy="4736752"/>
           </a:xfrm>
         </p:spPr>
         <p:txBody>
           <a:bodyPr>
-            <a:normAutofit fontScale="85000" lnSpcReduction="20000"/>
+            <a:normAutofit fontScale="92500"/>
           </a:bodyPr>
           <a:lstStyle/>
           <a:p>
-            <a:pPr marL="457200" indent="-457200">
-              <a:buAutoNum type="arabicParenR"/>
-            </a:pPr>
+            <a:r>
+              <a:rPr lang="en-US" dirty="0" smtClean="0"/>
+              <a:t>STEP 1: </a:t>
+            </a:r>
             <a:r>
               <a:rPr lang="en-US" b="0" dirty="0" smtClean="0"/>
               <a:t>Create a simple color line follower program</a:t>
             </a:r>
           </a:p>
           <a:p>
-            <a:pPr marL="457200" indent="-457200">
-              <a:buAutoNum type="arabicParenR"/>
+            <a:r>
+              <a:rPr lang="en-US" dirty="0" smtClean="0"/>
+              <a:t>STEP 2: </a:t>
+            </a:r>
+          </a:p>
+          <a:p>
+            <a:pPr>
+              <a:tabLst>
+                <a:tab pos="515938" algn="l"/>
+              </a:tabLst>
             </a:pPr>
             <a:r>
+              <a:rPr lang="en-US" b="0" dirty="0"/>
+              <a:t>	</a:t>
+            </a:r>
+            <a:r>
               <a:rPr lang="en-US" b="0" dirty="0" smtClean="0"/>
-              <a:t>Include a “reset the rotation” sensor block to delete any prior readings</a:t>
-            </a:r>
-          </a:p>
-          <a:p>
-            <a:pPr marL="457200" indent="-457200">
-              <a:buAutoNum type="arabicParenR"/>
+              <a:t>A. Include a “reset the rotation” sensor block to delete any prior readings</a:t>
+            </a:r>
+          </a:p>
+          <a:p>
+            <a:pPr>
+              <a:tabLst>
+                <a:tab pos="515938" algn="l"/>
+              </a:tabLst>
             </a:pPr>
             <a:r>
+              <a:rPr lang="en-US" b="0" dirty="0"/>
+              <a:t>	</a:t>
+            </a:r>
+            <a:r>
               <a:rPr lang="en-US" b="0" dirty="0" smtClean="0"/>
-              <a:t>Exit the line follower loop when the robot has moved certain degrees</a:t>
-            </a:r>
-          </a:p>
-          <a:p>
-            <a:pPr marL="457200" indent="-457200">
-              <a:buAutoNum type="arabicParenR"/>
+              <a:t>B. Exit the line follower loop when the robot has moved certain degrees</a:t>
+            </a:r>
+          </a:p>
+          <a:p>
+            <a:r>
+              <a:rPr lang="en-US" dirty="0" smtClean="0"/>
+              <a:t>STEP 3:</a:t>
+            </a:r>
+          </a:p>
+          <a:p>
+            <a:pPr>
+              <a:tabLst>
+                <a:tab pos="515938" algn="l"/>
+              </a:tabLst>
             </a:pPr>
             <a:r>
+              <a:rPr lang="en-US" b="0" dirty="0"/>
+              <a:t>	</a:t>
+            </a:r>
+            <a:r>
               <a:rPr lang="en-US" b="0" dirty="0" smtClean="0"/>
-              <a:t>Set up the the following inputs before the loop: degrees, power and color using constants. </a:t>
-            </a:r>
-          </a:p>
-          <a:p>
-            <a:pPr marL="457200" indent="-457200">
-              <a:buAutoNum type="arabicParenR"/>
+              <a:t>A. Create a My Block with the code in Step 2 with inputs for degrees, power and color. </a:t>
+            </a:r>
+          </a:p>
+          <a:p>
+            <a:pPr>
+              <a:tabLst>
+                <a:tab pos="515938" algn="l"/>
+              </a:tabLst>
             </a:pPr>
             <a:r>
+              <a:rPr lang="en-US" b="0" dirty="0"/>
+              <a:t>	</a:t>
+            </a:r>
+            <a:r>
               <a:rPr lang="en-US" b="0" dirty="0" smtClean="0"/>
-              <a:t>Using data wires, connect the degrees to the exit condition for the loop. Connect the power to the move block.  Connect the color to the color sensor block.</a:t>
-            </a:r>
-          </a:p>
-          <a:p>
-            <a:pPr marL="457200" indent="-457200">
-              <a:buAutoNum type="arabicParenR"/>
-            </a:pPr>
-            <a:r>
-              <a:rPr lang="en-US" b="0" dirty="0" smtClean="0"/>
-              <a:t>Make this line follower into a My Block</a:t>
-            </a:r>
+              <a:t>B. Wire the inputs in the My Block</a:t>
+            </a:r>
+            <a:endParaRPr lang="en-US" dirty="0" smtClean="0"/>
           </a:p>
           <a:p>
             <a:pPr marL="457200" indent="-457200">
@@ -5881,12 +6474,6 @@
             <a:pPr marL="457200" indent="-457200">
               <a:buAutoNum type="arabicParenR"/>
             </a:pPr>
-            <a:endParaRPr lang="en-US" dirty="0" smtClean="0"/>
-          </a:p>
-          <a:p>
-            <a:pPr marL="457200" indent="-457200">
-              <a:buAutoNum type="arabicParenR"/>
-            </a:pPr>
             <a:endParaRPr lang="en-US" dirty="0"/>
           </a:p>
         </p:txBody>
@@ -5908,7 +6495,7 @@
           <a:p>
             <a:r>
               <a:rPr lang="en-US" smtClean="0"/>
-              <a:t>© 2014, Droids Robotics,  Last edit 4/5/2015</a:t>
+              <a:t>© 2014, Droids Robotics,  Last edit 11/5/2015</a:t>
             </a:r>
             <a:endParaRPr lang="en-US"/>
           </a:p>
@@ -5922,8 +6509,8 @@
         </p:nvSpPr>
         <p:spPr>
           <a:xfrm>
-            <a:off x="579049" y="1025664"/>
-            <a:ext cx="4821211" cy="1477328"/>
+            <a:off x="5050342" y="1622734"/>
+            <a:ext cx="3334565" cy="1384995"/>
           </a:xfrm>
           <a:prstGeom prst="rect">
             <a:avLst/>
@@ -5937,38 +6524,14 @@
           <a:lstStyle/>
           <a:p>
             <a:r>
-              <a:rPr lang="en-US" dirty="0" smtClean="0">
+              <a:rPr lang="en-US" sz="1400" dirty="0" smtClean="0">
                 <a:solidFill>
                   <a:srgbClr val="FF0000"/>
                 </a:solidFill>
               </a:rPr>
-              <a:t>Challenge: Write a line follower </a:t>
-            </a:r>
-            <a:r>
-              <a:rPr lang="en-US" dirty="0" smtClean="0">
-                <a:solidFill>
-                  <a:srgbClr val="FF0000"/>
-                </a:solidFill>
-              </a:rPr>
-              <a:t>My Block </a:t>
-            </a:r>
-            <a:r>
-              <a:rPr lang="en-US" dirty="0" smtClean="0">
-                <a:solidFill>
-                  <a:srgbClr val="FF0000"/>
-                </a:solidFill>
-              </a:rPr>
-              <a:t>that </a:t>
-            </a:r>
-            <a:r>
-              <a:rPr lang="en-US" dirty="0" smtClean="0">
-                <a:solidFill>
-                  <a:srgbClr val="FF0000"/>
-                </a:solidFill>
-              </a:rPr>
-              <a:t>follows a colored line and stops after moving a certain number of degrees.  The line follower should take three inputs (degrees, power and color to follow)</a:t>
-            </a:r>
-            <a:endParaRPr lang="en-US" dirty="0">
+              <a:t>Challenge: Write a line follower My Block that follows a colored line and stops after moving a certain number of degrees.  The line follower should take three inputs (degrees, power and color to follow).</a:t>
+            </a:r>
+            <a:endParaRPr lang="en-US" sz="1400" dirty="0">
               <a:solidFill>
                 <a:srgbClr val="FF0000"/>
               </a:solidFill>
@@ -5984,8 +6547,8 @@
         </p:nvCxnSpPr>
         <p:spPr>
           <a:xfrm flipV="1">
-            <a:off x="7198351" y="1751371"/>
-            <a:ext cx="0" cy="3538976"/>
+            <a:off x="7198351" y="3232780"/>
+            <a:ext cx="0" cy="2057567"/>
           </a:xfrm>
           <a:prstGeom prst="line">
             <a:avLst/>
@@ -6220,7 +6783,7 @@
         </p:nvSpPr>
         <p:spPr>
           <a:xfrm>
-            <a:off x="5901072" y="1834912"/>
+            <a:off x="6047376" y="3570788"/>
             <a:ext cx="1220941" cy="646331"/>
           </a:xfrm>
           <a:prstGeom prst="rect">
@@ -6255,7 +6818,7 @@
   <p:timing>
     <p:tnLst>
       <p:par>
-        <p:cTn xmlns:p14="http://schemas.microsoft.com/office/powerpoint/2010/main" id="1" dur="indefinite" restart="never" nodeType="tmRoot">
+        <p:cTn id="1" dur="indefinite" restart="never" nodeType="tmRoot">
           <p:childTnLst>
             <p:seq concurrent="1" nextAc="seek">
               <p:cTn id="2" dur="indefinite" nodeType="mainSeq">
@@ -6325,7 +6888,7 @@
 </p:sld>
 </file>
 
-<file path=ppt/slides/slide6.xml><?xml version="1.0" encoding="utf-8"?>
+<file path=ppt/slides/slide7.xml><?xml version="1.0" encoding="utf-8"?>
 <p:sld xmlns:a="http://schemas.openxmlformats.org/drawingml/2006/main" xmlns:r="http://schemas.openxmlformats.org/officeDocument/2006/relationships" xmlns:p="http://schemas.openxmlformats.org/presentationml/2006/main">
   <p:cSld>
     <p:spTree>
@@ -6359,7 +6922,7 @@
           <a:p>
             <a:r>
               <a:rPr lang="en-US" dirty="0" smtClean="0"/>
-              <a:t>STAGE 1: Simple Color Line Follower</a:t>
+              <a:t>Step 1: Simple Color Line Follower</a:t>
             </a:r>
             <a:endParaRPr lang="en-US" dirty="0"/>
           </a:p>
@@ -6382,7 +6945,7 @@
           <a:p>
             <a:r>
               <a:rPr lang="en-US" smtClean="0"/>
-              <a:t>© 2014, Droids Robotics,  Last edit 4/5/2015</a:t>
+              <a:t>© 2014, Droids Robotics,  Last edit 11/5/2015</a:t>
             </a:r>
             <a:endParaRPr lang="en-US" dirty="0"/>
           </a:p>
@@ -6431,229 +6994,7 @@
   <p:timing>
     <p:tnLst>
       <p:par>
-        <p:cTn xmlns:p14="http://schemas.microsoft.com/office/powerpoint/2010/main" id="1" dur="indefinite" restart="never" nodeType="tmRoot"/>
-      </p:par>
-    </p:tnLst>
-  </p:timing>
-</p:sld>
-</file>
-
-<file path=ppt/slides/slide7.xml><?xml version="1.0" encoding="utf-8"?>
-<p:sld xmlns:a="http://schemas.openxmlformats.org/drawingml/2006/main" xmlns:r="http://schemas.openxmlformats.org/officeDocument/2006/relationships" xmlns:p="http://schemas.openxmlformats.org/presentationml/2006/main">
-  <p:cSld>
-    <p:spTree>
-      <p:nvGrpSpPr>
-        <p:cNvPr id="1" name=""/>
-        <p:cNvGrpSpPr/>
-        <p:nvPr/>
-      </p:nvGrpSpPr>
-      <p:grpSpPr>
-        <a:xfrm>
-          <a:off x="0" y="0"/>
-          <a:ext cx="0" cy="0"/>
-          <a:chOff x="0" y="0"/>
-          <a:chExt cx="0" cy="0"/>
-        </a:xfrm>
-      </p:grpSpPr>
-      <p:sp>
-        <p:nvSpPr>
-          <p:cNvPr id="2" name="Footer Placeholder 1"/>
-          <p:cNvSpPr>
-            <a:spLocks noGrp="1"/>
-          </p:cNvSpPr>
-          <p:nvPr>
-            <p:ph type="ftr" sz="quarter" idx="11"/>
-          </p:nvPr>
-        </p:nvSpPr>
-        <p:spPr/>
-        <p:txBody>
-          <a:bodyPr/>
-          <a:lstStyle/>
-          <a:p>
-            <a:r>
-              <a:rPr lang="en-US" smtClean="0"/>
-              <a:t>© 2014, Droids Robotics,  Last edit 4/5/2015</a:t>
-            </a:r>
-            <a:endParaRPr lang="en-US"/>
-          </a:p>
-        </p:txBody>
-      </p:sp>
-      <p:sp>
-        <p:nvSpPr>
-          <p:cNvPr id="6" name="Title 7"/>
-          <p:cNvSpPr txBox="1">
-            <a:spLocks/>
-          </p:cNvSpPr>
-          <p:nvPr/>
-        </p:nvSpPr>
-        <p:spPr>
-          <a:xfrm>
-            <a:off x="457199" y="152718"/>
-            <a:ext cx="8245475" cy="1371600"/>
-          </a:xfrm>
-          <a:prstGeom prst="rect">
-            <a:avLst/>
-          </a:prstGeom>
-        </p:spPr>
-        <p:txBody>
-          <a:bodyPr/>
-          <a:lstStyle>
-            <a:lvl1pPr algn="l" defTabSz="914400" rtl="0" eaLnBrk="1" latinLnBrk="0" hangingPunct="1">
-              <a:spcBef>
-                <a:spcPct val="0"/>
-              </a:spcBef>
-              <a:buNone/>
-              <a:defRPr sz="3600" kern="1200" cap="all" spc="-60" baseline="0">
-                <a:solidFill>
-                  <a:schemeClr val="tx2"/>
-                </a:solidFill>
-                <a:latin typeface="+mj-lt"/>
-                <a:ea typeface="+mj-ea"/>
-                <a:cs typeface="+mj-cs"/>
-              </a:defRPr>
-            </a:lvl1pPr>
-          </a:lstStyle>
-          <a:p>
-            <a:r>
-              <a:rPr lang="en-US" dirty="0" smtClean="0"/>
-              <a:t>STAGE 2: RESET &amp; DEGREES</a:t>
-            </a:r>
-            <a:endParaRPr lang="en-US" dirty="0"/>
-          </a:p>
-        </p:txBody>
-      </p:sp>
-      <p:pic>
-        <p:nvPicPr>
-          <p:cNvPr id="5" name="Picture 4" descr="Screen Shot 2014-10-12 at 7.13.06 PM.png"/>
-          <p:cNvPicPr>
-            <a:picLocks noChangeAspect="1"/>
-          </p:cNvPicPr>
-          <p:nvPr/>
-        </p:nvPicPr>
-        <p:blipFill>
-          <a:blip r:embed="rId2">
-            <a:extLst>
-              <a:ext uri="{28A0092B-C50C-407E-A947-70E740481C1C}">
-                <a14:useLocalDpi xmlns:a14="http://schemas.microsoft.com/office/drawing/2010/main" val="0"/>
-              </a:ext>
-            </a:extLst>
-          </a:blip>
-          <a:stretch>
-            <a:fillRect/>
-          </a:stretch>
-        </p:blipFill>
-        <p:spPr>
-          <a:xfrm>
-            <a:off x="260946" y="1278344"/>
-            <a:ext cx="8702674" cy="4269967"/>
-          </a:xfrm>
-          <a:prstGeom prst="rect">
-            <a:avLst/>
-          </a:prstGeom>
-        </p:spPr>
-      </p:pic>
-      <p:sp>
-        <p:nvSpPr>
-          <p:cNvPr id="8" name="Oval 7"/>
-          <p:cNvSpPr/>
-          <p:nvPr/>
-        </p:nvSpPr>
-        <p:spPr>
-          <a:xfrm>
-            <a:off x="260946" y="2504888"/>
-            <a:ext cx="1287337" cy="1095890"/>
-          </a:xfrm>
-          <a:prstGeom prst="ellipse">
-            <a:avLst/>
-          </a:prstGeom>
-          <a:noFill/>
-          <a:ln w="57150" cmpd="sng">
-            <a:solidFill>
-              <a:srgbClr val="FF0000"/>
-            </a:solidFill>
-          </a:ln>
-        </p:spPr>
-        <p:style>
-          <a:lnRef idx="1">
-            <a:schemeClr val="accent5"/>
-          </a:lnRef>
-          <a:fillRef idx="3">
-            <a:schemeClr val="accent5"/>
-          </a:fillRef>
-          <a:effectRef idx="2">
-            <a:schemeClr val="accent5"/>
-          </a:effectRef>
-          <a:fontRef idx="minor">
-            <a:schemeClr val="lt1"/>
-          </a:fontRef>
-        </p:style>
-        <p:txBody>
-          <a:bodyPr rtlCol="0" anchor="ctr"/>
-          <a:lstStyle/>
-          <a:p>
-            <a:pPr algn="ctr"/>
-            <a:endParaRPr lang="en-US"/>
-          </a:p>
-        </p:txBody>
-      </p:sp>
-      <p:sp>
-        <p:nvSpPr>
-          <p:cNvPr id="9" name="Oval 8"/>
-          <p:cNvSpPr/>
-          <p:nvPr/>
-        </p:nvSpPr>
-        <p:spPr>
-          <a:xfrm>
-            <a:off x="7676283" y="3422671"/>
-            <a:ext cx="1287337" cy="1095890"/>
-          </a:xfrm>
-          <a:prstGeom prst="ellipse">
-            <a:avLst/>
-          </a:prstGeom>
-          <a:noFill/>
-          <a:ln w="57150" cmpd="sng">
-            <a:solidFill>
-              <a:srgbClr val="FF0000"/>
-            </a:solidFill>
-          </a:ln>
-        </p:spPr>
-        <p:style>
-          <a:lnRef idx="1">
-            <a:schemeClr val="accent5"/>
-          </a:lnRef>
-          <a:fillRef idx="3">
-            <a:schemeClr val="accent5"/>
-          </a:fillRef>
-          <a:effectRef idx="2">
-            <a:schemeClr val="accent5"/>
-          </a:effectRef>
-          <a:fontRef idx="minor">
-            <a:schemeClr val="lt1"/>
-          </a:fontRef>
-        </p:style>
-        <p:txBody>
-          <a:bodyPr rtlCol="0" anchor="ctr"/>
-          <a:lstStyle/>
-          <a:p>
-            <a:pPr algn="ctr"/>
-            <a:endParaRPr lang="en-US"/>
-          </a:p>
-        </p:txBody>
-      </p:sp>
-    </p:spTree>
-    <p:extLst>
-      <p:ext uri="{BB962C8B-B14F-4D97-AF65-F5344CB8AC3E}">
-        <p14:creationId xmlns:p14="http://schemas.microsoft.com/office/powerpoint/2010/main" val="4078827946"/>
-      </p:ext>
-    </p:extLst>
-  </p:cSld>
-  <p:clrMapOvr>
-    <a:masterClrMapping/>
-  </p:clrMapOvr>
-  <p:timing>
-    <p:tnLst>
-      <p:par>
-        <p:cTn xmlns:p14="http://schemas.microsoft.com/office/powerpoint/2010/main" id="1" dur="indefinite" restart="never" nodeType="tmRoot"/>
+        <p:cTn id="1" dur="indefinite" restart="never" nodeType="tmRoot"/>
       </p:par>
     </p:tnLst>
   </p:timing>
@@ -6694,7 +7035,7 @@
           <a:p>
             <a:r>
               <a:rPr lang="en-US" smtClean="0"/>
-              <a:t>© 2014, Droids Robotics,  Last edit 4/5/2015</a:t>
+              <a:t>© 2014, Droids Robotics,  Last edit 11/5/2015</a:t>
             </a:r>
             <a:endParaRPr lang="en-US"/>
           </a:p>
@@ -6738,7 +7079,7 @@
           <a:p>
             <a:r>
               <a:rPr lang="en-US" dirty="0" smtClean="0"/>
-              <a:t>STAGE 3: ADDING INPUTS</a:t>
+              <a:t>Step 2: ADD A RESET &amp; LOOP EXIT condition</a:t>
             </a:r>
             <a:endParaRPr lang="en-US" dirty="0"/>
           </a:p>
@@ -6746,7 +7087,7 @@
       </p:sp>
       <p:pic>
         <p:nvPicPr>
-          <p:cNvPr id="3" name="Picture 2" descr="Screen Shot 2014-10-12 at 7.14.06 PM.png"/>
+          <p:cNvPr id="5" name="Picture 4" descr="Screen Shot 2014-10-12 at 7.13.06 PM.png"/>
           <p:cNvPicPr>
             <a:picLocks noChangeAspect="1"/>
           </p:cNvPicPr>
@@ -6766,8 +7107,8 @@
         </p:blipFill>
         <p:spPr>
           <a:xfrm>
-            <a:off x="156568" y="1784770"/>
-            <a:ext cx="8813468" cy="3556655"/>
+            <a:off x="260946" y="1788012"/>
+            <a:ext cx="8702674" cy="4269967"/>
           </a:xfrm>
           <a:prstGeom prst="rect">
             <a:avLst/>
@@ -6776,34 +7117,36 @@
       </p:pic>
       <p:sp>
         <p:nvSpPr>
-          <p:cNvPr id="5" name="Oval 4"/>
+          <p:cNvPr id="3" name="Rounded Rectangle 2"/>
           <p:cNvSpPr/>
           <p:nvPr/>
         </p:nvSpPr>
         <p:spPr>
           <a:xfrm>
-            <a:off x="457199" y="3044133"/>
-            <a:ext cx="2487690" cy="713199"/>
-          </a:xfrm>
-          <a:prstGeom prst="ellipse">
+            <a:off x="260946" y="3075068"/>
+            <a:ext cx="1279987" cy="2048933"/>
+          </a:xfrm>
+          <a:prstGeom prst="roundRect">
             <a:avLst/>
           </a:prstGeom>
           <a:noFill/>
-          <a:ln w="57150" cmpd="sng">
+          <a:ln>
             <a:solidFill>
               <a:srgbClr val="FF0000"/>
             </a:solidFill>
           </a:ln>
         </p:spPr>
         <p:style>
-          <a:lnRef idx="1">
-            <a:schemeClr val="accent5"/>
+          <a:lnRef idx="2">
+            <a:schemeClr val="accent1">
+              <a:shade val="50000"/>
+            </a:schemeClr>
           </a:lnRef>
-          <a:fillRef idx="3">
-            <a:schemeClr val="accent5"/>
+          <a:fillRef idx="1">
+            <a:schemeClr val="accent1"/>
           </a:fillRef>
-          <a:effectRef idx="2">
-            <a:schemeClr val="accent5"/>
+          <a:effectRef idx="0">
+            <a:schemeClr val="accent1"/>
           </a:effectRef>
           <a:fontRef idx="minor">
             <a:schemeClr val="lt1"/>
@@ -6818,10 +7161,56 @@
           </a:p>
         </p:txBody>
       </p:sp>
+      <p:sp>
+        <p:nvSpPr>
+          <p:cNvPr id="10" name="Rounded Rectangle 9"/>
+          <p:cNvSpPr/>
+          <p:nvPr/>
+        </p:nvSpPr>
+        <p:spPr>
+          <a:xfrm>
+            <a:off x="7847079" y="3989467"/>
+            <a:ext cx="1025987" cy="965201"/>
+          </a:xfrm>
+          <a:prstGeom prst="roundRect">
+            <a:avLst/>
+          </a:prstGeom>
+          <a:noFill/>
+          <a:ln>
+            <a:solidFill>
+              <a:srgbClr val="FF0000"/>
+            </a:solidFill>
+          </a:ln>
+        </p:spPr>
+        <p:style>
+          <a:lnRef idx="2">
+            <a:schemeClr val="accent1">
+              <a:shade val="50000"/>
+            </a:schemeClr>
+          </a:lnRef>
+          <a:fillRef idx="1">
+            <a:schemeClr val="accent1"/>
+          </a:fillRef>
+          <a:effectRef idx="0">
+            <a:schemeClr val="accent1"/>
+          </a:effectRef>
+          <a:fontRef idx="minor">
+            <a:schemeClr val="lt1"/>
+          </a:fontRef>
+        </p:style>
+        <p:txBody>
+          <a:bodyPr rtlCol="0" anchor="ctr"/>
+          <a:lstStyle/>
+          <a:p>
+            <a:pPr algn="ctr"/>
+            <a:endParaRPr lang="en-US"/>
+          </a:p>
+        </p:txBody>
+      </p:sp>
     </p:spTree>
     <p:extLst>
       <p:ext uri="{BB962C8B-B14F-4D97-AF65-F5344CB8AC3E}">
-        <p14:creationId xmlns:p14="http://schemas.microsoft.com/office/powerpoint/2010/main" val="780644118"/>
+        <p14:creationId xmlns:p14="http://schemas.microsoft.com/office/powerpoint/2010/main" val="4078827946"/>
       </p:ext>
     </p:extLst>
   </p:cSld>
@@ -6831,7 +7220,7 @@
   <p:timing>
     <p:tnLst>
       <p:par>
-        <p:cTn xmlns:p14="http://schemas.microsoft.com/office/powerpoint/2010/main" id="1" dur="indefinite" restart="never" nodeType="tmRoot"/>
+        <p:cTn id="1" dur="indefinite" restart="never" nodeType="tmRoot"/>
       </p:par>
     </p:tnLst>
   </p:timing>
@@ -6855,80 +7244,9 @@
           <a:chExt cx="0" cy="0"/>
         </a:xfrm>
       </p:grpSpPr>
-      <p:sp>
-        <p:nvSpPr>
-          <p:cNvPr id="2" name="Footer Placeholder 1"/>
-          <p:cNvSpPr>
-            <a:spLocks noGrp="1"/>
-          </p:cNvSpPr>
-          <p:nvPr>
-            <p:ph type="ftr" sz="quarter" idx="11"/>
-          </p:nvPr>
-        </p:nvSpPr>
-        <p:spPr/>
-        <p:txBody>
-          <a:bodyPr/>
-          <a:lstStyle/>
-          <a:p>
-            <a:r>
-              <a:rPr lang="en-US" smtClean="0"/>
-              <a:t>© 2014, Droids Robotics,  Last edit 4/5/2015</a:t>
-            </a:r>
-            <a:endParaRPr lang="en-US"/>
-          </a:p>
-        </p:txBody>
-      </p:sp>
-      <p:sp>
-        <p:nvSpPr>
-          <p:cNvPr id="6" name="Title 7"/>
-          <p:cNvSpPr txBox="1">
-            <a:spLocks/>
-          </p:cNvSpPr>
-          <p:nvPr/>
-        </p:nvSpPr>
-        <p:spPr>
-          <a:xfrm>
-            <a:off x="457199" y="152718"/>
-            <a:ext cx="8245475" cy="1371600"/>
-          </a:xfrm>
-          <a:prstGeom prst="rect">
-            <a:avLst/>
-          </a:prstGeom>
-        </p:spPr>
-        <p:txBody>
-          <a:bodyPr/>
-          <a:lstStyle>
-            <a:lvl1pPr algn="l" defTabSz="914400" rtl="0" eaLnBrk="1" latinLnBrk="0" hangingPunct="1">
-              <a:spcBef>
-                <a:spcPct val="0"/>
-              </a:spcBef>
-              <a:buNone/>
-              <a:defRPr sz="3600" kern="1200" cap="all" spc="-60" baseline="0">
-                <a:solidFill>
-                  <a:schemeClr val="tx2"/>
-                </a:solidFill>
-                <a:latin typeface="+mj-lt"/>
-                <a:ea typeface="+mj-ea"/>
-                <a:cs typeface="+mj-cs"/>
-              </a:defRPr>
-            </a:lvl1pPr>
-          </a:lstStyle>
-          <a:p>
-            <a:r>
-              <a:rPr lang="en-US" dirty="0" smtClean="0"/>
-              <a:t>STAGE 4: MY </a:t>
-            </a:r>
-            <a:r>
-              <a:rPr lang="en-US" dirty="0" err="1" smtClean="0"/>
-              <a:t>BLock</a:t>
-            </a:r>
-            <a:endParaRPr lang="en-US" dirty="0"/>
-          </a:p>
-        </p:txBody>
-      </p:sp>
       <p:pic>
         <p:nvPicPr>
-          <p:cNvPr id="3" name="Picture 2" descr="Screen Shot 2014-10-12 at 7.14.48 PM.png"/>
+          <p:cNvPr id="3" name="Picture 2" descr="Screen Clipping"/>
           <p:cNvPicPr>
             <a:picLocks noChangeAspect="1"/>
           </p:cNvPicPr>
@@ -6948,8 +7266,8 @@
         </p:blipFill>
         <p:spPr>
           <a:xfrm>
-            <a:off x="457199" y="974122"/>
-            <a:ext cx="6396996" cy="5683619"/>
+            <a:off x="3764740" y="1157763"/>
+            <a:ext cx="5017225" cy="1805845"/>
           </a:xfrm>
           <a:prstGeom prst="rect">
             <a:avLst/>
@@ -6958,34 +7276,82 @@
       </p:pic>
       <p:sp>
         <p:nvSpPr>
-          <p:cNvPr id="4" name="Oval 3"/>
+          <p:cNvPr id="2" name="Title 1"/>
+          <p:cNvSpPr>
+            <a:spLocks noGrp="1"/>
+          </p:cNvSpPr>
+          <p:nvPr>
+            <p:ph type="title"/>
+          </p:nvPr>
+        </p:nvSpPr>
+        <p:spPr/>
+        <p:txBody>
+          <a:bodyPr>
+            <a:normAutofit/>
+          </a:bodyPr>
+          <a:lstStyle/>
+          <a:p>
+            <a:r>
+              <a:rPr lang="en-US" dirty="0" smtClean="0"/>
+              <a:t>Step 3a: Create a My Block</a:t>
+            </a:r>
+            <a:endParaRPr lang="en-US" dirty="0"/>
+          </a:p>
+        </p:txBody>
+      </p:sp>
+      <p:sp>
+        <p:nvSpPr>
+          <p:cNvPr id="4" name="Footer Placeholder 3"/>
+          <p:cNvSpPr>
+            <a:spLocks noGrp="1"/>
+          </p:cNvSpPr>
+          <p:nvPr>
+            <p:ph type="ftr" sz="quarter" idx="11"/>
+          </p:nvPr>
+        </p:nvSpPr>
+        <p:spPr/>
+        <p:txBody>
+          <a:bodyPr/>
+          <a:lstStyle/>
+          <a:p>
+            <a:r>
+              <a:rPr lang="en-US" smtClean="0"/>
+              <a:t>© 2014, Droids Robotics,  Last edit 11/5/2015</a:t>
+            </a:r>
+            <a:endParaRPr lang="en-US"/>
+          </a:p>
+        </p:txBody>
+      </p:sp>
+      <p:sp>
+        <p:nvSpPr>
+          <p:cNvPr id="9" name="Rectangle 8"/>
           <p:cNvSpPr/>
           <p:nvPr/>
         </p:nvSpPr>
         <p:spPr>
           <a:xfrm>
-            <a:off x="3705439" y="3322456"/>
-            <a:ext cx="3026981" cy="2000432"/>
-          </a:xfrm>
-          <a:prstGeom prst="ellipse">
+            <a:off x="4130613" y="1161779"/>
+            <a:ext cx="4651351" cy="1882108"/>
+          </a:xfrm>
+          <a:prstGeom prst="rect">
             <a:avLst/>
           </a:prstGeom>
           <a:noFill/>
-          <a:ln w="57150" cmpd="sng">
+          <a:ln w="76200">
             <a:solidFill>
-              <a:srgbClr val="FF0000"/>
+              <a:srgbClr val="00B0F0"/>
             </a:solidFill>
           </a:ln>
         </p:spPr>
         <p:style>
           <a:lnRef idx="1">
-            <a:schemeClr val="accent5"/>
+            <a:schemeClr val="accent1"/>
           </a:lnRef>
           <a:fillRef idx="3">
-            <a:schemeClr val="accent5"/>
+            <a:schemeClr val="accent1"/>
           </a:fillRef>
           <a:effectRef idx="2">
-            <a:schemeClr val="accent5"/>
+            <a:schemeClr val="accent1"/>
           </a:effectRef>
           <a:fontRef idx="minor">
             <a:schemeClr val="lt1"/>
@@ -6996,14 +7362,215 @@
           <a:lstStyle/>
           <a:p>
             <a:pPr algn="ctr"/>
-            <a:endParaRPr lang="en-US"/>
+            <a:endParaRPr lang="en-US" b="1" dirty="0">
+              <a:solidFill>
+                <a:srgbClr val="00B0F0"/>
+              </a:solidFill>
+            </a:endParaRPr>
+          </a:p>
+        </p:txBody>
+      </p:sp>
+      <p:sp>
+        <p:nvSpPr>
+          <p:cNvPr id="11" name="TextBox 10"/>
+          <p:cNvSpPr txBox="1"/>
+          <p:nvPr/>
+        </p:nvSpPr>
+        <p:spPr>
+          <a:xfrm>
+            <a:off x="254833" y="1149617"/>
+            <a:ext cx="3589198" cy="5262979"/>
+          </a:xfrm>
+          <a:prstGeom prst="rect">
+            <a:avLst/>
+          </a:prstGeom>
+          <a:noFill/>
+        </p:spPr>
+        <p:txBody>
+          <a:bodyPr wrap="square" rtlCol="0">
+            <a:spAutoFit/>
+          </a:bodyPr>
+          <a:lstStyle/>
+          <a:p>
+            <a:pPr marL="342900" indent="-342900">
+              <a:buFont typeface="+mj-lt"/>
+              <a:buAutoNum type="alphaUcPeriod"/>
+            </a:pPr>
+            <a:r>
+              <a:rPr lang="en-US" sz="2400" dirty="0" smtClean="0">
+                <a:solidFill>
+                  <a:srgbClr val="00B0F0"/>
+                </a:solidFill>
+              </a:rPr>
+              <a:t>Highlight all the blocks then go to My Block Builder</a:t>
+            </a:r>
+          </a:p>
+          <a:p>
+            <a:pPr marL="342900" indent="-342900">
+              <a:buFont typeface="+mj-lt"/>
+              <a:buAutoNum type="alphaUcPeriod"/>
+            </a:pPr>
+            <a:endParaRPr lang="en-US" sz="2400" dirty="0" smtClean="0">
+              <a:solidFill>
+                <a:srgbClr val="00B050"/>
+              </a:solidFill>
+            </a:endParaRPr>
+          </a:p>
+          <a:p>
+            <a:pPr marL="342900" indent="-342900">
+              <a:buFont typeface="+mj-lt"/>
+              <a:buAutoNum type="alphaUcPeriod"/>
+            </a:pPr>
+            <a:r>
+              <a:rPr lang="en-US" sz="2400" dirty="0" smtClean="0">
+                <a:solidFill>
+                  <a:srgbClr val="FF0000"/>
+                </a:solidFill>
+              </a:rPr>
+              <a:t>Add 3 inputs: one for power and one for color, and one for degrees</a:t>
+            </a:r>
+            <a:r>
+              <a:rPr lang="en-US" sz="2400" dirty="0" smtClean="0">
+                <a:solidFill>
+                  <a:srgbClr val="00B050"/>
+                </a:solidFill>
+              </a:rPr>
+              <a:t> </a:t>
+            </a:r>
+          </a:p>
+          <a:p>
+            <a:pPr marL="342900" indent="-342900">
+              <a:buFont typeface="+mj-lt"/>
+              <a:buAutoNum type="alphaUcPeriod"/>
+            </a:pPr>
+            <a:endParaRPr lang="en-US" sz="2400" dirty="0" smtClean="0">
+              <a:solidFill>
+                <a:srgbClr val="00B050"/>
+              </a:solidFill>
+            </a:endParaRPr>
+          </a:p>
+          <a:p>
+            <a:pPr marL="342900" indent="-342900">
+              <a:buFont typeface="Arial" panose="020B0604020202020204" pitchFamily="34" charset="0"/>
+              <a:buChar char="•"/>
+            </a:pPr>
+            <a:r>
+              <a:rPr lang="en-US" sz="2400" dirty="0"/>
+              <a:t>Refer to the My Blocks with Inputs &amp; Outputs lesson if you need help setting up the My Block</a:t>
+            </a:r>
+            <a:endParaRPr lang="en-US" sz="2400" dirty="0">
+              <a:solidFill>
+                <a:srgbClr val="00B050"/>
+              </a:solidFill>
+            </a:endParaRPr>
+          </a:p>
+        </p:txBody>
+      </p:sp>
+      <p:sp>
+        <p:nvSpPr>
+          <p:cNvPr id="13" name="TextBox 12"/>
+          <p:cNvSpPr txBox="1"/>
+          <p:nvPr/>
+        </p:nvSpPr>
+        <p:spPr>
+          <a:xfrm>
+            <a:off x="4052657" y="4245161"/>
+            <a:ext cx="426128" cy="523220"/>
+          </a:xfrm>
+          <a:prstGeom prst="rect">
+            <a:avLst/>
+          </a:prstGeom>
+          <a:noFill/>
+        </p:spPr>
+        <p:txBody>
+          <a:bodyPr wrap="square" rtlCol="0">
+            <a:spAutoFit/>
+          </a:bodyPr>
+          <a:lstStyle/>
+          <a:p>
+            <a:r>
+              <a:rPr lang="en-US" sz="2800" b="1" dirty="0" smtClean="0">
+                <a:solidFill>
+                  <a:srgbClr val="FF0000"/>
+                </a:solidFill>
+              </a:rPr>
+              <a:t>B</a:t>
+            </a:r>
+            <a:endParaRPr lang="en-US" sz="2800" b="1" dirty="0">
+              <a:solidFill>
+                <a:srgbClr val="FF0000"/>
+              </a:solidFill>
+            </a:endParaRPr>
+          </a:p>
+        </p:txBody>
+      </p:sp>
+      <p:pic>
+        <p:nvPicPr>
+          <p:cNvPr id="7" name="Picture 6" descr="Screen Clipping"/>
+          <p:cNvPicPr>
+            <a:picLocks noChangeAspect="1"/>
+          </p:cNvPicPr>
+          <p:nvPr/>
+        </p:nvPicPr>
+        <p:blipFill>
+          <a:blip r:embed="rId3">
+            <a:extLst>
+              <a:ext uri="{28A0092B-C50C-407E-A947-70E740481C1C}">
+                <a14:useLocalDpi xmlns:a14="http://schemas.microsoft.com/office/drawing/2010/main" val="0"/>
+              </a:ext>
+            </a:extLst>
+          </a:blip>
+          <a:stretch>
+            <a:fillRect/>
+          </a:stretch>
+        </p:blipFill>
+        <p:spPr>
+          <a:xfrm>
+            <a:off x="4533847" y="3288295"/>
+            <a:ext cx="3871921" cy="3529506"/>
+          </a:xfrm>
+          <a:prstGeom prst="rect">
+            <a:avLst/>
+          </a:prstGeom>
+        </p:spPr>
+      </p:pic>
+      <p:sp>
+        <p:nvSpPr>
+          <p:cNvPr id="10" name="TextBox 9"/>
+          <p:cNvSpPr txBox="1"/>
+          <p:nvPr/>
+        </p:nvSpPr>
+        <p:spPr>
+          <a:xfrm>
+            <a:off x="4804663" y="1283249"/>
+            <a:ext cx="426128" cy="523220"/>
+          </a:xfrm>
+          <a:prstGeom prst="rect">
+            <a:avLst/>
+          </a:prstGeom>
+          <a:noFill/>
+        </p:spPr>
+        <p:txBody>
+          <a:bodyPr wrap="square" rtlCol="0">
+            <a:spAutoFit/>
+          </a:bodyPr>
+          <a:lstStyle/>
+          <a:p>
+            <a:r>
+              <a:rPr lang="en-US" sz="2800" b="1" dirty="0">
+                <a:solidFill>
+                  <a:srgbClr val="00B0F0"/>
+                </a:solidFill>
+              </a:rPr>
+              <a:t>A</a:t>
+            </a:r>
           </a:p>
         </p:txBody>
       </p:sp>
     </p:spTree>
     <p:extLst>
       <p:ext uri="{BB962C8B-B14F-4D97-AF65-F5344CB8AC3E}">
-        <p14:creationId xmlns:p14="http://schemas.microsoft.com/office/powerpoint/2010/main" val="780644118"/>
+        <p14:creationId xmlns:p14="http://schemas.microsoft.com/office/powerpoint/2010/main" val="273124098"/>
       </p:ext>
     </p:extLst>
   </p:cSld>
@@ -7013,7 +7580,7 @@
   <p:timing>
     <p:tnLst>
       <p:par>
-        <p:cTn xmlns:p14="http://schemas.microsoft.com/office/powerpoint/2010/main" id="1" dur="indefinite" restart="never" nodeType="tmRoot"/>
+        <p:cTn id="1" dur="indefinite" restart="never" nodeType="tmRoot"/>
       </p:par>
     </p:tnLst>
   </p:timing>

--- a/translations/en-us/intermediate/ColorFollowerDistance.pptx
+++ b/translations/en-us/intermediate/ColorFollowerDistance.pptx
@@ -1016,7 +1016,7 @@
           <a:bodyPr/>
           <a:lstStyle/>
           <a:p>
-            <a:fld id="{97DB2C82-93E7-46E9-848A-FDF8C24C1771}" type="datetime1">
+            <a:fld id="{77947414-2219-4F15-AEB2-86F733BA0868}" type="datetime1">
               <a:rPr lang="en-US" smtClean="0"/>
               <a:t>11/6/2015</a:t>
             </a:fld>
@@ -1041,7 +1041,7 @@
           <a:p>
             <a:r>
               <a:rPr lang="en-US" smtClean="0"/>
-              <a:t>© 2014, Droids Robotics,  Last edit 11/5/2015</a:t>
+              <a:t>© 2015, EV3Lessons.com,  Last edit 11/5/2015</a:t>
             </a:r>
             <a:endParaRPr lang="en-US"/>
           </a:p>
@@ -1315,7 +1315,7 @@
           <a:bodyPr/>
           <a:lstStyle/>
           <a:p>
-            <a:fld id="{4853FB2F-CD2B-4D48-9247-EB2A69D2FF67}" type="datetime1">
+            <a:fld id="{723786E7-9BC8-4BF8-9C52-0531C5A0B08F}" type="datetime1">
               <a:rPr lang="en-US" smtClean="0"/>
               <a:t>11/6/2015</a:t>
             </a:fld>
@@ -1340,7 +1340,7 @@
           <a:p>
             <a:r>
               <a:rPr lang="en-US" smtClean="0"/>
-              <a:t>© 2014, Droids Robotics,  Last edit 11/5/2015</a:t>
+              <a:t>© 2015, EV3Lessons.com,  Last edit 11/5/2015</a:t>
             </a:r>
             <a:endParaRPr lang="en-US"/>
           </a:p>
@@ -1502,7 +1502,7 @@
           <a:bodyPr/>
           <a:lstStyle/>
           <a:p>
-            <a:fld id="{7EC9F89D-5B5C-4C1A-9564-C60172E4A7D7}" type="datetime1">
+            <a:fld id="{263EE281-78BF-4426-97A5-67097E2CB996}" type="datetime1">
               <a:rPr lang="en-US" smtClean="0"/>
               <a:t>11/6/2015</a:t>
             </a:fld>
@@ -1527,7 +1527,7 @@
           <a:p>
             <a:r>
               <a:rPr lang="en-US" smtClean="0"/>
-              <a:t>© 2014, Droids Robotics,  Last edit 11/5/2015</a:t>
+              <a:t>© 2015, EV3Lessons.com,  Last edit 11/5/2015</a:t>
             </a:r>
             <a:endParaRPr lang="en-US"/>
           </a:p>
@@ -1689,7 +1689,7 @@
           <a:bodyPr/>
           <a:lstStyle/>
           <a:p>
-            <a:fld id="{43872B16-92AD-4074-B2B3-7B43ADC9B270}" type="datetime1">
+            <a:fld id="{A9B4AB14-911C-459D-84B1-11BDE4A660C7}" type="datetime1">
               <a:rPr lang="en-US" smtClean="0"/>
               <a:t>11/6/2015</a:t>
             </a:fld>
@@ -1714,7 +1714,7 @@
           <a:p>
             <a:r>
               <a:rPr lang="en-US" smtClean="0"/>
-              <a:t>© 2014, Droids Robotics,  Last edit 11/5/2015</a:t>
+              <a:t>© 2015, EV3Lessons.com,  Last edit 11/5/2015</a:t>
             </a:r>
             <a:endParaRPr lang="en-US"/>
           </a:p>
@@ -1950,7 +1950,7 @@
           <a:bodyPr/>
           <a:lstStyle/>
           <a:p>
-            <a:fld id="{A919F831-71D9-42A5-82D5-FEF0823A7A9A}" type="datetime1">
+            <a:fld id="{6BB3E563-344C-46C7-B918-91180BFE49F3}" type="datetime1">
               <a:rPr lang="en-US" smtClean="0"/>
               <a:t>11/6/2015</a:t>
             </a:fld>
@@ -2006,7 +2006,7 @@
           <a:p>
             <a:r>
               <a:rPr lang="en-US" smtClean="0"/>
-              <a:t>© 2014, Droids Robotics,  Last edit 11/5/2015</a:t>
+              <a:t>© 2015, EV3Lessons.com,  Last edit 11/5/2015</a:t>
             </a:r>
             <a:endParaRPr lang="en-US"/>
           </a:p>
@@ -2250,7 +2250,7 @@
           <a:bodyPr/>
           <a:lstStyle/>
           <a:p>
-            <a:fld id="{DD06FA99-68FF-4177-AD6E-03AC082F47B4}" type="datetime1">
+            <a:fld id="{AB06297B-9C8E-4A45-8652-DBACFDCAA5C1}" type="datetime1">
               <a:rPr lang="en-US" smtClean="0"/>
               <a:t>11/6/2015</a:t>
             </a:fld>
@@ -2275,7 +2275,7 @@
           <a:p>
             <a:r>
               <a:rPr lang="en-US" smtClean="0"/>
-              <a:t>© 2014, Droids Robotics,  Last edit 11/5/2015</a:t>
+              <a:t>© 2015, EV3Lessons.com,  Last edit 11/5/2015</a:t>
             </a:r>
             <a:endParaRPr lang="en-US"/>
           </a:p>
@@ -2701,7 +2701,7 @@
           <a:bodyPr/>
           <a:lstStyle/>
           <a:p>
-            <a:fld id="{F6430F14-6EBC-4A09-9663-48326AEF9B18}" type="datetime1">
+            <a:fld id="{734E1DCB-AFA7-4198-B3F3-4FAD1319D4A3}" type="datetime1">
               <a:rPr lang="en-US" smtClean="0"/>
               <a:t>11/6/2015</a:t>
             </a:fld>
@@ -2726,7 +2726,7 @@
           <a:p>
             <a:r>
               <a:rPr lang="en-US" smtClean="0"/>
-              <a:t>© 2014, Droids Robotics,  Last edit 11/5/2015</a:t>
+              <a:t>© 2015, EV3Lessons.com,  Last edit 11/5/2015</a:t>
             </a:r>
             <a:endParaRPr lang="en-US"/>
           </a:p>
@@ -2826,7 +2826,7 @@
           <a:bodyPr/>
           <a:lstStyle/>
           <a:p>
-            <a:fld id="{47AED7AF-8DE4-492B-8259-D89DB42316F3}" type="datetime1">
+            <a:fld id="{4192ACDD-62AA-4BBA-BCE0-A7200DD581CD}" type="datetime1">
               <a:rPr lang="en-US" smtClean="0"/>
               <a:t>11/6/2015</a:t>
             </a:fld>
@@ -2851,7 +2851,7 @@
           <a:p>
             <a:r>
               <a:rPr lang="en-US" smtClean="0"/>
-              <a:t>© 2014, Droids Robotics,  Last edit 11/5/2015</a:t>
+              <a:t>© 2015, EV3Lessons.com,  Last edit 11/5/2015</a:t>
             </a:r>
             <a:endParaRPr lang="en-US"/>
           </a:p>
@@ -2928,7 +2928,7 @@
           <a:bodyPr/>
           <a:lstStyle/>
           <a:p>
-            <a:fld id="{CAF130FD-9B14-4FEA-A98A-F6E19ACFD305}" type="datetime1">
+            <a:fld id="{50D76FC1-C98D-4BA8-9C0D-7A6142717C60}" type="datetime1">
               <a:rPr lang="en-US" smtClean="0"/>
               <a:t>11/6/2015</a:t>
             </a:fld>
@@ -2953,7 +2953,7 @@
           <a:p>
             <a:r>
               <a:rPr lang="en-US" smtClean="0"/>
-              <a:t>© 2014, Droids Robotics,  Last edit 11/5/2015</a:t>
+              <a:t>© 2015, EV3Lessons.com,  Last edit 11/5/2015</a:t>
             </a:r>
             <a:endParaRPr lang="en-US"/>
           </a:p>
@@ -3182,7 +3182,7 @@
           <a:bodyPr/>
           <a:lstStyle/>
           <a:p>
-            <a:fld id="{1D6B59F5-9643-4F31-B468-0386E5057B9D}" type="datetime1">
+            <a:fld id="{8EF30FAA-5923-4DFF-96D3-47DA693428D3}" type="datetime1">
               <a:rPr lang="en-US" smtClean="0"/>
               <a:t>11/6/2015</a:t>
             </a:fld>
@@ -3207,7 +3207,7 @@
           <a:p>
             <a:r>
               <a:rPr lang="en-US" smtClean="0"/>
-              <a:t>© 2014, Droids Robotics,  Last edit 11/5/2015</a:t>
+              <a:t>© 2015, EV3Lessons.com,  Last edit 11/5/2015</a:t>
             </a:r>
             <a:endParaRPr lang="en-US"/>
           </a:p>
@@ -3488,7 +3488,7 @@
           <a:bodyPr/>
           <a:lstStyle/>
           <a:p>
-            <a:fld id="{D506149E-A90A-444A-950F-4D5DDDED37AC}" type="datetime1">
+            <a:fld id="{E8FD9BE2-754D-49E4-AFC3-1E956C2A42E0}" type="datetime1">
               <a:rPr lang="en-US" smtClean="0"/>
               <a:t>11/6/2015</a:t>
             </a:fld>
@@ -3513,7 +3513,7 @@
           <a:p>
             <a:r>
               <a:rPr lang="en-US" smtClean="0"/>
-              <a:t>© 2014, Droids Robotics,  Last edit 11/5/2015</a:t>
+              <a:t>© 2015, EV3Lessons.com,  Last edit 11/5/2015</a:t>
             </a:r>
             <a:endParaRPr lang="en-US"/>
           </a:p>
@@ -3794,7 +3794,7 @@
             </a:lvl1pPr>
           </a:lstStyle>
           <a:p>
-            <a:fld id="{E98529B6-8F73-424D-B274-C01A928C4178}" type="datetime1">
+            <a:fld id="{D7831D55-11FB-40B9-87F2-1A3DD3FC5B95}" type="datetime1">
               <a:rPr lang="en-US" smtClean="0"/>
               <a:t>11/6/2015</a:t>
             </a:fld>
@@ -3835,7 +3835,7 @@
           <a:p>
             <a:r>
               <a:rPr lang="en-US" smtClean="0"/>
-              <a:t>© 2014, Droids Robotics,  Last edit 11/5/2015</a:t>
+              <a:t>© 2015, EV3Lessons.com,  Last edit 11/5/2015</a:t>
             </a:r>
             <a:endParaRPr lang="en-US"/>
           </a:p>
@@ -4460,7 +4460,7 @@
           <a:noFill/>
           <a:extLst>
             <a:ext uri="{909E8E84-426E-40dd-AFC4-6F175D3DCCD1}">
-              <a14:hiddenFill xmlns:a14="http://schemas.microsoft.com/office/drawing/2010/main" xmlns="">
+              <a14:hiddenFill xmlns="" xmlns:a14="http://schemas.microsoft.com/office/drawing/2010/main">
                 <a:solidFill>
                   <a:srgbClr val="FFFFFF"/>
                 </a:solidFill>
@@ -4609,7 +4609,7 @@
           <a:p>
             <a:r>
               <a:rPr lang="en-US" smtClean="0"/>
-              <a:t>© 2014, Droids Robotics,  Last edit 11/5/2015</a:t>
+              <a:t>© 2015, EV3Lessons.com,  Last edit 11/5/2015</a:t>
             </a:r>
             <a:endParaRPr lang="en-US"/>
           </a:p>
@@ -4973,7 +4973,7 @@
           <a:p>
             <a:r>
               <a:rPr lang="en-US" smtClean="0"/>
-              <a:t>© 2014, Droids Robotics,  Last edit 11/5/2015</a:t>
+              <a:t>© 2015, EV3Lessons.com,  Last edit 11/5/2015</a:t>
             </a:r>
             <a:endParaRPr lang="en-US"/>
           </a:p>
@@ -5104,7 +5104,7 @@
           <a:p>
             <a:r>
               <a:rPr lang="en-US" smtClean="0"/>
-              <a:t>© 2014, Droids Robotics,  Last edit 11/5/2015</a:t>
+              <a:t>© 2015, EV3Lessons.com,  Last edit 11/5/2015</a:t>
             </a:r>
             <a:endParaRPr lang="en-US" dirty="0"/>
           </a:p>
@@ -5135,7 +5135,7 @@
           <a:effectLst/>
           <a:extLst>
             <a:ext uri="{91240B29-F687-4f45-9708-019B960494DF}">
-              <a14:hiddenLine xmlns:a14="http://schemas.microsoft.com/office/drawing/2010/main" xmlns="" w="9525">
+              <a14:hiddenLine xmlns="" xmlns:a14="http://schemas.microsoft.com/office/drawing/2010/main" w="9525">
                 <a:solidFill>
                   <a:schemeClr val="tx1"/>
                 </a:solidFill>
@@ -5145,7 +5145,7 @@
               </a14:hiddenLine>
             </a:ext>
             <a:ext uri="{AF507438-7753-43e0-B8FC-AC1667EBCBE1}">
-              <a14:hiddenEffects xmlns:a14="http://schemas.microsoft.com/office/drawing/2010/main" xmlns="">
+              <a14:hiddenEffects xmlns="" xmlns:a14="http://schemas.microsoft.com/office/drawing/2010/main">
                 <a:effectLst>
                   <a:outerShdw dist="35921" dir="2700000" algn="ctr" rotWithShape="0">
                     <a:schemeClr val="bg2"/>
@@ -5498,7 +5498,7 @@
           <a:noFill/>
           <a:extLst>
             <a:ext uri="{909E8E84-426E-40dd-AFC4-6F175D3DCCD1}">
-              <a14:hiddenFill xmlns:a14="http://schemas.microsoft.com/office/drawing/2010/main" xmlns="">
+              <a14:hiddenFill xmlns="" xmlns:a14="http://schemas.microsoft.com/office/drawing/2010/main">
                 <a:solidFill>
                   <a:srgbClr val="FFFFFF"/>
                 </a:solidFill>
@@ -5656,7 +5656,7 @@
           <a:p>
             <a:r>
               <a:rPr lang="en-US" smtClean="0"/>
-              <a:t>© 2014, Droids Robotics,  Last edit 11/5/2015</a:t>
+              <a:t>© 2015, EV3Lessons.com,  Last edit 11/5/2015</a:t>
             </a:r>
             <a:endParaRPr lang="en-US"/>
           </a:p>
@@ -5805,7 +5805,7 @@
           <a:p>
             <a:r>
               <a:rPr lang="en-US" smtClean="0"/>
-              <a:t>© 2014, Droids Robotics,  Last edit 11/5/2015</a:t>
+              <a:t>© 2015, EV3Lessons.com,  Last edit 11/5/2015</a:t>
             </a:r>
             <a:endParaRPr lang="en-US"/>
           </a:p>
@@ -5996,7 +5996,7 @@
           <a:p>
             <a:r>
               <a:rPr lang="en-US" smtClean="0"/>
-              <a:t>© 2014, Droids Robotics,  Last edit 11/5/2015</a:t>
+              <a:t>© 2015, EV3Lessons.com,  Last edit 11/5/2015</a:t>
             </a:r>
             <a:endParaRPr lang="en-US"/>
           </a:p>
@@ -6107,7 +6107,7 @@
           <a:p>
             <a:r>
               <a:rPr lang="en-US" smtClean="0"/>
-              <a:t>© 2014, Droids Robotics,  Last edit 11/5/2015</a:t>
+              <a:t>© 2015, EV3Lessons.com,  Last edit 11/5/2015</a:t>
             </a:r>
             <a:endParaRPr lang="en-US"/>
           </a:p>
@@ -6495,7 +6495,7 @@
           <a:p>
             <a:r>
               <a:rPr lang="en-US" smtClean="0"/>
-              <a:t>© 2014, Droids Robotics,  Last edit 11/5/2015</a:t>
+              <a:t>© 2015, EV3Lessons.com,  Last edit 11/5/2015</a:t>
             </a:r>
             <a:endParaRPr lang="en-US"/>
           </a:p>
@@ -6945,7 +6945,7 @@
           <a:p>
             <a:r>
               <a:rPr lang="en-US" smtClean="0"/>
-              <a:t>© 2014, Droids Robotics,  Last edit 11/5/2015</a:t>
+              <a:t>© 2015, EV3Lessons.com,  Last edit 11/5/2015</a:t>
             </a:r>
             <a:endParaRPr lang="en-US" dirty="0"/>
           </a:p>
@@ -7035,7 +7035,7 @@
           <a:p>
             <a:r>
               <a:rPr lang="en-US" smtClean="0"/>
-              <a:t>© 2014, Droids Robotics,  Last edit 11/5/2015</a:t>
+              <a:t>© 2015, EV3Lessons.com,  Last edit 11/5/2015</a:t>
             </a:r>
             <a:endParaRPr lang="en-US"/>
           </a:p>
@@ -7316,7 +7316,7 @@
           <a:p>
             <a:r>
               <a:rPr lang="en-US" smtClean="0"/>
-              <a:t>© 2014, Droids Robotics,  Last edit 11/5/2015</a:t>
+              <a:t>© 2015, EV3Lessons.com,  Last edit 11/5/2015</a:t>
             </a:r>
             <a:endParaRPr lang="en-US"/>
           </a:p>

--- a/translations/en-us/intermediate/ColorFollowerDistance.pptx
+++ b/translations/en-us/intermediate/ColorFollowerDistance.pptx
@@ -2,7 +2,7 @@
 <file path=ppt/presentation.xml><?xml version="1.0" encoding="utf-8"?>
 <p:presentation xmlns:a="http://schemas.openxmlformats.org/drawingml/2006/main" xmlns:r="http://schemas.openxmlformats.org/officeDocument/2006/relationships" xmlns:p="http://schemas.openxmlformats.org/presentationml/2006/main" showSpecialPlsOnTitleSld="0" saveSubsetFonts="1" autoCompressPictures="0">
   <p:sldMasterIdLst>
-    <p:sldMasterId id="2147483714" r:id="rId1"/>
+    <p:sldMasterId id="2147483726" r:id="rId1"/>
   </p:sldMasterIdLst>
   <p:notesMasterIdLst>
     <p:notesMasterId r:id="rId14"/>
@@ -11,14 +11,14 @@
     <p:handoutMasterId r:id="rId15"/>
   </p:handoutMasterIdLst>
   <p:sldIdLst>
-    <p:sldId id="381" r:id="rId2"/>
+    <p:sldId id="390" r:id="rId2"/>
     <p:sldId id="383" r:id="rId3"/>
     <p:sldId id="356" r:id="rId4"/>
     <p:sldId id="386" r:id="rId5"/>
     <p:sldId id="389" r:id="rId6"/>
     <p:sldId id="385" r:id="rId7"/>
     <p:sldId id="368" r:id="rId8"/>
-    <p:sldId id="362" r:id="rId9"/>
+    <p:sldId id="391" r:id="rId9"/>
     <p:sldId id="387" r:id="rId10"/>
     <p:sldId id="388" r:id="rId11"/>
     <p:sldId id="384" r:id="rId12"/>
@@ -222,7 +222,7 @@
           <a:p>
             <a:fld id="{E00FA3B4-5499-9244-86B5-B0871A9DDD84}" type="datetimeFigureOut">
               <a:rPr lang="en-US" smtClean="0"/>
-              <a:t>11/6/2015</a:t>
+              <a:t>11/13/15</a:t>
             </a:fld>
             <a:endParaRPr lang="en-US"/>
           </a:p>
@@ -388,7 +388,7 @@
           <a:p>
             <a:fld id="{FD3EFF1E-85A1-6640-AFB9-C38833E80A84}" type="datetimeFigureOut">
               <a:rPr lang="en-US" smtClean="0"/>
-              <a:t>11/6/2015</a:t>
+              <a:t>11/13/15</a:t>
             </a:fld>
             <a:endParaRPr lang="en-US"/>
           </a:p>
@@ -722,90 +722,6 @@
           <a:p>
             <a:fld id="{13967457-1E83-1040-AFF7-8D09C473DBD5}" type="slidenum">
               <a:rPr lang="en-US" smtClean="0"/>
-              <a:t>1</a:t>
-            </a:fld>
-            <a:endParaRPr lang="en-US"/>
-          </a:p>
-        </p:txBody>
-      </p:sp>
-    </p:spTree>
-    <p:extLst>
-      <p:ext uri="{BB962C8B-B14F-4D97-AF65-F5344CB8AC3E}">
-        <p14:creationId xmlns:p14="http://schemas.microsoft.com/office/powerpoint/2010/main" val="2005992977"/>
-      </p:ext>
-    </p:extLst>
-  </p:cSld>
-  <p:clrMapOvr>
-    <a:masterClrMapping/>
-  </p:clrMapOvr>
-</p:notes>
-</file>
-
-<file path=ppt/notesSlides/notesSlide2.xml><?xml version="1.0" encoding="utf-8"?>
-<p:notes xmlns:a="http://schemas.openxmlformats.org/drawingml/2006/main" xmlns:r="http://schemas.openxmlformats.org/officeDocument/2006/relationships" xmlns:p="http://schemas.openxmlformats.org/presentationml/2006/main">
-  <p:cSld>
-    <p:spTree>
-      <p:nvGrpSpPr>
-        <p:cNvPr id="1" name=""/>
-        <p:cNvGrpSpPr/>
-        <p:nvPr/>
-      </p:nvGrpSpPr>
-      <p:grpSpPr>
-        <a:xfrm>
-          <a:off x="0" y="0"/>
-          <a:ext cx="0" cy="0"/>
-          <a:chOff x="0" y="0"/>
-          <a:chExt cx="0" cy="0"/>
-        </a:xfrm>
-      </p:grpSpPr>
-      <p:sp>
-        <p:nvSpPr>
-          <p:cNvPr id="2" name="Slide Image Placeholder 1"/>
-          <p:cNvSpPr>
-            <a:spLocks noGrp="1" noRot="1" noChangeAspect="1"/>
-          </p:cNvSpPr>
-          <p:nvPr>
-            <p:ph type="sldImg"/>
-          </p:nvPr>
-        </p:nvSpPr>
-        <p:spPr/>
-      </p:sp>
-      <p:sp>
-        <p:nvSpPr>
-          <p:cNvPr id="3" name="Notes Placeholder 2"/>
-          <p:cNvSpPr>
-            <a:spLocks noGrp="1"/>
-          </p:cNvSpPr>
-          <p:nvPr>
-            <p:ph type="body" idx="1"/>
-          </p:nvPr>
-        </p:nvSpPr>
-        <p:spPr/>
-        <p:txBody>
-          <a:bodyPr/>
-          <a:lstStyle/>
-          <a:p>
-            <a:endParaRPr lang="en-US"/>
-          </a:p>
-        </p:txBody>
-      </p:sp>
-      <p:sp>
-        <p:nvSpPr>
-          <p:cNvPr id="4" name="Slide Number Placeholder 3"/>
-          <p:cNvSpPr>
-            <a:spLocks noGrp="1"/>
-          </p:cNvSpPr>
-          <p:nvPr>
-            <p:ph type="sldNum" sz="quarter" idx="10"/>
-          </p:nvPr>
-        </p:nvSpPr>
-        <p:spPr/>
-        <p:txBody>
-          <a:bodyPr/>
-          <a:lstStyle/>
-          <a:p>
-            <a:fld id="{13967457-1E83-1040-AFF7-8D09C473DBD5}" type="slidenum">
-              <a:rPr lang="en-US" smtClean="0"/>
               <a:t>12</a:t>
             </a:fld>
             <a:endParaRPr lang="en-US"/>
@@ -844,264 +760,20 @@
       </p:grpSpPr>
       <p:sp>
         <p:nvSpPr>
-          <p:cNvPr id="2" name="Title 1"/>
-          <p:cNvSpPr>
-            <a:spLocks noGrp="1"/>
-          </p:cNvSpPr>
-          <p:nvPr>
-            <p:ph type="ctrTitle"/>
-          </p:nvPr>
+          <p:cNvPr id="7" name="Rectangle 6"/>
+          <p:cNvSpPr/>
+          <p:nvPr/>
         </p:nvSpPr>
         <p:spPr>
           <a:xfrm>
-            <a:off x="457200" y="228600"/>
-            <a:ext cx="7772400" cy="4571999"/>
-          </a:xfrm>
-        </p:spPr>
-        <p:txBody>
-          <a:bodyPr anchor="ctr">
-            <a:noAutofit/>
-          </a:bodyPr>
-          <a:lstStyle>
-            <a:lvl1pPr>
-              <a:lnSpc>
-                <a:spcPct val="100000"/>
-              </a:lnSpc>
-              <a:defRPr sz="8800" spc="-80" baseline="0">
-                <a:solidFill>
-                  <a:schemeClr val="tx1"/>
-                </a:solidFill>
-              </a:defRPr>
-            </a:lvl1pPr>
-          </a:lstStyle>
-          <a:p>
-            <a:r>
-              <a:rPr lang="en-US" smtClean="0"/>
-              <a:t>Click to edit Master title style</a:t>
-            </a:r>
-            <a:endParaRPr lang="en-US" dirty="0"/>
-          </a:p>
-        </p:txBody>
-      </p:sp>
-      <p:sp>
-        <p:nvSpPr>
-          <p:cNvPr id="3" name="Subtitle 2"/>
-          <p:cNvSpPr>
-            <a:spLocks noGrp="1"/>
-          </p:cNvSpPr>
-          <p:nvPr>
-            <p:ph type="subTitle" idx="1"/>
-          </p:nvPr>
-        </p:nvSpPr>
-        <p:spPr>
-          <a:xfrm>
-            <a:off x="457200" y="4800600"/>
-            <a:ext cx="6858000" cy="914400"/>
-          </a:xfrm>
-        </p:spPr>
-        <p:txBody>
-          <a:bodyPr/>
-          <a:lstStyle>
-            <a:lvl1pPr marL="0" indent="0" algn="l">
-              <a:buNone/>
-              <a:defRPr b="0" cap="all" spc="120" baseline="0">
-                <a:solidFill>
-                  <a:schemeClr val="tx2"/>
-                </a:solidFill>
-                <a:latin typeface="+mj-lt"/>
-              </a:defRPr>
-            </a:lvl1pPr>
-            <a:lvl2pPr marL="457200" indent="0" algn="ctr">
-              <a:buNone/>
-              <a:defRPr>
-                <a:solidFill>
-                  <a:schemeClr val="tx1">
-                    <a:tint val="75000"/>
-                  </a:schemeClr>
-                </a:solidFill>
-              </a:defRPr>
-            </a:lvl2pPr>
-            <a:lvl3pPr marL="914400" indent="0" algn="ctr">
-              <a:buNone/>
-              <a:defRPr>
-                <a:solidFill>
-                  <a:schemeClr val="tx1">
-                    <a:tint val="75000"/>
-                  </a:schemeClr>
-                </a:solidFill>
-              </a:defRPr>
-            </a:lvl3pPr>
-            <a:lvl4pPr marL="1371600" indent="0" algn="ctr">
-              <a:buNone/>
-              <a:defRPr>
-                <a:solidFill>
-                  <a:schemeClr val="tx1">
-                    <a:tint val="75000"/>
-                  </a:schemeClr>
-                </a:solidFill>
-              </a:defRPr>
-            </a:lvl4pPr>
-            <a:lvl5pPr marL="1828800" indent="0" algn="ctr">
-              <a:buNone/>
-              <a:defRPr>
-                <a:solidFill>
-                  <a:schemeClr val="tx1">
-                    <a:tint val="75000"/>
-                  </a:schemeClr>
-                </a:solidFill>
-              </a:defRPr>
-            </a:lvl5pPr>
-            <a:lvl6pPr marL="2286000" indent="0" algn="ctr">
-              <a:buNone/>
-              <a:defRPr>
-                <a:solidFill>
-                  <a:schemeClr val="tx1">
-                    <a:tint val="75000"/>
-                  </a:schemeClr>
-                </a:solidFill>
-              </a:defRPr>
-            </a:lvl6pPr>
-            <a:lvl7pPr marL="2743200" indent="0" algn="ctr">
-              <a:buNone/>
-              <a:defRPr>
-                <a:solidFill>
-                  <a:schemeClr val="tx1">
-                    <a:tint val="75000"/>
-                  </a:schemeClr>
-                </a:solidFill>
-              </a:defRPr>
-            </a:lvl7pPr>
-            <a:lvl8pPr marL="3200400" indent="0" algn="ctr">
-              <a:buNone/>
-              <a:defRPr>
-                <a:solidFill>
-                  <a:schemeClr val="tx1">
-                    <a:tint val="75000"/>
-                  </a:schemeClr>
-                </a:solidFill>
-              </a:defRPr>
-            </a:lvl8pPr>
-            <a:lvl9pPr marL="3657600" indent="0" algn="ctr">
-              <a:buNone/>
-              <a:defRPr>
-                <a:solidFill>
-                  <a:schemeClr val="tx1">
-                    <a:tint val="75000"/>
-                  </a:schemeClr>
-                </a:solidFill>
-              </a:defRPr>
-            </a:lvl9pPr>
-          </a:lstStyle>
-          <a:p>
-            <a:r>
-              <a:rPr lang="en-US" smtClean="0"/>
-              <a:t>Click to edit Master subtitle style</a:t>
-            </a:r>
-            <a:endParaRPr lang="en-US" dirty="0"/>
-          </a:p>
-        </p:txBody>
-      </p:sp>
-      <p:sp>
-        <p:nvSpPr>
-          <p:cNvPr id="4" name="Date Placeholder 3"/>
-          <p:cNvSpPr>
-            <a:spLocks noGrp="1"/>
-          </p:cNvSpPr>
-          <p:nvPr>
-            <p:ph type="dt" sz="half" idx="10"/>
-          </p:nvPr>
-        </p:nvSpPr>
-        <p:spPr/>
-        <p:txBody>
-          <a:bodyPr/>
-          <a:lstStyle/>
-          <a:p>
-            <a:fld id="{77947414-2219-4F15-AEB2-86F733BA0868}" type="datetime1">
-              <a:rPr lang="en-US" smtClean="0"/>
-              <a:t>11/6/2015</a:t>
-            </a:fld>
-            <a:endParaRPr lang="en-US"/>
-          </a:p>
-        </p:txBody>
-      </p:sp>
-      <p:sp>
-        <p:nvSpPr>
-          <p:cNvPr id="5" name="Footer Placeholder 4"/>
-          <p:cNvSpPr>
-            <a:spLocks noGrp="1"/>
-          </p:cNvSpPr>
-          <p:nvPr>
-            <p:ph type="ftr" sz="quarter" idx="11"/>
-          </p:nvPr>
-        </p:nvSpPr>
-        <p:spPr/>
-        <p:txBody>
-          <a:bodyPr/>
-          <a:lstStyle/>
-          <a:p>
-            <a:r>
-              <a:rPr lang="en-US" smtClean="0"/>
-              <a:t>© 2015, EV3Lessons.com,  Last edit 11/5/2015</a:t>
-            </a:r>
-            <a:endParaRPr lang="en-US"/>
-          </a:p>
-        </p:txBody>
-      </p:sp>
-      <p:sp>
-        <p:nvSpPr>
-          <p:cNvPr id="11" name="Slide Number Placeholder 5"/>
-          <p:cNvSpPr>
-            <a:spLocks noGrp="1"/>
-          </p:cNvSpPr>
-          <p:nvPr>
-            <p:ph type="sldNum" sz="quarter" idx="4"/>
-          </p:nvPr>
-        </p:nvSpPr>
-        <p:spPr>
-          <a:xfrm>
-            <a:off x="8343263" y="6417660"/>
-            <a:ext cx="657861" cy="365125"/>
-          </a:xfrm>
-          <a:prstGeom prst="rect">
-            <a:avLst/>
-          </a:prstGeom>
-        </p:spPr>
-        <p:txBody>
-          <a:bodyPr vert="horz" lIns="91440" tIns="45720" rIns="91440" bIns="45720" rtlCol="0" anchor="ctr"/>
-          <a:lstStyle>
-            <a:lvl1pPr algn="l">
-              <a:defRPr sz="2400" b="1">
-                <a:solidFill>
-                  <a:schemeClr val="tx2"/>
-                </a:solidFill>
-              </a:defRPr>
-            </a:lvl1pPr>
-          </a:lstStyle>
-          <a:p>
-            <a:fld id="{4DBC7FC8-25FB-FC45-8177-2B991DA6778C}" type="slidenum">
-              <a:rPr lang="en-US" smtClean="0"/>
-              <a:t>‹#›</a:t>
-            </a:fld>
-            <a:endParaRPr lang="en-US"/>
-          </a:p>
-        </p:txBody>
-      </p:sp>
-      <p:sp>
-        <p:nvSpPr>
-          <p:cNvPr id="12" name="Rectangle 11"/>
-          <p:cNvSpPr/>
-          <p:nvPr userDrawn="1"/>
-        </p:nvSpPr>
-        <p:spPr>
-          <a:xfrm>
-            <a:off x="8996106" y="2895600"/>
-            <a:ext cx="147895" cy="3962400"/>
+            <a:off x="2382" y="6400800"/>
+            <a:ext cx="9141619" cy="457200"/>
           </a:xfrm>
           <a:prstGeom prst="rect">
             <a:avLst/>
           </a:prstGeom>
           <a:solidFill>
-            <a:srgbClr val="92D050"/>
+            <a:srgbClr val="0070C0"/>
           </a:solidFill>
           <a:ln>
             <a:noFill/>
@@ -1126,20 +798,246 @@
       </p:sp>
       <p:sp>
         <p:nvSpPr>
-          <p:cNvPr id="13" name="Rectangle 12"/>
+          <p:cNvPr id="2" name="Title 1"/>
+          <p:cNvSpPr>
+            <a:spLocks noGrp="1"/>
+          </p:cNvSpPr>
+          <p:nvPr>
+            <p:ph type="ctrTitle" hasCustomPrompt="1"/>
+          </p:nvPr>
+        </p:nvSpPr>
+        <p:spPr>
+          <a:xfrm>
+            <a:off x="373553" y="471740"/>
+            <a:ext cx="4857665" cy="2001435"/>
+          </a:xfrm>
+          <a:ln>
+            <a:noFill/>
+          </a:ln>
+        </p:spPr>
+        <p:txBody>
+          <a:bodyPr anchor="b">
+            <a:normAutofit/>
+          </a:bodyPr>
+          <a:lstStyle>
+            <a:lvl1pPr algn="l">
+              <a:lnSpc>
+                <a:spcPct val="85000"/>
+              </a:lnSpc>
+              <a:defRPr sz="5400" spc="-50" baseline="0">
+                <a:solidFill>
+                  <a:schemeClr val="tx1">
+                    <a:lumMod val="85000"/>
+                    <a:lumOff val="15000"/>
+                  </a:schemeClr>
+                </a:solidFill>
+              </a:defRPr>
+            </a:lvl1pPr>
+          </a:lstStyle>
+          <a:p>
+            <a:r>
+              <a:rPr lang="en-US" dirty="0" smtClean="0"/>
+              <a:t>INTERMEDIATE PROGRAMMING LESSON</a:t>
+            </a:r>
+            <a:endParaRPr lang="en-US" dirty="0"/>
+          </a:p>
+        </p:txBody>
+      </p:sp>
+      <p:sp>
+        <p:nvSpPr>
+          <p:cNvPr id="3" name="Subtitle 2"/>
+          <p:cNvSpPr>
+            <a:spLocks noGrp="1"/>
+          </p:cNvSpPr>
+          <p:nvPr>
+            <p:ph type="subTitle" idx="1"/>
+          </p:nvPr>
+        </p:nvSpPr>
+        <p:spPr>
+          <a:xfrm>
+            <a:off x="1548051" y="3452894"/>
+            <a:ext cx="6004883" cy="401411"/>
+          </a:xfrm>
+        </p:spPr>
+        <p:txBody>
+          <a:bodyPr lIns="91440" rIns="91440">
+            <a:normAutofit/>
+          </a:bodyPr>
+          <a:lstStyle>
+            <a:lvl1pPr marL="0" indent="0" algn="ctr">
+              <a:buNone/>
+              <a:defRPr sz="2400" cap="all" spc="200" baseline="0">
+                <a:solidFill>
+                  <a:schemeClr val="tx2"/>
+                </a:solidFill>
+                <a:latin typeface="+mj-lt"/>
+              </a:defRPr>
+            </a:lvl1pPr>
+            <a:lvl2pPr marL="457200" indent="0" algn="ctr">
+              <a:buNone/>
+              <a:defRPr sz="2400"/>
+            </a:lvl2pPr>
+            <a:lvl3pPr marL="914400" indent="0" algn="ctr">
+              <a:buNone/>
+              <a:defRPr sz="2400"/>
+            </a:lvl3pPr>
+            <a:lvl4pPr marL="1371600" indent="0" algn="ctr">
+              <a:buNone/>
+              <a:defRPr sz="2000"/>
+            </a:lvl4pPr>
+            <a:lvl5pPr marL="1828800" indent="0" algn="ctr">
+              <a:buNone/>
+              <a:defRPr sz="2000"/>
+            </a:lvl5pPr>
+            <a:lvl6pPr marL="2286000" indent="0" algn="ctr">
+              <a:buNone/>
+              <a:defRPr sz="2000"/>
+            </a:lvl6pPr>
+            <a:lvl7pPr marL="2743200" indent="0" algn="ctr">
+              <a:buNone/>
+              <a:defRPr sz="2000"/>
+            </a:lvl7pPr>
+            <a:lvl8pPr marL="3200400" indent="0" algn="ctr">
+              <a:buNone/>
+              <a:defRPr sz="2000"/>
+            </a:lvl8pPr>
+            <a:lvl9pPr marL="3657600" indent="0" algn="ctr">
+              <a:buNone/>
+              <a:defRPr sz="2000"/>
+            </a:lvl9pPr>
+          </a:lstStyle>
+          <a:p>
+            <a:r>
+              <a:rPr lang="en-US" dirty="0" smtClean="0"/>
+              <a:t>Click to edit Master subtitle style</a:t>
+            </a:r>
+            <a:endParaRPr lang="en-US" dirty="0"/>
+          </a:p>
+        </p:txBody>
+      </p:sp>
+      <p:sp>
+        <p:nvSpPr>
+          <p:cNvPr id="4" name="Date Placeholder 3"/>
+          <p:cNvSpPr>
+            <a:spLocks noGrp="1"/>
+          </p:cNvSpPr>
+          <p:nvPr>
+            <p:ph type="dt" sz="half" idx="10"/>
+          </p:nvPr>
+        </p:nvSpPr>
+        <p:spPr/>
+        <p:txBody>
+          <a:bodyPr/>
+          <a:lstStyle/>
+          <a:p>
+            <a:fld id="{6B13CFBD-0392-DF42-9C65-6D1DE0580181}" type="datetime1">
+              <a:rPr lang="en-US" smtClean="0"/>
+              <a:t>11/13/15</a:t>
+            </a:fld>
+            <a:endParaRPr lang="en-US"/>
+          </a:p>
+        </p:txBody>
+      </p:sp>
+      <p:sp>
+        <p:nvSpPr>
+          <p:cNvPr id="5" name="Footer Placeholder 4"/>
+          <p:cNvSpPr>
+            <a:spLocks noGrp="1"/>
+          </p:cNvSpPr>
+          <p:nvPr>
+            <p:ph type="ftr" sz="quarter" idx="11"/>
+          </p:nvPr>
+        </p:nvSpPr>
+        <p:spPr/>
+        <p:txBody>
+          <a:bodyPr/>
+          <a:lstStyle/>
+          <a:p>
+            <a:r>
+              <a:rPr lang="sk-SK" smtClean="0"/>
+              <a:t>© 2015 EV3Lessons.com, Last edit 11/13/2015</a:t>
+            </a:r>
+            <a:endParaRPr lang="en-US"/>
+          </a:p>
+        </p:txBody>
+      </p:sp>
+      <p:sp>
+        <p:nvSpPr>
+          <p:cNvPr id="6" name="Slide Number Placeholder 5"/>
+          <p:cNvSpPr>
+            <a:spLocks noGrp="1"/>
+          </p:cNvSpPr>
+          <p:nvPr>
+            <p:ph type="sldNum" sz="quarter" idx="12"/>
+          </p:nvPr>
+        </p:nvSpPr>
+        <p:spPr/>
+        <p:txBody>
+          <a:bodyPr/>
+          <a:lstStyle/>
+          <a:p>
+            <a:fld id="{7F5CE407-6216-4202-80E4-A30DC2F709B2}" type="slidenum">
+              <a:rPr lang="en-US" smtClean="0"/>
+              <a:t>‹#›</a:t>
+            </a:fld>
+            <a:endParaRPr lang="en-US"/>
+          </a:p>
+        </p:txBody>
+      </p:sp>
+      <p:cxnSp>
+        <p:nvCxnSpPr>
+          <p:cNvPr id="9" name="Straight Connector 8"/>
+          <p:cNvCxnSpPr/>
+          <p:nvPr/>
+        </p:nvCxnSpPr>
+        <p:spPr>
+          <a:xfrm>
+            <a:off x="905744" y="3854305"/>
+            <a:ext cx="7406640" cy="0"/>
+          </a:xfrm>
+          <a:prstGeom prst="line">
+            <a:avLst/>
+          </a:prstGeom>
+          <a:ln w="6350">
+            <a:solidFill>
+              <a:schemeClr val="tx1">
+                <a:lumMod val="50000"/>
+                <a:lumOff val="50000"/>
+              </a:schemeClr>
+            </a:solidFill>
+          </a:ln>
+        </p:spPr>
+        <p:style>
+          <a:lnRef idx="1">
+            <a:schemeClr val="accent1"/>
+          </a:lnRef>
+          <a:fillRef idx="0">
+            <a:schemeClr val="accent1"/>
+          </a:fillRef>
+          <a:effectRef idx="0">
+            <a:schemeClr val="accent1"/>
+          </a:effectRef>
+          <a:fontRef idx="minor">
+            <a:schemeClr val="tx1"/>
+          </a:fontRef>
+        </p:style>
+      </p:cxnSp>
+      <p:sp>
+        <p:nvSpPr>
+          <p:cNvPr id="10" name="Rectangle 9"/>
           <p:cNvSpPr/>
           <p:nvPr userDrawn="1"/>
         </p:nvSpPr>
         <p:spPr>
           <a:xfrm>
-            <a:off x="8959042" y="0"/>
-            <a:ext cx="184958" cy="2895600"/>
+            <a:off x="0" y="6334315"/>
+            <a:ext cx="4487333" cy="92382"/>
           </a:xfrm>
           <a:prstGeom prst="rect">
             <a:avLst/>
           </a:prstGeom>
           <a:solidFill>
-            <a:srgbClr val="7030A0"/>
+            <a:srgbClr val="00B050"/>
           </a:solidFill>
           <a:ln>
             <a:noFill/>
@@ -1164,20 +1062,20 @@
       </p:sp>
       <p:sp>
         <p:nvSpPr>
-          <p:cNvPr id="14" name="Rectangle 13"/>
+          <p:cNvPr id="11" name="Rectangle 10"/>
           <p:cNvSpPr/>
           <p:nvPr userDrawn="1"/>
         </p:nvSpPr>
         <p:spPr>
           <a:xfrm>
-            <a:off x="8913670" y="-4618"/>
-            <a:ext cx="91440" cy="6862617"/>
+            <a:off x="4487333" y="6334315"/>
+            <a:ext cx="4656667" cy="92382"/>
           </a:xfrm>
           <a:prstGeom prst="rect">
             <a:avLst/>
           </a:prstGeom>
           <a:solidFill>
-            <a:srgbClr val="0070C0"/>
+            <a:srgbClr val="7030A0"/>
           </a:solidFill>
           <a:ln>
             <a:noFill/>
@@ -1200,7 +1098,117 @@
           </a:fontRef>
         </p:style>
       </p:sp>
+      <p:sp>
+        <p:nvSpPr>
+          <p:cNvPr id="13" name="TextBox 12"/>
+          <p:cNvSpPr txBox="1"/>
+          <p:nvPr userDrawn="1"/>
+        </p:nvSpPr>
+        <p:spPr>
+          <a:xfrm>
+            <a:off x="1481621" y="5931894"/>
+            <a:ext cx="2391085" cy="369332"/>
+          </a:xfrm>
+          <a:prstGeom prst="rect">
+            <a:avLst/>
+          </a:prstGeom>
+          <a:noFill/>
+        </p:spPr>
+        <p:txBody>
+          <a:bodyPr wrap="square" rtlCol="0">
+            <a:spAutoFit/>
+          </a:bodyPr>
+          <a:lstStyle/>
+          <a:p>
+            <a:r>
+              <a:rPr lang="en-US" dirty="0" smtClean="0"/>
+              <a:t>By </a:t>
+            </a:r>
+            <a:r>
+              <a:rPr lang="en-US" smtClean="0"/>
+              <a:t>Droids Robotics</a:t>
+            </a:r>
+            <a:endParaRPr lang="en-US"/>
+          </a:p>
+        </p:txBody>
+      </p:sp>
+      <p:pic>
+        <p:nvPicPr>
+          <p:cNvPr id="14" name="Picture 13"/>
+          <p:cNvPicPr>
+            <a:picLocks noChangeAspect="1"/>
+          </p:cNvPicPr>
+          <p:nvPr userDrawn="1"/>
+        </p:nvPicPr>
+        <p:blipFill>
+          <a:blip r:embed="rId2">
+            <a:extLst>
+              <a:ext uri="{28A0092B-C50C-407E-A947-70E740481C1C}">
+                <a14:useLocalDpi xmlns:a14="http://schemas.microsoft.com/office/drawing/2010/main" val="0"/>
+              </a:ext>
+            </a:extLst>
+          </a:blip>
+          <a:stretch>
+            <a:fillRect/>
+          </a:stretch>
+        </p:blipFill>
+        <p:spPr>
+          <a:xfrm>
+            <a:off x="164036" y="4938756"/>
+            <a:ext cx="1317585" cy="1260490"/>
+          </a:xfrm>
+          <a:prstGeom prst="rect">
+            <a:avLst/>
+          </a:prstGeom>
+        </p:spPr>
+      </p:pic>
+      <p:pic>
+        <p:nvPicPr>
+          <p:cNvPr id="15" name="Picture 14" descr="EV3Lessons.com"/>
+          <p:cNvPicPr>
+            <a:picLocks noChangeAspect="1" noChangeArrowheads="1"/>
+          </p:cNvPicPr>
+          <p:nvPr userDrawn="1"/>
+        </p:nvPicPr>
+        <p:blipFill>
+          <a:blip r:embed="rId3" cstate="email">
+            <a:extLst>
+              <a:ext uri="{28A0092B-C50C-407E-A947-70E740481C1C}">
+                <a14:useLocalDpi xmlns:a14="http://schemas.microsoft.com/office/drawing/2010/main" val="0"/>
+              </a:ext>
+            </a:extLst>
+          </a:blip>
+          <a:srcRect/>
+          <a:stretch>
+            <a:fillRect/>
+          </a:stretch>
+        </p:blipFill>
+        <p:spPr bwMode="auto">
+          <a:xfrm>
+            <a:off x="5422605" y="409394"/>
+            <a:ext cx="3487140" cy="1295224"/>
+          </a:xfrm>
+          <a:prstGeom prst="rect">
+            <a:avLst/>
+          </a:prstGeom>
+          <a:noFill/>
+          <a:extLst>
+            <a:ext uri="{909E8E84-426E-40dd-AFC4-6F175D3DCCD1}">
+              <a14:hiddenFill xmlns:a14="http://schemas.microsoft.com/office/drawing/2010/main" xmlns="">
+                <a:solidFill>
+                  <a:srgbClr val="FFFFFF"/>
+                </a:solidFill>
+              </a14:hiddenFill>
+            </a:ext>
+          </a:extLst>
+        </p:spPr>
+      </p:pic>
     </p:spTree>
+    <p:extLst>
+      <p:ext uri="{BB962C8B-B14F-4D97-AF65-F5344CB8AC3E}">
+        <p14:creationId xmlns:p14="http://schemas.microsoft.com/office/powerpoint/2010/main" val="1450416691"/>
+      </p:ext>
+    </p:extLst>
   </p:cSld>
   <p:clrMapOvr>
     <a:masterClrMapping/>
@@ -1244,7 +1252,7 @@
               <a:rPr lang="en-US" smtClean="0"/>
               <a:t>Click to edit Master title style</a:t>
             </a:r>
-            <a:endParaRPr lang="en-US"/>
+            <a:endParaRPr lang="en-US" dirty="0"/>
           </a:p>
         </p:txBody>
       </p:sp>
@@ -1260,7 +1268,7 @@
         </p:nvSpPr>
         <p:spPr/>
         <p:txBody>
-          <a:bodyPr vert="eaVert"/>
+          <a:bodyPr vert="eaVert" lIns="45720" tIns="0" rIns="45720" bIns="0"/>
           <a:lstStyle/>
           <a:p>
             <a:pPr lvl="0"/>
@@ -1296,7 +1304,7 @@
               <a:rPr lang="en-US" smtClean="0"/>
               <a:t>Fifth level</a:t>
             </a:r>
-            <a:endParaRPr lang="en-US"/>
+            <a:endParaRPr lang="en-US" dirty="0"/>
           </a:p>
         </p:txBody>
       </p:sp>
@@ -1315,9 +1323,9 @@
           <a:bodyPr/>
           <a:lstStyle/>
           <a:p>
-            <a:fld id="{723786E7-9BC8-4BF8-9C52-0531C5A0B08F}" type="datetime1">
-              <a:rPr lang="en-US" smtClean="0"/>
-              <a:t>11/6/2015</a:t>
+            <a:fld id="{BF0F175E-9EAC-E14B-B7AC-8C8F25EC1DAA}" type="datetime1">
+              <a:rPr lang="en-US" smtClean="0"/>
+              <a:t>11/13/15</a:t>
             </a:fld>
             <a:endParaRPr lang="en-US"/>
           </a:p>
@@ -1339,8 +1347,8 @@
           <a:lstStyle/>
           <a:p>
             <a:r>
-              <a:rPr lang="en-US" smtClean="0"/>
-              <a:t>© 2015, EV3Lessons.com,  Last edit 11/5/2015</a:t>
+              <a:rPr lang="sk-SK" smtClean="0"/>
+              <a:t>© 2015 EV3Lessons.com, Last edit 11/13/2015</a:t>
             </a:r>
             <a:endParaRPr lang="en-US"/>
           </a:p>
@@ -1356,20 +1364,12 @@
             <p:ph type="sldNum" sz="quarter" idx="12"/>
           </p:nvPr>
         </p:nvSpPr>
-        <p:spPr>
-          <a:xfrm rot="16200000">
-            <a:off x="8227377" y="5885497"/>
-            <a:ext cx="1315721" cy="365125"/>
-          </a:xfrm>
-          <a:prstGeom prst="rect">
-            <a:avLst/>
-          </a:prstGeom>
-        </p:spPr>
+        <p:spPr/>
         <p:txBody>
           <a:bodyPr/>
           <a:lstStyle/>
           <a:p>
-            <a:fld id="{4DBC7FC8-25FB-FC45-8177-2B991DA6778C}" type="slidenum">
+            <a:fld id="{4382A7F7-08BF-4252-8141-63FB96055BBB}" type="slidenum">
               <a:rPr lang="en-US" smtClean="0"/>
               <a:t>‹#›</a:t>
             </a:fld>
@@ -1378,6 +1378,11 @@
         </p:txBody>
       </p:sp>
     </p:spTree>
+    <p:extLst>
+      <p:ext uri="{BB962C8B-B14F-4D97-AF65-F5344CB8AC3E}">
+        <p14:creationId xmlns:p14="http://schemas.microsoft.com/office/powerpoint/2010/main" val="1655869420"/>
+      </p:ext>
+    </p:extLst>
   </p:cSld>
   <p:clrMapOvr>
     <a:masterClrMapping/>
@@ -1386,7 +1391,7 @@
 </file>
 
 <file path=ppt/slideLayouts/slideLayout11.xml><?xml version="1.0" encoding="utf-8"?>
-<p:sldLayout xmlns:a="http://schemas.openxmlformats.org/drawingml/2006/main" xmlns:r="http://schemas.openxmlformats.org/officeDocument/2006/relationships" xmlns:p="http://schemas.openxmlformats.org/presentationml/2006/main" type="vertTitleAndTx" preserve="1">
+<p:sldLayout xmlns:a="http://schemas.openxmlformats.org/drawingml/2006/main" xmlns:r="http://schemas.openxmlformats.org/officeDocument/2006/relationships" xmlns:p="http://schemas.openxmlformats.org/presentationml/2006/main" showMasterSp="0" type="vertTitleAndTx" preserve="1">
   <p:cSld name="Vertical Title and Text">
     <p:spTree>
       <p:nvGrpSpPr>
@@ -1404,159 +1409,227 @@
       </p:grpSpPr>
       <p:sp>
         <p:nvSpPr>
-          <p:cNvPr id="2" name="Vertical Title 1"/>
-          <p:cNvSpPr>
-            <a:spLocks noGrp="1"/>
-          </p:cNvSpPr>
-          <p:nvPr>
-            <p:ph type="title" orient="vert"/>
-          </p:nvPr>
+          <p:cNvPr id="7" name="Rectangle 6"/>
+          <p:cNvSpPr/>
+          <p:nvPr/>
         </p:nvSpPr>
         <p:spPr>
           <a:xfrm>
-            <a:off x="6629400" y="274638"/>
-            <a:ext cx="2057400" cy="5851525"/>
-          </a:xfrm>
-        </p:spPr>
-        <p:txBody>
-          <a:bodyPr vert="eaVert"/>
-          <a:lstStyle/>
-          <a:p>
-            <a:r>
-              <a:rPr lang="en-US" smtClean="0"/>
-              <a:t>Click to edit Master title style</a:t>
-            </a:r>
-            <a:endParaRPr lang="en-US"/>
-          </a:p>
-        </p:txBody>
-      </p:sp>
-      <p:sp>
-        <p:nvSpPr>
-          <p:cNvPr id="3" name="Vertical Text Placeholder 2"/>
-          <p:cNvSpPr>
-            <a:spLocks noGrp="1"/>
-          </p:cNvSpPr>
-          <p:nvPr>
-            <p:ph type="body" orient="vert" idx="1"/>
-          </p:nvPr>
-        </p:nvSpPr>
-        <p:spPr>
-          <a:xfrm>
-            <a:off x="457200" y="274638"/>
-            <a:ext cx="6019800" cy="5851525"/>
-          </a:xfrm>
-        </p:spPr>
-        <p:txBody>
-          <a:bodyPr vert="eaVert"/>
-          <a:lstStyle/>
-          <a:p>
-            <a:pPr lvl="0"/>
-            <a:r>
-              <a:rPr lang="en-US" smtClean="0"/>
-              <a:t>Click to edit Master text styles</a:t>
-            </a:r>
-          </a:p>
-          <a:p>
-            <a:pPr lvl="1"/>
-            <a:r>
-              <a:rPr lang="en-US" smtClean="0"/>
-              <a:t>Second level</a:t>
-            </a:r>
-          </a:p>
-          <a:p>
-            <a:pPr lvl="2"/>
-            <a:r>
-              <a:rPr lang="en-US" smtClean="0"/>
-              <a:t>Third level</a:t>
-            </a:r>
-          </a:p>
-          <a:p>
-            <a:pPr lvl="3"/>
-            <a:r>
-              <a:rPr lang="en-US" smtClean="0"/>
-              <a:t>Fourth level</a:t>
-            </a:r>
-          </a:p>
-          <a:p>
-            <a:pPr lvl="4"/>
-            <a:r>
-              <a:rPr lang="en-US" smtClean="0"/>
-              <a:t>Fifth level</a:t>
-            </a:r>
-            <a:endParaRPr lang="en-US"/>
-          </a:p>
-        </p:txBody>
-      </p:sp>
-      <p:sp>
-        <p:nvSpPr>
-          <p:cNvPr id="4" name="Date Placeholder 3"/>
-          <p:cNvSpPr>
-            <a:spLocks noGrp="1"/>
-          </p:cNvSpPr>
-          <p:nvPr>
-            <p:ph type="dt" sz="half" idx="10"/>
-          </p:nvPr>
-        </p:nvSpPr>
-        <p:spPr/>
-        <p:txBody>
-          <a:bodyPr/>
-          <a:lstStyle/>
-          <a:p>
-            <a:fld id="{263EE281-78BF-4426-97A5-67097E2CB996}" type="datetime1">
-              <a:rPr lang="en-US" smtClean="0"/>
-              <a:t>11/6/2015</a:t>
-            </a:fld>
-            <a:endParaRPr lang="en-US"/>
-          </a:p>
-        </p:txBody>
-      </p:sp>
-      <p:sp>
-        <p:nvSpPr>
-          <p:cNvPr id="5" name="Footer Placeholder 4"/>
-          <p:cNvSpPr>
-            <a:spLocks noGrp="1"/>
-          </p:cNvSpPr>
-          <p:nvPr>
-            <p:ph type="ftr" sz="quarter" idx="11"/>
-          </p:nvPr>
-        </p:nvSpPr>
-        <p:spPr/>
-        <p:txBody>
-          <a:bodyPr/>
-          <a:lstStyle/>
-          <a:p>
-            <a:r>
-              <a:rPr lang="en-US" smtClean="0"/>
-              <a:t>© 2015, EV3Lessons.com,  Last edit 11/5/2015</a:t>
-            </a:r>
-            <a:endParaRPr lang="en-US"/>
-          </a:p>
-        </p:txBody>
-      </p:sp>
-      <p:sp>
-        <p:nvSpPr>
-          <p:cNvPr id="6" name="Slide Number Placeholder 5"/>
-          <p:cNvSpPr>
-            <a:spLocks noGrp="1"/>
-          </p:cNvSpPr>
-          <p:nvPr>
-            <p:ph type="sldNum" sz="quarter" idx="12"/>
-          </p:nvPr>
-        </p:nvSpPr>
-        <p:spPr>
-          <a:xfrm rot="16200000">
-            <a:off x="8227377" y="5885497"/>
-            <a:ext cx="1315721" cy="365125"/>
+            <a:off x="2382" y="6400800"/>
+            <a:ext cx="9141619" cy="457200"/>
           </a:xfrm>
           <a:prstGeom prst="rect">
             <a:avLst/>
           </a:prstGeom>
-        </p:spPr>
+          <a:solidFill>
+            <a:schemeClr val="accent2"/>
+          </a:solidFill>
+          <a:ln>
+            <a:noFill/>
+          </a:ln>
+        </p:spPr>
+        <p:style>
+          <a:lnRef idx="2">
+            <a:schemeClr val="accent1">
+              <a:shade val="50000"/>
+            </a:schemeClr>
+          </a:lnRef>
+          <a:fillRef idx="1">
+            <a:schemeClr val="accent1"/>
+          </a:fillRef>
+          <a:effectRef idx="0">
+            <a:schemeClr val="accent1"/>
+          </a:effectRef>
+          <a:fontRef idx="minor">
+            <a:schemeClr val="lt1"/>
+          </a:fontRef>
+        </p:style>
+      </p:sp>
+      <p:sp>
+        <p:nvSpPr>
+          <p:cNvPr id="8" name="Rectangle 7"/>
+          <p:cNvSpPr/>
+          <p:nvPr/>
+        </p:nvSpPr>
+        <p:spPr>
+          <a:xfrm>
+            <a:off x="12" y="6334316"/>
+            <a:ext cx="9141619" cy="64008"/>
+          </a:xfrm>
+          <a:prstGeom prst="rect">
+            <a:avLst/>
+          </a:prstGeom>
+          <a:solidFill>
+            <a:schemeClr val="accent1"/>
+          </a:solidFill>
+          <a:ln>
+            <a:noFill/>
+          </a:ln>
+        </p:spPr>
+        <p:style>
+          <a:lnRef idx="2">
+            <a:schemeClr val="accent1">
+              <a:shade val="50000"/>
+            </a:schemeClr>
+          </a:lnRef>
+          <a:fillRef idx="1">
+            <a:schemeClr val="accent1"/>
+          </a:fillRef>
+          <a:effectRef idx="0">
+            <a:schemeClr val="accent1"/>
+          </a:effectRef>
+          <a:fontRef idx="minor">
+            <a:schemeClr val="lt1"/>
+          </a:fontRef>
+        </p:style>
+      </p:sp>
+      <p:sp>
+        <p:nvSpPr>
+          <p:cNvPr id="2" name="Vertical Title 1"/>
+          <p:cNvSpPr>
+            <a:spLocks noGrp="1"/>
+          </p:cNvSpPr>
+          <p:nvPr>
+            <p:ph type="title" orient="vert"/>
+          </p:nvPr>
+        </p:nvSpPr>
+        <p:spPr>
+          <a:xfrm>
+            <a:off x="6543675" y="414779"/>
+            <a:ext cx="1971675" cy="5757421"/>
+          </a:xfrm>
+        </p:spPr>
+        <p:txBody>
+          <a:bodyPr vert="eaVert"/>
+          <a:lstStyle/>
+          <a:p>
+            <a:r>
+              <a:rPr lang="en-US" smtClean="0"/>
+              <a:t>Click to edit Master title style</a:t>
+            </a:r>
+            <a:endParaRPr lang="en-US" dirty="0"/>
+          </a:p>
+        </p:txBody>
+      </p:sp>
+      <p:sp>
+        <p:nvSpPr>
+          <p:cNvPr id="3" name="Vertical Text Placeholder 2"/>
+          <p:cNvSpPr>
+            <a:spLocks noGrp="1"/>
+          </p:cNvSpPr>
+          <p:nvPr>
+            <p:ph type="body" orient="vert" idx="1"/>
+          </p:nvPr>
+        </p:nvSpPr>
+        <p:spPr>
+          <a:xfrm>
+            <a:off x="628650" y="414779"/>
+            <a:ext cx="5800725" cy="5757420"/>
+          </a:xfrm>
+        </p:spPr>
+        <p:txBody>
+          <a:bodyPr vert="eaVert" lIns="45720" tIns="0" rIns="45720" bIns="0"/>
+          <a:lstStyle/>
+          <a:p>
+            <a:pPr lvl="0"/>
+            <a:r>
+              <a:rPr lang="en-US" smtClean="0"/>
+              <a:t>Click to edit Master text styles</a:t>
+            </a:r>
+          </a:p>
+          <a:p>
+            <a:pPr lvl="1"/>
+            <a:r>
+              <a:rPr lang="en-US" smtClean="0"/>
+              <a:t>Second level</a:t>
+            </a:r>
+          </a:p>
+          <a:p>
+            <a:pPr lvl="2"/>
+            <a:r>
+              <a:rPr lang="en-US" smtClean="0"/>
+              <a:t>Third level</a:t>
+            </a:r>
+          </a:p>
+          <a:p>
+            <a:pPr lvl="3"/>
+            <a:r>
+              <a:rPr lang="en-US" smtClean="0"/>
+              <a:t>Fourth level</a:t>
+            </a:r>
+          </a:p>
+          <a:p>
+            <a:pPr lvl="4"/>
+            <a:r>
+              <a:rPr lang="en-US" smtClean="0"/>
+              <a:t>Fifth level</a:t>
+            </a:r>
+            <a:endParaRPr lang="en-US" dirty="0"/>
+          </a:p>
+        </p:txBody>
+      </p:sp>
+      <p:sp>
+        <p:nvSpPr>
+          <p:cNvPr id="4" name="Date Placeholder 3"/>
+          <p:cNvSpPr>
+            <a:spLocks noGrp="1"/>
+          </p:cNvSpPr>
+          <p:nvPr>
+            <p:ph type="dt" sz="half" idx="10"/>
+          </p:nvPr>
+        </p:nvSpPr>
+        <p:spPr/>
         <p:txBody>
           <a:bodyPr/>
           <a:lstStyle/>
           <a:p>
-            <a:fld id="{4DBC7FC8-25FB-FC45-8177-2B991DA6778C}" type="slidenum">
+            <a:fld id="{ABE2FCFC-C57A-2442-884C-F5C58B3A2465}" type="datetime1">
+              <a:rPr lang="en-US" smtClean="0"/>
+              <a:t>11/13/15</a:t>
+            </a:fld>
+            <a:endParaRPr lang="en-US"/>
+          </a:p>
+        </p:txBody>
+      </p:sp>
+      <p:sp>
+        <p:nvSpPr>
+          <p:cNvPr id="5" name="Footer Placeholder 4"/>
+          <p:cNvSpPr>
+            <a:spLocks noGrp="1"/>
+          </p:cNvSpPr>
+          <p:nvPr>
+            <p:ph type="ftr" sz="quarter" idx="11"/>
+          </p:nvPr>
+        </p:nvSpPr>
+        <p:spPr/>
+        <p:txBody>
+          <a:bodyPr/>
+          <a:lstStyle/>
+          <a:p>
+            <a:r>
+              <a:rPr lang="sk-SK" smtClean="0"/>
+              <a:t>© 2015 EV3Lessons.com, Last edit 11/13/2015</a:t>
+            </a:r>
+            <a:endParaRPr lang="en-US"/>
+          </a:p>
+        </p:txBody>
+      </p:sp>
+      <p:sp>
+        <p:nvSpPr>
+          <p:cNvPr id="6" name="Slide Number Placeholder 5"/>
+          <p:cNvSpPr>
+            <a:spLocks noGrp="1"/>
+          </p:cNvSpPr>
+          <p:nvPr>
+            <p:ph type="sldNum" sz="quarter" idx="12"/>
+          </p:nvPr>
+        </p:nvSpPr>
+        <p:spPr/>
+        <p:txBody>
+          <a:bodyPr/>
+          <a:lstStyle/>
+          <a:p>
+            <a:fld id="{4382A7F7-08BF-4252-8141-63FB96055BBB}" type="slidenum">
               <a:rPr lang="en-US" smtClean="0"/>
               <a:t>‹#›</a:t>
             </a:fld>
@@ -1565,6 +1638,11 @@
         </p:txBody>
       </p:sp>
     </p:spTree>
+    <p:extLst>
+      <p:ext uri="{BB962C8B-B14F-4D97-AF65-F5344CB8AC3E}">
+        <p14:creationId xmlns:p14="http://schemas.microsoft.com/office/powerpoint/2010/main" val="2063103780"/>
+      </p:ext>
+    </p:extLst>
   </p:cSld>
   <p:clrMapOvr>
     <a:masterClrMapping/>
@@ -1599,12 +1677,7 @@
             <p:ph type="title"/>
           </p:nvPr>
         </p:nvSpPr>
-        <p:spPr>
-          <a:xfrm>
-            <a:off x="457199" y="152718"/>
-            <a:ext cx="8245475" cy="1371600"/>
-          </a:xfrm>
-        </p:spPr>
+        <p:spPr/>
         <p:txBody>
           <a:bodyPr/>
           <a:lstStyle/>
@@ -1613,7 +1686,7 @@
               <a:rPr lang="en-US" smtClean="0"/>
               <a:t>Click to edit Master title style</a:t>
             </a:r>
-            <a:endParaRPr lang="en-US"/>
+            <a:endParaRPr lang="en-US" dirty="0"/>
           </a:p>
         </p:txBody>
       </p:sp>
@@ -1627,12 +1700,7 @@
             <p:ph idx="1"/>
           </p:nvPr>
         </p:nvSpPr>
-        <p:spPr>
-          <a:xfrm>
-            <a:off x="457200" y="1752600"/>
-            <a:ext cx="8245474" cy="4373563"/>
-          </a:xfrm>
-        </p:spPr>
+        <p:spPr/>
         <p:txBody>
           <a:bodyPr/>
           <a:lstStyle/>
@@ -1689,9 +1757,9 @@
           <a:bodyPr/>
           <a:lstStyle/>
           <a:p>
-            <a:fld id="{A9B4AB14-911C-459D-84B1-11BDE4A660C7}" type="datetime1">
-              <a:rPr lang="en-US" smtClean="0"/>
-              <a:t>11/6/2015</a:t>
+            <a:fld id="{6964D4EB-A2A3-5D46-A2E3-B082D53C11C5}" type="datetime1">
+              <a:rPr lang="en-US" smtClean="0"/>
+              <a:t>11/13/15</a:t>
             </a:fld>
             <a:endParaRPr lang="en-US"/>
           </a:p>
@@ -1713,8 +1781,8 @@
           <a:lstStyle/>
           <a:p>
             <a:r>
-              <a:rPr lang="en-US" smtClean="0"/>
-              <a:t>© 2015, EV3Lessons.com,  Last edit 11/5/2015</a:t>
+              <a:rPr lang="sk-SK" smtClean="0"/>
+              <a:t>© 2015 EV3Lessons.com, Last edit 11/13/2015</a:t>
             </a:r>
             <a:endParaRPr lang="en-US"/>
           </a:p>
@@ -1730,20 +1798,12 @@
             <p:ph type="sldNum" sz="quarter" idx="12"/>
           </p:nvPr>
         </p:nvSpPr>
-        <p:spPr>
-          <a:xfrm rot="16200000">
-            <a:off x="8227377" y="5885497"/>
-            <a:ext cx="1315721" cy="365125"/>
-          </a:xfrm>
-          <a:prstGeom prst="rect">
-            <a:avLst/>
-          </a:prstGeom>
-        </p:spPr>
+        <p:spPr/>
         <p:txBody>
           <a:bodyPr/>
           <a:lstStyle/>
           <a:p>
-            <a:fld id="{4DBC7FC8-25FB-FC45-8177-2B991DA6778C}" type="slidenum">
+            <a:fld id="{4382A7F7-08BF-4252-8141-63FB96055BBB}" type="slidenum">
               <a:rPr lang="en-US" smtClean="0"/>
               <a:t>‹#›</a:t>
             </a:fld>
@@ -1752,6 +1812,11 @@
         </p:txBody>
       </p:sp>
     </p:spTree>
+    <p:extLst>
+      <p:ext uri="{BB962C8B-B14F-4D97-AF65-F5344CB8AC3E}">
+        <p14:creationId xmlns:p14="http://schemas.microsoft.com/office/powerpoint/2010/main" val="902093918"/>
+      </p:ext>
+    </p:extLst>
   </p:cSld>
   <p:clrMapOvr>
     <a:masterClrMapping/>
@@ -1760,8 +1825,16 @@
 </file>
 
 <file path=ppt/slideLayouts/slideLayout3.xml><?xml version="1.0" encoding="utf-8"?>
-<p:sldLayout xmlns:a="http://schemas.openxmlformats.org/drawingml/2006/main" xmlns:r="http://schemas.openxmlformats.org/officeDocument/2006/relationships" xmlns:p="http://schemas.openxmlformats.org/presentationml/2006/main" type="secHead" preserve="1">
+<p:sldLayout xmlns:a="http://schemas.openxmlformats.org/drawingml/2006/main" xmlns:r="http://schemas.openxmlformats.org/officeDocument/2006/relationships" xmlns:p="http://schemas.openxmlformats.org/presentationml/2006/main" showMasterSp="0" type="secHead" preserve="1">
   <p:cSld name="Section Header">
+    <p:bg>
+      <p:bgPr>
+        <a:solidFill>
+          <a:schemeClr val="bg1"/>
+        </a:solidFill>
+        <a:effectLst/>
+      </p:bgPr>
+    </p:bg>
     <p:spTree>
       <p:nvGrpSpPr>
         <p:cNvPr id="1" name=""/>
@@ -1778,6 +1851,82 @@
       </p:grpSpPr>
       <p:sp>
         <p:nvSpPr>
+          <p:cNvPr id="7" name="Rectangle 6"/>
+          <p:cNvSpPr/>
+          <p:nvPr/>
+        </p:nvSpPr>
+        <p:spPr>
+          <a:xfrm>
+            <a:off x="2382" y="6400800"/>
+            <a:ext cx="9141619" cy="457200"/>
+          </a:xfrm>
+          <a:prstGeom prst="rect">
+            <a:avLst/>
+          </a:prstGeom>
+          <a:solidFill>
+            <a:schemeClr val="accent2"/>
+          </a:solidFill>
+          <a:ln>
+            <a:noFill/>
+          </a:ln>
+        </p:spPr>
+        <p:style>
+          <a:lnRef idx="2">
+            <a:schemeClr val="accent1">
+              <a:shade val="50000"/>
+            </a:schemeClr>
+          </a:lnRef>
+          <a:fillRef idx="1">
+            <a:schemeClr val="accent1"/>
+          </a:fillRef>
+          <a:effectRef idx="0">
+            <a:schemeClr val="accent1"/>
+          </a:effectRef>
+          <a:fontRef idx="minor">
+            <a:schemeClr val="lt1"/>
+          </a:fontRef>
+        </p:style>
+      </p:sp>
+      <p:sp>
+        <p:nvSpPr>
+          <p:cNvPr id="8" name="Rectangle 7"/>
+          <p:cNvSpPr/>
+          <p:nvPr/>
+        </p:nvSpPr>
+        <p:spPr>
+          <a:xfrm>
+            <a:off x="12" y="6334316"/>
+            <a:ext cx="9141619" cy="64008"/>
+          </a:xfrm>
+          <a:prstGeom prst="rect">
+            <a:avLst/>
+          </a:prstGeom>
+          <a:solidFill>
+            <a:schemeClr val="accent1"/>
+          </a:solidFill>
+          <a:ln>
+            <a:noFill/>
+          </a:ln>
+        </p:spPr>
+        <p:style>
+          <a:lnRef idx="2">
+            <a:schemeClr val="accent1">
+              <a:shade val="50000"/>
+            </a:schemeClr>
+          </a:lnRef>
+          <a:fillRef idx="1">
+            <a:schemeClr val="accent1"/>
+          </a:fillRef>
+          <a:effectRef idx="0">
+            <a:schemeClr val="accent1"/>
+          </a:effectRef>
+          <a:fontRef idx="minor">
+            <a:schemeClr val="lt1"/>
+          </a:fontRef>
+        </p:style>
+      </p:sp>
+      <p:sp>
+        <p:nvSpPr>
           <p:cNvPr id="2" name="Title 1"/>
           <p:cNvSpPr>
             <a:spLocks noGrp="1"/>
@@ -1788,22 +1937,25 @@
         </p:nvSpPr>
         <p:spPr>
           <a:xfrm>
-            <a:off x="457200" y="1447800"/>
-            <a:ext cx="7772400" cy="4321175"/>
-          </a:xfrm>
-        </p:spPr>
-        <p:txBody>
-          <a:bodyPr anchor="ctr">
-            <a:noAutofit/>
+            <a:off x="822960" y="758952"/>
+            <a:ext cx="7543800" cy="3566160"/>
+          </a:xfrm>
+        </p:spPr>
+        <p:txBody>
+          <a:bodyPr anchor="b" anchorCtr="0">
+            <a:normAutofit/>
           </a:bodyPr>
           <a:lstStyle>
-            <a:lvl1pPr algn="l">
+            <a:lvl1pPr>
               <a:lnSpc>
-                <a:spcPct val="100000"/>
+                <a:spcPct val="85000"/>
               </a:lnSpc>
-              <a:defRPr sz="8800" b="0" cap="all" spc="-80" baseline="0">
+              <a:defRPr sz="8000" b="0">
                 <a:solidFill>
-                  <a:schemeClr val="tx1"/>
+                  <a:schemeClr val="tx1">
+                    <a:lumMod val="85000"/>
+                    <a:lumOff val="15000"/>
+                  </a:schemeClr>
                 </a:solidFill>
               </a:defRPr>
             </a:lvl1pPr>
@@ -1829,16 +1981,18 @@
         </p:nvSpPr>
         <p:spPr>
           <a:xfrm>
-            <a:off x="457200" y="228601"/>
-            <a:ext cx="7772400" cy="1066800"/>
-          </a:xfrm>
-        </p:spPr>
-        <p:txBody>
-          <a:bodyPr anchor="b"/>
+            <a:off x="822960" y="4453128"/>
+            <a:ext cx="7543800" cy="1143000"/>
+          </a:xfrm>
+        </p:spPr>
+        <p:txBody>
+          <a:bodyPr lIns="91440" rIns="91440" anchor="t" anchorCtr="0">
+            <a:normAutofit/>
+          </a:bodyPr>
           <a:lstStyle>
             <a:lvl1pPr marL="0" indent="0">
               <a:buNone/>
-              <a:defRPr sz="2000" b="0" cap="all" spc="120" baseline="0">
+              <a:defRPr sz="2400" cap="all" spc="200" baseline="0">
                 <a:solidFill>
                   <a:schemeClr val="tx2"/>
                 </a:solidFill>
@@ -1937,7 +2091,7 @@
       </p:sp>
       <p:sp>
         <p:nvSpPr>
-          <p:cNvPr id="7" name="Date Placeholder 6"/>
+          <p:cNvPr id="4" name="Date Placeholder 3"/>
           <p:cNvSpPr>
             <a:spLocks noGrp="1"/>
           </p:cNvSpPr>
@@ -1950,9 +2104,9 @@
           <a:bodyPr/>
           <a:lstStyle/>
           <a:p>
-            <a:fld id="{6BB3E563-344C-46C7-B918-91180BFE49F3}" type="datetime1">
-              <a:rPr lang="en-US" smtClean="0"/>
-              <a:t>11/6/2015</a:t>
+            <a:fld id="{719062A6-538C-914A-A4D7-9D77EAAE33AB}" type="datetime1">
+              <a:rPr lang="en-US" smtClean="0"/>
+              <a:t>11/13/15</a:t>
             </a:fld>
             <a:endParaRPr lang="en-US"/>
           </a:p>
@@ -1960,28 +2114,43 @@
       </p:sp>
       <p:sp>
         <p:nvSpPr>
-          <p:cNvPr id="8" name="Slide Number Placeholder 7"/>
-          <p:cNvSpPr>
-            <a:spLocks noGrp="1"/>
-          </p:cNvSpPr>
-          <p:nvPr>
-            <p:ph type="sldNum" sz="quarter" idx="11"/>
-          </p:nvPr>
-        </p:nvSpPr>
-        <p:spPr>
-          <a:xfrm rot="16200000">
-            <a:off x="8227377" y="5885497"/>
-            <a:ext cx="1315721" cy="365125"/>
-          </a:xfrm>
-          <a:prstGeom prst="rect">
-            <a:avLst/>
-          </a:prstGeom>
-        </p:spPr>
+          <p:cNvPr id="5" name="Footer Placeholder 4"/>
+          <p:cNvSpPr>
+            <a:spLocks noGrp="1"/>
+          </p:cNvSpPr>
+          <p:nvPr>
+            <p:ph type="ftr" sz="quarter" idx="11"/>
+          </p:nvPr>
+        </p:nvSpPr>
+        <p:spPr/>
         <p:txBody>
           <a:bodyPr/>
           <a:lstStyle/>
           <a:p>
-            <a:fld id="{4DBC7FC8-25FB-FC45-8177-2B991DA6778C}" type="slidenum">
+            <a:r>
+              <a:rPr lang="sk-SK" smtClean="0"/>
+              <a:t>© 2015 EV3Lessons.com, Last edit 11/13/2015</a:t>
+            </a:r>
+            <a:endParaRPr lang="en-US"/>
+          </a:p>
+        </p:txBody>
+      </p:sp>
+      <p:sp>
+        <p:nvSpPr>
+          <p:cNvPr id="6" name="Slide Number Placeholder 5"/>
+          <p:cNvSpPr>
+            <a:spLocks noGrp="1"/>
+          </p:cNvSpPr>
+          <p:nvPr>
+            <p:ph type="sldNum" sz="quarter" idx="12"/>
+          </p:nvPr>
+        </p:nvSpPr>
+        <p:spPr/>
+        <p:txBody>
+          <a:bodyPr/>
+          <a:lstStyle/>
+          <a:p>
+            <a:fld id="{162F1D00-BD13-4404-86B0-79703945A0A7}" type="slidenum">
               <a:rPr lang="en-US" smtClean="0"/>
               <a:t>‹#›</a:t>
             </a:fld>
@@ -1989,30 +2158,50 @@
           </a:p>
         </p:txBody>
       </p:sp>
-      <p:sp>
-        <p:nvSpPr>
-          <p:cNvPr id="9" name="Footer Placeholder 8"/>
-          <p:cNvSpPr>
-            <a:spLocks noGrp="1"/>
-          </p:cNvSpPr>
-          <p:nvPr>
-            <p:ph type="ftr" sz="quarter" idx="12"/>
-          </p:nvPr>
-        </p:nvSpPr>
-        <p:spPr/>
-        <p:txBody>
-          <a:bodyPr/>
-          <a:lstStyle/>
-          <a:p>
-            <a:r>
-              <a:rPr lang="en-US" smtClean="0"/>
-              <a:t>© 2015, EV3Lessons.com,  Last edit 11/5/2015</a:t>
-            </a:r>
-            <a:endParaRPr lang="en-US"/>
-          </a:p>
-        </p:txBody>
-      </p:sp>
+      <p:cxnSp>
+        <p:nvCxnSpPr>
+          <p:cNvPr id="9" name="Straight Connector 8"/>
+          <p:cNvCxnSpPr/>
+          <p:nvPr/>
+        </p:nvCxnSpPr>
+        <p:spPr>
+          <a:xfrm>
+            <a:off x="905744" y="4343400"/>
+            <a:ext cx="7406640" cy="0"/>
+          </a:xfrm>
+          <a:prstGeom prst="line">
+            <a:avLst/>
+          </a:prstGeom>
+          <a:ln w="6350">
+            <a:solidFill>
+              <a:schemeClr val="tx1">
+                <a:lumMod val="50000"/>
+                <a:lumOff val="50000"/>
+              </a:schemeClr>
+            </a:solidFill>
+          </a:ln>
+        </p:spPr>
+        <p:style>
+          <a:lnRef idx="1">
+            <a:schemeClr val="accent1"/>
+          </a:lnRef>
+          <a:fillRef idx="0">
+            <a:schemeClr val="accent1"/>
+          </a:fillRef>
+          <a:effectRef idx="0">
+            <a:schemeClr val="accent1"/>
+          </a:effectRef>
+          <a:fontRef idx="minor">
+            <a:schemeClr val="tx1"/>
+          </a:fontRef>
+        </p:style>
+      </p:cxnSp>
     </p:spTree>
+    <p:extLst>
+      <p:ext uri="{BB962C8B-B14F-4D97-AF65-F5344CB8AC3E}">
+        <p14:creationId xmlns:p14="http://schemas.microsoft.com/office/powerpoint/2010/main" val="1441225196"/>
+      </p:ext>
+    </p:extLst>
   </p:cSld>
   <p:clrMapOvr>
     <a:masterClrMapping/>
@@ -2039,7 +2228,7 @@
       </p:grpSpPr>
       <p:sp>
         <p:nvSpPr>
-          <p:cNvPr id="2" name="Title 1"/>
+          <p:cNvPr id="8" name="Title 7"/>
           <p:cNvSpPr>
             <a:spLocks noGrp="1"/>
           </p:cNvSpPr>
@@ -2049,8 +2238,8 @@
         </p:nvSpPr>
         <p:spPr>
           <a:xfrm>
-            <a:off x="457199" y="152718"/>
-            <a:ext cx="8245475" cy="1371600"/>
+            <a:off x="822960" y="286604"/>
+            <a:ext cx="7543800" cy="1450757"/>
           </a:xfrm>
         </p:spPr>
         <p:txBody>
@@ -2061,7 +2250,7 @@
               <a:rPr lang="en-US" smtClean="0"/>
               <a:t>Click to edit Master title style</a:t>
             </a:r>
-            <a:endParaRPr lang="en-US"/>
+            <a:endParaRPr lang="en-US" dirty="0"/>
           </a:p>
         </p:txBody>
       </p:sp>
@@ -2077,41 +2266,13 @@
         </p:nvSpPr>
         <p:spPr>
           <a:xfrm>
-            <a:off x="457200" y="1574800"/>
-            <a:ext cx="3877529" cy="4525963"/>
+            <a:off x="822960" y="1845734"/>
+            <a:ext cx="3703320" cy="4023360"/>
           </a:xfrm>
         </p:spPr>
         <p:txBody>
           <a:bodyPr/>
-          <a:lstStyle>
-            <a:lvl1pPr>
-              <a:defRPr sz="2800"/>
-            </a:lvl1pPr>
-            <a:lvl2pPr>
-              <a:defRPr sz="2400"/>
-            </a:lvl2pPr>
-            <a:lvl3pPr>
-              <a:defRPr sz="2000"/>
-            </a:lvl3pPr>
-            <a:lvl4pPr>
-              <a:defRPr sz="1800"/>
-            </a:lvl4pPr>
-            <a:lvl5pPr>
-              <a:defRPr sz="1800"/>
-            </a:lvl5pPr>
-            <a:lvl6pPr>
-              <a:defRPr sz="1800"/>
-            </a:lvl6pPr>
-            <a:lvl7pPr>
-              <a:defRPr sz="1800"/>
-            </a:lvl7pPr>
-            <a:lvl8pPr>
-              <a:defRPr sz="1800"/>
-            </a:lvl8pPr>
-            <a:lvl9pPr>
-              <a:defRPr sz="1800"/>
-            </a:lvl9pPr>
-          </a:lstStyle>
+          <a:lstStyle/>
           <a:p>
             <a:pPr lvl="0"/>
             <a:r>
@@ -2162,73 +2323,45 @@
         </p:nvSpPr>
         <p:spPr>
           <a:xfrm>
-            <a:off x="4886923" y="1574800"/>
-            <a:ext cx="3815751" cy="4525963"/>
+            <a:off x="4663440" y="1845736"/>
+            <a:ext cx="3703320" cy="4023359"/>
           </a:xfrm>
         </p:spPr>
         <p:txBody>
           <a:bodyPr/>
-          <a:lstStyle>
-            <a:lvl1pPr>
-              <a:defRPr sz="2800"/>
-            </a:lvl1pPr>
-            <a:lvl2pPr>
-              <a:defRPr sz="2400"/>
-            </a:lvl2pPr>
-            <a:lvl3pPr>
-              <a:defRPr sz="2000"/>
-            </a:lvl3pPr>
-            <a:lvl4pPr>
-              <a:defRPr sz="1800"/>
-            </a:lvl4pPr>
-            <a:lvl5pPr>
-              <a:defRPr sz="1800"/>
-            </a:lvl5pPr>
-            <a:lvl6pPr>
-              <a:defRPr sz="1800"/>
-            </a:lvl6pPr>
-            <a:lvl7pPr>
-              <a:defRPr sz="1800"/>
-            </a:lvl7pPr>
-            <a:lvl8pPr>
-              <a:defRPr sz="1800"/>
-            </a:lvl8pPr>
-            <a:lvl9pPr>
-              <a:defRPr sz="1800"/>
-            </a:lvl9pPr>
-          </a:lstStyle>
+          <a:lstStyle/>
           <a:p>
             <a:pPr lvl="0"/>
             <a:r>
-              <a:rPr lang="en-US" dirty="0" smtClean="0"/>
+              <a:rPr lang="en-US" smtClean="0"/>
               <a:t>Click to edit Master text styles</a:t>
             </a:r>
           </a:p>
           <a:p>
             <a:pPr lvl="1"/>
             <a:r>
-              <a:rPr lang="en-US" dirty="0" smtClean="0"/>
+              <a:rPr lang="en-US" smtClean="0"/>
               <a:t>Second level</a:t>
             </a:r>
           </a:p>
           <a:p>
             <a:pPr lvl="2"/>
             <a:r>
-              <a:rPr lang="en-US" dirty="0" smtClean="0"/>
+              <a:rPr lang="en-US" smtClean="0"/>
               <a:t>Third level</a:t>
             </a:r>
           </a:p>
           <a:p>
             <a:pPr lvl="3"/>
             <a:r>
-              <a:rPr lang="en-US" dirty="0" smtClean="0"/>
+              <a:rPr lang="en-US" smtClean="0"/>
               <a:t>Fourth level</a:t>
             </a:r>
           </a:p>
           <a:p>
             <a:pPr lvl="4"/>
             <a:r>
-              <a:rPr lang="en-US" dirty="0" smtClean="0"/>
+              <a:rPr lang="en-US" smtClean="0"/>
               <a:t>Fifth level</a:t>
             </a:r>
             <a:endParaRPr lang="en-US" dirty="0"/>
@@ -2250,9 +2383,9 @@
           <a:bodyPr/>
           <a:lstStyle/>
           <a:p>
-            <a:fld id="{AB06297B-9C8E-4A45-8652-DBACFDCAA5C1}" type="datetime1">
-              <a:rPr lang="en-US" smtClean="0"/>
-              <a:t>11/6/2015</a:t>
+            <a:fld id="{FBA86DE5-4727-3C44-A125-458AC819E1C1}" type="datetime1">
+              <a:rPr lang="en-US" smtClean="0"/>
+              <a:t>11/13/15</a:t>
             </a:fld>
             <a:endParaRPr lang="en-US"/>
           </a:p>
@@ -2273,11 +2406,7 @@
           <a:bodyPr/>
           <a:lstStyle/>
           <a:p>
-            <a:r>
-              <a:rPr lang="en-US" smtClean="0"/>
-              <a:t>© 2015, EV3Lessons.com,  Last edit 11/5/2015</a:t>
-            </a:r>
-            <a:endParaRPr lang="en-US"/>
+            <a:endParaRPr lang="en-US" dirty="0"/>
           </a:p>
         </p:txBody>
       </p:sp>
@@ -2291,20 +2420,12 @@
             <p:ph type="sldNum" sz="quarter" idx="12"/>
           </p:nvPr>
         </p:nvSpPr>
-        <p:spPr>
-          <a:xfrm rot="16200000">
-            <a:off x="8227377" y="5885497"/>
-            <a:ext cx="1315721" cy="365125"/>
-          </a:xfrm>
-          <a:prstGeom prst="rect">
-            <a:avLst/>
-          </a:prstGeom>
-        </p:spPr>
+        <p:spPr/>
         <p:txBody>
           <a:bodyPr/>
           <a:lstStyle/>
           <a:p>
-            <a:fld id="{4DBC7FC8-25FB-FC45-8177-2B991DA6778C}" type="slidenum">
+            <a:fld id="{4382A7F7-08BF-4252-8141-63FB96055BBB}" type="slidenum">
               <a:rPr lang="en-US" smtClean="0"/>
               <a:t>‹#›</a:t>
             </a:fld>
@@ -2313,6 +2434,11 @@
         </p:txBody>
       </p:sp>
     </p:spTree>
+    <p:extLst>
+      <p:ext uri="{BB962C8B-B14F-4D97-AF65-F5344CB8AC3E}">
+        <p14:creationId xmlns:p14="http://schemas.microsoft.com/office/powerpoint/2010/main" val="1069535426"/>
+      </p:ext>
+    </p:extLst>
   </p:cSld>
   <p:clrMapOvr>
     <a:masterClrMapping/>
@@ -2339,7 +2465,7 @@
       </p:grpSpPr>
       <p:sp>
         <p:nvSpPr>
-          <p:cNvPr id="2" name="Title 1"/>
+          <p:cNvPr id="10" name="Title 9"/>
           <p:cNvSpPr>
             <a:spLocks noGrp="1"/>
           </p:cNvSpPr>
@@ -2347,20 +2473,21 @@
             <p:ph type="title"/>
           </p:nvPr>
         </p:nvSpPr>
-        <p:spPr/>
+        <p:spPr>
+          <a:xfrm>
+            <a:off x="822960" y="286604"/>
+            <a:ext cx="7543800" cy="1450757"/>
+          </a:xfrm>
+        </p:spPr>
         <p:txBody>
           <a:bodyPr/>
-          <a:lstStyle>
-            <a:lvl1pPr>
-              <a:defRPr/>
-            </a:lvl1pPr>
-          </a:lstStyle>
+          <a:lstStyle/>
           <a:p>
             <a:r>
               <a:rPr lang="en-US" smtClean="0"/>
               <a:t>Click to edit Master title style</a:t>
             </a:r>
-            <a:endParaRPr lang="en-US"/>
+            <a:endParaRPr lang="en-US" dirty="0"/>
           </a:p>
         </p:txBody>
       </p:sp>
@@ -2376,22 +2503,21 @@
         </p:nvSpPr>
         <p:spPr>
           <a:xfrm>
-            <a:off x="1627632" y="1572768"/>
-            <a:ext cx="3291840" cy="639762"/>
-          </a:xfrm>
-        </p:spPr>
-        <p:txBody>
-          <a:bodyPr anchor="b">
-            <a:noAutofit/>
+            <a:off x="822960" y="1846052"/>
+            <a:ext cx="3703320" cy="736282"/>
+          </a:xfrm>
+        </p:spPr>
+        <p:txBody>
+          <a:bodyPr lIns="91440" rIns="91440" anchor="ctr">
+            <a:normAutofit/>
           </a:bodyPr>
           <a:lstStyle>
             <a:lvl1pPr marL="0" indent="0">
               <a:buNone/>
-              <a:defRPr sz="1800" b="0" cap="all" spc="100" baseline="0">
+              <a:defRPr sz="2000" b="0" cap="all" baseline="0">
                 <a:solidFill>
-                  <a:schemeClr val="tx1"/>
+                  <a:schemeClr val="tx2"/>
                 </a:solidFill>
-                <a:latin typeface="+mj-lt"/>
               </a:defRPr>
             </a:lvl1pPr>
             <a:lvl2pPr marL="457200" indent="0">
@@ -2448,41 +2574,13 @@
         </p:nvSpPr>
         <p:spPr>
           <a:xfrm>
-            <a:off x="1627632" y="2259366"/>
-            <a:ext cx="3291840" cy="3840480"/>
+            <a:off x="822960" y="2582334"/>
+            <a:ext cx="3703320" cy="3286760"/>
           </a:xfrm>
         </p:spPr>
         <p:txBody>
           <a:bodyPr/>
-          <a:lstStyle>
-            <a:lvl1pPr>
-              <a:defRPr sz="2400"/>
-            </a:lvl1pPr>
-            <a:lvl2pPr>
-              <a:defRPr sz="2000"/>
-            </a:lvl2pPr>
-            <a:lvl3pPr>
-              <a:defRPr sz="1800"/>
-            </a:lvl3pPr>
-            <a:lvl4pPr>
-              <a:defRPr sz="1600"/>
-            </a:lvl4pPr>
-            <a:lvl5pPr>
-              <a:defRPr sz="1600"/>
-            </a:lvl5pPr>
-            <a:lvl6pPr>
-              <a:defRPr sz="1600"/>
-            </a:lvl6pPr>
-            <a:lvl7pPr>
-              <a:defRPr sz="1600"/>
-            </a:lvl7pPr>
-            <a:lvl8pPr>
-              <a:defRPr sz="1600"/>
-            </a:lvl8pPr>
-            <a:lvl9pPr>
-              <a:defRPr sz="1600"/>
-            </a:lvl9pPr>
-          </a:lstStyle>
+          <a:lstStyle/>
           <a:p>
             <a:pPr lvl="0"/>
             <a:r>
@@ -2533,24 +2631,21 @@
         </p:nvSpPr>
         <p:spPr>
           <a:xfrm>
-            <a:off x="5093208" y="1572768"/>
-            <a:ext cx="3291840" cy="639762"/>
-          </a:xfrm>
-        </p:spPr>
-        <p:txBody>
-          <a:bodyPr anchor="b">
-            <a:noAutofit/>
+            <a:off x="4663440" y="1846052"/>
+            <a:ext cx="3703320" cy="736282"/>
+          </a:xfrm>
+        </p:spPr>
+        <p:txBody>
+          <a:bodyPr lIns="91440" rIns="91440" anchor="ctr">
+            <a:normAutofit/>
           </a:bodyPr>
           <a:lstStyle>
             <a:lvl1pPr marL="0" indent="0">
               <a:buNone/>
-              <a:defRPr lang="en-US" sz="1800" b="0" kern="1200" cap="all" spc="100" baseline="0" dirty="0" smtClean="0">
+              <a:defRPr sz="2000" b="0" cap="all" baseline="0">
                 <a:solidFill>
-                  <a:schemeClr val="tx1"/>
+                  <a:schemeClr val="tx2"/>
                 </a:solidFill>
-                <a:latin typeface="+mj-lt"/>
-                <a:ea typeface="+mn-ea"/>
-                <a:cs typeface="+mn-cs"/>
               </a:defRPr>
             </a:lvl1pPr>
             <a:lvl2pPr marL="457200" indent="0">
@@ -2587,13 +2682,7 @@
             </a:lvl9pPr>
           </a:lstStyle>
           <a:p>
-            <a:pPr marL="0" lvl="0" indent="0" algn="l" defTabSz="914400" rtl="0" eaLnBrk="1" latinLnBrk="0" hangingPunct="1">
-              <a:spcBef>
-                <a:spcPct val="20000"/>
-              </a:spcBef>
-              <a:buFont typeface="Arial" pitchFamily="34" charset="0"/>
-              <a:buNone/>
-            </a:pPr>
+            <a:pPr lvl="0"/>
             <a:r>
               <a:rPr lang="en-US" smtClean="0"/>
               <a:t>Click to edit Master text styles</a:t>
@@ -2613,41 +2702,13 @@
         </p:nvSpPr>
         <p:spPr>
           <a:xfrm>
-            <a:off x="5093208" y="2259366"/>
-            <a:ext cx="3291840" cy="3840480"/>
+            <a:off x="4663440" y="2582334"/>
+            <a:ext cx="3703320" cy="3286760"/>
           </a:xfrm>
         </p:spPr>
         <p:txBody>
           <a:bodyPr/>
-          <a:lstStyle>
-            <a:lvl1pPr>
-              <a:defRPr sz="2400"/>
-            </a:lvl1pPr>
-            <a:lvl2pPr>
-              <a:defRPr sz="2000"/>
-            </a:lvl2pPr>
-            <a:lvl3pPr>
-              <a:defRPr sz="1800"/>
-            </a:lvl3pPr>
-            <a:lvl4pPr>
-              <a:defRPr sz="1600"/>
-            </a:lvl4pPr>
-            <a:lvl5pPr>
-              <a:defRPr sz="1600"/>
-            </a:lvl5pPr>
-            <a:lvl6pPr>
-              <a:defRPr sz="1600"/>
-            </a:lvl6pPr>
-            <a:lvl7pPr>
-              <a:defRPr sz="1600"/>
-            </a:lvl7pPr>
-            <a:lvl8pPr>
-              <a:defRPr sz="1600"/>
-            </a:lvl8pPr>
-            <a:lvl9pPr>
-              <a:defRPr sz="1600"/>
-            </a:lvl9pPr>
-          </a:lstStyle>
+          <a:lstStyle/>
           <a:p>
             <a:pPr lvl="0"/>
             <a:r>
@@ -2701,9 +2762,9 @@
           <a:bodyPr/>
           <a:lstStyle/>
           <a:p>
-            <a:fld id="{734E1DCB-AFA7-4198-B3F3-4FAD1319D4A3}" type="datetime1">
-              <a:rPr lang="en-US" smtClean="0"/>
-              <a:t>11/6/2015</a:t>
+            <a:fld id="{18F252B0-687D-184F-B682-0021640A5D63}" type="datetime1">
+              <a:rPr lang="en-US" smtClean="0"/>
+              <a:t>11/13/15</a:t>
             </a:fld>
             <a:endParaRPr lang="en-US"/>
           </a:p>
@@ -2725,8 +2786,8 @@
           <a:lstStyle/>
           <a:p>
             <a:r>
-              <a:rPr lang="en-US" smtClean="0"/>
-              <a:t>© 2015, EV3Lessons.com,  Last edit 11/5/2015</a:t>
+              <a:rPr lang="sk-SK" smtClean="0"/>
+              <a:t>© 2015 EV3Lessons.com, Last edit 11/13/2015</a:t>
             </a:r>
             <a:endParaRPr lang="en-US"/>
           </a:p>
@@ -2742,20 +2803,12 @@
             <p:ph type="sldNum" sz="quarter" idx="12"/>
           </p:nvPr>
         </p:nvSpPr>
-        <p:spPr>
-          <a:xfrm rot="16200000">
-            <a:off x="8227377" y="5885497"/>
-            <a:ext cx="1315721" cy="365125"/>
-          </a:xfrm>
-          <a:prstGeom prst="rect">
-            <a:avLst/>
-          </a:prstGeom>
-        </p:spPr>
+        <p:spPr/>
         <p:txBody>
           <a:bodyPr/>
           <a:lstStyle/>
           <a:p>
-            <a:fld id="{4DBC7FC8-25FB-FC45-8177-2B991DA6778C}" type="slidenum">
+            <a:fld id="{4382A7F7-08BF-4252-8141-63FB96055BBB}" type="slidenum">
               <a:rPr lang="en-US" smtClean="0"/>
               <a:t>‹#›</a:t>
             </a:fld>
@@ -2764,6 +2817,11 @@
         </p:txBody>
       </p:sp>
     </p:spTree>
+    <p:extLst>
+      <p:ext uri="{BB962C8B-B14F-4D97-AF65-F5344CB8AC3E}">
+        <p14:creationId xmlns:p14="http://schemas.microsoft.com/office/powerpoint/2010/main" val="594421446"/>
+      </p:ext>
+    </p:extLst>
   </p:cSld>
   <p:clrMapOvr>
     <a:masterClrMapping/>
@@ -2807,7 +2865,7 @@
               <a:rPr lang="en-US" smtClean="0"/>
               <a:t>Click to edit Master title style</a:t>
             </a:r>
-            <a:endParaRPr lang="en-US"/>
+            <a:endParaRPr lang="en-US" dirty="0"/>
           </a:p>
         </p:txBody>
       </p:sp>
@@ -2826,9 +2884,9 @@
           <a:bodyPr/>
           <a:lstStyle/>
           <a:p>
-            <a:fld id="{4192ACDD-62AA-4BBA-BCE0-A7200DD581CD}" type="datetime1">
-              <a:rPr lang="en-US" smtClean="0"/>
-              <a:t>11/6/2015</a:t>
+            <a:fld id="{3457AD7A-12C8-EA48-9011-B2F46261DD98}" type="datetime1">
+              <a:rPr lang="en-US" smtClean="0"/>
+              <a:t>11/13/15</a:t>
             </a:fld>
             <a:endParaRPr lang="en-US"/>
           </a:p>
@@ -2850,8 +2908,8 @@
           <a:lstStyle/>
           <a:p>
             <a:r>
-              <a:rPr lang="en-US" smtClean="0"/>
-              <a:t>© 2015, EV3Lessons.com,  Last edit 11/5/2015</a:t>
+              <a:rPr lang="sk-SK" smtClean="0"/>
+              <a:t>© 2015 EV3Lessons.com, Last edit 11/13/2015</a:t>
             </a:r>
             <a:endParaRPr lang="en-US"/>
           </a:p>
@@ -2867,20 +2925,12 @@
             <p:ph type="sldNum" sz="quarter" idx="12"/>
           </p:nvPr>
         </p:nvSpPr>
-        <p:spPr>
-          <a:xfrm rot="16200000">
-            <a:off x="8227377" y="5885497"/>
-            <a:ext cx="1315721" cy="365125"/>
-          </a:xfrm>
-          <a:prstGeom prst="rect">
-            <a:avLst/>
-          </a:prstGeom>
-        </p:spPr>
+        <p:spPr/>
         <p:txBody>
           <a:bodyPr/>
           <a:lstStyle/>
           <a:p>
-            <a:fld id="{4DBC7FC8-25FB-FC45-8177-2B991DA6778C}" type="slidenum">
+            <a:fld id="{4382A7F7-08BF-4252-8141-63FB96055BBB}" type="slidenum">
               <a:rPr lang="en-US" smtClean="0"/>
               <a:t>‹#›</a:t>
             </a:fld>
@@ -2889,6 +2939,11 @@
         </p:txBody>
       </p:sp>
     </p:spTree>
+    <p:extLst>
+      <p:ext uri="{BB962C8B-B14F-4D97-AF65-F5344CB8AC3E}">
+        <p14:creationId xmlns:p14="http://schemas.microsoft.com/office/powerpoint/2010/main" val="497577400"/>
+      </p:ext>
+    </p:extLst>
   </p:cSld>
   <p:clrMapOvr>
     <a:masterClrMapping/>
@@ -2897,7 +2952,7 @@
 </file>
 
 <file path=ppt/slideLayouts/slideLayout7.xml><?xml version="1.0" encoding="utf-8"?>
-<p:sldLayout xmlns:a="http://schemas.openxmlformats.org/drawingml/2006/main" xmlns:r="http://schemas.openxmlformats.org/officeDocument/2006/relationships" xmlns:p="http://schemas.openxmlformats.org/presentationml/2006/main" type="blank" preserve="1">
+<p:sldLayout xmlns:a="http://schemas.openxmlformats.org/drawingml/2006/main" xmlns:r="http://schemas.openxmlformats.org/officeDocument/2006/relationships" xmlns:p="http://schemas.openxmlformats.org/presentationml/2006/main" showMasterSp="0" type="blank" preserve="1">
   <p:cSld name="Blank">
     <p:spTree>
       <p:nvGrpSpPr>
@@ -2915,74 +2970,150 @@
       </p:grpSpPr>
       <p:sp>
         <p:nvSpPr>
-          <p:cNvPr id="2" name="Date Placeholder 1"/>
-          <p:cNvSpPr>
-            <a:spLocks noGrp="1"/>
-          </p:cNvSpPr>
-          <p:nvPr>
-            <p:ph type="dt" sz="half" idx="10"/>
-          </p:nvPr>
-        </p:nvSpPr>
-        <p:spPr/>
-        <p:txBody>
-          <a:bodyPr/>
-          <a:lstStyle/>
-          <a:p>
-            <a:fld id="{50D76FC1-C98D-4BA8-9C0D-7A6142717C60}" type="datetime1">
-              <a:rPr lang="en-US" smtClean="0"/>
-              <a:t>11/6/2015</a:t>
-            </a:fld>
-            <a:endParaRPr lang="en-US"/>
-          </a:p>
-        </p:txBody>
-      </p:sp>
-      <p:sp>
-        <p:nvSpPr>
-          <p:cNvPr id="3" name="Footer Placeholder 2"/>
-          <p:cNvSpPr>
-            <a:spLocks noGrp="1"/>
-          </p:cNvSpPr>
-          <p:nvPr>
-            <p:ph type="ftr" sz="quarter" idx="11"/>
-          </p:nvPr>
-        </p:nvSpPr>
-        <p:spPr/>
-        <p:txBody>
-          <a:bodyPr/>
-          <a:lstStyle/>
-          <a:p>
-            <a:r>
-              <a:rPr lang="en-US" smtClean="0"/>
-              <a:t>© 2015, EV3Lessons.com,  Last edit 11/5/2015</a:t>
-            </a:r>
-            <a:endParaRPr lang="en-US"/>
-          </a:p>
-        </p:txBody>
-      </p:sp>
-      <p:sp>
-        <p:nvSpPr>
-          <p:cNvPr id="4" name="Slide Number Placeholder 3"/>
-          <p:cNvSpPr>
-            <a:spLocks noGrp="1"/>
-          </p:cNvSpPr>
-          <p:nvPr>
-            <p:ph type="sldNum" sz="quarter" idx="12"/>
-          </p:nvPr>
+          <p:cNvPr id="5" name="Rectangle 4"/>
+          <p:cNvSpPr/>
+          <p:nvPr/>
         </p:nvSpPr>
         <p:spPr>
-          <a:xfrm rot="16200000">
-            <a:off x="8227377" y="5885497"/>
-            <a:ext cx="1315721" cy="365125"/>
+          <a:xfrm>
+            <a:off x="2382" y="6400800"/>
+            <a:ext cx="9141619" cy="457200"/>
           </a:xfrm>
           <a:prstGeom prst="rect">
             <a:avLst/>
           </a:prstGeom>
-        </p:spPr>
+          <a:solidFill>
+            <a:schemeClr val="accent2"/>
+          </a:solidFill>
+          <a:ln>
+            <a:noFill/>
+          </a:ln>
+        </p:spPr>
+        <p:style>
+          <a:lnRef idx="2">
+            <a:schemeClr val="accent1">
+              <a:shade val="50000"/>
+            </a:schemeClr>
+          </a:lnRef>
+          <a:fillRef idx="1">
+            <a:schemeClr val="accent1"/>
+          </a:fillRef>
+          <a:effectRef idx="0">
+            <a:schemeClr val="accent1"/>
+          </a:effectRef>
+          <a:fontRef idx="minor">
+            <a:schemeClr val="lt1"/>
+          </a:fontRef>
+        </p:style>
+      </p:sp>
+      <p:sp>
+        <p:nvSpPr>
+          <p:cNvPr id="6" name="Rectangle 5"/>
+          <p:cNvSpPr/>
+          <p:nvPr/>
+        </p:nvSpPr>
+        <p:spPr>
+          <a:xfrm>
+            <a:off x="12" y="6334316"/>
+            <a:ext cx="9141619" cy="64008"/>
+          </a:xfrm>
+          <a:prstGeom prst="rect">
+            <a:avLst/>
+          </a:prstGeom>
+          <a:solidFill>
+            <a:schemeClr val="accent1"/>
+          </a:solidFill>
+          <a:ln>
+            <a:noFill/>
+          </a:ln>
+        </p:spPr>
+        <p:style>
+          <a:lnRef idx="2">
+            <a:schemeClr val="accent1">
+              <a:shade val="50000"/>
+            </a:schemeClr>
+          </a:lnRef>
+          <a:fillRef idx="1">
+            <a:schemeClr val="accent1"/>
+          </a:fillRef>
+          <a:effectRef idx="0">
+            <a:schemeClr val="accent1"/>
+          </a:effectRef>
+          <a:fontRef idx="minor">
+            <a:schemeClr val="lt1"/>
+          </a:fontRef>
+        </p:style>
+      </p:sp>
+      <p:sp>
+        <p:nvSpPr>
+          <p:cNvPr id="7" name="Date Placeholder 6"/>
+          <p:cNvSpPr>
+            <a:spLocks noGrp="1"/>
+          </p:cNvSpPr>
+          <p:nvPr>
+            <p:ph type="dt" sz="half" idx="10"/>
+          </p:nvPr>
+        </p:nvSpPr>
+        <p:spPr/>
         <p:txBody>
           <a:bodyPr/>
           <a:lstStyle/>
           <a:p>
-            <a:fld id="{4DBC7FC8-25FB-FC45-8177-2B991DA6778C}" type="slidenum">
+            <a:fld id="{77D3C5C7-2346-9A49-8660-921460E2744B}" type="datetime1">
+              <a:rPr lang="en-US" smtClean="0"/>
+              <a:t>11/13/15</a:t>
+            </a:fld>
+            <a:endParaRPr lang="en-US"/>
+          </a:p>
+        </p:txBody>
+      </p:sp>
+      <p:sp>
+        <p:nvSpPr>
+          <p:cNvPr id="8" name="Footer Placeholder 7"/>
+          <p:cNvSpPr>
+            <a:spLocks noGrp="1"/>
+          </p:cNvSpPr>
+          <p:nvPr>
+            <p:ph type="ftr" sz="quarter" idx="11"/>
+          </p:nvPr>
+        </p:nvSpPr>
+        <p:spPr/>
+        <p:txBody>
+          <a:bodyPr/>
+          <a:lstStyle>
+            <a:lvl1pPr>
+              <a:defRPr>
+                <a:solidFill>
+                  <a:srgbClr val="FFFFFF"/>
+                </a:solidFill>
+              </a:defRPr>
+            </a:lvl1pPr>
+          </a:lstStyle>
+          <a:p>
+            <a:r>
+              <a:rPr lang="sk-SK" smtClean="0"/>
+              <a:t>© 2015 EV3Lessons.com, Last edit 11/13/2015</a:t>
+            </a:r>
+            <a:endParaRPr lang="en-US"/>
+          </a:p>
+        </p:txBody>
+      </p:sp>
+      <p:sp>
+        <p:nvSpPr>
+          <p:cNvPr id="9" name="Slide Number Placeholder 8"/>
+          <p:cNvSpPr>
+            <a:spLocks noGrp="1"/>
+          </p:cNvSpPr>
+          <p:nvPr>
+            <p:ph type="sldNum" sz="quarter" idx="12"/>
+          </p:nvPr>
+        </p:nvSpPr>
+        <p:spPr/>
+        <p:txBody>
+          <a:bodyPr/>
+          <a:lstStyle/>
+          <a:p>
+            <a:fld id="{4382A7F7-08BF-4252-8141-63FB96055BBB}" type="slidenum">
               <a:rPr lang="en-US" smtClean="0"/>
               <a:t>‹#›</a:t>
             </a:fld>
@@ -2991,6 +3122,11 @@
         </p:txBody>
       </p:sp>
     </p:spTree>
+    <p:extLst>
+      <p:ext uri="{BB962C8B-B14F-4D97-AF65-F5344CB8AC3E}">
+        <p14:creationId xmlns:p14="http://schemas.microsoft.com/office/powerpoint/2010/main" val="1344383790"/>
+      </p:ext>
+    </p:extLst>
   </p:cSld>
   <p:clrMapOvr>
     <a:masterClrMapping/>
@@ -2999,7 +3135,7 @@
 </file>
 
 <file path=ppt/slideLayouts/slideLayout8.xml><?xml version="1.0" encoding="utf-8"?>
-<p:sldLayout xmlns:a="http://schemas.openxmlformats.org/drawingml/2006/main" xmlns:r="http://schemas.openxmlformats.org/officeDocument/2006/relationships" xmlns:p="http://schemas.openxmlformats.org/presentationml/2006/main" type="objTx" preserve="1">
+<p:sldLayout xmlns:a="http://schemas.openxmlformats.org/drawingml/2006/main" xmlns:r="http://schemas.openxmlformats.org/officeDocument/2006/relationships" xmlns:p="http://schemas.openxmlformats.org/presentationml/2006/main" showMasterSp="0" type="objTx" preserve="1">
   <p:cSld name="Content with Caption">
     <p:spTree>
       <p:nvGrpSpPr>
@@ -3017,52 +3153,138 @@
       </p:grpSpPr>
       <p:sp>
         <p:nvSpPr>
-          <p:cNvPr id="3" name="Content Placeholder 2"/>
-          <p:cNvSpPr>
-            <a:spLocks noGrp="1"/>
-          </p:cNvSpPr>
-          <p:nvPr>
-            <p:ph idx="1"/>
-          </p:nvPr>
+          <p:cNvPr id="8" name="Rectangle 7"/>
+          <p:cNvSpPr/>
+          <p:nvPr/>
         </p:nvSpPr>
         <p:spPr>
           <a:xfrm>
-            <a:off x="3575050" y="1600200"/>
-            <a:ext cx="5111750" cy="4480560"/>
-          </a:xfrm>
-        </p:spPr>
-        <p:txBody>
-          <a:bodyPr/>
+            <a:off x="13" y="0"/>
+            <a:ext cx="3038093" cy="6858000"/>
+          </a:xfrm>
+          <a:prstGeom prst="rect">
+            <a:avLst/>
+          </a:prstGeom>
+          <a:solidFill>
+            <a:schemeClr val="accent2"/>
+          </a:solidFill>
+          <a:ln>
+            <a:noFill/>
+          </a:ln>
+        </p:spPr>
+        <p:style>
+          <a:lnRef idx="2">
+            <a:schemeClr val="accent1">
+              <a:shade val="50000"/>
+            </a:schemeClr>
+          </a:lnRef>
+          <a:fillRef idx="1">
+            <a:schemeClr val="accent1"/>
+          </a:fillRef>
+          <a:effectRef idx="0">
+            <a:schemeClr val="accent1"/>
+          </a:effectRef>
+          <a:fontRef idx="minor">
+            <a:schemeClr val="lt1"/>
+          </a:fontRef>
+        </p:style>
+      </p:sp>
+      <p:sp>
+        <p:nvSpPr>
+          <p:cNvPr id="9" name="Rectangle 8"/>
+          <p:cNvSpPr/>
+          <p:nvPr/>
+        </p:nvSpPr>
+        <p:spPr>
+          <a:xfrm>
+            <a:off x="3030053" y="0"/>
+            <a:ext cx="48006" cy="6858000"/>
+          </a:xfrm>
+          <a:prstGeom prst="rect">
+            <a:avLst/>
+          </a:prstGeom>
+          <a:solidFill>
+            <a:schemeClr val="accent1"/>
+          </a:solidFill>
+          <a:ln>
+            <a:noFill/>
+          </a:ln>
+        </p:spPr>
+        <p:style>
+          <a:lnRef idx="2">
+            <a:schemeClr val="accent1">
+              <a:shade val="50000"/>
+            </a:schemeClr>
+          </a:lnRef>
+          <a:fillRef idx="1">
+            <a:schemeClr val="accent1"/>
+          </a:fillRef>
+          <a:effectRef idx="0">
+            <a:schemeClr val="accent1"/>
+          </a:effectRef>
+          <a:fontRef idx="minor">
+            <a:schemeClr val="lt1"/>
+          </a:fontRef>
+        </p:style>
+      </p:sp>
+      <p:sp>
+        <p:nvSpPr>
+          <p:cNvPr id="2" name="Title 1"/>
+          <p:cNvSpPr>
+            <a:spLocks noGrp="1"/>
+          </p:cNvSpPr>
+          <p:nvPr>
+            <p:ph type="title"/>
+          </p:nvPr>
+        </p:nvSpPr>
+        <p:spPr>
+          <a:xfrm>
+            <a:off x="342900" y="594359"/>
+            <a:ext cx="2400300" cy="2286000"/>
+          </a:xfrm>
+        </p:spPr>
+        <p:txBody>
+          <a:bodyPr anchor="b">
+            <a:normAutofit/>
+          </a:bodyPr>
           <a:lstStyle>
             <a:lvl1pPr>
-              <a:defRPr sz="3200"/>
+              <a:defRPr sz="3600" b="0">
+                <a:solidFill>
+                  <a:srgbClr val="FFFFFF"/>
+                </a:solidFill>
+              </a:defRPr>
             </a:lvl1pPr>
-            <a:lvl2pPr>
-              <a:defRPr sz="2800"/>
-            </a:lvl2pPr>
-            <a:lvl3pPr>
-              <a:defRPr sz="2400"/>
-            </a:lvl3pPr>
-            <a:lvl4pPr>
-              <a:defRPr sz="2000"/>
-            </a:lvl4pPr>
-            <a:lvl5pPr>
-              <a:defRPr sz="2000"/>
-            </a:lvl5pPr>
-            <a:lvl6pPr>
-              <a:defRPr sz="2000"/>
-            </a:lvl6pPr>
-            <a:lvl7pPr>
-              <a:defRPr sz="2000"/>
-            </a:lvl7pPr>
-            <a:lvl8pPr>
-              <a:defRPr sz="2000"/>
-            </a:lvl8pPr>
-            <a:lvl9pPr>
-              <a:defRPr sz="2000"/>
-            </a:lvl9pPr>
           </a:lstStyle>
           <a:p>
+            <a:r>
+              <a:rPr lang="en-US" smtClean="0"/>
+              <a:t>Click to edit Master title style</a:t>
+            </a:r>
+            <a:endParaRPr lang="en-US" dirty="0"/>
+          </a:p>
+        </p:txBody>
+      </p:sp>
+      <p:sp>
+        <p:nvSpPr>
+          <p:cNvPr id="3" name="Content Placeholder 2"/>
+          <p:cNvSpPr>
+            <a:spLocks noGrp="1"/>
+          </p:cNvSpPr>
+          <p:nvPr>
+            <p:ph idx="1"/>
+          </p:nvPr>
+        </p:nvSpPr>
+        <p:spPr>
+          <a:xfrm>
+            <a:off x="3460237" y="731520"/>
+            <a:ext cx="5009393" cy="5257800"/>
+          </a:xfrm>
+        </p:spPr>
+        <p:txBody>
+          <a:bodyPr/>
+          <a:lstStyle/>
+          <a:p>
             <a:pPr lvl="0"/>
             <a:r>
               <a:rPr lang="en-US" smtClean="0"/>
@@ -3112,18 +3334,22 @@
         </p:nvSpPr>
         <p:spPr>
           <a:xfrm>
-            <a:off x="457200" y="1600200"/>
-            <a:ext cx="3008313" cy="4480560"/>
-          </a:xfrm>
-        </p:spPr>
-        <p:txBody>
-          <a:bodyPr>
+            <a:off x="342900" y="2926080"/>
+            <a:ext cx="2400300" cy="3379124"/>
+          </a:xfrm>
+        </p:spPr>
+        <p:txBody>
+          <a:bodyPr lIns="91440" rIns="91440">
             <a:normAutofit/>
           </a:bodyPr>
           <a:lstStyle>
             <a:lvl1pPr marL="0" indent="0">
               <a:buNone/>
-              <a:defRPr sz="1600"/>
+              <a:defRPr sz="1500">
+                <a:solidFill>
+                  <a:srgbClr val="FFFFFF"/>
+                </a:solidFill>
+              </a:defRPr>
             </a:lvl1pPr>
             <a:lvl2pPr marL="457200" indent="0">
               <a:buNone/>
@@ -3177,14 +3403,23 @@
             <p:ph type="dt" sz="half" idx="10"/>
           </p:nvPr>
         </p:nvSpPr>
-        <p:spPr/>
+        <p:spPr>
+          <a:xfrm>
+            <a:off x="349134" y="6459786"/>
+            <a:ext cx="1963883" cy="365125"/>
+          </a:xfrm>
+        </p:spPr>
         <p:txBody>
           <a:bodyPr/>
-          <a:lstStyle/>
-          <a:p>
-            <a:fld id="{8EF30FAA-5923-4DFF-96D3-47DA693428D3}" type="datetime1">
-              <a:rPr lang="en-US" smtClean="0"/>
-              <a:t>11/6/2015</a:t>
+          <a:lstStyle>
+            <a:lvl1pPr algn="l">
+              <a:defRPr/>
+            </a:lvl1pPr>
+          </a:lstStyle>
+          <a:p>
+            <a:fld id="{E5A27797-1683-ED47-A74A-6DEBEDA39DC8}" type="datetime1">
+              <a:rPr lang="en-US" smtClean="0"/>
+              <a:t>11/13/15</a:t>
             </a:fld>
             <a:endParaRPr lang="en-US"/>
           </a:p>
@@ -3200,43 +3435,56 @@
             <p:ph type="ftr" sz="quarter" idx="11"/>
           </p:nvPr>
         </p:nvSpPr>
+        <p:spPr>
+          <a:xfrm>
+            <a:off x="3600450" y="6459786"/>
+            <a:ext cx="3486150" cy="365125"/>
+          </a:xfrm>
+        </p:spPr>
+        <p:txBody>
+          <a:bodyPr/>
+          <a:lstStyle>
+            <a:lvl1pPr algn="l">
+              <a:defRPr>
+                <a:solidFill>
+                  <a:schemeClr val="tx2"/>
+                </a:solidFill>
+              </a:defRPr>
+            </a:lvl1pPr>
+          </a:lstStyle>
+          <a:p>
+            <a:r>
+              <a:rPr lang="sk-SK" smtClean="0"/>
+              <a:t>© 2015 EV3Lessons.com, Last edit 11/13/2015</a:t>
+            </a:r>
+            <a:endParaRPr lang="en-US"/>
+          </a:p>
+        </p:txBody>
+      </p:sp>
+      <p:sp>
+        <p:nvSpPr>
+          <p:cNvPr id="7" name="Slide Number Placeholder 6"/>
+          <p:cNvSpPr>
+            <a:spLocks noGrp="1"/>
+          </p:cNvSpPr>
+          <p:nvPr>
+            <p:ph type="sldNum" sz="quarter" idx="12"/>
+          </p:nvPr>
+        </p:nvSpPr>
         <p:spPr/>
         <p:txBody>
           <a:bodyPr/>
-          <a:lstStyle/>
-          <a:p>
-            <a:r>
-              <a:rPr lang="en-US" smtClean="0"/>
-              <a:t>© 2015, EV3Lessons.com,  Last edit 11/5/2015</a:t>
-            </a:r>
-            <a:endParaRPr lang="en-US"/>
-          </a:p>
-        </p:txBody>
-      </p:sp>
-      <p:sp>
-        <p:nvSpPr>
-          <p:cNvPr id="7" name="Slide Number Placeholder 6"/>
-          <p:cNvSpPr>
-            <a:spLocks noGrp="1"/>
-          </p:cNvSpPr>
-          <p:nvPr>
-            <p:ph type="sldNum" sz="quarter" idx="12"/>
-          </p:nvPr>
-        </p:nvSpPr>
-        <p:spPr>
-          <a:xfrm rot="16200000">
-            <a:off x="8227377" y="5885497"/>
-            <a:ext cx="1315721" cy="365125"/>
-          </a:xfrm>
-          <a:prstGeom prst="rect">
-            <a:avLst/>
-          </a:prstGeom>
-        </p:spPr>
-        <p:txBody>
-          <a:bodyPr/>
-          <a:lstStyle/>
-          <a:p>
-            <a:fld id="{4DBC7FC8-25FB-FC45-8177-2B991DA6778C}" type="slidenum">
+          <a:lstStyle>
+            <a:lvl1pPr>
+              <a:defRPr>
+                <a:solidFill>
+                  <a:schemeClr val="tx2"/>
+                </a:solidFill>
+              </a:defRPr>
+            </a:lvl1pPr>
+          </a:lstStyle>
+          <a:p>
+            <a:fld id="{7F5CE407-6216-4202-80E4-A30DC2F709B2}" type="slidenum">
               <a:rPr lang="en-US" smtClean="0"/>
               <a:t>‹#›</a:t>
             </a:fld>
@@ -3244,30 +3492,12 @@
           </a:p>
         </p:txBody>
       </p:sp>
-      <p:sp>
-        <p:nvSpPr>
-          <p:cNvPr id="8" name="Title 7"/>
-          <p:cNvSpPr>
-            <a:spLocks noGrp="1"/>
-          </p:cNvSpPr>
-          <p:nvPr>
-            <p:ph type="title"/>
-          </p:nvPr>
-        </p:nvSpPr>
-        <p:spPr/>
-        <p:txBody>
-          <a:bodyPr/>
-          <a:lstStyle/>
-          <a:p>
-            <a:r>
-              <a:rPr lang="en-US" smtClean="0"/>
-              <a:t>Click to edit Master title style</a:t>
-            </a:r>
-            <a:endParaRPr lang="en-US"/>
-          </a:p>
-        </p:txBody>
-      </p:sp>
     </p:spTree>
+    <p:extLst>
+      <p:ext uri="{BB962C8B-B14F-4D97-AF65-F5344CB8AC3E}">
+        <p14:creationId xmlns:p14="http://schemas.microsoft.com/office/powerpoint/2010/main" val="326690020"/>
+      </p:ext>
+    </p:extLst>
   </p:cSld>
   <p:clrMapOvr>
     <a:masterClrMapping/>
@@ -3294,20 +3524,20 @@
       </p:grpSpPr>
       <p:sp>
         <p:nvSpPr>
-          <p:cNvPr id="9" name="Rectangle 8"/>
+          <p:cNvPr id="8" name="Rectangle 7"/>
           <p:cNvSpPr/>
           <p:nvPr/>
         </p:nvSpPr>
         <p:spPr>
           <a:xfrm>
-            <a:off x="9001124" y="4846320"/>
-            <a:ext cx="142876" cy="2011680"/>
+            <a:off x="0" y="4953000"/>
+            <a:ext cx="9141619" cy="1905000"/>
           </a:xfrm>
           <a:prstGeom prst="rect">
             <a:avLst/>
           </a:prstGeom>
           <a:solidFill>
-            <a:schemeClr val="tx2"/>
+            <a:schemeClr val="accent2"/>
           </a:solidFill>
           <a:ln>
             <a:noFill/>
@@ -3329,12 +3559,80 @@
             <a:schemeClr val="lt1"/>
           </a:fontRef>
         </p:style>
-        <p:txBody>
-          <a:bodyPr rtlCol="0" anchor="ctr"/>
-          <a:lstStyle/>
-          <a:p>
-            <a:pPr algn="ctr"/>
-            <a:endParaRPr lang="en-US"/>
+      </p:sp>
+      <p:sp>
+        <p:nvSpPr>
+          <p:cNvPr id="9" name="Rectangle 8"/>
+          <p:cNvSpPr/>
+          <p:nvPr/>
+        </p:nvSpPr>
+        <p:spPr>
+          <a:xfrm>
+            <a:off x="12" y="4915076"/>
+            <a:ext cx="9141619" cy="64008"/>
+          </a:xfrm>
+          <a:prstGeom prst="rect">
+            <a:avLst/>
+          </a:prstGeom>
+          <a:solidFill>
+            <a:schemeClr val="accent1"/>
+          </a:solidFill>
+          <a:ln>
+            <a:noFill/>
+          </a:ln>
+        </p:spPr>
+        <p:style>
+          <a:lnRef idx="2">
+            <a:schemeClr val="accent1">
+              <a:shade val="50000"/>
+            </a:schemeClr>
+          </a:lnRef>
+          <a:fillRef idx="1">
+            <a:schemeClr val="accent1"/>
+          </a:fillRef>
+          <a:effectRef idx="0">
+            <a:schemeClr val="accent1"/>
+          </a:effectRef>
+          <a:fontRef idx="minor">
+            <a:schemeClr val="lt1"/>
+          </a:fontRef>
+        </p:style>
+      </p:sp>
+      <p:sp>
+        <p:nvSpPr>
+          <p:cNvPr id="2" name="Title 1"/>
+          <p:cNvSpPr>
+            <a:spLocks noGrp="1"/>
+          </p:cNvSpPr>
+          <p:nvPr>
+            <p:ph type="title"/>
+          </p:nvPr>
+        </p:nvSpPr>
+        <p:spPr>
+          <a:xfrm>
+            <a:off x="822960" y="5074920"/>
+            <a:ext cx="7589520" cy="822960"/>
+          </a:xfrm>
+        </p:spPr>
+        <p:txBody>
+          <a:bodyPr tIns="0" bIns="0" anchor="b">
+            <a:noAutofit/>
+          </a:bodyPr>
+          <a:lstStyle>
+            <a:lvl1pPr>
+              <a:defRPr sz="3600" b="0">
+                <a:solidFill>
+                  <a:srgbClr val="FFFFFF"/>
+                </a:solidFill>
+              </a:defRPr>
+            </a:lvl1pPr>
+          </a:lstStyle>
+          <a:p>
+            <a:r>
+              <a:rPr lang="en-US" smtClean="0"/>
+              <a:t>Click to edit Master title style</a:t>
+            </a:r>
+            <a:endParaRPr lang="en-US" dirty="0"/>
           </a:p>
         </p:txBody>
       </p:sp>
@@ -3342,7 +3640,7 @@
         <p:nvSpPr>
           <p:cNvPr id="3" name="Picture Placeholder 2"/>
           <p:cNvSpPr>
-            <a:spLocks noGrp="1"/>
+            <a:spLocks noGrp="1" noChangeAspect="1"/>
           </p:cNvSpPr>
           <p:nvPr>
             <p:ph type="pic" idx="1"/>
@@ -3350,21 +3648,26 @@
         </p:nvSpPr>
         <p:spPr>
           <a:xfrm>
-            <a:off x="-1" y="0"/>
-            <a:ext cx="9000877" cy="4846320"/>
-          </a:xfrm>
-          <a:solidFill>
-            <a:schemeClr val="bg1">
-              <a:lumMod val="75000"/>
-            </a:schemeClr>
-          </a:solidFill>
-        </p:spPr>
-        <p:txBody>
-          <a:bodyPr/>
+            <a:off x="12" y="0"/>
+            <a:ext cx="9143989" cy="4915076"/>
+          </a:xfrm>
+          <a:blipFill>
+            <a:blip r:embed="rId2"/>
+            <a:stretch>
+              <a:fillRect/>
+            </a:stretch>
+          </a:blipFill>
+        </p:spPr>
+        <p:txBody>
+          <a:bodyPr lIns="457200" tIns="457200" anchor="t"/>
           <a:lstStyle>
             <a:lvl1pPr marL="0" indent="0">
               <a:buNone/>
-              <a:defRPr sz="3200"/>
+              <a:defRPr sz="3200">
+                <a:solidFill>
+                  <a:schemeClr val="bg1"/>
+                </a:solidFill>
+              </a:defRPr>
             </a:lvl1pPr>
             <a:lvl2pPr marL="457200" indent="0">
               <a:buNone/>
@@ -3404,7 +3707,7 @@
               <a:rPr lang="en-US" smtClean="0"/>
               <a:t>Drag picture to placeholder or click icon to add</a:t>
             </a:r>
-            <a:endParaRPr lang="en-US"/>
+            <a:endParaRPr lang="en-US" dirty="0"/>
           </a:p>
         </p:txBody>
       </p:sp>
@@ -3420,16 +3723,28 @@
         </p:nvSpPr>
         <p:spPr>
           <a:xfrm>
-            <a:off x="457200" y="5715000"/>
-            <a:ext cx="8153400" cy="457200"/>
-          </a:xfrm>
-        </p:spPr>
-        <p:txBody>
-          <a:bodyPr/>
+            <a:off x="822959" y="5907024"/>
+            <a:ext cx="7589520" cy="594360"/>
+          </a:xfrm>
+        </p:spPr>
+        <p:txBody>
+          <a:bodyPr lIns="91440" tIns="0" rIns="91440" bIns="0">
+            <a:normAutofit/>
+          </a:bodyPr>
           <a:lstStyle>
             <a:lvl1pPr marL="0" indent="0">
+              <a:spcBef>
+                <a:spcPts val="0"/>
+              </a:spcBef>
+              <a:spcAft>
+                <a:spcPts val="600"/>
+              </a:spcAft>
               <a:buNone/>
-              <a:defRPr sz="1600"/>
+              <a:defRPr sz="1500">
+                <a:solidFill>
+                  <a:srgbClr val="FFFFFF"/>
+                </a:solidFill>
+              </a:defRPr>
             </a:lvl1pPr>
             <a:lvl2pPr marL="457200" indent="0">
               <a:buNone/>
@@ -3488,9 +3803,9 @@
           <a:bodyPr/>
           <a:lstStyle/>
           <a:p>
-            <a:fld id="{E8FD9BE2-754D-49E4-AFC3-1E956C2A42E0}" type="datetime1">
-              <a:rPr lang="en-US" smtClean="0"/>
-              <a:t>11/6/2015</a:t>
+            <a:fld id="{9F9CFCDA-76FF-C942-8304-6FF0EF7EF019}" type="datetime1">
+              <a:rPr lang="en-US" smtClean="0"/>
+              <a:t>11/13/15</a:t>
             </a:fld>
             <a:endParaRPr lang="en-US"/>
           </a:p>
@@ -3512,8 +3827,8 @@
           <a:lstStyle/>
           <a:p>
             <a:r>
-              <a:rPr lang="en-US" smtClean="0"/>
-              <a:t>© 2015, EV3Lessons.com,  Last edit 11/5/2015</a:t>
+              <a:rPr lang="sk-SK" smtClean="0"/>
+              <a:t>© 2015 EV3Lessons.com, Last edit 11/13/2015</a:t>
             </a:r>
             <a:endParaRPr lang="en-US"/>
           </a:p>
@@ -3529,28 +3844,12 @@
             <p:ph type="sldNum" sz="quarter" idx="12"/>
           </p:nvPr>
         </p:nvSpPr>
-        <p:spPr>
-          <a:xfrm rot="16200000">
-            <a:off x="8227377" y="5885497"/>
-            <a:ext cx="1315721" cy="365125"/>
-          </a:xfrm>
-          <a:prstGeom prst="rect">
-            <a:avLst/>
-          </a:prstGeom>
-        </p:spPr>
+        <p:spPr/>
         <p:txBody>
           <a:bodyPr/>
-          <a:lstStyle>
-            <a:lvl1pPr>
-              <a:defRPr>
-                <a:solidFill>
-                  <a:schemeClr val="tx1"/>
-                </a:solidFill>
-              </a:defRPr>
-            </a:lvl1pPr>
-          </a:lstStyle>
-          <a:p>
-            <a:fld id="{4DBC7FC8-25FB-FC45-8177-2B991DA6778C}" type="slidenum">
+          <a:lstStyle/>
+          <a:p>
+            <a:fld id="{4382A7F7-08BF-4252-8141-63FB96055BBB}" type="slidenum">
               <a:rPr lang="en-US" smtClean="0"/>
               <a:t>‹#›</a:t>
             </a:fld>
@@ -3558,87 +3857,12 @@
           </a:p>
         </p:txBody>
       </p:sp>
-      <p:sp>
-        <p:nvSpPr>
-          <p:cNvPr id="8" name="Title 7"/>
-          <p:cNvSpPr>
-            <a:spLocks noGrp="1"/>
-          </p:cNvSpPr>
-          <p:nvPr>
-            <p:ph type="title"/>
-          </p:nvPr>
-        </p:nvSpPr>
-        <p:spPr>
-          <a:xfrm>
-            <a:off x="457200" y="4953000"/>
-            <a:ext cx="8153400" cy="762000"/>
-          </a:xfrm>
-        </p:spPr>
-        <p:txBody>
-          <a:bodyPr anchor="t">
-            <a:normAutofit/>
-          </a:bodyPr>
-          <a:lstStyle>
-            <a:lvl1pPr>
-              <a:defRPr sz="3200"/>
-            </a:lvl1pPr>
-          </a:lstStyle>
-          <a:p>
-            <a:r>
-              <a:rPr lang="en-US" smtClean="0"/>
-              <a:t>Click to edit Master title style</a:t>
-            </a:r>
-            <a:endParaRPr lang="en-US" dirty="0"/>
-          </a:p>
-        </p:txBody>
-      </p:sp>
-      <p:sp>
-        <p:nvSpPr>
-          <p:cNvPr id="10" name="Rectangle 9"/>
-          <p:cNvSpPr/>
-          <p:nvPr/>
-        </p:nvSpPr>
-        <p:spPr>
-          <a:xfrm>
-            <a:off x="9001124" y="0"/>
-            <a:ext cx="142876" cy="4846320"/>
-          </a:xfrm>
-          <a:prstGeom prst="rect">
-            <a:avLst/>
-          </a:prstGeom>
-          <a:solidFill>
-            <a:schemeClr val="tx1"/>
-          </a:solidFill>
-          <a:ln>
-            <a:noFill/>
-          </a:ln>
-        </p:spPr>
-        <p:style>
-          <a:lnRef idx="2">
-            <a:schemeClr val="accent1">
-              <a:shade val="50000"/>
-            </a:schemeClr>
-          </a:lnRef>
-          <a:fillRef idx="1">
-            <a:schemeClr val="accent1"/>
-          </a:fillRef>
-          <a:effectRef idx="0">
-            <a:schemeClr val="accent1"/>
-          </a:effectRef>
-          <a:fontRef idx="minor">
-            <a:schemeClr val="lt1"/>
-          </a:fontRef>
-        </p:style>
-        <p:txBody>
-          <a:bodyPr rtlCol="0" anchor="ctr"/>
-          <a:lstStyle/>
-          <a:p>
-            <a:pPr algn="ctr"/>
-            <a:endParaRPr lang="en-US"/>
-          </a:p>
-        </p:txBody>
-      </p:sp>
     </p:spTree>
+    <p:extLst>
+      <p:ext uri="{BB962C8B-B14F-4D97-AF65-F5344CB8AC3E}">
+        <p14:creationId xmlns:p14="http://schemas.microsoft.com/office/powerpoint/2010/main" val="1372771926"/>
+      </p:ext>
+    </p:extLst>
   </p:cSld>
   <p:clrMapOvr>
     <a:masterClrMapping/>
@@ -3647,7 +3871,7 @@
 </file>
 
 <file path=ppt/slideMasters/slideMaster1.xml><?xml version="1.0" encoding="utf-8"?>
-<p:sldMaster xmlns:a="http://schemas.openxmlformats.org/drawingml/2006/main" xmlns:r="http://schemas.openxmlformats.org/officeDocument/2006/relationships" xmlns:p="http://schemas.openxmlformats.org/presentationml/2006/main">
+<p:sldMaster xmlns:a="http://schemas.openxmlformats.org/drawingml/2006/main" xmlns:r="http://schemas.openxmlformats.org/officeDocument/2006/relationships" xmlns:p="http://schemas.openxmlformats.org/presentationml/2006/main" preserve="1">
   <p:cSld>
     <p:bg>
       <p:bgRef idx="1001">
@@ -3670,235 +3894,25 @@
       </p:grpSpPr>
       <p:sp>
         <p:nvSpPr>
-          <p:cNvPr id="2" name="Title Placeholder 1"/>
-          <p:cNvSpPr>
-            <a:spLocks noGrp="1"/>
-          </p:cNvSpPr>
-          <p:nvPr>
-            <p:ph type="title"/>
-          </p:nvPr>
+          <p:cNvPr id="7" name="Rectangle 6"/>
+          <p:cNvSpPr/>
+          <p:nvPr/>
         </p:nvSpPr>
         <p:spPr>
           <a:xfrm>
-            <a:off x="457199" y="152718"/>
-            <a:ext cx="8245475" cy="1371600"/>
-          </a:xfrm>
-          <a:prstGeom prst="rect">
-            <a:avLst/>
-          </a:prstGeom>
-        </p:spPr>
-        <p:txBody>
-          <a:bodyPr vert="horz" lIns="91440" tIns="45720" rIns="91440" bIns="45720" rtlCol="0" anchor="t" anchorCtr="0">
-            <a:normAutofit/>
-          </a:bodyPr>
-          <a:lstStyle/>
-          <a:p>
-            <a:r>
-              <a:rPr lang="en-US" dirty="0" smtClean="0"/>
-              <a:t>Click to edit Master title style</a:t>
-            </a:r>
-            <a:endParaRPr lang="en-US" dirty="0"/>
-          </a:p>
-        </p:txBody>
-      </p:sp>
-      <p:sp>
-        <p:nvSpPr>
-          <p:cNvPr id="3" name="Text Placeholder 2"/>
-          <p:cNvSpPr>
-            <a:spLocks noGrp="1"/>
-          </p:cNvSpPr>
-          <p:nvPr>
-            <p:ph type="body" idx="1"/>
-          </p:nvPr>
-        </p:nvSpPr>
-        <p:spPr>
-          <a:xfrm>
-            <a:off x="457200" y="1752600"/>
-            <a:ext cx="8245474" cy="4373563"/>
-          </a:xfrm>
-          <a:prstGeom prst="rect">
-            <a:avLst/>
-          </a:prstGeom>
-        </p:spPr>
-        <p:txBody>
-          <a:bodyPr vert="horz" lIns="91440" tIns="45720" rIns="91440" bIns="45720" rtlCol="0">
-            <a:normAutofit/>
-          </a:bodyPr>
-          <a:lstStyle/>
-          <a:p>
-            <a:pPr lvl="0"/>
-            <a:r>
-              <a:rPr lang="en-US" smtClean="0"/>
-              <a:t>Click to edit Master text styles</a:t>
-            </a:r>
-          </a:p>
-          <a:p>
-            <a:pPr lvl="1"/>
-            <a:r>
-              <a:rPr lang="en-US" smtClean="0"/>
-              <a:t>Second level</a:t>
-            </a:r>
-          </a:p>
-          <a:p>
-            <a:pPr lvl="2"/>
-            <a:r>
-              <a:rPr lang="en-US" smtClean="0"/>
-              <a:t>Third level</a:t>
-            </a:r>
-          </a:p>
-          <a:p>
-            <a:pPr lvl="3"/>
-            <a:r>
-              <a:rPr lang="en-US" smtClean="0"/>
-              <a:t>Fourth level</a:t>
-            </a:r>
-          </a:p>
-          <a:p>
-            <a:pPr lvl="4"/>
-            <a:r>
-              <a:rPr lang="en-US" smtClean="0"/>
-              <a:t>Fifth level</a:t>
-            </a:r>
-            <a:endParaRPr lang="en-US" dirty="0"/>
-          </a:p>
-        </p:txBody>
-      </p:sp>
-      <p:sp>
-        <p:nvSpPr>
-          <p:cNvPr id="4" name="Date Placeholder 3"/>
-          <p:cNvSpPr>
-            <a:spLocks noGrp="1"/>
-          </p:cNvSpPr>
-          <p:nvPr>
-            <p:ph type="dt" sz="half" idx="2"/>
-          </p:nvPr>
-        </p:nvSpPr>
-        <p:spPr>
-          <a:xfrm>
-            <a:off x="457200" y="6172201"/>
-            <a:ext cx="3429000" cy="304800"/>
-          </a:xfrm>
-          <a:prstGeom prst="rect">
-            <a:avLst/>
-          </a:prstGeom>
-        </p:spPr>
-        <p:txBody>
-          <a:bodyPr vert="horz" lIns="91440" tIns="45720" rIns="91440" bIns="0" rtlCol="0" anchor="b"/>
-          <a:lstStyle>
-            <a:lvl1pPr algn="l">
-              <a:defRPr sz="1000">
-                <a:solidFill>
-                  <a:schemeClr val="tx1"/>
-                </a:solidFill>
-              </a:defRPr>
-            </a:lvl1pPr>
-          </a:lstStyle>
-          <a:p>
-            <a:fld id="{D7831D55-11FB-40B9-87F2-1A3DD3FC5B95}" type="datetime1">
-              <a:rPr lang="en-US" smtClean="0"/>
-              <a:t>11/6/2015</a:t>
-            </a:fld>
-            <a:endParaRPr lang="en-US"/>
-          </a:p>
-        </p:txBody>
-      </p:sp>
-      <p:sp>
-        <p:nvSpPr>
-          <p:cNvPr id="5" name="Footer Placeholder 4"/>
-          <p:cNvSpPr>
-            <a:spLocks noGrp="1"/>
-          </p:cNvSpPr>
-          <p:nvPr>
-            <p:ph type="ftr" sz="quarter" idx="3"/>
-          </p:nvPr>
-        </p:nvSpPr>
-        <p:spPr>
-          <a:xfrm>
-            <a:off x="457199" y="6492875"/>
-            <a:ext cx="4943061" cy="283845"/>
-          </a:xfrm>
-          <a:prstGeom prst="rect">
-            <a:avLst/>
-          </a:prstGeom>
-        </p:spPr>
-        <p:txBody>
-          <a:bodyPr vert="horz" lIns="91440" tIns="45720" rIns="91440" bIns="45720" rtlCol="0" anchor="t"/>
-          <a:lstStyle>
-            <a:lvl1pPr algn="l">
-              <a:defRPr sz="1000">
-                <a:solidFill>
-                  <a:schemeClr val="tx1"/>
-                </a:solidFill>
-              </a:defRPr>
-            </a:lvl1pPr>
-          </a:lstStyle>
-          <a:p>
-            <a:r>
-              <a:rPr lang="en-US" smtClean="0"/>
-              <a:t>© 2015, EV3Lessons.com,  Last edit 11/5/2015</a:t>
-            </a:r>
-            <a:endParaRPr lang="en-US"/>
-          </a:p>
-        </p:txBody>
-      </p:sp>
-      <p:sp>
-        <p:nvSpPr>
-          <p:cNvPr id="7" name="Slide Number Placeholder 5"/>
-          <p:cNvSpPr>
-            <a:spLocks noGrp="1"/>
-          </p:cNvSpPr>
-          <p:nvPr>
-            <p:ph type="sldNum" sz="quarter" idx="4"/>
-          </p:nvPr>
-        </p:nvSpPr>
-        <p:spPr>
-          <a:xfrm>
-            <a:off x="8343263" y="6417660"/>
-            <a:ext cx="657861" cy="365125"/>
-          </a:xfrm>
-          <a:prstGeom prst="rect">
-            <a:avLst/>
-          </a:prstGeom>
-        </p:spPr>
-        <p:txBody>
-          <a:bodyPr vert="horz" lIns="91440" tIns="45720" rIns="91440" bIns="45720" rtlCol="0" anchor="ctr"/>
-          <a:lstStyle>
-            <a:lvl1pPr algn="l">
-              <a:defRPr sz="2400" b="1">
-                <a:solidFill>
-                  <a:schemeClr val="tx2"/>
-                </a:solidFill>
-              </a:defRPr>
-            </a:lvl1pPr>
-          </a:lstStyle>
-          <a:p>
-            <a:fld id="{4DBC7FC8-25FB-FC45-8177-2B991DA6778C}" type="slidenum">
-              <a:rPr lang="en-US" smtClean="0"/>
-              <a:t>‹#›</a:t>
-            </a:fld>
-            <a:endParaRPr lang="en-US"/>
-          </a:p>
-        </p:txBody>
-      </p:sp>
-      <p:sp>
-        <p:nvSpPr>
-          <p:cNvPr id="8" name="Rectangle 7"/>
-          <p:cNvSpPr/>
-          <p:nvPr userDrawn="1"/>
-        </p:nvSpPr>
-        <p:spPr>
-          <a:xfrm>
-            <a:off x="8996106" y="2895600"/>
-            <a:ext cx="147895" cy="3962400"/>
+            <a:off x="0" y="6400800"/>
+            <a:ext cx="9144001" cy="457200"/>
           </a:xfrm>
           <a:prstGeom prst="rect">
             <a:avLst/>
           </a:prstGeom>
           <a:solidFill>
-            <a:srgbClr val="92D050"/>
+            <a:srgbClr val="0070C0"/>
           </a:solidFill>
           <a:ln>
-            <a:noFill/>
+            <a:solidFill>
+              <a:srgbClr val="0070C0"/>
+            </a:solidFill>
           </a:ln>
         </p:spPr>
         <p:style>
@@ -3922,18 +3936,18 @@
         <p:nvSpPr>
           <p:cNvPr id="9" name="Rectangle 8"/>
           <p:cNvSpPr/>
-          <p:nvPr userDrawn="1"/>
+          <p:nvPr/>
         </p:nvSpPr>
         <p:spPr>
           <a:xfrm>
-            <a:off x="8959042" y="0"/>
-            <a:ext cx="184958" cy="2895600"/>
+            <a:off x="0" y="6334315"/>
+            <a:ext cx="4487333" cy="92382"/>
           </a:xfrm>
           <a:prstGeom prst="rect">
             <a:avLst/>
           </a:prstGeom>
           <a:solidFill>
-            <a:srgbClr val="7030A0"/>
+            <a:srgbClr val="00B050"/>
           </a:solidFill>
           <a:ln>
             <a:noFill/>
@@ -3958,20 +3972,270 @@
       </p:sp>
       <p:sp>
         <p:nvSpPr>
-          <p:cNvPr id="10" name="Rectangle 9"/>
+          <p:cNvPr id="2" name="Title Placeholder 1"/>
+          <p:cNvSpPr>
+            <a:spLocks noGrp="1"/>
+          </p:cNvSpPr>
+          <p:nvPr>
+            <p:ph type="title"/>
+          </p:nvPr>
+        </p:nvSpPr>
+        <p:spPr>
+          <a:xfrm>
+            <a:off x="227874" y="287088"/>
+            <a:ext cx="8596812" cy="874055"/>
+          </a:xfrm>
+          <a:prstGeom prst="rect">
+            <a:avLst/>
+          </a:prstGeom>
+        </p:spPr>
+        <p:txBody>
+          <a:bodyPr vert="horz" lIns="91440" tIns="45720" rIns="91440" bIns="45720" rtlCol="0" anchor="b">
+            <a:normAutofit/>
+          </a:bodyPr>
+          <a:lstStyle/>
+          <a:p>
+            <a:r>
+              <a:rPr lang="en-US" smtClean="0"/>
+              <a:t>Click to edit Master title style</a:t>
+            </a:r>
+            <a:endParaRPr lang="en-US" dirty="0"/>
+          </a:p>
+        </p:txBody>
+      </p:sp>
+      <p:sp>
+        <p:nvSpPr>
+          <p:cNvPr id="3" name="Text Placeholder 2"/>
+          <p:cNvSpPr>
+            <a:spLocks noGrp="1"/>
+          </p:cNvSpPr>
+          <p:nvPr>
+            <p:ph type="body" idx="1"/>
+          </p:nvPr>
+        </p:nvSpPr>
+        <p:spPr>
+          <a:xfrm>
+            <a:off x="227874" y="1505616"/>
+            <a:ext cx="8596811" cy="4654528"/>
+          </a:xfrm>
+          <a:prstGeom prst="rect">
+            <a:avLst/>
+          </a:prstGeom>
+        </p:spPr>
+        <p:txBody>
+          <a:bodyPr vert="horz" lIns="0" tIns="45720" rIns="0" bIns="45720" rtlCol="0">
+            <a:normAutofit/>
+          </a:bodyPr>
+          <a:lstStyle/>
+          <a:p>
+            <a:pPr lvl="0"/>
+            <a:r>
+              <a:rPr lang="en-US" smtClean="0"/>
+              <a:t>Click to edit Master text styles</a:t>
+            </a:r>
+          </a:p>
+          <a:p>
+            <a:pPr lvl="1"/>
+            <a:r>
+              <a:rPr lang="en-US" smtClean="0"/>
+              <a:t>Second level</a:t>
+            </a:r>
+          </a:p>
+          <a:p>
+            <a:pPr lvl="2"/>
+            <a:r>
+              <a:rPr lang="en-US" smtClean="0"/>
+              <a:t>Third level</a:t>
+            </a:r>
+          </a:p>
+          <a:p>
+            <a:pPr lvl="3"/>
+            <a:r>
+              <a:rPr lang="en-US" smtClean="0"/>
+              <a:t>Fourth level</a:t>
+            </a:r>
+          </a:p>
+          <a:p>
+            <a:pPr lvl="4"/>
+            <a:r>
+              <a:rPr lang="en-US" smtClean="0"/>
+              <a:t>Fifth level</a:t>
+            </a:r>
+            <a:endParaRPr lang="en-US" dirty="0"/>
+          </a:p>
+        </p:txBody>
+      </p:sp>
+      <p:sp>
+        <p:nvSpPr>
+          <p:cNvPr id="4" name="Date Placeholder 3"/>
+          <p:cNvSpPr>
+            <a:spLocks noGrp="1"/>
+          </p:cNvSpPr>
+          <p:nvPr>
+            <p:ph type="dt" sz="half" idx="2"/>
+          </p:nvPr>
+        </p:nvSpPr>
+        <p:spPr>
+          <a:xfrm>
+            <a:off x="822961" y="6459786"/>
+            <a:ext cx="1854203" cy="365125"/>
+          </a:xfrm>
+          <a:prstGeom prst="rect">
+            <a:avLst/>
+          </a:prstGeom>
+        </p:spPr>
+        <p:txBody>
+          <a:bodyPr vert="horz" lIns="91440" tIns="45720" rIns="91440" bIns="45720" rtlCol="0" anchor="ctr"/>
+          <a:lstStyle>
+            <a:lvl1pPr algn="l">
+              <a:defRPr sz="900">
+                <a:solidFill>
+                  <a:srgbClr val="FFFFFF"/>
+                </a:solidFill>
+              </a:defRPr>
+            </a:lvl1pPr>
+          </a:lstStyle>
+          <a:p>
+            <a:fld id="{0604F77D-FCB8-A946-86A9-D14BD65D0D3D}" type="datetime1">
+              <a:rPr lang="en-US" smtClean="0"/>
+              <a:t>11/13/15</a:t>
+            </a:fld>
+            <a:endParaRPr lang="en-US" dirty="0"/>
+          </a:p>
+        </p:txBody>
+      </p:sp>
+      <p:sp>
+        <p:nvSpPr>
+          <p:cNvPr id="5" name="Footer Placeholder 4"/>
+          <p:cNvSpPr>
+            <a:spLocks noGrp="1"/>
+          </p:cNvSpPr>
+          <p:nvPr>
+            <p:ph type="ftr" sz="quarter" idx="3"/>
+          </p:nvPr>
+        </p:nvSpPr>
+        <p:spPr>
+          <a:xfrm>
+            <a:off x="2764639" y="6459786"/>
+            <a:ext cx="3617103" cy="365125"/>
+          </a:xfrm>
+          <a:prstGeom prst="rect">
+            <a:avLst/>
+          </a:prstGeom>
+        </p:spPr>
+        <p:txBody>
+          <a:bodyPr vert="horz" lIns="91440" tIns="45720" rIns="91440" bIns="45720" rtlCol="0" anchor="ctr"/>
+          <a:lstStyle>
+            <a:lvl1pPr algn="ctr">
+              <a:defRPr sz="900" cap="all" baseline="0">
+                <a:solidFill>
+                  <a:srgbClr val="FFFFFF"/>
+                </a:solidFill>
+              </a:defRPr>
+            </a:lvl1pPr>
+          </a:lstStyle>
+          <a:p>
+            <a:r>
+              <a:rPr lang="sk-SK" smtClean="0"/>
+              <a:t>© 2015 EV3Lessons.com, Last edit 11/13/2015</a:t>
+            </a:r>
+            <a:endParaRPr lang="en-US" dirty="0"/>
+          </a:p>
+        </p:txBody>
+      </p:sp>
+      <p:sp>
+        <p:nvSpPr>
+          <p:cNvPr id="6" name="Slide Number Placeholder 5"/>
+          <p:cNvSpPr>
+            <a:spLocks noGrp="1"/>
+          </p:cNvSpPr>
+          <p:nvPr>
+            <p:ph type="sldNum" sz="quarter" idx="4"/>
+          </p:nvPr>
+        </p:nvSpPr>
+        <p:spPr>
+          <a:xfrm>
+            <a:off x="7425344" y="6459786"/>
+            <a:ext cx="984019" cy="365125"/>
+          </a:xfrm>
+          <a:prstGeom prst="rect">
+            <a:avLst/>
+          </a:prstGeom>
+        </p:spPr>
+        <p:txBody>
+          <a:bodyPr vert="horz" lIns="91440" tIns="45720" rIns="91440" bIns="45720" rtlCol="0" anchor="ctr"/>
+          <a:lstStyle>
+            <a:lvl1pPr algn="r">
+              <a:defRPr sz="1050">
+                <a:solidFill>
+                  <a:srgbClr val="FFFFFF"/>
+                </a:solidFill>
+              </a:defRPr>
+            </a:lvl1pPr>
+          </a:lstStyle>
+          <a:p>
+            <a:fld id="{4382A7F7-08BF-4252-8141-63FB96055BBB}" type="slidenum">
+              <a:rPr lang="en-US" smtClean="0"/>
+              <a:t>‹#›</a:t>
+            </a:fld>
+            <a:endParaRPr lang="en-US"/>
+          </a:p>
+        </p:txBody>
+      </p:sp>
+      <p:cxnSp>
+        <p:nvCxnSpPr>
+          <p:cNvPr id="10" name="Straight Connector 9"/>
+          <p:cNvCxnSpPr/>
+          <p:nvPr/>
+        </p:nvCxnSpPr>
+        <p:spPr>
+          <a:xfrm flipV="1">
+            <a:off x="227874" y="1335314"/>
+            <a:ext cx="8596811" cy="1"/>
+          </a:xfrm>
+          <a:prstGeom prst="line">
+            <a:avLst/>
+          </a:prstGeom>
+          <a:ln w="6350">
+            <a:solidFill>
+              <a:schemeClr val="tx1">
+                <a:lumMod val="50000"/>
+                <a:lumOff val="50000"/>
+              </a:schemeClr>
+            </a:solidFill>
+          </a:ln>
+        </p:spPr>
+        <p:style>
+          <a:lnRef idx="1">
+            <a:schemeClr val="accent1"/>
+          </a:lnRef>
+          <a:fillRef idx="0">
+            <a:schemeClr val="accent1"/>
+          </a:fillRef>
+          <a:effectRef idx="0">
+            <a:schemeClr val="accent1"/>
+          </a:effectRef>
+          <a:fontRef idx="minor">
+            <a:schemeClr val="tx1"/>
+          </a:fontRef>
+        </p:style>
+      </p:cxnSp>
+      <p:sp>
+        <p:nvSpPr>
+          <p:cNvPr id="11" name="Rectangle 10"/>
           <p:cNvSpPr/>
           <p:nvPr userDrawn="1"/>
         </p:nvSpPr>
         <p:spPr>
           <a:xfrm>
-            <a:off x="8913670" y="-4618"/>
-            <a:ext cx="91440" cy="6862617"/>
+            <a:off x="4487333" y="6334315"/>
+            <a:ext cx="4656667" cy="92382"/>
           </a:xfrm>
           <a:prstGeom prst="rect">
             <a:avLst/>
           </a:prstGeom>
           <a:solidFill>
-            <a:srgbClr val="0070C0"/>
+            <a:srgbClr val="7030A0"/>
           </a:solidFill>
           <a:ln>
             <a:noFill/>
@@ -3995,32 +4259,43 @@
         </p:style>
       </p:sp>
     </p:spTree>
+    <p:extLst>
+      <p:ext uri="{BB962C8B-B14F-4D97-AF65-F5344CB8AC3E}">
+        <p14:creationId xmlns:p14="http://schemas.microsoft.com/office/powerpoint/2010/main" val="134082836"/>
+      </p:ext>
+    </p:extLst>
   </p:cSld>
   <p:clrMap bg1="lt1" tx1="dk1" bg2="lt2" tx2="dk2" accent1="accent1" accent2="accent2" accent3="accent3" accent4="accent4" accent5="accent5" accent6="accent6" hlink="hlink" folHlink="folHlink"/>
   <p:sldLayoutIdLst>
-    <p:sldLayoutId id="2147483715" r:id="rId1"/>
-    <p:sldLayoutId id="2147483716" r:id="rId2"/>
-    <p:sldLayoutId id="2147483717" r:id="rId3"/>
-    <p:sldLayoutId id="2147483718" r:id="rId4"/>
-    <p:sldLayoutId id="2147483719" r:id="rId5"/>
-    <p:sldLayoutId id="2147483720" r:id="rId6"/>
-    <p:sldLayoutId id="2147483721" r:id="rId7"/>
-    <p:sldLayoutId id="2147483722" r:id="rId8"/>
-    <p:sldLayoutId id="2147483723" r:id="rId9"/>
-    <p:sldLayoutId id="2147483724" r:id="rId10"/>
-    <p:sldLayoutId id="2147483725" r:id="rId11"/>
+    <p:sldLayoutId id="2147483727" r:id="rId1"/>
+    <p:sldLayoutId id="2147483728" r:id="rId2"/>
+    <p:sldLayoutId id="2147483729" r:id="rId3"/>
+    <p:sldLayoutId id="2147483730" r:id="rId4"/>
+    <p:sldLayoutId id="2147483731" r:id="rId5"/>
+    <p:sldLayoutId id="2147483732" r:id="rId6"/>
+    <p:sldLayoutId id="2147483733" r:id="rId7"/>
+    <p:sldLayoutId id="2147483734" r:id="rId8"/>
+    <p:sldLayoutId id="2147483735" r:id="rId9"/>
+    <p:sldLayoutId id="2147483736" r:id="rId10"/>
+    <p:sldLayoutId id="2147483737" r:id="rId11"/>
   </p:sldLayoutIdLst>
-  <p:hf sldNum="0" hdr="0" dt="0"/>
+  <p:hf hdr="0" dt="0"/>
   <p:txStyles>
     <p:titleStyle>
       <a:lvl1pPr algn="l" defTabSz="914400" rtl="0" eaLnBrk="1" latinLnBrk="0" hangingPunct="1">
+        <a:lnSpc>
+          <a:spcPct val="85000"/>
+        </a:lnSpc>
         <a:spcBef>
           <a:spcPct val="0"/>
         </a:spcBef>
         <a:buNone/>
-        <a:defRPr sz="3600" kern="1200" cap="all" spc="-60" baseline="0">
+        <a:defRPr sz="4800" kern="1200" spc="-50" baseline="0">
           <a:solidFill>
-            <a:schemeClr val="tx2"/>
+            <a:schemeClr val="tx1">
+              <a:lumMod val="75000"/>
+              <a:lumOff val="25000"/>
+            </a:schemeClr>
           </a:solidFill>
           <a:latin typeface="+mj-lt"/>
           <a:ea typeface="+mj-ea"/>
@@ -4029,162 +4304,244 @@
       </a:lvl1pPr>
     </p:titleStyle>
     <p:bodyStyle>
-      <a:lvl1pPr marL="0" indent="0" algn="l" defTabSz="914400" rtl="0" eaLnBrk="1" latinLnBrk="0" hangingPunct="1">
+      <a:lvl1pPr marL="91440" indent="-91440" algn="l" defTabSz="914400" rtl="0" eaLnBrk="1" latinLnBrk="0" hangingPunct="1">
+        <a:lnSpc>
+          <a:spcPct val="90000"/>
+        </a:lnSpc>
         <a:spcBef>
-          <a:spcPct val="20000"/>
+          <a:spcPts val="1200"/>
         </a:spcBef>
         <a:spcAft>
-          <a:spcPts val="600"/>
+          <a:spcPts val="200"/>
         </a:spcAft>
-        <a:buFont typeface="Arial" pitchFamily="34" charset="0"/>
-        <a:buNone/>
-        <a:defRPr sz="2000" b="1" kern="1200">
+        <a:buClr>
+          <a:schemeClr val="accent1"/>
+        </a:buClr>
+        <a:buSzPct val="100000"/>
+        <a:buFont typeface="Calibri" panose="020F0502020204030204" pitchFamily="34" charset="0"/>
+        <a:buChar char=" "/>
+        <a:defRPr sz="2000" kern="1200">
           <a:solidFill>
-            <a:schemeClr val="tx1"/>
+            <a:schemeClr val="tx1">
+              <a:lumMod val="75000"/>
+              <a:lumOff val="25000"/>
+            </a:schemeClr>
           </a:solidFill>
           <a:latin typeface="+mn-lt"/>
           <a:ea typeface="+mn-ea"/>
           <a:cs typeface="+mn-cs"/>
         </a:defRPr>
       </a:lvl1pPr>
-      <a:lvl2pPr marL="457200" indent="-182880" algn="l" defTabSz="914400" rtl="0" eaLnBrk="1" latinLnBrk="0" hangingPunct="1">
+      <a:lvl2pPr marL="384048" indent="-182880" algn="l" defTabSz="914400" rtl="0" eaLnBrk="1" latinLnBrk="0" hangingPunct="1">
+        <a:lnSpc>
+          <a:spcPct val="90000"/>
+        </a:lnSpc>
         <a:spcBef>
-          <a:spcPct val="20000"/>
+          <a:spcPts val="200"/>
         </a:spcBef>
+        <a:spcAft>
+          <a:spcPts val="400"/>
+        </a:spcAft>
         <a:buClr>
-          <a:schemeClr val="tx2"/>
+          <a:schemeClr val="accent1"/>
         </a:buClr>
-        <a:buFont typeface="Arial" pitchFamily="34" charset="0"/>
-        <a:buChar char="•"/>
-        <a:defRPr sz="2000" kern="1200">
+        <a:buFont typeface="Calibri" pitchFamily="34" charset="0"/>
+        <a:buChar char="◦"/>
+        <a:defRPr sz="1800" kern="1200">
           <a:solidFill>
-            <a:schemeClr val="tx1"/>
+            <a:schemeClr val="tx1">
+              <a:lumMod val="75000"/>
+              <a:lumOff val="25000"/>
+            </a:schemeClr>
           </a:solidFill>
           <a:latin typeface="+mn-lt"/>
           <a:ea typeface="+mn-ea"/>
           <a:cs typeface="+mn-cs"/>
         </a:defRPr>
       </a:lvl2pPr>
-      <a:lvl3pPr marL="1143000" indent="-228600" algn="l" defTabSz="914400" rtl="0" eaLnBrk="1" latinLnBrk="0" hangingPunct="1">
+      <a:lvl3pPr marL="566928" indent="-182880" algn="l" defTabSz="914400" rtl="0" eaLnBrk="1" latinLnBrk="0" hangingPunct="1">
+        <a:lnSpc>
+          <a:spcPct val="90000"/>
+        </a:lnSpc>
         <a:spcBef>
-          <a:spcPct val="20000"/>
+          <a:spcPts val="200"/>
         </a:spcBef>
+        <a:spcAft>
+          <a:spcPts val="400"/>
+        </a:spcAft>
         <a:buClr>
-          <a:schemeClr val="tx2"/>
+          <a:schemeClr val="accent1"/>
         </a:buClr>
-        <a:buFont typeface="Arial" pitchFamily="34" charset="0"/>
-        <a:buChar char="•"/>
-        <a:defRPr sz="1800" kern="1200">
+        <a:buFont typeface="Calibri" pitchFamily="34" charset="0"/>
+        <a:buChar char="◦"/>
+        <a:defRPr sz="1400" kern="1200">
           <a:solidFill>
-            <a:schemeClr val="tx1"/>
+            <a:schemeClr val="tx1">
+              <a:lumMod val="75000"/>
+              <a:lumOff val="25000"/>
+            </a:schemeClr>
           </a:solidFill>
           <a:latin typeface="+mn-lt"/>
           <a:ea typeface="+mn-ea"/>
           <a:cs typeface="+mn-cs"/>
         </a:defRPr>
       </a:lvl3pPr>
-      <a:lvl4pPr marL="1600200" indent="-228600" algn="l" defTabSz="914400" rtl="0" eaLnBrk="1" latinLnBrk="0" hangingPunct="1">
+      <a:lvl4pPr marL="749808" indent="-182880" algn="l" defTabSz="914400" rtl="0" eaLnBrk="1" latinLnBrk="0" hangingPunct="1">
+        <a:lnSpc>
+          <a:spcPct val="90000"/>
+        </a:lnSpc>
         <a:spcBef>
-          <a:spcPct val="20000"/>
+          <a:spcPts val="200"/>
         </a:spcBef>
+        <a:spcAft>
+          <a:spcPts val="400"/>
+        </a:spcAft>
         <a:buClr>
-          <a:schemeClr val="tx2"/>
+          <a:schemeClr val="accent1"/>
         </a:buClr>
-        <a:buFont typeface="Arial" pitchFamily="34" charset="0"/>
-        <a:buChar char="•"/>
-        <a:defRPr sz="1800" kern="1200">
+        <a:buFont typeface="Calibri" pitchFamily="34" charset="0"/>
+        <a:buChar char="◦"/>
+        <a:defRPr sz="1400" kern="1200">
           <a:solidFill>
-            <a:schemeClr val="tx1"/>
+            <a:schemeClr val="tx1">
+              <a:lumMod val="75000"/>
+              <a:lumOff val="25000"/>
+            </a:schemeClr>
           </a:solidFill>
           <a:latin typeface="+mn-lt"/>
           <a:ea typeface="+mn-ea"/>
           <a:cs typeface="+mn-cs"/>
         </a:defRPr>
       </a:lvl4pPr>
-      <a:lvl5pPr marL="2057400" indent="-228600" algn="l" defTabSz="914400" rtl="0" eaLnBrk="1" latinLnBrk="0" hangingPunct="1">
+      <a:lvl5pPr marL="932688" indent="-182880" algn="l" defTabSz="914400" rtl="0" eaLnBrk="1" latinLnBrk="0" hangingPunct="1">
+        <a:lnSpc>
+          <a:spcPct val="90000"/>
+        </a:lnSpc>
         <a:spcBef>
-          <a:spcPct val="20000"/>
+          <a:spcPts val="200"/>
         </a:spcBef>
+        <a:spcAft>
+          <a:spcPts val="400"/>
+        </a:spcAft>
         <a:buClr>
-          <a:schemeClr val="tx2"/>
+          <a:schemeClr val="accent1"/>
         </a:buClr>
-        <a:buFont typeface="Arial" pitchFamily="34" charset="0"/>
-        <a:buChar char="•"/>
-        <a:defRPr sz="1800" kern="1200" baseline="0">
+        <a:buFont typeface="Calibri" pitchFamily="34" charset="0"/>
+        <a:buChar char="◦"/>
+        <a:defRPr sz="1400" kern="1200">
           <a:solidFill>
-            <a:schemeClr val="tx1"/>
+            <a:schemeClr val="tx1">
+              <a:lumMod val="75000"/>
+              <a:lumOff val="25000"/>
+            </a:schemeClr>
           </a:solidFill>
           <a:latin typeface="+mn-lt"/>
           <a:ea typeface="+mn-ea"/>
           <a:cs typeface="+mn-cs"/>
         </a:defRPr>
       </a:lvl5pPr>
-      <a:lvl6pPr marL="2514600" indent="-228600" algn="l" defTabSz="914400" rtl="0" eaLnBrk="1" latinLnBrk="0" hangingPunct="1">
+      <a:lvl6pPr marL="1100000" indent="-228600" algn="l" defTabSz="914400" rtl="0" eaLnBrk="1" latinLnBrk="0" hangingPunct="1">
+        <a:lnSpc>
+          <a:spcPct val="90000"/>
+        </a:lnSpc>
         <a:spcBef>
-          <a:spcPct val="20000"/>
+          <a:spcPts val="200"/>
         </a:spcBef>
+        <a:spcAft>
+          <a:spcPts val="400"/>
+        </a:spcAft>
         <a:buClr>
-          <a:schemeClr val="tx2"/>
+          <a:schemeClr val="accent1"/>
         </a:buClr>
-        <a:buFont typeface="Arial" pitchFamily="34" charset="0"/>
-        <a:buChar char="•"/>
-        <a:defRPr sz="1600" kern="1200">
+        <a:buFont typeface="Calibri" pitchFamily="34" charset="0"/>
+        <a:buChar char="◦"/>
+        <a:defRPr sz="1400" kern="1200">
           <a:solidFill>
-            <a:schemeClr val="tx1"/>
+            <a:schemeClr val="tx1">
+              <a:lumMod val="75000"/>
+              <a:lumOff val="25000"/>
+            </a:schemeClr>
           </a:solidFill>
           <a:latin typeface="+mn-lt"/>
           <a:ea typeface="+mn-ea"/>
           <a:cs typeface="+mn-cs"/>
         </a:defRPr>
       </a:lvl6pPr>
-      <a:lvl7pPr marL="2971800" indent="-228600" algn="l" defTabSz="914400" rtl="0" eaLnBrk="1" latinLnBrk="0" hangingPunct="1">
+      <a:lvl7pPr marL="1300000" indent="-228600" algn="l" defTabSz="914400" rtl="0" eaLnBrk="1" latinLnBrk="0" hangingPunct="1">
+        <a:lnSpc>
+          <a:spcPct val="90000"/>
+        </a:lnSpc>
         <a:spcBef>
-          <a:spcPct val="20000"/>
+          <a:spcPts val="200"/>
         </a:spcBef>
+        <a:spcAft>
+          <a:spcPts val="400"/>
+        </a:spcAft>
         <a:buClr>
-          <a:schemeClr val="tx2"/>
+          <a:schemeClr val="accent1"/>
         </a:buClr>
-        <a:buFont typeface="Arial" pitchFamily="34" charset="0"/>
-        <a:buChar char="•"/>
-        <a:defRPr sz="1600" kern="1200">
+        <a:buFont typeface="Calibri" pitchFamily="34" charset="0"/>
+        <a:buChar char="◦"/>
+        <a:defRPr sz="1400" kern="1200">
           <a:solidFill>
-            <a:schemeClr val="tx1"/>
+            <a:schemeClr val="tx1">
+              <a:lumMod val="75000"/>
+              <a:lumOff val="25000"/>
+            </a:schemeClr>
           </a:solidFill>
           <a:latin typeface="+mn-lt"/>
           <a:ea typeface="+mn-ea"/>
           <a:cs typeface="+mn-cs"/>
         </a:defRPr>
       </a:lvl7pPr>
-      <a:lvl8pPr marL="3429000" indent="-228600" algn="l" defTabSz="914400" rtl="0" eaLnBrk="1" latinLnBrk="0" hangingPunct="1">
+      <a:lvl8pPr marL="1500000" indent="-228600" algn="l" defTabSz="914400" rtl="0" eaLnBrk="1" latinLnBrk="0" hangingPunct="1">
+        <a:lnSpc>
+          <a:spcPct val="90000"/>
+        </a:lnSpc>
         <a:spcBef>
-          <a:spcPct val="20000"/>
+          <a:spcPts val="200"/>
         </a:spcBef>
+        <a:spcAft>
+          <a:spcPts val="400"/>
+        </a:spcAft>
         <a:buClr>
-          <a:schemeClr val="tx2"/>
+          <a:schemeClr val="accent1"/>
         </a:buClr>
-        <a:buFont typeface="Arial" pitchFamily="34" charset="0"/>
-        <a:buChar char="•"/>
-        <a:defRPr sz="1600" kern="1200">
+        <a:buFont typeface="Calibri" pitchFamily="34" charset="0"/>
+        <a:buChar char="◦"/>
+        <a:defRPr sz="1400" kern="1200">
           <a:solidFill>
-            <a:schemeClr val="tx1"/>
+            <a:schemeClr val="tx1">
+              <a:lumMod val="75000"/>
+              <a:lumOff val="25000"/>
+            </a:schemeClr>
           </a:solidFill>
           <a:latin typeface="+mn-lt"/>
           <a:ea typeface="+mn-ea"/>
           <a:cs typeface="+mn-cs"/>
         </a:defRPr>
       </a:lvl8pPr>
-      <a:lvl9pPr marL="3886200" indent="-228600" algn="l" defTabSz="914400" rtl="0" eaLnBrk="1" latinLnBrk="0" hangingPunct="1">
+      <a:lvl9pPr marL="1700000" indent="-228600" algn="l" defTabSz="914400" rtl="0" eaLnBrk="1" latinLnBrk="0" hangingPunct="1">
+        <a:lnSpc>
+          <a:spcPct val="90000"/>
+        </a:lnSpc>
         <a:spcBef>
-          <a:spcPct val="20000"/>
+          <a:spcPts val="200"/>
         </a:spcBef>
+        <a:spcAft>
+          <a:spcPts val="400"/>
+        </a:spcAft>
         <a:buClr>
-          <a:schemeClr val="tx2"/>
+          <a:schemeClr val="accent1"/>
         </a:buClr>
-        <a:buFont typeface="Arial" pitchFamily="34" charset="0"/>
-        <a:buChar char="•"/>
-        <a:defRPr sz="1600" kern="1200">
+        <a:buFont typeface="Calibri" pitchFamily="34" charset="0"/>
+        <a:buChar char="◦"/>
+        <a:defRPr sz="1400" kern="1200">
           <a:solidFill>
-            <a:schemeClr val="tx1"/>
+            <a:schemeClr val="tx1">
+              <a:lumMod val="75000"/>
+              <a:lumOff val="25000"/>
+            </a:schemeClr>
           </a:solidFill>
           <a:latin typeface="+mn-lt"/>
           <a:ea typeface="+mn-ea"/>
@@ -4318,204 +4675,61 @@
             <p:ph type="ctrTitle"/>
           </p:nvPr>
         </p:nvSpPr>
+        <p:spPr/>
+        <p:txBody>
+          <a:bodyPr>
+            <a:normAutofit fontScale="90000"/>
+          </a:bodyPr>
+          <a:lstStyle/>
+          <a:p>
+            <a:r>
+              <a:rPr lang="en-US" dirty="0" smtClean="0"/>
+              <a:t>INTERMEDIATE PROGRAMMING LESSON</a:t>
+            </a:r>
+            <a:endParaRPr lang="en-US" dirty="0"/>
+          </a:p>
+        </p:txBody>
+      </p:sp>
+      <p:sp>
+        <p:nvSpPr>
+          <p:cNvPr id="3" name="Subtitle 2"/>
+          <p:cNvSpPr>
+            <a:spLocks noGrp="1"/>
+          </p:cNvSpPr>
+          <p:nvPr>
+            <p:ph type="subTitle" idx="1"/>
+          </p:nvPr>
+        </p:nvSpPr>
         <p:spPr>
           <a:xfrm>
-            <a:off x="402305" y="311631"/>
-            <a:ext cx="4182799" cy="1923569"/>
-          </a:xfrm>
-        </p:spPr>
-        <p:txBody>
-          <a:bodyPr/>
-          <a:lstStyle/>
-          <a:p>
-            <a:pPr algn="ctr"/>
-            <a:r>
-              <a:rPr lang="en-US" sz="3200" dirty="0" smtClean="0"/>
-              <a:t>INTERMEDIATE PROGRAMMING</a:t>
-            </a:r>
-            <a:r>
-              <a:rPr lang="en-US" sz="4000" dirty="0" smtClean="0"/>
-              <a:t/>
-            </a:r>
-            <a:br>
-              <a:rPr lang="en-US" sz="4000" dirty="0" smtClean="0"/>
-            </a:br>
-            <a:r>
-              <a:rPr lang="en-US" sz="3200" dirty="0" smtClean="0"/>
-              <a:t>Lesson</a:t>
-            </a:r>
-            <a:endParaRPr lang="en-US" sz="3200" dirty="0"/>
-          </a:p>
-        </p:txBody>
-      </p:sp>
-      <p:sp>
-        <p:nvSpPr>
-          <p:cNvPr id="7" name="TextBox 6"/>
-          <p:cNvSpPr txBox="1"/>
-          <p:nvPr/>
-        </p:nvSpPr>
-        <p:spPr>
-          <a:xfrm>
-            <a:off x="1487501" y="6274931"/>
-            <a:ext cx="4750545" cy="400110"/>
-          </a:xfrm>
-          <a:prstGeom prst="rect">
-            <a:avLst/>
-          </a:prstGeom>
-          <a:noFill/>
-        </p:spPr>
-        <p:txBody>
-          <a:bodyPr wrap="square" rtlCol="0">
-            <a:spAutoFit/>
+            <a:off x="1282263" y="3289738"/>
+            <a:ext cx="6474372" cy="564567"/>
+          </a:xfrm>
+        </p:spPr>
+        <p:txBody>
+          <a:bodyPr>
+            <a:normAutofit fontScale="85000" lnSpcReduction="20000"/>
           </a:bodyPr>
           <a:lstStyle/>
           <a:p>
             <a:r>
-              <a:rPr lang="en-US" sz="2000" dirty="0" smtClean="0"/>
-              <a:t>By: Droids Robotics</a:t>
-            </a:r>
-          </a:p>
-        </p:txBody>
-      </p:sp>
-      <p:sp>
-        <p:nvSpPr>
-          <p:cNvPr id="4" name="TextBox 3"/>
-          <p:cNvSpPr txBox="1"/>
-          <p:nvPr/>
-        </p:nvSpPr>
-        <p:spPr>
-          <a:xfrm>
-            <a:off x="550088" y="2713113"/>
-            <a:ext cx="8187512" cy="1384995"/>
-          </a:xfrm>
-          <a:prstGeom prst="rect">
-            <a:avLst/>
-          </a:prstGeom>
-          <a:noFill/>
-        </p:spPr>
-        <p:txBody>
-          <a:bodyPr wrap="square" rtlCol="0">
-            <a:spAutoFit/>
-          </a:bodyPr>
-          <a:lstStyle/>
-          <a:p>
-            <a:r>
-              <a:rPr lang="en-US" sz="2800" dirty="0" smtClean="0">
-                <a:solidFill>
-                  <a:srgbClr val="FF0000"/>
-                </a:solidFill>
-              </a:rPr>
-              <a:t>Color Line Follower My Blocks with Inputs: </a:t>
-            </a:r>
-          </a:p>
-          <a:p>
-            <a:r>
-              <a:rPr lang="en-US" sz="2800" dirty="0" smtClean="0">
-                <a:solidFill>
-                  <a:srgbClr val="FF0000"/>
-                </a:solidFill>
-              </a:rPr>
-              <a:t>Move for Distance</a:t>
-            </a:r>
-            <a:endParaRPr lang="en-US" sz="2800" dirty="0">
-              <a:solidFill>
-                <a:srgbClr val="FF0000"/>
-              </a:solidFill>
-            </a:endParaRPr>
-          </a:p>
-          <a:p>
-            <a:endParaRPr lang="en-US" sz="2800" dirty="0"/>
-          </a:p>
-        </p:txBody>
-      </p:sp>
-      <p:pic>
-        <p:nvPicPr>
-          <p:cNvPr id="1026" name="Picture 2" descr="EV3Lessons.com"/>
-          <p:cNvPicPr>
-            <a:picLocks noChangeAspect="1" noChangeArrowheads="1"/>
-          </p:cNvPicPr>
-          <p:nvPr/>
-        </p:nvPicPr>
-        <p:blipFill>
-          <a:blip r:embed="rId3">
-            <a:extLst>
-              <a:ext uri="{28A0092B-C50C-407E-A947-70E740481C1C}">
-                <a14:useLocalDpi xmlns:a14="http://schemas.microsoft.com/office/drawing/2010/main" val="0"/>
-              </a:ext>
-            </a:extLst>
-          </a:blip>
-          <a:srcRect/>
-          <a:stretch>
-            <a:fillRect/>
-          </a:stretch>
-        </p:blipFill>
-        <p:spPr bwMode="auto">
-          <a:xfrm>
-            <a:off x="4585105" y="436041"/>
-            <a:ext cx="4231698" cy="1571774"/>
-          </a:xfrm>
-          <a:prstGeom prst="rect">
-            <a:avLst/>
-          </a:prstGeom>
-          <a:noFill/>
-          <a:extLst>
-            <a:ext uri="{909E8E84-426E-40dd-AFC4-6F175D3DCCD1}">
-              <a14:hiddenFill xmlns="" xmlns:a14="http://schemas.microsoft.com/office/drawing/2010/main">
-                <a:solidFill>
-                  <a:srgbClr val="FFFFFF"/>
-                </a:solidFill>
-              </a14:hiddenFill>
-            </a:ext>
-          </a:extLst>
-        </p:spPr>
-      </p:pic>
-      <p:pic>
-        <p:nvPicPr>
-          <p:cNvPr id="6" name="Picture 5"/>
-          <p:cNvPicPr>
-            <a:picLocks noChangeAspect="1"/>
-          </p:cNvPicPr>
-          <p:nvPr/>
-        </p:nvPicPr>
-        <p:blipFill>
-          <a:blip r:embed="rId4">
-            <a:extLst>
-              <a:ext uri="{28A0092B-C50C-407E-A947-70E740481C1C}">
-                <a14:useLocalDpi xmlns:a14="http://schemas.microsoft.com/office/drawing/2010/main" val="0"/>
-              </a:ext>
-            </a:extLst>
-          </a:blip>
-          <a:stretch>
-            <a:fillRect/>
-          </a:stretch>
-        </p:blipFill>
-        <p:spPr>
-          <a:xfrm>
-            <a:off x="170301" y="5414920"/>
-            <a:ext cx="1317200" cy="1260121"/>
-          </a:xfrm>
-          <a:prstGeom prst="rect">
-            <a:avLst/>
-          </a:prstGeom>
-        </p:spPr>
-      </p:pic>
+              <a:rPr lang="en-US" smtClean="0"/>
+              <a:t>COLOR LINE FOLLOWER MY BLOCK WITH INPUTS: MOVE FOR DISTANCE</a:t>
+            </a:r>
+            <a:endParaRPr lang="en-US"/>
+          </a:p>
+        </p:txBody>
+      </p:sp>
     </p:spTree>
     <p:extLst>
       <p:ext uri="{BB962C8B-B14F-4D97-AF65-F5344CB8AC3E}">
-        <p14:creationId xmlns:p14="http://schemas.microsoft.com/office/powerpoint/2010/main" val="2565767291"/>
+        <p14:creationId xmlns:p14="http://schemas.microsoft.com/office/powerpoint/2010/main" val="1907397976"/>
       </p:ext>
     </p:extLst>
   </p:cSld>
   <p:clrMapOvr>
     <a:masterClrMapping/>
   </p:clrMapOvr>
-  <p:timing>
-    <p:tnLst>
-      <p:par>
-        <p:cTn id="1" dur="indefinite" restart="never" nodeType="tmRoot"/>
-      </p:par>
-    </p:tnLst>
-  </p:timing>
 </p:sld>
 </file>
 
@@ -4587,7 +4801,7 @@
         </p:blipFill>
         <p:spPr>
           <a:xfrm>
-            <a:off x="283114" y="1067146"/>
+            <a:off x="367196" y="1511437"/>
             <a:ext cx="8593644" cy="3549825"/>
           </a:xfrm>
         </p:spPr>
@@ -4623,7 +4837,7 @@
         </p:nvSpPr>
         <p:spPr>
           <a:xfrm>
-            <a:off x="457199" y="4706912"/>
+            <a:off x="541281" y="5137835"/>
             <a:ext cx="7908195" cy="923330"/>
           </a:xfrm>
           <a:prstGeom prst="rect">
@@ -4677,7 +4891,7 @@
         </p:nvSpPr>
         <p:spPr>
           <a:xfrm>
-            <a:off x="70050" y="4663023"/>
+            <a:off x="154132" y="5093946"/>
             <a:ext cx="426128" cy="523220"/>
           </a:xfrm>
           <a:prstGeom prst="rect">
@@ -4710,7 +4924,7 @@
         </p:nvSpPr>
         <p:spPr>
           <a:xfrm>
-            <a:off x="689514" y="4114356"/>
+            <a:off x="773596" y="4545279"/>
             <a:ext cx="1054619" cy="261610"/>
           </a:xfrm>
           <a:prstGeom prst="rect">
@@ -4740,7 +4954,7 @@
         </p:nvSpPr>
         <p:spPr>
           <a:xfrm>
-            <a:off x="4833934" y="4292157"/>
+            <a:off x="4918016" y="4723080"/>
             <a:ext cx="652464" cy="261610"/>
           </a:xfrm>
           <a:prstGeom prst="rect">
@@ -4770,7 +4984,7 @@
         </p:nvSpPr>
         <p:spPr>
           <a:xfrm>
-            <a:off x="3626807" y="3907281"/>
+            <a:off x="3710889" y="4338204"/>
             <a:ext cx="1054619" cy="261610"/>
           </a:xfrm>
           <a:prstGeom prst="rect">
@@ -4851,7 +5065,7 @@
         </p:blipFill>
         <p:spPr>
           <a:xfrm>
-            <a:off x="457199" y="1167471"/>
+            <a:off x="227874" y="1552208"/>
             <a:ext cx="5270790" cy="4296054"/>
           </a:xfrm>
           <a:prstGeom prst="rect">
@@ -4876,7 +5090,11 @@
           <a:p>
             <a:r>
               <a:rPr lang="en-US" dirty="0" smtClean="0"/>
-              <a:t>STEP 3C: USING THE MY Block</a:t>
+              <a:t>STEP 3C: </a:t>
+            </a:r>
+            <a:r>
+              <a:rPr lang="en-US" dirty="0" smtClean="0"/>
+              <a:t>Using the My Block</a:t>
             </a:r>
             <a:endParaRPr lang="en-US" dirty="0"/>
           </a:p>
@@ -4900,7 +5118,7 @@
         </p:spPr>
         <p:txBody>
           <a:bodyPr>
-            <a:normAutofit fontScale="92500" lnSpcReduction="10000"/>
+            <a:normAutofit lnSpcReduction="10000"/>
           </a:bodyPr>
           <a:lstStyle/>
           <a:p>
@@ -5032,8 +5250,8 @@
           <a:lstStyle/>
           <a:p>
             <a:r>
-              <a:rPr lang="en-US" smtClean="0"/>
-              <a:t>CREDITS</a:t>
+              <a:rPr lang="en-US" dirty="0" smtClean="0"/>
+              <a:t>Credits</a:t>
             </a:r>
             <a:endParaRPr lang="en-US" dirty="0"/>
           </a:p>
@@ -5055,23 +5273,39 @@
           <a:lstStyle/>
           <a:p>
             <a:r>
-              <a:rPr lang="en-US" smtClean="0"/>
-              <a:t>This tutorial was created by Sanjay Seshan and Arvind Seshan from Droids Robotics.</a:t>
-            </a:r>
-          </a:p>
-          <a:p>
-            <a:r>
-              <a:rPr lang="en-US" smtClean="0"/>
+              <a:rPr lang="en-US" dirty="0" smtClean="0"/>
+              <a:t>This tutorial was created by Sanjay </a:t>
+            </a:r>
+            <a:r>
+              <a:rPr lang="en-US" dirty="0" err="1" smtClean="0"/>
+              <a:t>Seshan</a:t>
+            </a:r>
+            <a:r>
+              <a:rPr lang="en-US" dirty="0" smtClean="0"/>
+              <a:t> and Arvind </a:t>
+            </a:r>
+            <a:r>
+              <a:rPr lang="en-US" dirty="0" err="1" smtClean="0"/>
+              <a:t>Seshan</a:t>
+            </a:r>
+            <a:r>
+              <a:rPr lang="en-US" dirty="0" smtClean="0"/>
+              <a:t> from Droids Robotics.</a:t>
+            </a:r>
+          </a:p>
+          <a:p>
+            <a:r>
+              <a:rPr lang="en-US" dirty="0" smtClean="0"/>
               <a:t>More lessons are available at www.ev3lessons.com</a:t>
             </a:r>
           </a:p>
           <a:p>
             <a:r>
-              <a:rPr lang="en-US" smtClean="0"/>
+              <a:rPr lang="en-US" dirty="0" smtClean="0"/>
               <a:t>Author’s Email: </a:t>
             </a:r>
             <a:r>
-              <a:rPr lang="en-US" smtClean="0">
+              <a:rPr lang="en-US" dirty="0" smtClean="0">
                 <a:hlinkClick r:id="rId3"/>
               </a:rPr>
               <a:t>team@droidsrobotics.org</a:t>
@@ -5135,7 +5369,7 @@
           <a:effectLst/>
           <a:extLst>
             <a:ext uri="{91240B29-F687-4f45-9708-019B960494DF}">
-              <a14:hiddenLine xmlns="" xmlns:a14="http://schemas.microsoft.com/office/drawing/2010/main" w="9525">
+              <a14:hiddenLine xmlns:a14="http://schemas.microsoft.com/office/drawing/2010/main" xmlns="" w="9525">
                 <a:solidFill>
                   <a:schemeClr val="tx1"/>
                 </a:solidFill>
@@ -5145,7 +5379,7 @@
               </a14:hiddenLine>
             </a:ext>
             <a:ext uri="{AF507438-7753-43e0-B8FC-AC1667EBCBE1}">
-              <a14:hiddenEffects xmlns="" xmlns:a14="http://schemas.microsoft.com/office/drawing/2010/main">
+              <a14:hiddenEffects xmlns:a14="http://schemas.microsoft.com/office/drawing/2010/main" xmlns="">
                 <a:effectLst>
                   <a:outerShdw dist="35921" dir="2700000" algn="ctr" rotWithShape="0">
                     <a:schemeClr val="bg2"/>
@@ -5498,7 +5732,7 @@
           <a:noFill/>
           <a:extLst>
             <a:ext uri="{909E8E84-426E-40dd-AFC4-6F175D3DCCD1}">
-              <a14:hiddenFill xmlns="" xmlns:a14="http://schemas.microsoft.com/office/drawing/2010/main">
+              <a14:hiddenFill xmlns:a14="http://schemas.microsoft.com/office/drawing/2010/main" xmlns="">
                 <a:solidFill>
                   <a:srgbClr val="FFFFFF"/>
                 </a:solidFill>
@@ -5560,7 +5794,7 @@
           <a:lstStyle/>
           <a:p>
             <a:r>
-              <a:rPr lang="en-US" dirty="0" smtClean="0"/>
+              <a:rPr lang="en-US" smtClean="0"/>
               <a:t>Lesson Objectives</a:t>
             </a:r>
             <a:endParaRPr lang="en-US" dirty="0"/>
@@ -5579,13 +5813,12 @@
         </p:nvSpPr>
         <p:spPr/>
         <p:txBody>
-          <a:bodyPr>
-            <a:normAutofit/>
-          </a:bodyPr>
+          <a:bodyPr/>
           <a:lstStyle/>
           <a:p>
             <a:pPr marL="457200" indent="-457200">
-              <a:buAutoNum type="arabicParenR"/>
+              <a:buFont typeface="+mj-lt"/>
+              <a:buAutoNum type="arabicPeriod"/>
             </a:pPr>
             <a:r>
               <a:rPr lang="en-US" dirty="0" smtClean="0"/>
@@ -5594,7 +5827,8 @@
           </a:p>
           <a:p>
             <a:pPr marL="457200" indent="-457200">
-              <a:buAutoNum type="arabicParenR"/>
+              <a:buFont typeface="+mj-lt"/>
+              <a:buAutoNum type="arabicPeriod"/>
             </a:pPr>
             <a:r>
               <a:rPr lang="en-US" dirty="0" smtClean="0"/>
@@ -5603,7 +5837,8 @@
           </a:p>
           <a:p>
             <a:pPr marL="457200" indent="-457200">
-              <a:buAutoNum type="arabicParenR"/>
+              <a:buFont typeface="+mj-lt"/>
+              <a:buAutoNum type="arabicPeriod"/>
             </a:pPr>
             <a:r>
               <a:rPr lang="en-US" dirty="0" smtClean="0"/>
@@ -5611,15 +5846,9 @@
             </a:r>
           </a:p>
           <a:p>
-            <a:pPr marL="457200" indent="-457200">
-              <a:buAutoNum type="arabicParenR"/>
-            </a:pPr>
-            <a:endParaRPr lang="en-US" dirty="0"/>
-          </a:p>
-          <a:p>
-            <a:pPr marL="457200" indent="-457200">
-              <a:buAutoNum type="arabicParenR"/>
-            </a:pPr>
+            <a:endParaRPr lang="en-US" dirty="0" smtClean="0"/>
+          </a:p>
+          <a:p>
             <a:endParaRPr lang="en-US" dirty="0" smtClean="0"/>
           </a:p>
           <a:p>
@@ -5629,13 +5858,14 @@
             </a:r>
           </a:p>
           <a:p>
-            <a:endParaRPr lang="en-US" dirty="0"/>
-          </a:p>
-          <a:p>
-            <a:r>
-              <a:rPr lang="en-US" sz="1600" b="0" i="1" dirty="0" smtClean="0"/>
+            <a:endParaRPr lang="en-US" dirty="0" smtClean="0"/>
+          </a:p>
+          <a:p>
+            <a:r>
+              <a:rPr lang="en-US" dirty="0" smtClean="0"/>
               <a:t>The code uses Blue Comment Blocks.  Make sure you are running the most recent version of the EV3 Software. EV3Lessons has Quick Guides to help you.</a:t>
             </a:r>
+            <a:endParaRPr lang="en-US" dirty="0" smtClean="0"/>
           </a:p>
         </p:txBody>
       </p:sp>
@@ -5701,6 +5931,44 @@
       </p:grpSpPr>
       <p:sp>
         <p:nvSpPr>
+          <p:cNvPr id="8" name="Title 7"/>
+          <p:cNvSpPr>
+            <a:spLocks noGrp="1"/>
+          </p:cNvSpPr>
+          <p:nvPr>
+            <p:ph type="title"/>
+          </p:nvPr>
+        </p:nvSpPr>
+        <p:spPr/>
+        <p:txBody>
+          <a:bodyPr>
+            <a:normAutofit/>
+          </a:bodyPr>
+          <a:lstStyle/>
+          <a:p>
+            <a:pPr marL="233363" indent="-233363"/>
+            <a:r>
+              <a:rPr lang="en-US" dirty="0" smtClean="0"/>
+              <a:t>My </a:t>
+            </a:r>
+            <a:r>
+              <a:rPr lang="en-US" dirty="0" smtClean="0"/>
+              <a:t>Block Line Follower with </a:t>
+            </a:r>
+            <a:r>
+              <a:rPr lang="en-US" dirty="0"/>
+              <a:t>I</a:t>
+            </a:r>
+            <a:r>
+              <a:rPr lang="en-US" dirty="0" smtClean="0"/>
+              <a:t>nputs</a:t>
+            </a:r>
+            <a:endParaRPr lang="en-US" dirty="0"/>
+          </a:p>
+        </p:txBody>
+      </p:sp>
+      <p:sp>
+        <p:nvSpPr>
           <p:cNvPr id="3" name="Content Placeholder 2"/>
           <p:cNvSpPr>
             <a:spLocks noGrp="1"/>
@@ -5761,30 +6029,6 @@
           </a:p>
           <a:p>
             <a:endParaRPr lang="en-US" b="0" dirty="0" smtClean="0"/>
-          </a:p>
-        </p:txBody>
-      </p:sp>
-      <p:sp>
-        <p:nvSpPr>
-          <p:cNvPr id="8" name="Title 7"/>
-          <p:cNvSpPr>
-            <a:spLocks noGrp="1"/>
-          </p:cNvSpPr>
-          <p:nvPr>
-            <p:ph type="title"/>
-          </p:nvPr>
-        </p:nvSpPr>
-        <p:spPr/>
-        <p:txBody>
-          <a:bodyPr/>
-          <a:lstStyle/>
-          <a:p>
-            <a:pPr marL="233363" indent="-233363"/>
-            <a:r>
-              <a:rPr lang="en-US" dirty="0" smtClean="0"/>
-              <a:t>Why a My Block Line Follower with inputs?</a:t>
-            </a:r>
-            <a:endParaRPr lang="en-US" dirty="0"/>
           </a:p>
         </p:txBody>
       </p:sp>
@@ -5873,7 +6117,7 @@
           <a:p>
             <a:r>
               <a:rPr lang="en-US" dirty="0" smtClean="0"/>
-              <a:t>TIPS TO SUCCEED</a:t>
+              <a:t>Tips to Succeed</a:t>
             </a:r>
             <a:endParaRPr lang="en-US" dirty="0"/>
           </a:p>
@@ -5889,93 +6133,64 @@
             <p:ph idx="1"/>
           </p:nvPr>
         </p:nvSpPr>
-        <p:spPr>
-          <a:xfrm>
-            <a:off x="457199" y="1237272"/>
-            <a:ext cx="8245474" cy="4744211"/>
-          </a:xfrm>
-        </p:spPr>
-        <p:txBody>
-          <a:bodyPr>
-            <a:noAutofit/>
-          </a:bodyPr>
-          <a:lstStyle/>
-          <a:p>
-            <a:pPr marL="457200" indent="-457200">
-              <a:buAutoNum type="arabicParenR"/>
+        <p:spPr/>
+        <p:txBody>
+          <a:bodyPr/>
+          <a:lstStyle/>
+          <a:p>
+            <a:pPr marL="0" indent="0">
+              <a:buNone/>
             </a:pPr>
             <a:r>
-              <a:rPr lang="en-US" b="0" dirty="0" smtClean="0"/>
+              <a:rPr lang="en-US" dirty="0" smtClean="0"/>
               <a:t>You will need to know how to make a Simple Color Line Follower program and how to make a My Block with inputs</a:t>
             </a:r>
           </a:p>
           <a:p>
-            <a:pPr marL="457200" indent="-457200">
-              <a:buAutoNum type="arabicParenR"/>
+            <a:pPr marL="0" indent="0">
+              <a:buNone/>
             </a:pPr>
             <a:r>
-              <a:rPr lang="en-US" b="0" dirty="0" smtClean="0"/>
-              <a:t>Since you will </a:t>
-            </a:r>
-            <a:r>
-              <a:rPr lang="en-US" b="0" dirty="0"/>
-              <a:t>use your EV3 Color Sensor in Color Mode, </a:t>
-            </a:r>
-            <a:r>
-              <a:rPr lang="en-US" b="0" dirty="0" smtClean="0"/>
-              <a:t>you </a:t>
-            </a:r>
-            <a:r>
-              <a:rPr lang="en-US" b="0" dirty="0"/>
-              <a:t>will not have to Calibrate your color sensor for this </a:t>
-            </a:r>
-            <a:r>
-              <a:rPr lang="en-US" b="0" dirty="0" smtClean="0"/>
-              <a:t>lesson</a:t>
-            </a:r>
-          </a:p>
-          <a:p>
-            <a:pPr marL="457200" indent="-457200">
-              <a:buAutoNum type="arabicParenR"/>
+              <a:rPr lang="en-US" dirty="0" smtClean="0"/>
+              <a:t>Since you will use your EV3 Color Sensor in Color Mode, you will not have to Calibrate your color sensor for this lesson</a:t>
+            </a:r>
+          </a:p>
+          <a:p>
+            <a:pPr marL="0" indent="0">
+              <a:buNone/>
             </a:pPr>
             <a:r>
-              <a:rPr lang="en-US" b="0" dirty="0" smtClean="0"/>
+              <a:rPr lang="en-US" dirty="0" smtClean="0"/>
               <a:t>Check which ports you have your color sensor connected to and adjust the code as needed</a:t>
             </a:r>
-            <a:endParaRPr lang="en-US" b="0" dirty="0"/>
-          </a:p>
-          <a:p>
-            <a:pPr marL="457200" indent="-457200">
-              <a:buAutoNum type="arabicParenR"/>
+          </a:p>
+          <a:p>
+            <a:pPr marL="0" indent="0">
+              <a:buNone/>
             </a:pPr>
             <a:r>
-              <a:rPr lang="en-US" b="0" dirty="0" smtClean="0"/>
+              <a:rPr lang="en-US" dirty="0" smtClean="0"/>
               <a:t>You may have to adjust the speed or direction to work for your robot.  Make sure that the the color sensor is in front of the wheels in the direction of travel.</a:t>
             </a:r>
-            <a:endParaRPr lang="en-US" b="0" dirty="0"/>
-          </a:p>
-          <a:p>
-            <a:pPr marL="457200" indent="-457200">
-              <a:buAutoNum type="arabicParenR"/>
+          </a:p>
+          <a:p>
+            <a:pPr marL="0" indent="0">
+              <a:buNone/>
             </a:pPr>
             <a:r>
-              <a:rPr lang="en-US" b="0" dirty="0" smtClean="0"/>
+              <a:rPr lang="en-US" dirty="0" smtClean="0"/>
               <a:t>Make sure you place the robot on the side of the line that you are following.  The most common mistake is placing the robot on the wrong side of the line to begin with.</a:t>
             </a:r>
           </a:p>
           <a:p>
-            <a:pPr marL="457200" indent="-457200">
-              <a:buAutoNum type="arabicParenR"/>
+            <a:pPr marL="0" indent="0">
+              <a:buNone/>
             </a:pPr>
             <a:r>
-              <a:rPr lang="en-US" b="0" dirty="0"/>
-              <a:t>Follow along in the companion EV3 File</a:t>
-            </a:r>
-            <a:r>
-              <a:rPr lang="en-US" b="0" dirty="0" smtClean="0"/>
-              <a:t>.</a:t>
-            </a:r>
-            <a:endParaRPr lang="en-US" b="0" dirty="0"/>
+              <a:rPr lang="en-US" dirty="0" smtClean="0"/>
+              <a:t>Follow along in the companion EV3 File.</a:t>
+            </a:r>
+            <a:endParaRPr lang="en-US" dirty="0"/>
           </a:p>
         </p:txBody>
       </p:sp>
@@ -6072,18 +6287,13 @@
             <p:ph idx="1"/>
           </p:nvPr>
         </p:nvSpPr>
-        <p:spPr>
-          <a:xfrm>
-            <a:off x="457200" y="1152992"/>
-            <a:ext cx="8245474" cy="4373563"/>
-          </a:xfrm>
-        </p:spPr>
+        <p:spPr/>
         <p:txBody>
           <a:bodyPr/>
           <a:lstStyle/>
           <a:p>
             <a:r>
-              <a:rPr lang="en-US" dirty="0" smtClean="0"/>
+              <a:rPr lang="en-US" smtClean="0"/>
               <a:t>In this lesson, you will use the Sensor Block from the yellow tab for the first time.</a:t>
             </a:r>
             <a:endParaRPr lang="en-US" dirty="0"/>
@@ -6135,7 +6345,7 @@
         </p:blipFill>
         <p:spPr>
           <a:xfrm>
-            <a:off x="578774" y="1754536"/>
+            <a:off x="579964" y="1870691"/>
             <a:ext cx="7986452" cy="1097375"/>
           </a:xfrm>
           <a:prstGeom prst="rect">
@@ -6349,46 +6559,42 @@
         </p:nvSpPr>
         <p:spPr/>
         <p:txBody>
+          <a:bodyPr>
+            <a:normAutofit/>
+          </a:bodyPr>
+          <a:lstStyle/>
+          <a:p>
+            <a:r>
+              <a:rPr lang="en-US" dirty="0" smtClean="0"/>
+              <a:t>Color Follower for Distance</a:t>
+            </a:r>
+            <a:endParaRPr lang="en-US" dirty="0"/>
+          </a:p>
+        </p:txBody>
+      </p:sp>
+      <p:sp>
+        <p:nvSpPr>
+          <p:cNvPr id="3" name="Content Placeholder 2"/>
+          <p:cNvSpPr>
+            <a:spLocks noGrp="1"/>
+          </p:cNvSpPr>
+          <p:nvPr>
+            <p:ph idx="1"/>
+          </p:nvPr>
+        </p:nvSpPr>
+        <p:spPr>
+          <a:xfrm>
+            <a:off x="227875" y="1505616"/>
+            <a:ext cx="4599422" cy="4654528"/>
+          </a:xfrm>
+        </p:spPr>
+        <p:txBody>
           <a:bodyPr/>
           <a:lstStyle/>
           <a:p>
             <a:r>
               <a:rPr lang="en-US" dirty="0" smtClean="0"/>
-              <a:t>Color Follower for distance in 3 easy steps</a:t>
-            </a:r>
-            <a:endParaRPr lang="en-US" dirty="0"/>
-          </a:p>
-        </p:txBody>
-      </p:sp>
-      <p:sp>
-        <p:nvSpPr>
-          <p:cNvPr id="3" name="Content Placeholder 2"/>
-          <p:cNvSpPr>
-            <a:spLocks noGrp="1"/>
-          </p:cNvSpPr>
-          <p:nvPr>
-            <p:ph idx="1"/>
-          </p:nvPr>
-        </p:nvSpPr>
-        <p:spPr>
-          <a:xfrm>
-            <a:off x="389951" y="1486248"/>
-            <a:ext cx="4402802" cy="4736752"/>
-          </a:xfrm>
-        </p:spPr>
-        <p:txBody>
-          <a:bodyPr>
-            <a:normAutofit fontScale="92500"/>
-          </a:bodyPr>
-          <a:lstStyle/>
-          <a:p>
-            <a:r>
-              <a:rPr lang="en-US" dirty="0" smtClean="0"/>
-              <a:t>STEP 1: </a:t>
-            </a:r>
-            <a:r>
-              <a:rPr lang="en-US" b="0" dirty="0" smtClean="0"/>
-              <a:t>Create a simple color line follower program</a:t>
+              <a:t>STEP 1: Create a simple color line follower program</a:t>
             </a:r>
           </a:p>
           <a:p>
@@ -6398,33 +6604,15 @@
             </a:r>
           </a:p>
           <a:p>
-            <a:pPr>
-              <a:tabLst>
-                <a:tab pos="515938" algn="l"/>
-              </a:tabLst>
-            </a:pPr>
-            <a:r>
-              <a:rPr lang="en-US" b="0" dirty="0"/>
-              <a:t>	</a:t>
-            </a:r>
-            <a:r>
-              <a:rPr lang="en-US" b="0" dirty="0" smtClean="0"/>
-              <a:t>A. Include a “reset the rotation” sensor block to delete any prior readings</a:t>
-            </a:r>
-          </a:p>
-          <a:p>
-            <a:pPr>
-              <a:tabLst>
-                <a:tab pos="515938" algn="l"/>
-              </a:tabLst>
-            </a:pPr>
-            <a:r>
-              <a:rPr lang="en-US" b="0" dirty="0"/>
-              <a:t>	</a:t>
-            </a:r>
-            <a:r>
-              <a:rPr lang="en-US" b="0" dirty="0" smtClean="0"/>
-              <a:t>B. Exit the line follower loop when the robot has moved certain degrees</a:t>
+            <a:r>
+              <a:rPr lang="en-US" dirty="0" smtClean="0"/>
+              <a:t>	A. Include a “reset the rotation” sensor block to delete any prior readings</a:t>
+            </a:r>
+          </a:p>
+          <a:p>
+            <a:r>
+              <a:rPr lang="en-US" dirty="0" smtClean="0"/>
+              <a:t>	B. Exit the line follower loop when the robot has moved certain degrees</a:t>
             </a:r>
           </a:p>
           <a:p>
@@ -6434,46 +6622,21 @@
             </a:r>
           </a:p>
           <a:p>
-            <a:pPr>
-              <a:tabLst>
-                <a:tab pos="515938" algn="l"/>
-              </a:tabLst>
-            </a:pPr>
-            <a:r>
-              <a:rPr lang="en-US" b="0" dirty="0"/>
-              <a:t>	</a:t>
-            </a:r>
-            <a:r>
-              <a:rPr lang="en-US" b="0" dirty="0" smtClean="0"/>
-              <a:t>A. Create a My Block with the code in Step 2 with inputs for degrees, power and color. </a:t>
-            </a:r>
-          </a:p>
-          <a:p>
-            <a:pPr>
-              <a:tabLst>
-                <a:tab pos="515938" algn="l"/>
-              </a:tabLst>
-            </a:pPr>
-            <a:r>
-              <a:rPr lang="en-US" b="0" dirty="0"/>
-              <a:t>	</a:t>
-            </a:r>
-            <a:r>
-              <a:rPr lang="en-US" b="0" dirty="0" smtClean="0"/>
-              <a:t>B. Wire the inputs in the My Block</a:t>
-            </a:r>
+            <a:r>
+              <a:rPr lang="en-US" dirty="0" smtClean="0"/>
+              <a:t>	A. Create a My Block with the code in Step 2 with inputs for degrees, power and color. </a:t>
+            </a:r>
+          </a:p>
+          <a:p>
+            <a:r>
+              <a:rPr lang="en-US" dirty="0" smtClean="0"/>
+              <a:t>	B. Wire the inputs in the My Block</a:t>
+            </a:r>
+          </a:p>
+          <a:p>
             <a:endParaRPr lang="en-US" dirty="0" smtClean="0"/>
           </a:p>
           <a:p>
-            <a:pPr marL="457200" indent="-457200">
-              <a:buAutoNum type="arabicParenR"/>
-            </a:pPr>
-            <a:endParaRPr lang="en-US" dirty="0" smtClean="0"/>
-          </a:p>
-          <a:p>
-            <a:pPr marL="457200" indent="-457200">
-              <a:buAutoNum type="arabicParenR"/>
-            </a:pPr>
             <a:endParaRPr lang="en-US" dirty="0"/>
           </a:p>
         </p:txBody>
@@ -6973,8 +7136,8 @@
         </p:blipFill>
         <p:spPr>
           <a:xfrm>
-            <a:off x="53381" y="1298181"/>
-            <a:ext cx="8649293" cy="4968557"/>
+            <a:off x="322355" y="1471448"/>
+            <a:ext cx="8323233" cy="4781253"/>
           </a:xfrm>
           <a:prstGeom prst="rect">
             <a:avLst/>
@@ -7020,7 +7183,30 @@
       </p:grpSpPr>
       <p:sp>
         <p:nvSpPr>
-          <p:cNvPr id="2" name="Footer Placeholder 1"/>
+          <p:cNvPr id="2" name="Title 1"/>
+          <p:cNvSpPr>
+            <a:spLocks noGrp="1"/>
+          </p:cNvSpPr>
+          <p:nvPr>
+            <p:ph type="title"/>
+          </p:nvPr>
+        </p:nvSpPr>
+        <p:spPr/>
+        <p:txBody>
+          <a:bodyPr/>
+          <a:lstStyle/>
+          <a:p>
+            <a:r>
+              <a:rPr lang="en-US" dirty="0" smtClean="0"/>
+              <a:t>Step 2: Add Reset &amp; Loop Exit</a:t>
+            </a:r>
+            <a:endParaRPr lang="en-US" dirty="0"/>
+          </a:p>
+        </p:txBody>
+      </p:sp>
+      <p:sp>
+        <p:nvSpPr>
+          <p:cNvPr id="4" name="Footer Placeholder 3"/>
           <p:cNvSpPr>
             <a:spLocks noGrp="1"/>
           </p:cNvSpPr>
@@ -7034,8 +7220,8 @@
           <a:lstStyle/>
           <a:p>
             <a:r>
-              <a:rPr lang="en-US" smtClean="0"/>
-              <a:t>© 2015, EV3Lessons.com,  Last edit 11/5/2015</a:t>
+              <a:rPr lang="sk-SK" smtClean="0"/>
+              <a:t>© 2015 EV3Lessons.com, Last edit 11/13/2015</a:t>
             </a:r>
             <a:endParaRPr lang="en-US"/>
           </a:p>
@@ -7043,51 +7229,30 @@
       </p:sp>
       <p:sp>
         <p:nvSpPr>
-          <p:cNvPr id="6" name="Title 7"/>
-          <p:cNvSpPr txBox="1">
-            <a:spLocks/>
-          </p:cNvSpPr>
-          <p:nvPr/>
-        </p:nvSpPr>
-        <p:spPr>
-          <a:xfrm>
-            <a:off x="457199" y="152718"/>
-            <a:ext cx="8245475" cy="1371600"/>
-          </a:xfrm>
-          <a:prstGeom prst="rect">
-            <a:avLst/>
-          </a:prstGeom>
-        </p:spPr>
+          <p:cNvPr id="5" name="Slide Number Placeholder 4"/>
+          <p:cNvSpPr>
+            <a:spLocks noGrp="1"/>
+          </p:cNvSpPr>
+          <p:nvPr>
+            <p:ph type="sldNum" sz="quarter" idx="12"/>
+          </p:nvPr>
+        </p:nvSpPr>
+        <p:spPr/>
         <p:txBody>
           <a:bodyPr/>
-          <a:lstStyle>
-            <a:lvl1pPr algn="l" defTabSz="914400" rtl="0" eaLnBrk="1" latinLnBrk="0" hangingPunct="1">
-              <a:spcBef>
-                <a:spcPct val="0"/>
-              </a:spcBef>
-              <a:buNone/>
-              <a:defRPr sz="3600" kern="1200" cap="all" spc="-60" baseline="0">
-                <a:solidFill>
-                  <a:schemeClr val="tx2"/>
-                </a:solidFill>
-                <a:latin typeface="+mj-lt"/>
-                <a:ea typeface="+mj-ea"/>
-                <a:cs typeface="+mj-cs"/>
-              </a:defRPr>
-            </a:lvl1pPr>
-          </a:lstStyle>
-          <a:p>
-            <a:r>
-              <a:rPr lang="en-US" dirty="0" smtClean="0"/>
-              <a:t>Step 2: ADD A RESET &amp; LOOP EXIT condition</a:t>
-            </a:r>
-            <a:endParaRPr lang="en-US" dirty="0"/>
+          <a:lstStyle/>
+          <a:p>
+            <a:fld id="{4382A7F7-08BF-4252-8141-63FB96055BBB}" type="slidenum">
+              <a:rPr lang="en-US" smtClean="0"/>
+              <a:t>8</a:t>
+            </a:fld>
+            <a:endParaRPr lang="en-US"/>
           </a:p>
         </p:txBody>
       </p:sp>
       <p:pic>
         <p:nvPicPr>
-          <p:cNvPr id="5" name="Picture 4" descr="Screen Shot 2014-10-12 at 7.13.06 PM.png"/>
+          <p:cNvPr id="6" name="Picture 5" descr="Screen Shot 2014-10-12 at 7.13.06 PM.png"/>
           <p:cNvPicPr>
             <a:picLocks noChangeAspect="1"/>
           </p:cNvPicPr>
@@ -7117,7 +7282,7 @@
       </p:pic>
       <p:sp>
         <p:nvSpPr>
-          <p:cNvPr id="3" name="Rounded Rectangle 2"/>
+          <p:cNvPr id="7" name="Rounded Rectangle 6"/>
           <p:cNvSpPr/>
           <p:nvPr/>
         </p:nvSpPr>
@@ -7161,69 +7326,16 @@
           </a:p>
         </p:txBody>
       </p:sp>
-      <p:sp>
-        <p:nvSpPr>
-          <p:cNvPr id="10" name="Rounded Rectangle 9"/>
-          <p:cNvSpPr/>
-          <p:nvPr/>
-        </p:nvSpPr>
-        <p:spPr>
-          <a:xfrm>
-            <a:off x="7847079" y="3989467"/>
-            <a:ext cx="1025987" cy="965201"/>
-          </a:xfrm>
-          <a:prstGeom prst="roundRect">
-            <a:avLst/>
-          </a:prstGeom>
-          <a:noFill/>
-          <a:ln>
-            <a:solidFill>
-              <a:srgbClr val="FF0000"/>
-            </a:solidFill>
-          </a:ln>
-        </p:spPr>
-        <p:style>
-          <a:lnRef idx="2">
-            <a:schemeClr val="accent1">
-              <a:shade val="50000"/>
-            </a:schemeClr>
-          </a:lnRef>
-          <a:fillRef idx="1">
-            <a:schemeClr val="accent1"/>
-          </a:fillRef>
-          <a:effectRef idx="0">
-            <a:schemeClr val="accent1"/>
-          </a:effectRef>
-          <a:fontRef idx="minor">
-            <a:schemeClr val="lt1"/>
-          </a:fontRef>
-        </p:style>
-        <p:txBody>
-          <a:bodyPr rtlCol="0" anchor="ctr"/>
-          <a:lstStyle/>
-          <a:p>
-            <a:pPr algn="ctr"/>
-            <a:endParaRPr lang="en-US"/>
-          </a:p>
-        </p:txBody>
-      </p:sp>
     </p:spTree>
     <p:extLst>
       <p:ext uri="{BB962C8B-B14F-4D97-AF65-F5344CB8AC3E}">
-        <p14:creationId xmlns:p14="http://schemas.microsoft.com/office/powerpoint/2010/main" val="4078827946"/>
+        <p14:creationId xmlns:p14="http://schemas.microsoft.com/office/powerpoint/2010/main" val="438581544"/>
       </p:ext>
     </p:extLst>
   </p:cSld>
   <p:clrMapOvr>
     <a:masterClrMapping/>
   </p:clrMapOvr>
-  <p:timing>
-    <p:tnLst>
-      <p:par>
-        <p:cTn id="1" dur="indefinite" restart="never" nodeType="tmRoot"/>
-      </p:par>
-    </p:tnLst>
-  </p:timing>
 </p:sld>
 </file>
 
@@ -7266,7 +7378,7 @@
         </p:blipFill>
         <p:spPr>
           <a:xfrm>
-            <a:off x="3764740" y="1157763"/>
+            <a:off x="3764740" y="1441542"/>
             <a:ext cx="5017225" cy="1805845"/>
           </a:xfrm>
           <a:prstGeom prst="rect">
@@ -7330,7 +7442,7 @@
         </p:nvSpPr>
         <p:spPr>
           <a:xfrm>
-            <a:off x="4130613" y="1161779"/>
+            <a:off x="4130613" y="1445558"/>
             <a:ext cx="4651351" cy="1882108"/>
           </a:xfrm>
           <a:prstGeom prst="rect">
@@ -7378,7 +7490,7 @@
         </p:nvSpPr>
         <p:spPr>
           <a:xfrm>
-            <a:off x="254833" y="1149617"/>
+            <a:off x="254833" y="1391353"/>
             <a:ext cx="3589198" cy="5262979"/>
           </a:xfrm>
           <a:prstGeom prst="rect">
@@ -7526,8 +7638,8 @@
         </p:blipFill>
         <p:spPr>
           <a:xfrm>
-            <a:off x="4533847" y="3288295"/>
-            <a:ext cx="3871921" cy="3529506"/>
+            <a:off x="4687411" y="3497874"/>
+            <a:ext cx="3034982" cy="2766582"/>
           </a:xfrm>
           <a:prstGeom prst="rect">
             <a:avLst/>
@@ -7542,7 +7654,7 @@
         </p:nvSpPr>
         <p:spPr>
           <a:xfrm>
-            <a:off x="4804663" y="1283249"/>
+            <a:off x="4804663" y="1567028"/>
             <a:ext cx="426128" cy="523220"/>
           </a:xfrm>
           <a:prstGeom prst="rect">
@@ -7588,58 +7700,58 @@
 </file>
 
 <file path=ppt/theme/theme1.xml><?xml version="1.0" encoding="utf-8"?>
-<a:theme xmlns:a="http://schemas.openxmlformats.org/drawingml/2006/main" name="Essential">
+<a:theme xmlns:a="http://schemas.openxmlformats.org/drawingml/2006/main" name="Retrospect">
   <a:themeElements>
-    <a:clrScheme name="Essential">
+    <a:clrScheme name="Blue II">
       <a:dk1>
-        <a:srgbClr val="000000"/>
+        <a:sysClr val="windowText" lastClr="000000"/>
       </a:dk1>
       <a:lt1>
-        <a:srgbClr val="FFFFFF"/>
+        <a:sysClr val="window" lastClr="FFFFFF"/>
       </a:lt1>
       <a:dk2>
-        <a:srgbClr val="D1282E"/>
+        <a:srgbClr val="335B74"/>
       </a:dk2>
       <a:lt2>
-        <a:srgbClr val="C8C8B1"/>
+        <a:srgbClr val="DFE3E5"/>
       </a:lt2>
       <a:accent1>
-        <a:srgbClr val="7A7A7A"/>
+        <a:srgbClr val="1CADE4"/>
       </a:accent1>
       <a:accent2>
-        <a:srgbClr val="F5C201"/>
+        <a:srgbClr val="2683C6"/>
       </a:accent2>
       <a:accent3>
-        <a:srgbClr val="526DB0"/>
+        <a:srgbClr val="27CED7"/>
       </a:accent3>
       <a:accent4>
-        <a:srgbClr val="989AAC"/>
+        <a:srgbClr val="42BA97"/>
       </a:accent4>
       <a:accent5>
-        <a:srgbClr val="DC5924"/>
+        <a:srgbClr val="3E8853"/>
       </a:accent5>
       <a:accent6>
-        <a:srgbClr val="B4B392"/>
+        <a:srgbClr val="62A39F"/>
       </a:accent6>
       <a:hlink>
-        <a:srgbClr val="CC9900"/>
+        <a:srgbClr val="6EAC1C"/>
       </a:hlink>
       <a:folHlink>
-        <a:srgbClr val="969696"/>
+        <a:srgbClr val="B26B02"/>
       </a:folHlink>
     </a:clrScheme>
-    <a:fontScheme name="Essential">
+    <a:fontScheme name="Retrospect">
       <a:majorFont>
-        <a:latin typeface="Arial Black"/>
+        <a:latin typeface="Calibri Light" panose="020F0302020204030204"/>
         <a:ea typeface=""/>
         <a:cs typeface=""/>
         <a:font script="Jpan" typeface="ＭＳ Ｐゴシック"/>
-        <a:font script="Hang" typeface="HY견고딕"/>
-        <a:font script="Hans" typeface="微软雅黑"/>
-        <a:font script="Hant" typeface="微軟正黑體"/>
-        <a:font script="Arab" typeface="Tahoma"/>
-        <a:font script="Hebr" typeface="Tahoma"/>
-        <a:font script="Thai" typeface="Tahoma"/>
+        <a:font script="Hang" typeface="맑은 고딕"/>
+        <a:font script="Hans" typeface="宋体"/>
+        <a:font script="Hant" typeface="新細明體"/>
+        <a:font script="Arab" typeface="Times New Roman"/>
+        <a:font script="Hebr" typeface="Times New Roman"/>
+        <a:font script="Thai" typeface="Angsana New"/>
         <a:font script="Ethi" typeface="Nyala"/>
         <a:font script="Beng" typeface="Vrinda"/>
         <a:font script="Gujr" typeface="Shruti"/>
@@ -7665,13 +7777,13 @@
         <a:font script="Geor" typeface="Sylfaen"/>
       </a:majorFont>
       <a:minorFont>
-        <a:latin typeface="Arial"/>
+        <a:latin typeface="Calibri" panose="020F0502020204030204"/>
         <a:ea typeface=""/>
         <a:cs typeface=""/>
         <a:font script="Jpan" typeface="ＭＳ Ｐゴシック"/>
-        <a:font script="Hang" typeface="돋움"/>
-        <a:font script="Hans" typeface="黑体"/>
-        <a:font script="Hant" typeface="微軟正黑體"/>
+        <a:font script="Hang" typeface="맑은 고딕"/>
+        <a:font script="Hans" typeface="宋体"/>
+        <a:font script="Hant" typeface="新細明體"/>
         <a:font script="Arab" typeface="Arial"/>
         <a:font script="Hebr" typeface="Arial"/>
         <a:font script="Thai" typeface="Cordia New"/>
@@ -7700,7 +7812,7 @@
         <a:font script="Geor" typeface="Sylfaen"/>
       </a:minorFont>
     </a:fontScheme>
-    <a:fmtScheme name="Essential">
+    <a:fmtScheme name="Retrospect">
       <a:fillStyleLst>
         <a:solidFill>
           <a:schemeClr val="phClr"/>
@@ -7709,48 +7821,77 @@
           <a:gsLst>
             <a:gs pos="0">
               <a:schemeClr val="phClr">
-                <a:tint val="60000"/>
-                <a:satMod val="250000"/>
+                <a:tint val="65000"/>
+                <a:shade val="92000"/>
+                <a:satMod val="130000"/>
               </a:schemeClr>
             </a:gs>
-            <a:gs pos="35000">
+            <a:gs pos="45000">
               <a:schemeClr val="phClr">
-                <a:tint val="47000"/>
-                <a:satMod val="275000"/>
+                <a:tint val="60000"/>
+                <a:shade val="99000"/>
+                <a:satMod val="120000"/>
               </a:schemeClr>
             </a:gs>
             <a:gs pos="100000">
               <a:schemeClr val="phClr">
-                <a:tint val="25000"/>
-                <a:satMod val="300000"/>
+                <a:tint val="55000"/>
+                <a:satMod val="140000"/>
               </a:schemeClr>
             </a:gs>
           </a:gsLst>
-          <a:lin ang="16200000" scaled="1"/>
+          <a:path path="circle">
+            <a:fillToRect l="100000" t="100000" r="100000" b="100000"/>
+          </a:path>
         </a:gradFill>
-        <a:solidFill>
-          <a:schemeClr val="phClr">
-            <a:satMod val="110000"/>
-          </a:schemeClr>
-        </a:solidFill>
+        <a:gradFill rotWithShape="1">
+          <a:gsLst>
+            <a:gs pos="0">
+              <a:schemeClr val="phClr">
+                <a:shade val="85000"/>
+                <a:satMod val="130000"/>
+              </a:schemeClr>
+            </a:gs>
+            <a:gs pos="34000">
+              <a:schemeClr val="phClr">
+                <a:shade val="87000"/>
+                <a:satMod val="125000"/>
+              </a:schemeClr>
+            </a:gs>
+            <a:gs pos="70000">
+              <a:schemeClr val="phClr">
+                <a:tint val="100000"/>
+                <a:shade val="90000"/>
+                <a:satMod val="130000"/>
+              </a:schemeClr>
+            </a:gs>
+            <a:gs pos="100000">
+              <a:schemeClr val="phClr">
+                <a:tint val="100000"/>
+                <a:shade val="100000"/>
+                <a:satMod val="110000"/>
+              </a:schemeClr>
+            </a:gs>
+          </a:gsLst>
+          <a:path path="circle">
+            <a:fillToRect l="100000" t="100000" r="100000" b="100000"/>
+          </a:path>
+        </a:gradFill>
       </a:fillStyleLst>
       <a:lnStyleLst>
         <a:ln w="12700" cap="flat" cmpd="sng" algn="ctr">
-          <a:solidFill>
-            <a:schemeClr val="phClr">
-              <a:shade val="95000"/>
-              <a:satMod val="105000"/>
-            </a:schemeClr>
-          </a:solidFill>
-          <a:prstDash val="solid"/>
-        </a:ln>
-        <a:ln w="28575" cap="flat" cmpd="sng" algn="ctr">
           <a:solidFill>
             <a:schemeClr val="phClr"/>
           </a:solidFill>
           <a:prstDash val="solid"/>
         </a:ln>
-        <a:ln w="41275" cap="flat" cmpd="sng" algn="ctr">
+        <a:ln w="15875" cap="flat" cmpd="sng" algn="ctr">
+          <a:solidFill>
+            <a:schemeClr val="phClr"/>
+          </a:solidFill>
+          <a:prstDash val="solid"/>
+        </a:ln>
+        <a:ln w="25400" cap="flat" cmpd="sng" algn="ctr">
           <a:solidFill>
             <a:schemeClr val="phClr"/>
           </a:solidFill>
@@ -7763,16 +7904,16 @@
         </a:effectStyle>
         <a:effectStyle>
           <a:effectLst>
-            <a:outerShdw blurRad="39999" dist="23000" algn="bl" rotWithShape="0">
+            <a:outerShdw blurRad="38100" dist="25400" dir="2700000" algn="br" rotWithShape="0">
               <a:srgbClr val="000000">
-                <a:alpha val="40000"/>
+                <a:alpha val="60000"/>
               </a:srgbClr>
             </a:outerShdw>
           </a:effectLst>
         </a:effectStyle>
         <a:effectStyle>
           <a:effectLst>
-            <a:outerShdw blurRad="38100" dist="19050" algn="bl" rotWithShape="0">
+            <a:outerShdw blurRad="44450" dist="25400" dir="2700000" algn="br" rotWithShape="0">
               <a:srgbClr val="000000">
                 <a:alpha val="60000"/>
               </a:srgbClr>
@@ -7782,10 +7923,12 @@
             <a:camera prst="orthographicFront">
               <a:rot lat="0" lon="0" rev="0"/>
             </a:camera>
-            <a:lightRig rig="balanced" dir="l"/>
+            <a:lightRig rig="threePt" dir="t">
+              <a:rot lat="0" lon="0" rev="19800000"/>
+            </a:lightRig>
           </a:scene3d>
-          <a:sp3d prstMaterial="plastic">
-            <a:bevelT w="38100" h="31750"/>
+          <a:sp3d prstMaterial="flat">
+            <a:bevelT w="25400" h="31750"/>
           </a:sp3d>
         </a:effectStyle>
       </a:effectStyleLst>
@@ -7793,50 +7936,49 @@
         <a:solidFill>
           <a:schemeClr val="phClr"/>
         </a:solidFill>
-        <a:blipFill rotWithShape="1">
-          <a:blip xmlns:r="http://schemas.openxmlformats.org/officeDocument/2006/relationships" r:embed="rId1">
-            <a:duotone>
-              <a:schemeClr val="phClr">
-                <a:tint val="96000"/>
-              </a:schemeClr>
-              <a:schemeClr val="phClr">
-                <a:shade val="94000"/>
-              </a:schemeClr>
-            </a:duotone>
-          </a:blip>
-          <a:tile tx="0" ty="0" sx="100000" sy="100000" flip="none" algn="tl"/>
-        </a:blipFill>
+        <a:solidFill>
+          <a:schemeClr val="phClr">
+            <a:tint val="90000"/>
+            <a:shade val="97000"/>
+            <a:satMod val="130000"/>
+          </a:schemeClr>
+        </a:solidFill>
         <a:gradFill rotWithShape="1">
           <a:gsLst>
             <a:gs pos="0">
               <a:schemeClr val="phClr">
-                <a:tint val="84000"/>
-                <a:satMod val="110000"/>
+                <a:tint val="96000"/>
+                <a:shade val="99000"/>
+                <a:satMod val="140000"/>
               </a:schemeClr>
             </a:gs>
-            <a:gs pos="44000">
+            <a:gs pos="65000">
               <a:schemeClr val="phClr">
-                <a:tint val="93000"/>
-                <a:satMod val="115000"/>
+                <a:tint val="100000"/>
+                <a:shade val="80000"/>
+                <a:satMod val="130000"/>
               </a:schemeClr>
             </a:gs>
             <a:gs pos="100000">
               <a:schemeClr val="phClr">
                 <a:tint val="100000"/>
-                <a:shade val="59000"/>
+                <a:shade val="48000"/>
                 <a:satMod val="120000"/>
               </a:schemeClr>
             </a:gs>
           </a:gsLst>
-          <a:path path="circle">
-            <a:fillToRect l="40000" t="60000" r="60000" b="40000"/>
-          </a:path>
+          <a:lin ang="16200000" scaled="0"/>
         </a:gradFill>
       </a:bgFillStyleLst>
     </a:fmtScheme>
   </a:themeElements>
   <a:objectDefaults/>
   <a:extraClrSchemeLst/>
+  <a:extLst>
+    <a:ext uri="{05A4C25C-085E-4340-85A3-A5531E510DB2}">
+      <thm15:themeFamily xmlns:thm15="http://schemas.microsoft.com/office/thememl/2012/main" name="Retrospect" id="{5F128B03-DCCA-4EEB-AB3B-CF2899314A46}" vid="{3F1AAB62-24C6-49D2-8E01-B56FAC9A3DCD}"/>
+    </a:ext>
+  </a:extLst>
 </a:theme>
 </file>
 

--- a/translations/en-us/intermediate/ColorFollowerDistance.pptx
+++ b/translations/en-us/intermediate/ColorFollowerDistance.pptx
@@ -3,26 +3,27 @@
 <p:presentation xmlns:a="http://schemas.openxmlformats.org/drawingml/2006/main" xmlns:r="http://schemas.openxmlformats.org/officeDocument/2006/relationships" xmlns:p="http://schemas.openxmlformats.org/presentationml/2006/main" showSpecialPlsOnTitleSld="0" saveSubsetFonts="1" autoCompressPictures="0">
   <p:sldMasterIdLst>
     <p:sldMasterId id="2147483726" r:id="rId1"/>
+    <p:sldMasterId id="2147483738" r:id="rId2"/>
   </p:sldMasterIdLst>
   <p:notesMasterIdLst>
-    <p:notesMasterId r:id="rId14"/>
+    <p:notesMasterId r:id="rId15"/>
   </p:notesMasterIdLst>
   <p:handoutMasterIdLst>
-    <p:handoutMasterId r:id="rId15"/>
+    <p:handoutMasterId r:id="rId16"/>
   </p:handoutMasterIdLst>
   <p:sldIdLst>
-    <p:sldId id="390" r:id="rId2"/>
-    <p:sldId id="383" r:id="rId3"/>
-    <p:sldId id="356" r:id="rId4"/>
-    <p:sldId id="386" r:id="rId5"/>
-    <p:sldId id="389" r:id="rId6"/>
-    <p:sldId id="385" r:id="rId7"/>
-    <p:sldId id="368" r:id="rId8"/>
-    <p:sldId id="391" r:id="rId9"/>
-    <p:sldId id="387" r:id="rId10"/>
-    <p:sldId id="388" r:id="rId11"/>
-    <p:sldId id="384" r:id="rId12"/>
-    <p:sldId id="382" r:id="rId13"/>
+    <p:sldId id="390" r:id="rId3"/>
+    <p:sldId id="383" r:id="rId4"/>
+    <p:sldId id="356" r:id="rId5"/>
+    <p:sldId id="386" r:id="rId6"/>
+    <p:sldId id="389" r:id="rId7"/>
+    <p:sldId id="385" r:id="rId8"/>
+    <p:sldId id="368" r:id="rId9"/>
+    <p:sldId id="391" r:id="rId10"/>
+    <p:sldId id="387" r:id="rId11"/>
+    <p:sldId id="388" r:id="rId12"/>
+    <p:sldId id="384" r:id="rId13"/>
+    <p:sldId id="382" r:id="rId14"/>
   </p:sldIdLst>
   <p:sldSz cx="9144000" cy="6858000" type="screen4x3"/>
   <p:notesSz cx="6858000" cy="9144000"/>
@@ -222,7 +223,7 @@
           <a:p>
             <a:fld id="{E00FA3B4-5499-9244-86B5-B0871A9DDD84}" type="datetimeFigureOut">
               <a:rPr lang="en-US" smtClean="0"/>
-              <a:t>11/13/15</a:t>
+              <a:t>7/7/2016</a:t>
             </a:fld>
             <a:endParaRPr lang="en-US"/>
           </a:p>
@@ -388,7 +389,7 @@
           <a:p>
             <a:fld id="{FD3EFF1E-85A1-6640-AFB9-C38833E80A84}" type="datetimeFigureOut">
               <a:rPr lang="en-US" smtClean="0"/>
-              <a:t>11/13/15</a:t>
+              <a:t>7/7/2016</a:t>
             </a:fld>
             <a:endParaRPr lang="en-US"/>
           </a:p>
@@ -452,38 +453,37 @@
           <a:p>
             <a:pPr lvl="0"/>
             <a:r>
-              <a:rPr lang="en-US" smtClean="0"/>
+              <a:rPr lang="en-US"/>
               <a:t>Click to edit Master text styles</a:t>
             </a:r>
           </a:p>
           <a:p>
             <a:pPr lvl="1"/>
             <a:r>
-              <a:rPr lang="en-US" smtClean="0"/>
+              <a:rPr lang="en-US"/>
               <a:t>Second level</a:t>
             </a:r>
           </a:p>
           <a:p>
             <a:pPr lvl="2"/>
             <a:r>
-              <a:rPr lang="en-US" smtClean="0"/>
+              <a:rPr lang="en-US"/>
               <a:t>Third level</a:t>
             </a:r>
           </a:p>
           <a:p>
             <a:pPr lvl="3"/>
             <a:r>
-              <a:rPr lang="en-US" smtClean="0"/>
+              <a:rPr lang="en-US"/>
               <a:t>Fourth level</a:t>
             </a:r>
           </a:p>
           <a:p>
             <a:pPr lvl="4"/>
             <a:r>
-              <a:rPr lang="en-US" smtClean="0"/>
+              <a:rPr lang="en-US"/>
               <a:t>Fifth level</a:t>
             </a:r>
-            <a:endParaRPr lang="en-US"/>
           </a:p>
         </p:txBody>
       </p:sp>
@@ -836,10 +836,9 @@
           </a:lstStyle>
           <a:p>
             <a:r>
-              <a:rPr lang="en-US" dirty="0" smtClean="0"/>
+              <a:rPr lang="en-US" dirty="0"/>
               <a:t>INTERMEDIATE PROGRAMMING LESSON</a:t>
             </a:r>
-            <a:endParaRPr lang="en-US" dirty="0"/>
           </a:p>
         </p:txBody>
       </p:sp>
@@ -908,10 +907,9 @@
           </a:lstStyle>
           <a:p>
             <a:r>
-              <a:rPr lang="en-US" dirty="0" smtClean="0"/>
+              <a:rPr lang="en-US" dirty="0"/>
               <a:t>Click to edit Master subtitle style</a:t>
             </a:r>
-            <a:endParaRPr lang="en-US" dirty="0"/>
           </a:p>
         </p:txBody>
       </p:sp>
@@ -930,9 +928,9 @@
           <a:bodyPr/>
           <a:lstStyle/>
           <a:p>
-            <a:fld id="{6B13CFBD-0392-DF42-9C65-6D1DE0580181}" type="datetime1">
+            <a:fld id="{D80834F2-D82D-4ABD-BA37-F220F9E0698E}" type="datetime1">
               <a:rPr lang="en-US" smtClean="0"/>
-              <a:t>11/13/15</a:t>
+              <a:t>7/7/2016</a:t>
             </a:fld>
             <a:endParaRPr lang="en-US"/>
           </a:p>
@@ -954,10 +952,9 @@
           <a:lstStyle/>
           <a:p>
             <a:r>
-              <a:rPr lang="sk-SK" smtClean="0"/>
-              <a:t>© 2015 EV3Lessons.com, Last edit 11/13/2015</a:t>
-            </a:r>
-            <a:endParaRPr lang="en-US"/>
+              <a:rPr lang="en-US"/>
+              <a:t>© 2015 EV3Lessons.com, Last edit 7/06/2016</a:t>
+            </a:r>
           </a:p>
         </p:txBody>
       </p:sp>
@@ -1121,14 +1118,13 @@
           <a:lstStyle/>
           <a:p>
             <a:r>
-              <a:rPr lang="en-US" dirty="0" smtClean="0"/>
+              <a:rPr lang="en-US" dirty="0"/>
               <a:t>By </a:t>
             </a:r>
             <a:r>
-              <a:rPr lang="en-US" smtClean="0"/>
+              <a:rPr lang="en-US"/>
               <a:t>Droids Robotics</a:t>
             </a:r>
-            <a:endParaRPr lang="en-US"/>
           </a:p>
         </p:txBody>
       </p:sp>
@@ -1194,7 +1190,7 @@
           <a:noFill/>
           <a:extLst>
             <a:ext uri="{909E8E84-426E-40dd-AFC4-6F175D3DCCD1}">
-              <a14:hiddenFill xmlns:a14="http://schemas.microsoft.com/office/drawing/2010/main" xmlns="">
+              <a14:hiddenFill xmlns="" xmlns:a14="http://schemas.microsoft.com/office/drawing/2010/main">
                 <a:solidFill>
                   <a:srgbClr val="FFFFFF"/>
                 </a:solidFill>
@@ -1249,83 +1245,83 @@
           <a:lstStyle/>
           <a:p>
             <a:r>
+              <a:rPr lang="en-US"/>
+              <a:t>Click to edit Master title style</a:t>
+            </a:r>
+            <a:endParaRPr lang="en-US" dirty="0"/>
+          </a:p>
+        </p:txBody>
+      </p:sp>
+      <p:sp>
+        <p:nvSpPr>
+          <p:cNvPr id="3" name="Vertical Text Placeholder 2"/>
+          <p:cNvSpPr>
+            <a:spLocks noGrp="1"/>
+          </p:cNvSpPr>
+          <p:nvPr>
+            <p:ph type="body" orient="vert" idx="1"/>
+          </p:nvPr>
+        </p:nvSpPr>
+        <p:spPr/>
+        <p:txBody>
+          <a:bodyPr vert="eaVert" lIns="45720" tIns="0" rIns="45720" bIns="0"/>
+          <a:lstStyle/>
+          <a:p>
+            <a:pPr lvl="0"/>
+            <a:r>
+              <a:rPr lang="en-US"/>
+              <a:t>Click to edit Master text styles</a:t>
+            </a:r>
+          </a:p>
+          <a:p>
+            <a:pPr lvl="1"/>
+            <a:r>
+              <a:rPr lang="en-US"/>
+              <a:t>Second level</a:t>
+            </a:r>
+          </a:p>
+          <a:p>
+            <a:pPr lvl="2"/>
+            <a:r>
+              <a:rPr lang="en-US"/>
+              <a:t>Third level</a:t>
+            </a:r>
+          </a:p>
+          <a:p>
+            <a:pPr lvl="3"/>
+            <a:r>
+              <a:rPr lang="en-US"/>
+              <a:t>Fourth level</a:t>
+            </a:r>
+          </a:p>
+          <a:p>
+            <a:pPr lvl="4"/>
+            <a:r>
+              <a:rPr lang="en-US"/>
+              <a:t>Fifth level</a:t>
+            </a:r>
+            <a:endParaRPr lang="en-US" dirty="0"/>
+          </a:p>
+        </p:txBody>
+      </p:sp>
+      <p:sp>
+        <p:nvSpPr>
+          <p:cNvPr id="4" name="Date Placeholder 3"/>
+          <p:cNvSpPr>
+            <a:spLocks noGrp="1"/>
+          </p:cNvSpPr>
+          <p:nvPr>
+            <p:ph type="dt" sz="half" idx="10"/>
+          </p:nvPr>
+        </p:nvSpPr>
+        <p:spPr/>
+        <p:txBody>
+          <a:bodyPr/>
+          <a:lstStyle/>
+          <a:p>
+            <a:fld id="{DBBD67A9-1452-485C-B73A-1B512A717C49}" type="datetime1">
               <a:rPr lang="en-US" smtClean="0"/>
-              <a:t>Click to edit Master title style</a:t>
-            </a:r>
-            <a:endParaRPr lang="en-US" dirty="0"/>
-          </a:p>
-        </p:txBody>
-      </p:sp>
-      <p:sp>
-        <p:nvSpPr>
-          <p:cNvPr id="3" name="Vertical Text Placeholder 2"/>
-          <p:cNvSpPr>
-            <a:spLocks noGrp="1"/>
-          </p:cNvSpPr>
-          <p:nvPr>
-            <p:ph type="body" orient="vert" idx="1"/>
-          </p:nvPr>
-        </p:nvSpPr>
-        <p:spPr/>
-        <p:txBody>
-          <a:bodyPr vert="eaVert" lIns="45720" tIns="0" rIns="45720" bIns="0"/>
-          <a:lstStyle/>
-          <a:p>
-            <a:pPr lvl="0"/>
-            <a:r>
-              <a:rPr lang="en-US" smtClean="0"/>
-              <a:t>Click to edit Master text styles</a:t>
-            </a:r>
-          </a:p>
-          <a:p>
-            <a:pPr lvl="1"/>
-            <a:r>
-              <a:rPr lang="en-US" smtClean="0"/>
-              <a:t>Second level</a:t>
-            </a:r>
-          </a:p>
-          <a:p>
-            <a:pPr lvl="2"/>
-            <a:r>
-              <a:rPr lang="en-US" smtClean="0"/>
-              <a:t>Third level</a:t>
-            </a:r>
-          </a:p>
-          <a:p>
-            <a:pPr lvl="3"/>
-            <a:r>
-              <a:rPr lang="en-US" smtClean="0"/>
-              <a:t>Fourth level</a:t>
-            </a:r>
-          </a:p>
-          <a:p>
-            <a:pPr lvl="4"/>
-            <a:r>
-              <a:rPr lang="en-US" smtClean="0"/>
-              <a:t>Fifth level</a:t>
-            </a:r>
-            <a:endParaRPr lang="en-US" dirty="0"/>
-          </a:p>
-        </p:txBody>
-      </p:sp>
-      <p:sp>
-        <p:nvSpPr>
-          <p:cNvPr id="4" name="Date Placeholder 3"/>
-          <p:cNvSpPr>
-            <a:spLocks noGrp="1"/>
-          </p:cNvSpPr>
-          <p:nvPr>
-            <p:ph type="dt" sz="half" idx="10"/>
-          </p:nvPr>
-        </p:nvSpPr>
-        <p:spPr/>
-        <p:txBody>
-          <a:bodyPr/>
-          <a:lstStyle/>
-          <a:p>
-            <a:fld id="{BF0F175E-9EAC-E14B-B7AC-8C8F25EC1DAA}" type="datetime1">
-              <a:rPr lang="en-US" smtClean="0"/>
-              <a:t>11/13/15</a:t>
+              <a:t>7/7/2016</a:t>
             </a:fld>
             <a:endParaRPr lang="en-US"/>
           </a:p>
@@ -1347,10 +1343,9 @@
           <a:lstStyle/>
           <a:p>
             <a:r>
-              <a:rPr lang="sk-SK" smtClean="0"/>
-              <a:t>© 2015 EV3Lessons.com, Last edit 11/13/2015</a:t>
-            </a:r>
-            <a:endParaRPr lang="en-US"/>
+              <a:rPr lang="en-US"/>
+              <a:t>© 2015 EV3Lessons.com, Last edit 7/06/2016</a:t>
+            </a:r>
           </a:p>
         </p:txBody>
       </p:sp>
@@ -1504,7 +1499,7 @@
           <a:lstStyle/>
           <a:p>
             <a:r>
-              <a:rPr lang="en-US" smtClean="0"/>
+              <a:rPr lang="en-US"/>
               <a:t>Click to edit Master title style</a:t>
             </a:r>
             <a:endParaRPr lang="en-US" dirty="0"/>
@@ -1533,59 +1528,59 @@
           <a:p>
             <a:pPr lvl="0"/>
             <a:r>
+              <a:rPr lang="en-US"/>
+              <a:t>Click to edit Master text styles</a:t>
+            </a:r>
+          </a:p>
+          <a:p>
+            <a:pPr lvl="1"/>
+            <a:r>
+              <a:rPr lang="en-US"/>
+              <a:t>Second level</a:t>
+            </a:r>
+          </a:p>
+          <a:p>
+            <a:pPr lvl="2"/>
+            <a:r>
+              <a:rPr lang="en-US"/>
+              <a:t>Third level</a:t>
+            </a:r>
+          </a:p>
+          <a:p>
+            <a:pPr lvl="3"/>
+            <a:r>
+              <a:rPr lang="en-US"/>
+              <a:t>Fourth level</a:t>
+            </a:r>
+          </a:p>
+          <a:p>
+            <a:pPr lvl="4"/>
+            <a:r>
+              <a:rPr lang="en-US"/>
+              <a:t>Fifth level</a:t>
+            </a:r>
+            <a:endParaRPr lang="en-US" dirty="0"/>
+          </a:p>
+        </p:txBody>
+      </p:sp>
+      <p:sp>
+        <p:nvSpPr>
+          <p:cNvPr id="4" name="Date Placeholder 3"/>
+          <p:cNvSpPr>
+            <a:spLocks noGrp="1"/>
+          </p:cNvSpPr>
+          <p:nvPr>
+            <p:ph type="dt" sz="half" idx="10"/>
+          </p:nvPr>
+        </p:nvSpPr>
+        <p:spPr/>
+        <p:txBody>
+          <a:bodyPr/>
+          <a:lstStyle/>
+          <a:p>
+            <a:fld id="{B9FEE6F9-5FE0-49E0-B5AC-796DFE700F12}" type="datetime1">
               <a:rPr lang="en-US" smtClean="0"/>
-              <a:t>Click to edit Master text styles</a:t>
-            </a:r>
-          </a:p>
-          <a:p>
-            <a:pPr lvl="1"/>
-            <a:r>
-              <a:rPr lang="en-US" smtClean="0"/>
-              <a:t>Second level</a:t>
-            </a:r>
-          </a:p>
-          <a:p>
-            <a:pPr lvl="2"/>
-            <a:r>
-              <a:rPr lang="en-US" smtClean="0"/>
-              <a:t>Third level</a:t>
-            </a:r>
-          </a:p>
-          <a:p>
-            <a:pPr lvl="3"/>
-            <a:r>
-              <a:rPr lang="en-US" smtClean="0"/>
-              <a:t>Fourth level</a:t>
-            </a:r>
-          </a:p>
-          <a:p>
-            <a:pPr lvl="4"/>
-            <a:r>
-              <a:rPr lang="en-US" smtClean="0"/>
-              <a:t>Fifth level</a:t>
-            </a:r>
-            <a:endParaRPr lang="en-US" dirty="0"/>
-          </a:p>
-        </p:txBody>
-      </p:sp>
-      <p:sp>
-        <p:nvSpPr>
-          <p:cNvPr id="4" name="Date Placeholder 3"/>
-          <p:cNvSpPr>
-            <a:spLocks noGrp="1"/>
-          </p:cNvSpPr>
-          <p:nvPr>
-            <p:ph type="dt" sz="half" idx="10"/>
-          </p:nvPr>
-        </p:nvSpPr>
-        <p:spPr/>
-        <p:txBody>
-          <a:bodyPr/>
-          <a:lstStyle/>
-          <a:p>
-            <a:fld id="{ABE2FCFC-C57A-2442-884C-F5C58B3A2465}" type="datetime1">
-              <a:rPr lang="en-US" smtClean="0"/>
-              <a:t>11/13/15</a:t>
+              <a:t>7/7/2016</a:t>
             </a:fld>
             <a:endParaRPr lang="en-US"/>
           </a:p>
@@ -1607,10 +1602,9 @@
           <a:lstStyle/>
           <a:p>
             <a:r>
-              <a:rPr lang="sk-SK" smtClean="0"/>
-              <a:t>© 2015 EV3Lessons.com, Last edit 11/13/2015</a:t>
-            </a:r>
-            <a:endParaRPr lang="en-US"/>
+              <a:rPr lang="en-US"/>
+              <a:t>© 2015 EV3Lessons.com, Last edit 7/06/2016</a:t>
+            </a:r>
           </a:p>
         </p:txBody>
       </p:sp>
@@ -1641,6 +1635,2385 @@
     <p:extLst>
       <p:ext uri="{BB962C8B-B14F-4D97-AF65-F5344CB8AC3E}">
         <p14:creationId xmlns:p14="http://schemas.microsoft.com/office/powerpoint/2010/main" val="2063103780"/>
+      </p:ext>
+    </p:extLst>
+  </p:cSld>
+  <p:clrMapOvr>
+    <a:masterClrMapping/>
+  </p:clrMapOvr>
+</p:sldLayout>
+</file>
+
+<file path=ppt/slideLayouts/slideLayout12.xml><?xml version="1.0" encoding="utf-8"?>
+<p:sldLayout xmlns:a="http://schemas.openxmlformats.org/drawingml/2006/main" xmlns:r="http://schemas.openxmlformats.org/officeDocument/2006/relationships" xmlns:p="http://schemas.openxmlformats.org/presentationml/2006/main" showMasterSp="0" type="title" preserve="1">
+  <p:cSld name="Title Slide">
+    <p:spTree>
+      <p:nvGrpSpPr>
+        <p:cNvPr id="1" name=""/>
+        <p:cNvGrpSpPr/>
+        <p:nvPr/>
+      </p:nvGrpSpPr>
+      <p:grpSpPr>
+        <a:xfrm>
+          <a:off x="0" y="0"/>
+          <a:ext cx="0" cy="0"/>
+          <a:chOff x="0" y="0"/>
+          <a:chExt cx="0" cy="0"/>
+        </a:xfrm>
+      </p:grpSpPr>
+      <p:sp>
+        <p:nvSpPr>
+          <p:cNvPr id="7" name="Rectangle 6"/>
+          <p:cNvSpPr/>
+          <p:nvPr/>
+        </p:nvSpPr>
+        <p:spPr>
+          <a:xfrm>
+            <a:off x="2382" y="6400800"/>
+            <a:ext cx="9141619" cy="457200"/>
+          </a:xfrm>
+          <a:prstGeom prst="rect">
+            <a:avLst/>
+          </a:prstGeom>
+          <a:solidFill>
+            <a:srgbClr val="0070C0"/>
+          </a:solidFill>
+          <a:ln>
+            <a:noFill/>
+          </a:ln>
+        </p:spPr>
+        <p:style>
+          <a:lnRef idx="2">
+            <a:schemeClr val="accent1">
+              <a:shade val="50000"/>
+            </a:schemeClr>
+          </a:lnRef>
+          <a:fillRef idx="1">
+            <a:schemeClr val="accent1"/>
+          </a:fillRef>
+          <a:effectRef idx="0">
+            <a:schemeClr val="accent1"/>
+          </a:effectRef>
+          <a:fontRef idx="minor">
+            <a:schemeClr val="lt1"/>
+          </a:fontRef>
+        </p:style>
+      </p:sp>
+      <p:sp>
+        <p:nvSpPr>
+          <p:cNvPr id="2" name="Title 1"/>
+          <p:cNvSpPr>
+            <a:spLocks noGrp="1"/>
+          </p:cNvSpPr>
+          <p:nvPr>
+            <p:ph type="ctrTitle" hasCustomPrompt="1"/>
+          </p:nvPr>
+        </p:nvSpPr>
+        <p:spPr>
+          <a:xfrm>
+            <a:off x="196279" y="154094"/>
+            <a:ext cx="3853207" cy="1870649"/>
+          </a:xfrm>
+          <a:ln>
+            <a:noFill/>
+          </a:ln>
+        </p:spPr>
+        <p:txBody>
+          <a:bodyPr anchor="ctr">
+            <a:normAutofit/>
+          </a:bodyPr>
+          <a:lstStyle>
+            <a:lvl1pPr algn="l">
+              <a:lnSpc>
+                <a:spcPct val="85000"/>
+              </a:lnSpc>
+              <a:defRPr sz="4000" spc="-50" baseline="0">
+                <a:solidFill>
+                  <a:schemeClr val="tx1">
+                    <a:lumMod val="85000"/>
+                    <a:lumOff val="15000"/>
+                  </a:schemeClr>
+                </a:solidFill>
+              </a:defRPr>
+            </a:lvl1pPr>
+          </a:lstStyle>
+          <a:p>
+            <a:r>
+              <a:rPr lang="en-US" dirty="0"/>
+              <a:t>INTERMEDIATE PROGRAMMING LESSON</a:t>
+            </a:r>
+          </a:p>
+        </p:txBody>
+      </p:sp>
+      <p:sp>
+        <p:nvSpPr>
+          <p:cNvPr id="3" name="Subtitle 2"/>
+          <p:cNvSpPr>
+            <a:spLocks noGrp="1"/>
+          </p:cNvSpPr>
+          <p:nvPr>
+            <p:ph type="subTitle" idx="1"/>
+          </p:nvPr>
+        </p:nvSpPr>
+        <p:spPr>
+          <a:xfrm>
+            <a:off x="1548051" y="3452894"/>
+            <a:ext cx="6004883" cy="401411"/>
+          </a:xfrm>
+        </p:spPr>
+        <p:txBody>
+          <a:bodyPr lIns="91440" rIns="91440">
+            <a:normAutofit/>
+          </a:bodyPr>
+          <a:lstStyle>
+            <a:lvl1pPr marL="0" indent="0" algn="ctr">
+              <a:buNone/>
+              <a:defRPr sz="2400" cap="all" spc="200" baseline="0">
+                <a:solidFill>
+                  <a:schemeClr val="tx2"/>
+                </a:solidFill>
+                <a:latin typeface="+mj-lt"/>
+              </a:defRPr>
+            </a:lvl1pPr>
+            <a:lvl2pPr marL="457200" indent="0" algn="ctr">
+              <a:buNone/>
+              <a:defRPr sz="2400"/>
+            </a:lvl2pPr>
+            <a:lvl3pPr marL="914400" indent="0" algn="ctr">
+              <a:buNone/>
+              <a:defRPr sz="2400"/>
+            </a:lvl3pPr>
+            <a:lvl4pPr marL="1371600" indent="0" algn="ctr">
+              <a:buNone/>
+              <a:defRPr sz="2000"/>
+            </a:lvl4pPr>
+            <a:lvl5pPr marL="1828800" indent="0" algn="ctr">
+              <a:buNone/>
+              <a:defRPr sz="2000"/>
+            </a:lvl5pPr>
+            <a:lvl6pPr marL="2286000" indent="0" algn="ctr">
+              <a:buNone/>
+              <a:defRPr sz="2000"/>
+            </a:lvl6pPr>
+            <a:lvl7pPr marL="2743200" indent="0" algn="ctr">
+              <a:buNone/>
+              <a:defRPr sz="2000"/>
+            </a:lvl7pPr>
+            <a:lvl8pPr marL="3200400" indent="0" algn="ctr">
+              <a:buNone/>
+              <a:defRPr sz="2000"/>
+            </a:lvl8pPr>
+            <a:lvl9pPr marL="3657600" indent="0" algn="ctr">
+              <a:buNone/>
+              <a:defRPr sz="2000"/>
+            </a:lvl9pPr>
+          </a:lstStyle>
+          <a:p>
+            <a:r>
+              <a:rPr lang="en-US"/>
+              <a:t>Click to edit Master subtitle style</a:t>
+            </a:r>
+            <a:endParaRPr lang="en-US" dirty="0"/>
+          </a:p>
+        </p:txBody>
+      </p:sp>
+      <p:sp>
+        <p:nvSpPr>
+          <p:cNvPr id="4" name="Date Placeholder 3"/>
+          <p:cNvSpPr>
+            <a:spLocks noGrp="1"/>
+          </p:cNvSpPr>
+          <p:nvPr>
+            <p:ph type="dt" sz="half" idx="10"/>
+          </p:nvPr>
+        </p:nvSpPr>
+        <p:spPr/>
+        <p:txBody>
+          <a:bodyPr/>
+          <a:lstStyle/>
+          <a:p>
+            <a:fld id="{D14815DD-0CCA-42EC-8E49-056E00817DA0}" type="datetime1">
+              <a:rPr lang="en-US" smtClean="0"/>
+              <a:t>7/7/2016</a:t>
+            </a:fld>
+            <a:endParaRPr lang="en-US"/>
+          </a:p>
+        </p:txBody>
+      </p:sp>
+      <p:sp>
+        <p:nvSpPr>
+          <p:cNvPr id="5" name="Footer Placeholder 4"/>
+          <p:cNvSpPr>
+            <a:spLocks noGrp="1"/>
+          </p:cNvSpPr>
+          <p:nvPr>
+            <p:ph type="ftr" sz="quarter" idx="11"/>
+          </p:nvPr>
+        </p:nvSpPr>
+        <p:spPr/>
+        <p:txBody>
+          <a:bodyPr/>
+          <a:lstStyle/>
+          <a:p>
+            <a:r>
+              <a:rPr lang="en-US"/>
+              <a:t>© 2015 EV3Lessons.com, Last edit 7/06/2016</a:t>
+            </a:r>
+          </a:p>
+        </p:txBody>
+      </p:sp>
+      <p:sp>
+        <p:nvSpPr>
+          <p:cNvPr id="6" name="Slide Number Placeholder 5"/>
+          <p:cNvSpPr>
+            <a:spLocks noGrp="1"/>
+          </p:cNvSpPr>
+          <p:nvPr>
+            <p:ph type="sldNum" sz="quarter" idx="12"/>
+          </p:nvPr>
+        </p:nvSpPr>
+        <p:spPr/>
+        <p:txBody>
+          <a:bodyPr/>
+          <a:lstStyle/>
+          <a:p>
+            <a:fld id="{7F5CE407-6216-4202-80E4-A30DC2F709B2}" type="slidenum">
+              <a:rPr lang="en-US" smtClean="0"/>
+              <a:t>‹#›</a:t>
+            </a:fld>
+            <a:endParaRPr lang="en-US"/>
+          </a:p>
+        </p:txBody>
+      </p:sp>
+      <p:cxnSp>
+        <p:nvCxnSpPr>
+          <p:cNvPr id="9" name="Straight Connector 8"/>
+          <p:cNvCxnSpPr/>
+          <p:nvPr/>
+        </p:nvCxnSpPr>
+        <p:spPr>
+          <a:xfrm>
+            <a:off x="905744" y="3854305"/>
+            <a:ext cx="7406640" cy="0"/>
+          </a:xfrm>
+          <a:prstGeom prst="line">
+            <a:avLst/>
+          </a:prstGeom>
+          <a:ln w="6350">
+            <a:solidFill>
+              <a:schemeClr val="tx1">
+                <a:lumMod val="50000"/>
+                <a:lumOff val="50000"/>
+              </a:schemeClr>
+            </a:solidFill>
+          </a:ln>
+        </p:spPr>
+        <p:style>
+          <a:lnRef idx="1">
+            <a:schemeClr val="accent1"/>
+          </a:lnRef>
+          <a:fillRef idx="0">
+            <a:schemeClr val="accent1"/>
+          </a:fillRef>
+          <a:effectRef idx="0">
+            <a:schemeClr val="accent1"/>
+          </a:effectRef>
+          <a:fontRef idx="minor">
+            <a:schemeClr val="tx1"/>
+          </a:fontRef>
+        </p:style>
+      </p:cxnSp>
+      <p:sp>
+        <p:nvSpPr>
+          <p:cNvPr id="10" name="Rectangle 9"/>
+          <p:cNvSpPr/>
+          <p:nvPr/>
+        </p:nvSpPr>
+        <p:spPr>
+          <a:xfrm>
+            <a:off x="0" y="6334315"/>
+            <a:ext cx="4487333" cy="92382"/>
+          </a:xfrm>
+          <a:prstGeom prst="rect">
+            <a:avLst/>
+          </a:prstGeom>
+          <a:solidFill>
+            <a:srgbClr val="00B050"/>
+          </a:solidFill>
+          <a:ln>
+            <a:noFill/>
+          </a:ln>
+        </p:spPr>
+        <p:style>
+          <a:lnRef idx="2">
+            <a:schemeClr val="accent1">
+              <a:shade val="50000"/>
+            </a:schemeClr>
+          </a:lnRef>
+          <a:fillRef idx="1">
+            <a:schemeClr val="accent1"/>
+          </a:fillRef>
+          <a:effectRef idx="0">
+            <a:schemeClr val="accent1"/>
+          </a:effectRef>
+          <a:fontRef idx="minor">
+            <a:schemeClr val="lt1"/>
+          </a:fontRef>
+        </p:style>
+      </p:sp>
+      <p:sp>
+        <p:nvSpPr>
+          <p:cNvPr id="11" name="Rectangle 10"/>
+          <p:cNvSpPr/>
+          <p:nvPr/>
+        </p:nvSpPr>
+        <p:spPr>
+          <a:xfrm>
+            <a:off x="4487333" y="6334315"/>
+            <a:ext cx="4656667" cy="92382"/>
+          </a:xfrm>
+          <a:prstGeom prst="rect">
+            <a:avLst/>
+          </a:prstGeom>
+          <a:solidFill>
+            <a:srgbClr val="7030A0"/>
+          </a:solidFill>
+          <a:ln>
+            <a:noFill/>
+          </a:ln>
+        </p:spPr>
+        <p:style>
+          <a:lnRef idx="2">
+            <a:schemeClr val="accent1">
+              <a:shade val="50000"/>
+            </a:schemeClr>
+          </a:lnRef>
+          <a:fillRef idx="1">
+            <a:schemeClr val="accent1"/>
+          </a:fillRef>
+          <a:effectRef idx="0">
+            <a:schemeClr val="accent1"/>
+          </a:effectRef>
+          <a:fontRef idx="minor">
+            <a:schemeClr val="lt1"/>
+          </a:fontRef>
+        </p:style>
+      </p:sp>
+      <p:sp>
+        <p:nvSpPr>
+          <p:cNvPr id="8" name="TextBox 7"/>
+          <p:cNvSpPr txBox="1"/>
+          <p:nvPr/>
+        </p:nvSpPr>
+        <p:spPr>
+          <a:xfrm>
+            <a:off x="2363695" y="3959525"/>
+            <a:ext cx="4373593" cy="369332"/>
+          </a:xfrm>
+          <a:prstGeom prst="rect">
+            <a:avLst/>
+          </a:prstGeom>
+          <a:noFill/>
+        </p:spPr>
+        <p:txBody>
+          <a:bodyPr wrap="square" rtlCol="0">
+            <a:spAutoFit/>
+          </a:bodyPr>
+          <a:lstStyle/>
+          <a:p>
+            <a:pPr algn="ctr"/>
+            <a:r>
+              <a:rPr lang="en-US" dirty="0">
+                <a:latin typeface="+mj-lt"/>
+              </a:rPr>
+              <a:t>By</a:t>
+            </a:r>
+            <a:r>
+              <a:rPr lang="en-US" baseline="0" dirty="0">
+                <a:latin typeface="+mj-lt"/>
+              </a:rPr>
+              <a:t> Sanjay and Arvind Seshan</a:t>
+            </a:r>
+            <a:endParaRPr lang="en-US" dirty="0">
+              <a:latin typeface="+mj-lt"/>
+            </a:endParaRPr>
+          </a:p>
+        </p:txBody>
+      </p:sp>
+      <p:pic>
+        <p:nvPicPr>
+          <p:cNvPr id="1026" name="Picture 2" descr="EV3Lessons.com"/>
+          <p:cNvPicPr>
+            <a:picLocks noChangeAspect="1" noChangeArrowheads="1"/>
+          </p:cNvPicPr>
+          <p:nvPr/>
+        </p:nvPicPr>
+        <p:blipFill>
+          <a:blip r:embed="rId2">
+            <a:extLst>
+              <a:ext uri="{28A0092B-C50C-407E-A947-70E740481C1C}">
+                <a14:useLocalDpi xmlns:a14="http://schemas.microsoft.com/office/drawing/2010/main" val="0"/>
+              </a:ext>
+            </a:extLst>
+          </a:blip>
+          <a:srcRect/>
+          <a:stretch>
+            <a:fillRect/>
+          </a:stretch>
+        </p:blipFill>
+        <p:spPr bwMode="auto">
+          <a:xfrm>
+            <a:off x="3955687" y="139554"/>
+            <a:ext cx="5075507" cy="1885189"/>
+          </a:xfrm>
+          <a:prstGeom prst="rect">
+            <a:avLst/>
+          </a:prstGeom>
+          <a:noFill/>
+          <a:extLst>
+            <a:ext uri="{909E8E84-426E-40DD-AFC4-6F175D3DCCD1}">
+              <a14:hiddenFill xmlns:a14="http://schemas.microsoft.com/office/drawing/2010/main">
+                <a:solidFill>
+                  <a:srgbClr val="FFFFFF"/>
+                </a:solidFill>
+              </a14:hiddenFill>
+            </a:ext>
+          </a:extLst>
+        </p:spPr>
+      </p:pic>
+      <p:sp>
+        <p:nvSpPr>
+          <p:cNvPr id="13" name="Rectangle 12"/>
+          <p:cNvSpPr/>
+          <p:nvPr userDrawn="1"/>
+        </p:nvSpPr>
+        <p:spPr>
+          <a:xfrm>
+            <a:off x="0" y="6334315"/>
+            <a:ext cx="4487333" cy="92382"/>
+          </a:xfrm>
+          <a:prstGeom prst="rect">
+            <a:avLst/>
+          </a:prstGeom>
+          <a:solidFill>
+            <a:srgbClr val="00B050"/>
+          </a:solidFill>
+          <a:ln>
+            <a:noFill/>
+          </a:ln>
+        </p:spPr>
+        <p:style>
+          <a:lnRef idx="2">
+            <a:schemeClr val="accent1">
+              <a:shade val="50000"/>
+            </a:schemeClr>
+          </a:lnRef>
+          <a:fillRef idx="1">
+            <a:schemeClr val="accent1"/>
+          </a:fillRef>
+          <a:effectRef idx="0">
+            <a:schemeClr val="accent1"/>
+          </a:effectRef>
+          <a:fontRef idx="minor">
+            <a:schemeClr val="lt1"/>
+          </a:fontRef>
+        </p:style>
+      </p:sp>
+      <p:sp>
+        <p:nvSpPr>
+          <p:cNvPr id="14" name="Rectangle 13"/>
+          <p:cNvSpPr/>
+          <p:nvPr userDrawn="1"/>
+        </p:nvSpPr>
+        <p:spPr>
+          <a:xfrm>
+            <a:off x="4487333" y="6334315"/>
+            <a:ext cx="4656667" cy="92382"/>
+          </a:xfrm>
+          <a:prstGeom prst="rect">
+            <a:avLst/>
+          </a:prstGeom>
+          <a:solidFill>
+            <a:srgbClr val="7030A0"/>
+          </a:solidFill>
+          <a:ln>
+            <a:noFill/>
+          </a:ln>
+        </p:spPr>
+        <p:style>
+          <a:lnRef idx="2">
+            <a:schemeClr val="accent1">
+              <a:shade val="50000"/>
+            </a:schemeClr>
+          </a:lnRef>
+          <a:fillRef idx="1">
+            <a:schemeClr val="accent1"/>
+          </a:fillRef>
+          <a:effectRef idx="0">
+            <a:schemeClr val="accent1"/>
+          </a:effectRef>
+          <a:fontRef idx="minor">
+            <a:schemeClr val="lt1"/>
+          </a:fontRef>
+        </p:style>
+      </p:sp>
+    </p:spTree>
+    <p:extLst>
+      <p:ext uri="{BB962C8B-B14F-4D97-AF65-F5344CB8AC3E}">
+        <p14:creationId xmlns:p14="http://schemas.microsoft.com/office/powerpoint/2010/main" val="743902580"/>
+      </p:ext>
+    </p:extLst>
+  </p:cSld>
+  <p:clrMapOvr>
+    <a:masterClrMapping/>
+  </p:clrMapOvr>
+</p:sldLayout>
+</file>
+
+<file path=ppt/slideLayouts/slideLayout13.xml><?xml version="1.0" encoding="utf-8"?>
+<p:sldLayout xmlns:a="http://schemas.openxmlformats.org/drawingml/2006/main" xmlns:r="http://schemas.openxmlformats.org/officeDocument/2006/relationships" xmlns:p="http://schemas.openxmlformats.org/presentationml/2006/main" type="obj" preserve="1">
+  <p:cSld name="Title and Content">
+    <p:spTree>
+      <p:nvGrpSpPr>
+        <p:cNvPr id="1" name=""/>
+        <p:cNvGrpSpPr/>
+        <p:nvPr/>
+      </p:nvGrpSpPr>
+      <p:grpSpPr>
+        <a:xfrm>
+          <a:off x="0" y="0"/>
+          <a:ext cx="0" cy="0"/>
+          <a:chOff x="0" y="0"/>
+          <a:chExt cx="0" cy="0"/>
+        </a:xfrm>
+      </p:grpSpPr>
+      <p:sp>
+        <p:nvSpPr>
+          <p:cNvPr id="2" name="Title 1"/>
+          <p:cNvSpPr>
+            <a:spLocks noGrp="1"/>
+          </p:cNvSpPr>
+          <p:nvPr>
+            <p:ph type="title"/>
+          </p:nvPr>
+        </p:nvSpPr>
+        <p:spPr/>
+        <p:txBody>
+          <a:bodyPr/>
+          <a:lstStyle/>
+          <a:p>
+            <a:r>
+              <a:rPr lang="en-US"/>
+              <a:t>Click to edit Master title style</a:t>
+            </a:r>
+            <a:endParaRPr lang="en-US" dirty="0"/>
+          </a:p>
+        </p:txBody>
+      </p:sp>
+      <p:sp>
+        <p:nvSpPr>
+          <p:cNvPr id="3" name="Content Placeholder 2"/>
+          <p:cNvSpPr>
+            <a:spLocks noGrp="1"/>
+          </p:cNvSpPr>
+          <p:nvPr>
+            <p:ph idx="1"/>
+          </p:nvPr>
+        </p:nvSpPr>
+        <p:spPr/>
+        <p:txBody>
+          <a:bodyPr/>
+          <a:lstStyle/>
+          <a:p>
+            <a:pPr lvl="0"/>
+            <a:r>
+              <a:rPr lang="en-US"/>
+              <a:t>Edit Master text styles</a:t>
+            </a:r>
+          </a:p>
+          <a:p>
+            <a:pPr lvl="1"/>
+            <a:r>
+              <a:rPr lang="en-US"/>
+              <a:t>Second level</a:t>
+            </a:r>
+          </a:p>
+          <a:p>
+            <a:pPr lvl="2"/>
+            <a:r>
+              <a:rPr lang="en-US"/>
+              <a:t>Third level</a:t>
+            </a:r>
+          </a:p>
+          <a:p>
+            <a:pPr lvl="3"/>
+            <a:r>
+              <a:rPr lang="en-US"/>
+              <a:t>Fourth level</a:t>
+            </a:r>
+          </a:p>
+          <a:p>
+            <a:pPr lvl="4"/>
+            <a:r>
+              <a:rPr lang="en-US"/>
+              <a:t>Fifth level</a:t>
+            </a:r>
+            <a:endParaRPr lang="en-US" dirty="0"/>
+          </a:p>
+        </p:txBody>
+      </p:sp>
+      <p:sp>
+        <p:nvSpPr>
+          <p:cNvPr id="4" name="Date Placeholder 3"/>
+          <p:cNvSpPr>
+            <a:spLocks noGrp="1"/>
+          </p:cNvSpPr>
+          <p:nvPr>
+            <p:ph type="dt" sz="half" idx="10"/>
+          </p:nvPr>
+        </p:nvSpPr>
+        <p:spPr/>
+        <p:txBody>
+          <a:bodyPr/>
+          <a:lstStyle/>
+          <a:p>
+            <a:fld id="{F219133A-CFDC-4DF2-9490-DB3073A6D32C}" type="datetime1">
+              <a:rPr lang="en-US" smtClean="0"/>
+              <a:t>7/7/2016</a:t>
+            </a:fld>
+            <a:endParaRPr lang="en-US"/>
+          </a:p>
+        </p:txBody>
+      </p:sp>
+      <p:sp>
+        <p:nvSpPr>
+          <p:cNvPr id="5" name="Footer Placeholder 4"/>
+          <p:cNvSpPr>
+            <a:spLocks noGrp="1"/>
+          </p:cNvSpPr>
+          <p:nvPr>
+            <p:ph type="ftr" sz="quarter" idx="11"/>
+          </p:nvPr>
+        </p:nvSpPr>
+        <p:spPr/>
+        <p:txBody>
+          <a:bodyPr/>
+          <a:lstStyle/>
+          <a:p>
+            <a:r>
+              <a:rPr lang="en-US"/>
+              <a:t>© 2015 EV3Lessons.com, Last edit 7/06/2016</a:t>
+            </a:r>
+          </a:p>
+        </p:txBody>
+      </p:sp>
+      <p:sp>
+        <p:nvSpPr>
+          <p:cNvPr id="6" name="Slide Number Placeholder 5"/>
+          <p:cNvSpPr>
+            <a:spLocks noGrp="1"/>
+          </p:cNvSpPr>
+          <p:nvPr>
+            <p:ph type="sldNum" sz="quarter" idx="12"/>
+          </p:nvPr>
+        </p:nvSpPr>
+        <p:spPr/>
+        <p:txBody>
+          <a:bodyPr/>
+          <a:lstStyle/>
+          <a:p>
+            <a:fld id="{4382A7F7-08BF-4252-8141-63FB96055BBB}" type="slidenum">
+              <a:rPr lang="en-US" smtClean="0"/>
+              <a:t>‹#›</a:t>
+            </a:fld>
+            <a:endParaRPr lang="en-US"/>
+          </a:p>
+        </p:txBody>
+      </p:sp>
+    </p:spTree>
+    <p:extLst>
+      <p:ext uri="{BB962C8B-B14F-4D97-AF65-F5344CB8AC3E}">
+        <p14:creationId xmlns:p14="http://schemas.microsoft.com/office/powerpoint/2010/main" val="429201880"/>
+      </p:ext>
+    </p:extLst>
+  </p:cSld>
+  <p:clrMapOvr>
+    <a:masterClrMapping/>
+  </p:clrMapOvr>
+</p:sldLayout>
+</file>
+
+<file path=ppt/slideLayouts/slideLayout14.xml><?xml version="1.0" encoding="utf-8"?>
+<p:sldLayout xmlns:a="http://schemas.openxmlformats.org/drawingml/2006/main" xmlns:r="http://schemas.openxmlformats.org/officeDocument/2006/relationships" xmlns:p="http://schemas.openxmlformats.org/presentationml/2006/main" showMasterSp="0" type="secHead" preserve="1">
+  <p:cSld name="Section Header">
+    <p:bg>
+      <p:bgPr>
+        <a:solidFill>
+          <a:schemeClr val="bg1"/>
+        </a:solidFill>
+        <a:effectLst/>
+      </p:bgPr>
+    </p:bg>
+    <p:spTree>
+      <p:nvGrpSpPr>
+        <p:cNvPr id="1" name=""/>
+        <p:cNvGrpSpPr/>
+        <p:nvPr/>
+      </p:nvGrpSpPr>
+      <p:grpSpPr>
+        <a:xfrm>
+          <a:off x="0" y="0"/>
+          <a:ext cx="0" cy="0"/>
+          <a:chOff x="0" y="0"/>
+          <a:chExt cx="0" cy="0"/>
+        </a:xfrm>
+      </p:grpSpPr>
+      <p:sp>
+        <p:nvSpPr>
+          <p:cNvPr id="7" name="Rectangle 6"/>
+          <p:cNvSpPr/>
+          <p:nvPr/>
+        </p:nvSpPr>
+        <p:spPr>
+          <a:xfrm>
+            <a:off x="2382" y="6400800"/>
+            <a:ext cx="9141619" cy="457200"/>
+          </a:xfrm>
+          <a:prstGeom prst="rect">
+            <a:avLst/>
+          </a:prstGeom>
+          <a:solidFill>
+            <a:schemeClr val="accent2"/>
+          </a:solidFill>
+          <a:ln>
+            <a:noFill/>
+          </a:ln>
+        </p:spPr>
+        <p:style>
+          <a:lnRef idx="2">
+            <a:schemeClr val="accent1">
+              <a:shade val="50000"/>
+            </a:schemeClr>
+          </a:lnRef>
+          <a:fillRef idx="1">
+            <a:schemeClr val="accent1"/>
+          </a:fillRef>
+          <a:effectRef idx="0">
+            <a:schemeClr val="accent1"/>
+          </a:effectRef>
+          <a:fontRef idx="minor">
+            <a:schemeClr val="lt1"/>
+          </a:fontRef>
+        </p:style>
+      </p:sp>
+      <p:sp>
+        <p:nvSpPr>
+          <p:cNvPr id="8" name="Rectangle 7"/>
+          <p:cNvSpPr/>
+          <p:nvPr/>
+        </p:nvSpPr>
+        <p:spPr>
+          <a:xfrm>
+            <a:off x="12" y="6334316"/>
+            <a:ext cx="9141619" cy="64008"/>
+          </a:xfrm>
+          <a:prstGeom prst="rect">
+            <a:avLst/>
+          </a:prstGeom>
+          <a:solidFill>
+            <a:schemeClr val="accent1"/>
+          </a:solidFill>
+          <a:ln>
+            <a:noFill/>
+          </a:ln>
+        </p:spPr>
+        <p:style>
+          <a:lnRef idx="2">
+            <a:schemeClr val="accent1">
+              <a:shade val="50000"/>
+            </a:schemeClr>
+          </a:lnRef>
+          <a:fillRef idx="1">
+            <a:schemeClr val="accent1"/>
+          </a:fillRef>
+          <a:effectRef idx="0">
+            <a:schemeClr val="accent1"/>
+          </a:effectRef>
+          <a:fontRef idx="minor">
+            <a:schemeClr val="lt1"/>
+          </a:fontRef>
+        </p:style>
+      </p:sp>
+      <p:sp>
+        <p:nvSpPr>
+          <p:cNvPr id="2" name="Title 1"/>
+          <p:cNvSpPr>
+            <a:spLocks noGrp="1"/>
+          </p:cNvSpPr>
+          <p:nvPr>
+            <p:ph type="title"/>
+          </p:nvPr>
+        </p:nvSpPr>
+        <p:spPr>
+          <a:xfrm>
+            <a:off x="822960" y="758952"/>
+            <a:ext cx="7543800" cy="3566160"/>
+          </a:xfrm>
+        </p:spPr>
+        <p:txBody>
+          <a:bodyPr anchor="b" anchorCtr="0">
+            <a:normAutofit/>
+          </a:bodyPr>
+          <a:lstStyle>
+            <a:lvl1pPr>
+              <a:lnSpc>
+                <a:spcPct val="85000"/>
+              </a:lnSpc>
+              <a:defRPr sz="8000" b="0">
+                <a:solidFill>
+                  <a:schemeClr val="tx1">
+                    <a:lumMod val="85000"/>
+                    <a:lumOff val="15000"/>
+                  </a:schemeClr>
+                </a:solidFill>
+              </a:defRPr>
+            </a:lvl1pPr>
+          </a:lstStyle>
+          <a:p>
+            <a:r>
+              <a:rPr lang="en-US"/>
+              <a:t>Click to edit Master title style</a:t>
+            </a:r>
+            <a:endParaRPr lang="en-US" dirty="0"/>
+          </a:p>
+        </p:txBody>
+      </p:sp>
+      <p:sp>
+        <p:nvSpPr>
+          <p:cNvPr id="3" name="Text Placeholder 2"/>
+          <p:cNvSpPr>
+            <a:spLocks noGrp="1"/>
+          </p:cNvSpPr>
+          <p:nvPr>
+            <p:ph type="body" idx="1"/>
+          </p:nvPr>
+        </p:nvSpPr>
+        <p:spPr>
+          <a:xfrm>
+            <a:off x="822960" y="4453128"/>
+            <a:ext cx="7543800" cy="1143000"/>
+          </a:xfrm>
+        </p:spPr>
+        <p:txBody>
+          <a:bodyPr lIns="91440" rIns="91440" anchor="t" anchorCtr="0">
+            <a:normAutofit/>
+          </a:bodyPr>
+          <a:lstStyle>
+            <a:lvl1pPr marL="0" indent="0">
+              <a:buNone/>
+              <a:defRPr sz="2400" cap="all" spc="200" baseline="0">
+                <a:solidFill>
+                  <a:schemeClr val="tx2"/>
+                </a:solidFill>
+                <a:latin typeface="+mj-lt"/>
+              </a:defRPr>
+            </a:lvl1pPr>
+            <a:lvl2pPr marL="457200" indent="0">
+              <a:buNone/>
+              <a:defRPr sz="1800">
+                <a:solidFill>
+                  <a:schemeClr val="tx1">
+                    <a:tint val="75000"/>
+                  </a:schemeClr>
+                </a:solidFill>
+              </a:defRPr>
+            </a:lvl2pPr>
+            <a:lvl3pPr marL="914400" indent="0">
+              <a:buNone/>
+              <a:defRPr sz="1600">
+                <a:solidFill>
+                  <a:schemeClr val="tx1">
+                    <a:tint val="75000"/>
+                  </a:schemeClr>
+                </a:solidFill>
+              </a:defRPr>
+            </a:lvl3pPr>
+            <a:lvl4pPr marL="1371600" indent="0">
+              <a:buNone/>
+              <a:defRPr sz="1400">
+                <a:solidFill>
+                  <a:schemeClr val="tx1">
+                    <a:tint val="75000"/>
+                  </a:schemeClr>
+                </a:solidFill>
+              </a:defRPr>
+            </a:lvl4pPr>
+            <a:lvl5pPr marL="1828800" indent="0">
+              <a:buNone/>
+              <a:defRPr sz="1400">
+                <a:solidFill>
+                  <a:schemeClr val="tx1">
+                    <a:tint val="75000"/>
+                  </a:schemeClr>
+                </a:solidFill>
+              </a:defRPr>
+            </a:lvl5pPr>
+            <a:lvl6pPr marL="2286000" indent="0">
+              <a:buNone/>
+              <a:defRPr sz="1400">
+                <a:solidFill>
+                  <a:schemeClr val="tx1">
+                    <a:tint val="75000"/>
+                  </a:schemeClr>
+                </a:solidFill>
+              </a:defRPr>
+            </a:lvl6pPr>
+            <a:lvl7pPr marL="2743200" indent="0">
+              <a:buNone/>
+              <a:defRPr sz="1400">
+                <a:solidFill>
+                  <a:schemeClr val="tx1">
+                    <a:tint val="75000"/>
+                  </a:schemeClr>
+                </a:solidFill>
+              </a:defRPr>
+            </a:lvl7pPr>
+            <a:lvl8pPr marL="3200400" indent="0">
+              <a:buNone/>
+              <a:defRPr sz="1400">
+                <a:solidFill>
+                  <a:schemeClr val="tx1">
+                    <a:tint val="75000"/>
+                  </a:schemeClr>
+                </a:solidFill>
+              </a:defRPr>
+            </a:lvl8pPr>
+            <a:lvl9pPr marL="3657600" indent="0">
+              <a:buNone/>
+              <a:defRPr sz="1400">
+                <a:solidFill>
+                  <a:schemeClr val="tx1">
+                    <a:tint val="75000"/>
+                  </a:schemeClr>
+                </a:solidFill>
+              </a:defRPr>
+            </a:lvl9pPr>
+          </a:lstStyle>
+          <a:p>
+            <a:pPr lvl="0"/>
+            <a:r>
+              <a:rPr lang="en-US"/>
+              <a:t>Edit Master text styles</a:t>
+            </a:r>
+          </a:p>
+        </p:txBody>
+      </p:sp>
+      <p:sp>
+        <p:nvSpPr>
+          <p:cNvPr id="4" name="Date Placeholder 3"/>
+          <p:cNvSpPr>
+            <a:spLocks noGrp="1"/>
+          </p:cNvSpPr>
+          <p:nvPr>
+            <p:ph type="dt" sz="half" idx="10"/>
+          </p:nvPr>
+        </p:nvSpPr>
+        <p:spPr/>
+        <p:txBody>
+          <a:bodyPr/>
+          <a:lstStyle/>
+          <a:p>
+            <a:fld id="{32C3C486-1BB6-41FB-8A03-5D1FAD1FD4BF}" type="datetime1">
+              <a:rPr lang="en-US" smtClean="0"/>
+              <a:t>7/7/2016</a:t>
+            </a:fld>
+            <a:endParaRPr lang="en-US"/>
+          </a:p>
+        </p:txBody>
+      </p:sp>
+      <p:sp>
+        <p:nvSpPr>
+          <p:cNvPr id="5" name="Footer Placeholder 4"/>
+          <p:cNvSpPr>
+            <a:spLocks noGrp="1"/>
+          </p:cNvSpPr>
+          <p:nvPr>
+            <p:ph type="ftr" sz="quarter" idx="11"/>
+          </p:nvPr>
+        </p:nvSpPr>
+        <p:spPr/>
+        <p:txBody>
+          <a:bodyPr/>
+          <a:lstStyle/>
+          <a:p>
+            <a:r>
+              <a:rPr lang="en-US"/>
+              <a:t>© 2015 EV3Lessons.com, Last edit 7/06/2016</a:t>
+            </a:r>
+          </a:p>
+        </p:txBody>
+      </p:sp>
+      <p:sp>
+        <p:nvSpPr>
+          <p:cNvPr id="6" name="Slide Number Placeholder 5"/>
+          <p:cNvSpPr>
+            <a:spLocks noGrp="1"/>
+          </p:cNvSpPr>
+          <p:nvPr>
+            <p:ph type="sldNum" sz="quarter" idx="12"/>
+          </p:nvPr>
+        </p:nvSpPr>
+        <p:spPr/>
+        <p:txBody>
+          <a:bodyPr/>
+          <a:lstStyle/>
+          <a:p>
+            <a:fld id="{162F1D00-BD13-4404-86B0-79703945A0A7}" type="slidenum">
+              <a:rPr lang="en-US" smtClean="0"/>
+              <a:t>‹#›</a:t>
+            </a:fld>
+            <a:endParaRPr lang="en-US"/>
+          </a:p>
+        </p:txBody>
+      </p:sp>
+      <p:cxnSp>
+        <p:nvCxnSpPr>
+          <p:cNvPr id="9" name="Straight Connector 8"/>
+          <p:cNvCxnSpPr/>
+          <p:nvPr/>
+        </p:nvCxnSpPr>
+        <p:spPr>
+          <a:xfrm>
+            <a:off x="905744" y="4343400"/>
+            <a:ext cx="7406640" cy="0"/>
+          </a:xfrm>
+          <a:prstGeom prst="line">
+            <a:avLst/>
+          </a:prstGeom>
+          <a:ln w="6350">
+            <a:solidFill>
+              <a:schemeClr val="tx1">
+                <a:lumMod val="50000"/>
+                <a:lumOff val="50000"/>
+              </a:schemeClr>
+            </a:solidFill>
+          </a:ln>
+        </p:spPr>
+        <p:style>
+          <a:lnRef idx="1">
+            <a:schemeClr val="accent1"/>
+          </a:lnRef>
+          <a:fillRef idx="0">
+            <a:schemeClr val="accent1"/>
+          </a:fillRef>
+          <a:effectRef idx="0">
+            <a:schemeClr val="accent1"/>
+          </a:effectRef>
+          <a:fontRef idx="minor">
+            <a:schemeClr val="tx1"/>
+          </a:fontRef>
+        </p:style>
+      </p:cxnSp>
+    </p:spTree>
+    <p:extLst>
+      <p:ext uri="{BB962C8B-B14F-4D97-AF65-F5344CB8AC3E}">
+        <p14:creationId xmlns:p14="http://schemas.microsoft.com/office/powerpoint/2010/main" val="3755064538"/>
+      </p:ext>
+    </p:extLst>
+  </p:cSld>
+  <p:clrMapOvr>
+    <a:masterClrMapping/>
+  </p:clrMapOvr>
+</p:sldLayout>
+</file>
+
+<file path=ppt/slideLayouts/slideLayout15.xml><?xml version="1.0" encoding="utf-8"?>
+<p:sldLayout xmlns:a="http://schemas.openxmlformats.org/drawingml/2006/main" xmlns:r="http://schemas.openxmlformats.org/officeDocument/2006/relationships" xmlns:p="http://schemas.openxmlformats.org/presentationml/2006/main" type="twoObj" preserve="1">
+  <p:cSld name="Two Content">
+    <p:spTree>
+      <p:nvGrpSpPr>
+        <p:cNvPr id="1" name=""/>
+        <p:cNvGrpSpPr/>
+        <p:nvPr/>
+      </p:nvGrpSpPr>
+      <p:grpSpPr>
+        <a:xfrm>
+          <a:off x="0" y="0"/>
+          <a:ext cx="0" cy="0"/>
+          <a:chOff x="0" y="0"/>
+          <a:chExt cx="0" cy="0"/>
+        </a:xfrm>
+      </p:grpSpPr>
+      <p:sp>
+        <p:nvSpPr>
+          <p:cNvPr id="8" name="Title 7"/>
+          <p:cNvSpPr>
+            <a:spLocks noGrp="1"/>
+          </p:cNvSpPr>
+          <p:nvPr>
+            <p:ph type="title"/>
+          </p:nvPr>
+        </p:nvSpPr>
+        <p:spPr>
+          <a:xfrm>
+            <a:off x="822960" y="286604"/>
+            <a:ext cx="7543800" cy="1450757"/>
+          </a:xfrm>
+        </p:spPr>
+        <p:txBody>
+          <a:bodyPr/>
+          <a:lstStyle/>
+          <a:p>
+            <a:r>
+              <a:rPr lang="en-US"/>
+              <a:t>Click to edit Master title style</a:t>
+            </a:r>
+            <a:endParaRPr lang="en-US" dirty="0"/>
+          </a:p>
+        </p:txBody>
+      </p:sp>
+      <p:sp>
+        <p:nvSpPr>
+          <p:cNvPr id="3" name="Content Placeholder 2"/>
+          <p:cNvSpPr>
+            <a:spLocks noGrp="1"/>
+          </p:cNvSpPr>
+          <p:nvPr>
+            <p:ph sz="half" idx="1"/>
+          </p:nvPr>
+        </p:nvSpPr>
+        <p:spPr>
+          <a:xfrm>
+            <a:off x="822960" y="1845734"/>
+            <a:ext cx="3703320" cy="4023360"/>
+          </a:xfrm>
+        </p:spPr>
+        <p:txBody>
+          <a:bodyPr/>
+          <a:lstStyle/>
+          <a:p>
+            <a:pPr lvl="0"/>
+            <a:r>
+              <a:rPr lang="en-US"/>
+              <a:t>Edit Master text styles</a:t>
+            </a:r>
+          </a:p>
+          <a:p>
+            <a:pPr lvl="1"/>
+            <a:r>
+              <a:rPr lang="en-US"/>
+              <a:t>Second level</a:t>
+            </a:r>
+          </a:p>
+          <a:p>
+            <a:pPr lvl="2"/>
+            <a:r>
+              <a:rPr lang="en-US"/>
+              <a:t>Third level</a:t>
+            </a:r>
+          </a:p>
+          <a:p>
+            <a:pPr lvl="3"/>
+            <a:r>
+              <a:rPr lang="en-US"/>
+              <a:t>Fourth level</a:t>
+            </a:r>
+          </a:p>
+          <a:p>
+            <a:pPr lvl="4"/>
+            <a:r>
+              <a:rPr lang="en-US"/>
+              <a:t>Fifth level</a:t>
+            </a:r>
+            <a:endParaRPr lang="en-US" dirty="0"/>
+          </a:p>
+        </p:txBody>
+      </p:sp>
+      <p:sp>
+        <p:nvSpPr>
+          <p:cNvPr id="4" name="Content Placeholder 3"/>
+          <p:cNvSpPr>
+            <a:spLocks noGrp="1"/>
+          </p:cNvSpPr>
+          <p:nvPr>
+            <p:ph sz="half" idx="2"/>
+          </p:nvPr>
+        </p:nvSpPr>
+        <p:spPr>
+          <a:xfrm>
+            <a:off x="4663440" y="1845736"/>
+            <a:ext cx="3703320" cy="4023359"/>
+          </a:xfrm>
+        </p:spPr>
+        <p:txBody>
+          <a:bodyPr/>
+          <a:lstStyle/>
+          <a:p>
+            <a:pPr lvl="0"/>
+            <a:r>
+              <a:rPr lang="en-US"/>
+              <a:t>Edit Master text styles</a:t>
+            </a:r>
+          </a:p>
+          <a:p>
+            <a:pPr lvl="1"/>
+            <a:r>
+              <a:rPr lang="en-US"/>
+              <a:t>Second level</a:t>
+            </a:r>
+          </a:p>
+          <a:p>
+            <a:pPr lvl="2"/>
+            <a:r>
+              <a:rPr lang="en-US"/>
+              <a:t>Third level</a:t>
+            </a:r>
+          </a:p>
+          <a:p>
+            <a:pPr lvl="3"/>
+            <a:r>
+              <a:rPr lang="en-US"/>
+              <a:t>Fourth level</a:t>
+            </a:r>
+          </a:p>
+          <a:p>
+            <a:pPr lvl="4"/>
+            <a:r>
+              <a:rPr lang="en-US"/>
+              <a:t>Fifth level</a:t>
+            </a:r>
+            <a:endParaRPr lang="en-US" dirty="0"/>
+          </a:p>
+        </p:txBody>
+      </p:sp>
+      <p:sp>
+        <p:nvSpPr>
+          <p:cNvPr id="5" name="Date Placeholder 4"/>
+          <p:cNvSpPr>
+            <a:spLocks noGrp="1"/>
+          </p:cNvSpPr>
+          <p:nvPr>
+            <p:ph type="dt" sz="half" idx="10"/>
+          </p:nvPr>
+        </p:nvSpPr>
+        <p:spPr/>
+        <p:txBody>
+          <a:bodyPr/>
+          <a:lstStyle/>
+          <a:p>
+            <a:fld id="{722D1257-5C8A-4DE1-A08C-7CFCB6A638FF}" type="datetime1">
+              <a:rPr lang="en-US" smtClean="0"/>
+              <a:t>7/7/2016</a:t>
+            </a:fld>
+            <a:endParaRPr lang="en-US"/>
+          </a:p>
+        </p:txBody>
+      </p:sp>
+      <p:sp>
+        <p:nvSpPr>
+          <p:cNvPr id="6" name="Footer Placeholder 5"/>
+          <p:cNvSpPr>
+            <a:spLocks noGrp="1"/>
+          </p:cNvSpPr>
+          <p:nvPr>
+            <p:ph type="ftr" sz="quarter" idx="11"/>
+          </p:nvPr>
+        </p:nvSpPr>
+        <p:spPr/>
+        <p:txBody>
+          <a:bodyPr/>
+          <a:lstStyle/>
+          <a:p>
+            <a:r>
+              <a:rPr lang="en-US"/>
+              <a:t>© 2015 EV3Lessons.com, Last edit 7/06/2016</a:t>
+            </a:r>
+            <a:endParaRPr lang="en-US" dirty="0"/>
+          </a:p>
+        </p:txBody>
+      </p:sp>
+      <p:sp>
+        <p:nvSpPr>
+          <p:cNvPr id="7" name="Slide Number Placeholder 6"/>
+          <p:cNvSpPr>
+            <a:spLocks noGrp="1"/>
+          </p:cNvSpPr>
+          <p:nvPr>
+            <p:ph type="sldNum" sz="quarter" idx="12"/>
+          </p:nvPr>
+        </p:nvSpPr>
+        <p:spPr/>
+        <p:txBody>
+          <a:bodyPr/>
+          <a:lstStyle/>
+          <a:p>
+            <a:fld id="{4382A7F7-08BF-4252-8141-63FB96055BBB}" type="slidenum">
+              <a:rPr lang="en-US" smtClean="0"/>
+              <a:t>‹#›</a:t>
+            </a:fld>
+            <a:endParaRPr lang="en-US"/>
+          </a:p>
+        </p:txBody>
+      </p:sp>
+    </p:spTree>
+    <p:extLst>
+      <p:ext uri="{BB962C8B-B14F-4D97-AF65-F5344CB8AC3E}">
+        <p14:creationId xmlns:p14="http://schemas.microsoft.com/office/powerpoint/2010/main" val="2659330182"/>
+      </p:ext>
+    </p:extLst>
+  </p:cSld>
+  <p:clrMapOvr>
+    <a:masterClrMapping/>
+  </p:clrMapOvr>
+</p:sldLayout>
+</file>
+
+<file path=ppt/slideLayouts/slideLayout16.xml><?xml version="1.0" encoding="utf-8"?>
+<p:sldLayout xmlns:a="http://schemas.openxmlformats.org/drawingml/2006/main" xmlns:r="http://schemas.openxmlformats.org/officeDocument/2006/relationships" xmlns:p="http://schemas.openxmlformats.org/presentationml/2006/main" type="twoTxTwoObj" preserve="1">
+  <p:cSld name="Comparison">
+    <p:spTree>
+      <p:nvGrpSpPr>
+        <p:cNvPr id="1" name=""/>
+        <p:cNvGrpSpPr/>
+        <p:nvPr/>
+      </p:nvGrpSpPr>
+      <p:grpSpPr>
+        <a:xfrm>
+          <a:off x="0" y="0"/>
+          <a:ext cx="0" cy="0"/>
+          <a:chOff x="0" y="0"/>
+          <a:chExt cx="0" cy="0"/>
+        </a:xfrm>
+      </p:grpSpPr>
+      <p:sp>
+        <p:nvSpPr>
+          <p:cNvPr id="10" name="Title 9"/>
+          <p:cNvSpPr>
+            <a:spLocks noGrp="1"/>
+          </p:cNvSpPr>
+          <p:nvPr>
+            <p:ph type="title"/>
+          </p:nvPr>
+        </p:nvSpPr>
+        <p:spPr>
+          <a:xfrm>
+            <a:off x="822960" y="286604"/>
+            <a:ext cx="7543800" cy="1450757"/>
+          </a:xfrm>
+        </p:spPr>
+        <p:txBody>
+          <a:bodyPr/>
+          <a:lstStyle/>
+          <a:p>
+            <a:r>
+              <a:rPr lang="en-US"/>
+              <a:t>Click to edit Master title style</a:t>
+            </a:r>
+            <a:endParaRPr lang="en-US" dirty="0"/>
+          </a:p>
+        </p:txBody>
+      </p:sp>
+      <p:sp>
+        <p:nvSpPr>
+          <p:cNvPr id="3" name="Text Placeholder 2"/>
+          <p:cNvSpPr>
+            <a:spLocks noGrp="1"/>
+          </p:cNvSpPr>
+          <p:nvPr>
+            <p:ph type="body" idx="1"/>
+          </p:nvPr>
+        </p:nvSpPr>
+        <p:spPr>
+          <a:xfrm>
+            <a:off x="822960" y="1846052"/>
+            <a:ext cx="3703320" cy="736282"/>
+          </a:xfrm>
+        </p:spPr>
+        <p:txBody>
+          <a:bodyPr lIns="91440" rIns="91440" anchor="ctr">
+            <a:normAutofit/>
+          </a:bodyPr>
+          <a:lstStyle>
+            <a:lvl1pPr marL="0" indent="0">
+              <a:buNone/>
+              <a:defRPr sz="2000" b="0" cap="all" baseline="0">
+                <a:solidFill>
+                  <a:schemeClr val="tx2"/>
+                </a:solidFill>
+              </a:defRPr>
+            </a:lvl1pPr>
+            <a:lvl2pPr marL="457200" indent="0">
+              <a:buNone/>
+              <a:defRPr sz="2000" b="1"/>
+            </a:lvl2pPr>
+            <a:lvl3pPr marL="914400" indent="0">
+              <a:buNone/>
+              <a:defRPr sz="1800" b="1"/>
+            </a:lvl3pPr>
+            <a:lvl4pPr marL="1371600" indent="0">
+              <a:buNone/>
+              <a:defRPr sz="1600" b="1"/>
+            </a:lvl4pPr>
+            <a:lvl5pPr marL="1828800" indent="0">
+              <a:buNone/>
+              <a:defRPr sz="1600" b="1"/>
+            </a:lvl5pPr>
+            <a:lvl6pPr marL="2286000" indent="0">
+              <a:buNone/>
+              <a:defRPr sz="1600" b="1"/>
+            </a:lvl6pPr>
+            <a:lvl7pPr marL="2743200" indent="0">
+              <a:buNone/>
+              <a:defRPr sz="1600" b="1"/>
+            </a:lvl7pPr>
+            <a:lvl8pPr marL="3200400" indent="0">
+              <a:buNone/>
+              <a:defRPr sz="1600" b="1"/>
+            </a:lvl8pPr>
+            <a:lvl9pPr marL="3657600" indent="0">
+              <a:buNone/>
+              <a:defRPr sz="1600" b="1"/>
+            </a:lvl9pPr>
+          </a:lstStyle>
+          <a:p>
+            <a:pPr lvl="0"/>
+            <a:r>
+              <a:rPr lang="en-US"/>
+              <a:t>Edit Master text styles</a:t>
+            </a:r>
+          </a:p>
+        </p:txBody>
+      </p:sp>
+      <p:sp>
+        <p:nvSpPr>
+          <p:cNvPr id="4" name="Content Placeholder 3"/>
+          <p:cNvSpPr>
+            <a:spLocks noGrp="1"/>
+          </p:cNvSpPr>
+          <p:nvPr>
+            <p:ph sz="half" idx="2"/>
+          </p:nvPr>
+        </p:nvSpPr>
+        <p:spPr>
+          <a:xfrm>
+            <a:off x="822960" y="2582334"/>
+            <a:ext cx="3703320" cy="3286760"/>
+          </a:xfrm>
+        </p:spPr>
+        <p:txBody>
+          <a:bodyPr/>
+          <a:lstStyle/>
+          <a:p>
+            <a:pPr lvl="0"/>
+            <a:r>
+              <a:rPr lang="en-US"/>
+              <a:t>Edit Master text styles</a:t>
+            </a:r>
+          </a:p>
+          <a:p>
+            <a:pPr lvl="1"/>
+            <a:r>
+              <a:rPr lang="en-US"/>
+              <a:t>Second level</a:t>
+            </a:r>
+          </a:p>
+          <a:p>
+            <a:pPr lvl="2"/>
+            <a:r>
+              <a:rPr lang="en-US"/>
+              <a:t>Third level</a:t>
+            </a:r>
+          </a:p>
+          <a:p>
+            <a:pPr lvl="3"/>
+            <a:r>
+              <a:rPr lang="en-US"/>
+              <a:t>Fourth level</a:t>
+            </a:r>
+          </a:p>
+          <a:p>
+            <a:pPr lvl="4"/>
+            <a:r>
+              <a:rPr lang="en-US"/>
+              <a:t>Fifth level</a:t>
+            </a:r>
+            <a:endParaRPr lang="en-US" dirty="0"/>
+          </a:p>
+        </p:txBody>
+      </p:sp>
+      <p:sp>
+        <p:nvSpPr>
+          <p:cNvPr id="5" name="Text Placeholder 4"/>
+          <p:cNvSpPr>
+            <a:spLocks noGrp="1"/>
+          </p:cNvSpPr>
+          <p:nvPr>
+            <p:ph type="body" sz="quarter" idx="3"/>
+          </p:nvPr>
+        </p:nvSpPr>
+        <p:spPr>
+          <a:xfrm>
+            <a:off x="4663440" y="1846052"/>
+            <a:ext cx="3703320" cy="736282"/>
+          </a:xfrm>
+        </p:spPr>
+        <p:txBody>
+          <a:bodyPr lIns="91440" rIns="91440" anchor="ctr">
+            <a:normAutofit/>
+          </a:bodyPr>
+          <a:lstStyle>
+            <a:lvl1pPr marL="0" indent="0">
+              <a:buNone/>
+              <a:defRPr sz="2000" b="0" cap="all" baseline="0">
+                <a:solidFill>
+                  <a:schemeClr val="tx2"/>
+                </a:solidFill>
+              </a:defRPr>
+            </a:lvl1pPr>
+            <a:lvl2pPr marL="457200" indent="0">
+              <a:buNone/>
+              <a:defRPr sz="2000" b="1"/>
+            </a:lvl2pPr>
+            <a:lvl3pPr marL="914400" indent="0">
+              <a:buNone/>
+              <a:defRPr sz="1800" b="1"/>
+            </a:lvl3pPr>
+            <a:lvl4pPr marL="1371600" indent="0">
+              <a:buNone/>
+              <a:defRPr sz="1600" b="1"/>
+            </a:lvl4pPr>
+            <a:lvl5pPr marL="1828800" indent="0">
+              <a:buNone/>
+              <a:defRPr sz="1600" b="1"/>
+            </a:lvl5pPr>
+            <a:lvl6pPr marL="2286000" indent="0">
+              <a:buNone/>
+              <a:defRPr sz="1600" b="1"/>
+            </a:lvl6pPr>
+            <a:lvl7pPr marL="2743200" indent="0">
+              <a:buNone/>
+              <a:defRPr sz="1600" b="1"/>
+            </a:lvl7pPr>
+            <a:lvl8pPr marL="3200400" indent="0">
+              <a:buNone/>
+              <a:defRPr sz="1600" b="1"/>
+            </a:lvl8pPr>
+            <a:lvl9pPr marL="3657600" indent="0">
+              <a:buNone/>
+              <a:defRPr sz="1600" b="1"/>
+            </a:lvl9pPr>
+          </a:lstStyle>
+          <a:p>
+            <a:pPr lvl="0"/>
+            <a:r>
+              <a:rPr lang="en-US"/>
+              <a:t>Edit Master text styles</a:t>
+            </a:r>
+          </a:p>
+        </p:txBody>
+      </p:sp>
+      <p:sp>
+        <p:nvSpPr>
+          <p:cNvPr id="6" name="Content Placeholder 5"/>
+          <p:cNvSpPr>
+            <a:spLocks noGrp="1"/>
+          </p:cNvSpPr>
+          <p:nvPr>
+            <p:ph sz="quarter" idx="4"/>
+          </p:nvPr>
+        </p:nvSpPr>
+        <p:spPr>
+          <a:xfrm>
+            <a:off x="4663440" y="2582334"/>
+            <a:ext cx="3703320" cy="3286760"/>
+          </a:xfrm>
+        </p:spPr>
+        <p:txBody>
+          <a:bodyPr/>
+          <a:lstStyle/>
+          <a:p>
+            <a:pPr lvl="0"/>
+            <a:r>
+              <a:rPr lang="en-US"/>
+              <a:t>Edit Master text styles</a:t>
+            </a:r>
+          </a:p>
+          <a:p>
+            <a:pPr lvl="1"/>
+            <a:r>
+              <a:rPr lang="en-US"/>
+              <a:t>Second level</a:t>
+            </a:r>
+          </a:p>
+          <a:p>
+            <a:pPr lvl="2"/>
+            <a:r>
+              <a:rPr lang="en-US"/>
+              <a:t>Third level</a:t>
+            </a:r>
+          </a:p>
+          <a:p>
+            <a:pPr lvl="3"/>
+            <a:r>
+              <a:rPr lang="en-US"/>
+              <a:t>Fourth level</a:t>
+            </a:r>
+          </a:p>
+          <a:p>
+            <a:pPr lvl="4"/>
+            <a:r>
+              <a:rPr lang="en-US"/>
+              <a:t>Fifth level</a:t>
+            </a:r>
+            <a:endParaRPr lang="en-US" dirty="0"/>
+          </a:p>
+        </p:txBody>
+      </p:sp>
+      <p:sp>
+        <p:nvSpPr>
+          <p:cNvPr id="7" name="Date Placeholder 6"/>
+          <p:cNvSpPr>
+            <a:spLocks noGrp="1"/>
+          </p:cNvSpPr>
+          <p:nvPr>
+            <p:ph type="dt" sz="half" idx="10"/>
+          </p:nvPr>
+        </p:nvSpPr>
+        <p:spPr/>
+        <p:txBody>
+          <a:bodyPr/>
+          <a:lstStyle/>
+          <a:p>
+            <a:fld id="{28E4BE7E-9042-4540-B0A0-C075778EBEC5}" type="datetime1">
+              <a:rPr lang="en-US" smtClean="0"/>
+              <a:t>7/7/2016</a:t>
+            </a:fld>
+            <a:endParaRPr lang="en-US"/>
+          </a:p>
+        </p:txBody>
+      </p:sp>
+      <p:sp>
+        <p:nvSpPr>
+          <p:cNvPr id="8" name="Footer Placeholder 7"/>
+          <p:cNvSpPr>
+            <a:spLocks noGrp="1"/>
+          </p:cNvSpPr>
+          <p:nvPr>
+            <p:ph type="ftr" sz="quarter" idx="11"/>
+          </p:nvPr>
+        </p:nvSpPr>
+        <p:spPr/>
+        <p:txBody>
+          <a:bodyPr/>
+          <a:lstStyle/>
+          <a:p>
+            <a:r>
+              <a:rPr lang="en-US"/>
+              <a:t>© 2015 EV3Lessons.com, Last edit 7/06/2016</a:t>
+            </a:r>
+          </a:p>
+        </p:txBody>
+      </p:sp>
+      <p:sp>
+        <p:nvSpPr>
+          <p:cNvPr id="9" name="Slide Number Placeholder 8"/>
+          <p:cNvSpPr>
+            <a:spLocks noGrp="1"/>
+          </p:cNvSpPr>
+          <p:nvPr>
+            <p:ph type="sldNum" sz="quarter" idx="12"/>
+          </p:nvPr>
+        </p:nvSpPr>
+        <p:spPr/>
+        <p:txBody>
+          <a:bodyPr/>
+          <a:lstStyle/>
+          <a:p>
+            <a:fld id="{4382A7F7-08BF-4252-8141-63FB96055BBB}" type="slidenum">
+              <a:rPr lang="en-US" smtClean="0"/>
+              <a:t>‹#›</a:t>
+            </a:fld>
+            <a:endParaRPr lang="en-US"/>
+          </a:p>
+        </p:txBody>
+      </p:sp>
+    </p:spTree>
+    <p:extLst>
+      <p:ext uri="{BB962C8B-B14F-4D97-AF65-F5344CB8AC3E}">
+        <p14:creationId xmlns:p14="http://schemas.microsoft.com/office/powerpoint/2010/main" val="1087820040"/>
+      </p:ext>
+    </p:extLst>
+  </p:cSld>
+  <p:clrMapOvr>
+    <a:masterClrMapping/>
+  </p:clrMapOvr>
+</p:sldLayout>
+</file>
+
+<file path=ppt/slideLayouts/slideLayout17.xml><?xml version="1.0" encoding="utf-8"?>
+<p:sldLayout xmlns:a="http://schemas.openxmlformats.org/drawingml/2006/main" xmlns:r="http://schemas.openxmlformats.org/officeDocument/2006/relationships" xmlns:p="http://schemas.openxmlformats.org/presentationml/2006/main" type="titleOnly" preserve="1">
+  <p:cSld name="Title Only">
+    <p:spTree>
+      <p:nvGrpSpPr>
+        <p:cNvPr id="1" name=""/>
+        <p:cNvGrpSpPr/>
+        <p:nvPr/>
+      </p:nvGrpSpPr>
+      <p:grpSpPr>
+        <a:xfrm>
+          <a:off x="0" y="0"/>
+          <a:ext cx="0" cy="0"/>
+          <a:chOff x="0" y="0"/>
+          <a:chExt cx="0" cy="0"/>
+        </a:xfrm>
+      </p:grpSpPr>
+      <p:sp>
+        <p:nvSpPr>
+          <p:cNvPr id="2" name="Title 1"/>
+          <p:cNvSpPr>
+            <a:spLocks noGrp="1"/>
+          </p:cNvSpPr>
+          <p:nvPr>
+            <p:ph type="title"/>
+          </p:nvPr>
+        </p:nvSpPr>
+        <p:spPr/>
+        <p:txBody>
+          <a:bodyPr/>
+          <a:lstStyle/>
+          <a:p>
+            <a:r>
+              <a:rPr lang="en-US"/>
+              <a:t>Click to edit Master title style</a:t>
+            </a:r>
+            <a:endParaRPr lang="en-US" dirty="0"/>
+          </a:p>
+        </p:txBody>
+      </p:sp>
+      <p:sp>
+        <p:nvSpPr>
+          <p:cNvPr id="3" name="Date Placeholder 2"/>
+          <p:cNvSpPr>
+            <a:spLocks noGrp="1"/>
+          </p:cNvSpPr>
+          <p:nvPr>
+            <p:ph type="dt" sz="half" idx="10"/>
+          </p:nvPr>
+        </p:nvSpPr>
+        <p:spPr/>
+        <p:txBody>
+          <a:bodyPr/>
+          <a:lstStyle/>
+          <a:p>
+            <a:fld id="{2C940B1E-EF49-433A-B93C-6B560B61BE32}" type="datetime1">
+              <a:rPr lang="en-US" smtClean="0"/>
+              <a:t>7/7/2016</a:t>
+            </a:fld>
+            <a:endParaRPr lang="en-US"/>
+          </a:p>
+        </p:txBody>
+      </p:sp>
+      <p:sp>
+        <p:nvSpPr>
+          <p:cNvPr id="4" name="Footer Placeholder 3"/>
+          <p:cNvSpPr>
+            <a:spLocks noGrp="1"/>
+          </p:cNvSpPr>
+          <p:nvPr>
+            <p:ph type="ftr" sz="quarter" idx="11"/>
+          </p:nvPr>
+        </p:nvSpPr>
+        <p:spPr/>
+        <p:txBody>
+          <a:bodyPr/>
+          <a:lstStyle/>
+          <a:p>
+            <a:r>
+              <a:rPr lang="en-US"/>
+              <a:t>© 2015 EV3Lessons.com, Last edit 7/06/2016</a:t>
+            </a:r>
+          </a:p>
+        </p:txBody>
+      </p:sp>
+      <p:sp>
+        <p:nvSpPr>
+          <p:cNvPr id="5" name="Slide Number Placeholder 4"/>
+          <p:cNvSpPr>
+            <a:spLocks noGrp="1"/>
+          </p:cNvSpPr>
+          <p:nvPr>
+            <p:ph type="sldNum" sz="quarter" idx="12"/>
+          </p:nvPr>
+        </p:nvSpPr>
+        <p:spPr/>
+        <p:txBody>
+          <a:bodyPr/>
+          <a:lstStyle/>
+          <a:p>
+            <a:fld id="{4382A7F7-08BF-4252-8141-63FB96055BBB}" type="slidenum">
+              <a:rPr lang="en-US" smtClean="0"/>
+              <a:t>‹#›</a:t>
+            </a:fld>
+            <a:endParaRPr lang="en-US"/>
+          </a:p>
+        </p:txBody>
+      </p:sp>
+    </p:spTree>
+    <p:extLst>
+      <p:ext uri="{BB962C8B-B14F-4D97-AF65-F5344CB8AC3E}">
+        <p14:creationId xmlns:p14="http://schemas.microsoft.com/office/powerpoint/2010/main" val="3786508469"/>
+      </p:ext>
+    </p:extLst>
+  </p:cSld>
+  <p:clrMapOvr>
+    <a:masterClrMapping/>
+  </p:clrMapOvr>
+</p:sldLayout>
+</file>
+
+<file path=ppt/slideLayouts/slideLayout18.xml><?xml version="1.0" encoding="utf-8"?>
+<p:sldLayout xmlns:a="http://schemas.openxmlformats.org/drawingml/2006/main" xmlns:r="http://schemas.openxmlformats.org/officeDocument/2006/relationships" xmlns:p="http://schemas.openxmlformats.org/presentationml/2006/main" showMasterSp="0" type="blank" preserve="1">
+  <p:cSld name="Blank">
+    <p:spTree>
+      <p:nvGrpSpPr>
+        <p:cNvPr id="1" name=""/>
+        <p:cNvGrpSpPr/>
+        <p:nvPr/>
+      </p:nvGrpSpPr>
+      <p:grpSpPr>
+        <a:xfrm>
+          <a:off x="0" y="0"/>
+          <a:ext cx="0" cy="0"/>
+          <a:chOff x="0" y="0"/>
+          <a:chExt cx="0" cy="0"/>
+        </a:xfrm>
+      </p:grpSpPr>
+      <p:sp>
+        <p:nvSpPr>
+          <p:cNvPr id="5" name="Rectangle 4"/>
+          <p:cNvSpPr/>
+          <p:nvPr/>
+        </p:nvSpPr>
+        <p:spPr>
+          <a:xfrm>
+            <a:off x="2382" y="6400800"/>
+            <a:ext cx="9141619" cy="457200"/>
+          </a:xfrm>
+          <a:prstGeom prst="rect">
+            <a:avLst/>
+          </a:prstGeom>
+          <a:solidFill>
+            <a:schemeClr val="accent2"/>
+          </a:solidFill>
+          <a:ln>
+            <a:noFill/>
+          </a:ln>
+        </p:spPr>
+        <p:style>
+          <a:lnRef idx="2">
+            <a:schemeClr val="accent1">
+              <a:shade val="50000"/>
+            </a:schemeClr>
+          </a:lnRef>
+          <a:fillRef idx="1">
+            <a:schemeClr val="accent1"/>
+          </a:fillRef>
+          <a:effectRef idx="0">
+            <a:schemeClr val="accent1"/>
+          </a:effectRef>
+          <a:fontRef idx="minor">
+            <a:schemeClr val="lt1"/>
+          </a:fontRef>
+        </p:style>
+      </p:sp>
+      <p:sp>
+        <p:nvSpPr>
+          <p:cNvPr id="6" name="Rectangle 5"/>
+          <p:cNvSpPr/>
+          <p:nvPr/>
+        </p:nvSpPr>
+        <p:spPr>
+          <a:xfrm>
+            <a:off x="12" y="6334316"/>
+            <a:ext cx="9141619" cy="64008"/>
+          </a:xfrm>
+          <a:prstGeom prst="rect">
+            <a:avLst/>
+          </a:prstGeom>
+          <a:solidFill>
+            <a:schemeClr val="accent1"/>
+          </a:solidFill>
+          <a:ln>
+            <a:noFill/>
+          </a:ln>
+        </p:spPr>
+        <p:style>
+          <a:lnRef idx="2">
+            <a:schemeClr val="accent1">
+              <a:shade val="50000"/>
+            </a:schemeClr>
+          </a:lnRef>
+          <a:fillRef idx="1">
+            <a:schemeClr val="accent1"/>
+          </a:fillRef>
+          <a:effectRef idx="0">
+            <a:schemeClr val="accent1"/>
+          </a:effectRef>
+          <a:fontRef idx="minor">
+            <a:schemeClr val="lt1"/>
+          </a:fontRef>
+        </p:style>
+      </p:sp>
+      <p:sp>
+        <p:nvSpPr>
+          <p:cNvPr id="7" name="Date Placeholder 6"/>
+          <p:cNvSpPr>
+            <a:spLocks noGrp="1"/>
+          </p:cNvSpPr>
+          <p:nvPr>
+            <p:ph type="dt" sz="half" idx="10"/>
+          </p:nvPr>
+        </p:nvSpPr>
+        <p:spPr/>
+        <p:txBody>
+          <a:bodyPr/>
+          <a:lstStyle/>
+          <a:p>
+            <a:fld id="{5DCE2B37-C8E0-460F-A80D-CE79818E55B4}" type="datetime1">
+              <a:rPr lang="en-US" smtClean="0"/>
+              <a:t>7/7/2016</a:t>
+            </a:fld>
+            <a:endParaRPr lang="en-US"/>
+          </a:p>
+        </p:txBody>
+      </p:sp>
+      <p:sp>
+        <p:nvSpPr>
+          <p:cNvPr id="8" name="Footer Placeholder 7"/>
+          <p:cNvSpPr>
+            <a:spLocks noGrp="1"/>
+          </p:cNvSpPr>
+          <p:nvPr>
+            <p:ph type="ftr" sz="quarter" idx="11"/>
+          </p:nvPr>
+        </p:nvSpPr>
+        <p:spPr/>
+        <p:txBody>
+          <a:bodyPr/>
+          <a:lstStyle>
+            <a:lvl1pPr>
+              <a:defRPr>
+                <a:solidFill>
+                  <a:srgbClr val="FFFFFF"/>
+                </a:solidFill>
+              </a:defRPr>
+            </a:lvl1pPr>
+          </a:lstStyle>
+          <a:p>
+            <a:r>
+              <a:rPr lang="en-US"/>
+              <a:t>© 2015 EV3Lessons.com, Last edit 7/06/2016</a:t>
+            </a:r>
+          </a:p>
+        </p:txBody>
+      </p:sp>
+      <p:sp>
+        <p:nvSpPr>
+          <p:cNvPr id="9" name="Slide Number Placeholder 8"/>
+          <p:cNvSpPr>
+            <a:spLocks noGrp="1"/>
+          </p:cNvSpPr>
+          <p:nvPr>
+            <p:ph type="sldNum" sz="quarter" idx="12"/>
+          </p:nvPr>
+        </p:nvSpPr>
+        <p:spPr/>
+        <p:txBody>
+          <a:bodyPr/>
+          <a:lstStyle/>
+          <a:p>
+            <a:fld id="{4382A7F7-08BF-4252-8141-63FB96055BBB}" type="slidenum">
+              <a:rPr lang="en-US" smtClean="0"/>
+              <a:t>‹#›</a:t>
+            </a:fld>
+            <a:endParaRPr lang="en-US"/>
+          </a:p>
+        </p:txBody>
+      </p:sp>
+    </p:spTree>
+    <p:extLst>
+      <p:ext uri="{BB962C8B-B14F-4D97-AF65-F5344CB8AC3E}">
+        <p14:creationId xmlns:p14="http://schemas.microsoft.com/office/powerpoint/2010/main" val="3722317762"/>
+      </p:ext>
+    </p:extLst>
+  </p:cSld>
+  <p:clrMapOvr>
+    <a:masterClrMapping/>
+  </p:clrMapOvr>
+</p:sldLayout>
+</file>
+
+<file path=ppt/slideLayouts/slideLayout19.xml><?xml version="1.0" encoding="utf-8"?>
+<p:sldLayout xmlns:a="http://schemas.openxmlformats.org/drawingml/2006/main" xmlns:r="http://schemas.openxmlformats.org/officeDocument/2006/relationships" xmlns:p="http://schemas.openxmlformats.org/presentationml/2006/main" showMasterSp="0" type="objTx" preserve="1">
+  <p:cSld name="Content with Caption">
+    <p:spTree>
+      <p:nvGrpSpPr>
+        <p:cNvPr id="1" name=""/>
+        <p:cNvGrpSpPr/>
+        <p:nvPr/>
+      </p:nvGrpSpPr>
+      <p:grpSpPr>
+        <a:xfrm>
+          <a:off x="0" y="0"/>
+          <a:ext cx="0" cy="0"/>
+          <a:chOff x="0" y="0"/>
+          <a:chExt cx="0" cy="0"/>
+        </a:xfrm>
+      </p:grpSpPr>
+      <p:sp>
+        <p:nvSpPr>
+          <p:cNvPr id="8" name="Rectangle 7"/>
+          <p:cNvSpPr/>
+          <p:nvPr/>
+        </p:nvSpPr>
+        <p:spPr>
+          <a:xfrm>
+            <a:off x="13" y="0"/>
+            <a:ext cx="3038093" cy="6858000"/>
+          </a:xfrm>
+          <a:prstGeom prst="rect">
+            <a:avLst/>
+          </a:prstGeom>
+          <a:solidFill>
+            <a:schemeClr val="accent2"/>
+          </a:solidFill>
+          <a:ln>
+            <a:noFill/>
+          </a:ln>
+        </p:spPr>
+        <p:style>
+          <a:lnRef idx="2">
+            <a:schemeClr val="accent1">
+              <a:shade val="50000"/>
+            </a:schemeClr>
+          </a:lnRef>
+          <a:fillRef idx="1">
+            <a:schemeClr val="accent1"/>
+          </a:fillRef>
+          <a:effectRef idx="0">
+            <a:schemeClr val="accent1"/>
+          </a:effectRef>
+          <a:fontRef idx="minor">
+            <a:schemeClr val="lt1"/>
+          </a:fontRef>
+        </p:style>
+      </p:sp>
+      <p:sp>
+        <p:nvSpPr>
+          <p:cNvPr id="9" name="Rectangle 8"/>
+          <p:cNvSpPr/>
+          <p:nvPr/>
+        </p:nvSpPr>
+        <p:spPr>
+          <a:xfrm>
+            <a:off x="3030053" y="0"/>
+            <a:ext cx="48006" cy="6858000"/>
+          </a:xfrm>
+          <a:prstGeom prst="rect">
+            <a:avLst/>
+          </a:prstGeom>
+          <a:solidFill>
+            <a:schemeClr val="accent1"/>
+          </a:solidFill>
+          <a:ln>
+            <a:noFill/>
+          </a:ln>
+        </p:spPr>
+        <p:style>
+          <a:lnRef idx="2">
+            <a:schemeClr val="accent1">
+              <a:shade val="50000"/>
+            </a:schemeClr>
+          </a:lnRef>
+          <a:fillRef idx="1">
+            <a:schemeClr val="accent1"/>
+          </a:fillRef>
+          <a:effectRef idx="0">
+            <a:schemeClr val="accent1"/>
+          </a:effectRef>
+          <a:fontRef idx="minor">
+            <a:schemeClr val="lt1"/>
+          </a:fontRef>
+        </p:style>
+      </p:sp>
+      <p:sp>
+        <p:nvSpPr>
+          <p:cNvPr id="2" name="Title 1"/>
+          <p:cNvSpPr>
+            <a:spLocks noGrp="1"/>
+          </p:cNvSpPr>
+          <p:nvPr>
+            <p:ph type="title"/>
+          </p:nvPr>
+        </p:nvSpPr>
+        <p:spPr>
+          <a:xfrm>
+            <a:off x="342900" y="594359"/>
+            <a:ext cx="2400300" cy="2286000"/>
+          </a:xfrm>
+        </p:spPr>
+        <p:txBody>
+          <a:bodyPr anchor="b">
+            <a:normAutofit/>
+          </a:bodyPr>
+          <a:lstStyle>
+            <a:lvl1pPr>
+              <a:defRPr sz="3600" b="0">
+                <a:solidFill>
+                  <a:srgbClr val="FFFFFF"/>
+                </a:solidFill>
+              </a:defRPr>
+            </a:lvl1pPr>
+          </a:lstStyle>
+          <a:p>
+            <a:r>
+              <a:rPr lang="en-US"/>
+              <a:t>Click to edit Master title style</a:t>
+            </a:r>
+            <a:endParaRPr lang="en-US" dirty="0"/>
+          </a:p>
+        </p:txBody>
+      </p:sp>
+      <p:sp>
+        <p:nvSpPr>
+          <p:cNvPr id="3" name="Content Placeholder 2"/>
+          <p:cNvSpPr>
+            <a:spLocks noGrp="1"/>
+          </p:cNvSpPr>
+          <p:nvPr>
+            <p:ph idx="1"/>
+          </p:nvPr>
+        </p:nvSpPr>
+        <p:spPr>
+          <a:xfrm>
+            <a:off x="3460237" y="731520"/>
+            <a:ext cx="5009393" cy="5257800"/>
+          </a:xfrm>
+        </p:spPr>
+        <p:txBody>
+          <a:bodyPr/>
+          <a:lstStyle/>
+          <a:p>
+            <a:pPr lvl="0"/>
+            <a:r>
+              <a:rPr lang="en-US"/>
+              <a:t>Edit Master text styles</a:t>
+            </a:r>
+          </a:p>
+          <a:p>
+            <a:pPr lvl="1"/>
+            <a:r>
+              <a:rPr lang="en-US"/>
+              <a:t>Second level</a:t>
+            </a:r>
+          </a:p>
+          <a:p>
+            <a:pPr lvl="2"/>
+            <a:r>
+              <a:rPr lang="en-US"/>
+              <a:t>Third level</a:t>
+            </a:r>
+          </a:p>
+          <a:p>
+            <a:pPr lvl="3"/>
+            <a:r>
+              <a:rPr lang="en-US"/>
+              <a:t>Fourth level</a:t>
+            </a:r>
+          </a:p>
+          <a:p>
+            <a:pPr lvl="4"/>
+            <a:r>
+              <a:rPr lang="en-US"/>
+              <a:t>Fifth level</a:t>
+            </a:r>
+            <a:endParaRPr lang="en-US" dirty="0"/>
+          </a:p>
+        </p:txBody>
+      </p:sp>
+      <p:sp>
+        <p:nvSpPr>
+          <p:cNvPr id="4" name="Text Placeholder 3"/>
+          <p:cNvSpPr>
+            <a:spLocks noGrp="1"/>
+          </p:cNvSpPr>
+          <p:nvPr>
+            <p:ph type="body" sz="half" idx="2"/>
+          </p:nvPr>
+        </p:nvSpPr>
+        <p:spPr>
+          <a:xfrm>
+            <a:off x="342900" y="2926080"/>
+            <a:ext cx="2400300" cy="3379124"/>
+          </a:xfrm>
+        </p:spPr>
+        <p:txBody>
+          <a:bodyPr lIns="91440" rIns="91440">
+            <a:normAutofit/>
+          </a:bodyPr>
+          <a:lstStyle>
+            <a:lvl1pPr marL="0" indent="0">
+              <a:buNone/>
+              <a:defRPr sz="1500">
+                <a:solidFill>
+                  <a:srgbClr val="FFFFFF"/>
+                </a:solidFill>
+              </a:defRPr>
+            </a:lvl1pPr>
+            <a:lvl2pPr marL="457200" indent="0">
+              <a:buNone/>
+              <a:defRPr sz="1200"/>
+            </a:lvl2pPr>
+            <a:lvl3pPr marL="914400" indent="0">
+              <a:buNone/>
+              <a:defRPr sz="1000"/>
+            </a:lvl3pPr>
+            <a:lvl4pPr marL="1371600" indent="0">
+              <a:buNone/>
+              <a:defRPr sz="900"/>
+            </a:lvl4pPr>
+            <a:lvl5pPr marL="1828800" indent="0">
+              <a:buNone/>
+              <a:defRPr sz="900"/>
+            </a:lvl5pPr>
+            <a:lvl6pPr marL="2286000" indent="0">
+              <a:buNone/>
+              <a:defRPr sz="900"/>
+            </a:lvl6pPr>
+            <a:lvl7pPr marL="2743200" indent="0">
+              <a:buNone/>
+              <a:defRPr sz="900"/>
+            </a:lvl7pPr>
+            <a:lvl8pPr marL="3200400" indent="0">
+              <a:buNone/>
+              <a:defRPr sz="900"/>
+            </a:lvl8pPr>
+            <a:lvl9pPr marL="3657600" indent="0">
+              <a:buNone/>
+              <a:defRPr sz="900"/>
+            </a:lvl9pPr>
+          </a:lstStyle>
+          <a:p>
+            <a:pPr lvl="0"/>
+            <a:r>
+              <a:rPr lang="en-US"/>
+              <a:t>Edit Master text styles</a:t>
+            </a:r>
+          </a:p>
+        </p:txBody>
+      </p:sp>
+      <p:sp>
+        <p:nvSpPr>
+          <p:cNvPr id="5" name="Date Placeholder 4"/>
+          <p:cNvSpPr>
+            <a:spLocks noGrp="1"/>
+          </p:cNvSpPr>
+          <p:nvPr>
+            <p:ph type="dt" sz="half" idx="10"/>
+          </p:nvPr>
+        </p:nvSpPr>
+        <p:spPr>
+          <a:xfrm>
+            <a:off x="349134" y="6459786"/>
+            <a:ext cx="1963883" cy="365125"/>
+          </a:xfrm>
+        </p:spPr>
+        <p:txBody>
+          <a:bodyPr/>
+          <a:lstStyle>
+            <a:lvl1pPr algn="l">
+              <a:defRPr/>
+            </a:lvl1pPr>
+          </a:lstStyle>
+          <a:p>
+            <a:fld id="{9274C677-3F83-46AA-9140-16A297CD6D7F}" type="datetime1">
+              <a:rPr lang="en-US" smtClean="0"/>
+              <a:t>7/7/2016</a:t>
+            </a:fld>
+            <a:endParaRPr lang="en-US"/>
+          </a:p>
+        </p:txBody>
+      </p:sp>
+      <p:sp>
+        <p:nvSpPr>
+          <p:cNvPr id="6" name="Footer Placeholder 5"/>
+          <p:cNvSpPr>
+            <a:spLocks noGrp="1"/>
+          </p:cNvSpPr>
+          <p:nvPr>
+            <p:ph type="ftr" sz="quarter" idx="11"/>
+          </p:nvPr>
+        </p:nvSpPr>
+        <p:spPr>
+          <a:xfrm>
+            <a:off x="3600450" y="6459786"/>
+            <a:ext cx="3486150" cy="365125"/>
+          </a:xfrm>
+        </p:spPr>
+        <p:txBody>
+          <a:bodyPr/>
+          <a:lstStyle>
+            <a:lvl1pPr algn="l">
+              <a:defRPr>
+                <a:solidFill>
+                  <a:schemeClr val="tx2"/>
+                </a:solidFill>
+              </a:defRPr>
+            </a:lvl1pPr>
+          </a:lstStyle>
+          <a:p>
+            <a:r>
+              <a:rPr lang="en-US"/>
+              <a:t>© 2015 EV3Lessons.com, Last edit 7/06/2016</a:t>
+            </a:r>
+          </a:p>
+        </p:txBody>
+      </p:sp>
+      <p:sp>
+        <p:nvSpPr>
+          <p:cNvPr id="7" name="Slide Number Placeholder 6"/>
+          <p:cNvSpPr>
+            <a:spLocks noGrp="1"/>
+          </p:cNvSpPr>
+          <p:nvPr>
+            <p:ph type="sldNum" sz="quarter" idx="12"/>
+          </p:nvPr>
+        </p:nvSpPr>
+        <p:spPr/>
+        <p:txBody>
+          <a:bodyPr/>
+          <a:lstStyle>
+            <a:lvl1pPr>
+              <a:defRPr>
+                <a:solidFill>
+                  <a:schemeClr val="tx2"/>
+                </a:solidFill>
+              </a:defRPr>
+            </a:lvl1pPr>
+          </a:lstStyle>
+          <a:p>
+            <a:fld id="{7F5CE407-6216-4202-80E4-A30DC2F709B2}" type="slidenum">
+              <a:rPr lang="en-US" smtClean="0"/>
+              <a:t>‹#›</a:t>
+            </a:fld>
+            <a:endParaRPr lang="en-US"/>
+          </a:p>
+        </p:txBody>
+      </p:sp>
+    </p:spTree>
+    <p:extLst>
+      <p:ext uri="{BB962C8B-B14F-4D97-AF65-F5344CB8AC3E}">
+        <p14:creationId xmlns:p14="http://schemas.microsoft.com/office/powerpoint/2010/main" val="3429051192"/>
       </p:ext>
     </p:extLst>
   </p:cSld>
@@ -1683,83 +4056,83 @@
           <a:lstStyle/>
           <a:p>
             <a:r>
+              <a:rPr lang="en-US"/>
+              <a:t>Click to edit Master title style</a:t>
+            </a:r>
+            <a:endParaRPr lang="en-US" dirty="0"/>
+          </a:p>
+        </p:txBody>
+      </p:sp>
+      <p:sp>
+        <p:nvSpPr>
+          <p:cNvPr id="3" name="Content Placeholder 2"/>
+          <p:cNvSpPr>
+            <a:spLocks noGrp="1"/>
+          </p:cNvSpPr>
+          <p:nvPr>
+            <p:ph idx="1"/>
+          </p:nvPr>
+        </p:nvSpPr>
+        <p:spPr/>
+        <p:txBody>
+          <a:bodyPr/>
+          <a:lstStyle/>
+          <a:p>
+            <a:pPr lvl="0"/>
+            <a:r>
+              <a:rPr lang="en-US"/>
+              <a:t>Click to edit Master text styles</a:t>
+            </a:r>
+          </a:p>
+          <a:p>
+            <a:pPr lvl="1"/>
+            <a:r>
+              <a:rPr lang="en-US"/>
+              <a:t>Second level</a:t>
+            </a:r>
+          </a:p>
+          <a:p>
+            <a:pPr lvl="2"/>
+            <a:r>
+              <a:rPr lang="en-US"/>
+              <a:t>Third level</a:t>
+            </a:r>
+          </a:p>
+          <a:p>
+            <a:pPr lvl="3"/>
+            <a:r>
+              <a:rPr lang="en-US"/>
+              <a:t>Fourth level</a:t>
+            </a:r>
+          </a:p>
+          <a:p>
+            <a:pPr lvl="4"/>
+            <a:r>
+              <a:rPr lang="en-US"/>
+              <a:t>Fifth level</a:t>
+            </a:r>
+            <a:endParaRPr lang="en-US" dirty="0"/>
+          </a:p>
+        </p:txBody>
+      </p:sp>
+      <p:sp>
+        <p:nvSpPr>
+          <p:cNvPr id="4" name="Date Placeholder 3"/>
+          <p:cNvSpPr>
+            <a:spLocks noGrp="1"/>
+          </p:cNvSpPr>
+          <p:nvPr>
+            <p:ph type="dt" sz="half" idx="10"/>
+          </p:nvPr>
+        </p:nvSpPr>
+        <p:spPr/>
+        <p:txBody>
+          <a:bodyPr/>
+          <a:lstStyle/>
+          <a:p>
+            <a:fld id="{8BFFA0A4-E670-4607-924C-EFC02F8D61EE}" type="datetime1">
               <a:rPr lang="en-US" smtClean="0"/>
-              <a:t>Click to edit Master title style</a:t>
-            </a:r>
-            <a:endParaRPr lang="en-US" dirty="0"/>
-          </a:p>
-        </p:txBody>
-      </p:sp>
-      <p:sp>
-        <p:nvSpPr>
-          <p:cNvPr id="3" name="Content Placeholder 2"/>
-          <p:cNvSpPr>
-            <a:spLocks noGrp="1"/>
-          </p:cNvSpPr>
-          <p:nvPr>
-            <p:ph idx="1"/>
-          </p:nvPr>
-        </p:nvSpPr>
-        <p:spPr/>
-        <p:txBody>
-          <a:bodyPr/>
-          <a:lstStyle/>
-          <a:p>
-            <a:pPr lvl="0"/>
-            <a:r>
-              <a:rPr lang="en-US" smtClean="0"/>
-              <a:t>Click to edit Master text styles</a:t>
-            </a:r>
-          </a:p>
-          <a:p>
-            <a:pPr lvl="1"/>
-            <a:r>
-              <a:rPr lang="en-US" smtClean="0"/>
-              <a:t>Second level</a:t>
-            </a:r>
-          </a:p>
-          <a:p>
-            <a:pPr lvl="2"/>
-            <a:r>
-              <a:rPr lang="en-US" smtClean="0"/>
-              <a:t>Third level</a:t>
-            </a:r>
-          </a:p>
-          <a:p>
-            <a:pPr lvl="3"/>
-            <a:r>
-              <a:rPr lang="en-US" smtClean="0"/>
-              <a:t>Fourth level</a:t>
-            </a:r>
-          </a:p>
-          <a:p>
-            <a:pPr lvl="4"/>
-            <a:r>
-              <a:rPr lang="en-US" smtClean="0"/>
-              <a:t>Fifth level</a:t>
-            </a:r>
-            <a:endParaRPr lang="en-US" dirty="0"/>
-          </a:p>
-        </p:txBody>
-      </p:sp>
-      <p:sp>
-        <p:nvSpPr>
-          <p:cNvPr id="4" name="Date Placeholder 3"/>
-          <p:cNvSpPr>
-            <a:spLocks noGrp="1"/>
-          </p:cNvSpPr>
-          <p:nvPr>
-            <p:ph type="dt" sz="half" idx="10"/>
-          </p:nvPr>
-        </p:nvSpPr>
-        <p:spPr/>
-        <p:txBody>
-          <a:bodyPr/>
-          <a:lstStyle/>
-          <a:p>
-            <a:fld id="{6964D4EB-A2A3-5D46-A2E3-B082D53C11C5}" type="datetime1">
-              <a:rPr lang="en-US" smtClean="0"/>
-              <a:t>11/13/15</a:t>
+              <a:t>7/7/2016</a:t>
             </a:fld>
             <a:endParaRPr lang="en-US"/>
           </a:p>
@@ -1781,10 +4154,9 @@
           <a:lstStyle/>
           <a:p>
             <a:r>
-              <a:rPr lang="sk-SK" smtClean="0"/>
-              <a:t>© 2015 EV3Lessons.com, Last edit 11/13/2015</a:t>
-            </a:r>
-            <a:endParaRPr lang="en-US"/>
+              <a:rPr lang="en-US"/>
+              <a:t>© 2015 EV3Lessons.com, Last edit 7/06/2016</a:t>
+            </a:r>
           </a:p>
         </p:txBody>
       </p:sp>
@@ -1815,6 +4187,802 @@
     <p:extLst>
       <p:ext uri="{BB962C8B-B14F-4D97-AF65-F5344CB8AC3E}">
         <p14:creationId xmlns:p14="http://schemas.microsoft.com/office/powerpoint/2010/main" val="902093918"/>
+      </p:ext>
+    </p:extLst>
+  </p:cSld>
+  <p:clrMapOvr>
+    <a:masterClrMapping/>
+  </p:clrMapOvr>
+</p:sldLayout>
+</file>
+
+<file path=ppt/slideLayouts/slideLayout20.xml><?xml version="1.0" encoding="utf-8"?>
+<p:sldLayout xmlns:a="http://schemas.openxmlformats.org/drawingml/2006/main" xmlns:r="http://schemas.openxmlformats.org/officeDocument/2006/relationships" xmlns:p="http://schemas.openxmlformats.org/presentationml/2006/main" showMasterSp="0" type="picTx" preserve="1">
+  <p:cSld name="Picture with Caption">
+    <p:spTree>
+      <p:nvGrpSpPr>
+        <p:cNvPr id="1" name=""/>
+        <p:cNvGrpSpPr/>
+        <p:nvPr/>
+      </p:nvGrpSpPr>
+      <p:grpSpPr>
+        <a:xfrm>
+          <a:off x="0" y="0"/>
+          <a:ext cx="0" cy="0"/>
+          <a:chOff x="0" y="0"/>
+          <a:chExt cx="0" cy="0"/>
+        </a:xfrm>
+      </p:grpSpPr>
+      <p:sp>
+        <p:nvSpPr>
+          <p:cNvPr id="8" name="Rectangle 7"/>
+          <p:cNvSpPr/>
+          <p:nvPr/>
+        </p:nvSpPr>
+        <p:spPr>
+          <a:xfrm>
+            <a:off x="0" y="4953000"/>
+            <a:ext cx="9141619" cy="1905000"/>
+          </a:xfrm>
+          <a:prstGeom prst="rect">
+            <a:avLst/>
+          </a:prstGeom>
+          <a:solidFill>
+            <a:schemeClr val="accent2"/>
+          </a:solidFill>
+          <a:ln>
+            <a:noFill/>
+          </a:ln>
+        </p:spPr>
+        <p:style>
+          <a:lnRef idx="2">
+            <a:schemeClr val="accent1">
+              <a:shade val="50000"/>
+            </a:schemeClr>
+          </a:lnRef>
+          <a:fillRef idx="1">
+            <a:schemeClr val="accent1"/>
+          </a:fillRef>
+          <a:effectRef idx="0">
+            <a:schemeClr val="accent1"/>
+          </a:effectRef>
+          <a:fontRef idx="minor">
+            <a:schemeClr val="lt1"/>
+          </a:fontRef>
+        </p:style>
+      </p:sp>
+      <p:sp>
+        <p:nvSpPr>
+          <p:cNvPr id="9" name="Rectangle 8"/>
+          <p:cNvSpPr/>
+          <p:nvPr/>
+        </p:nvSpPr>
+        <p:spPr>
+          <a:xfrm>
+            <a:off x="12" y="4915076"/>
+            <a:ext cx="9141619" cy="64008"/>
+          </a:xfrm>
+          <a:prstGeom prst="rect">
+            <a:avLst/>
+          </a:prstGeom>
+          <a:solidFill>
+            <a:schemeClr val="accent1"/>
+          </a:solidFill>
+          <a:ln>
+            <a:noFill/>
+          </a:ln>
+        </p:spPr>
+        <p:style>
+          <a:lnRef idx="2">
+            <a:schemeClr val="accent1">
+              <a:shade val="50000"/>
+            </a:schemeClr>
+          </a:lnRef>
+          <a:fillRef idx="1">
+            <a:schemeClr val="accent1"/>
+          </a:fillRef>
+          <a:effectRef idx="0">
+            <a:schemeClr val="accent1"/>
+          </a:effectRef>
+          <a:fontRef idx="minor">
+            <a:schemeClr val="lt1"/>
+          </a:fontRef>
+        </p:style>
+      </p:sp>
+      <p:sp>
+        <p:nvSpPr>
+          <p:cNvPr id="2" name="Title 1"/>
+          <p:cNvSpPr>
+            <a:spLocks noGrp="1"/>
+          </p:cNvSpPr>
+          <p:nvPr>
+            <p:ph type="title"/>
+          </p:nvPr>
+        </p:nvSpPr>
+        <p:spPr>
+          <a:xfrm>
+            <a:off x="822960" y="5074920"/>
+            <a:ext cx="7589520" cy="822960"/>
+          </a:xfrm>
+        </p:spPr>
+        <p:txBody>
+          <a:bodyPr tIns="0" bIns="0" anchor="b">
+            <a:noAutofit/>
+          </a:bodyPr>
+          <a:lstStyle>
+            <a:lvl1pPr>
+              <a:defRPr sz="3600" b="0">
+                <a:solidFill>
+                  <a:srgbClr val="FFFFFF"/>
+                </a:solidFill>
+              </a:defRPr>
+            </a:lvl1pPr>
+          </a:lstStyle>
+          <a:p>
+            <a:r>
+              <a:rPr lang="en-US"/>
+              <a:t>Click to edit Master title style</a:t>
+            </a:r>
+            <a:endParaRPr lang="en-US" dirty="0"/>
+          </a:p>
+        </p:txBody>
+      </p:sp>
+      <p:sp>
+        <p:nvSpPr>
+          <p:cNvPr id="3" name="Picture Placeholder 2"/>
+          <p:cNvSpPr>
+            <a:spLocks noGrp="1" noChangeAspect="1"/>
+          </p:cNvSpPr>
+          <p:nvPr>
+            <p:ph type="pic" idx="1"/>
+          </p:nvPr>
+        </p:nvSpPr>
+        <p:spPr>
+          <a:xfrm>
+            <a:off x="12" y="0"/>
+            <a:ext cx="9143989" cy="4915076"/>
+          </a:xfrm>
+          <a:blipFill>
+            <a:blip r:embed="rId2"/>
+            <a:stretch>
+              <a:fillRect/>
+            </a:stretch>
+          </a:blipFill>
+        </p:spPr>
+        <p:txBody>
+          <a:bodyPr lIns="457200" tIns="457200" anchor="t"/>
+          <a:lstStyle>
+            <a:lvl1pPr marL="0" indent="0">
+              <a:buNone/>
+              <a:defRPr sz="3200">
+                <a:solidFill>
+                  <a:schemeClr val="bg1"/>
+                </a:solidFill>
+              </a:defRPr>
+            </a:lvl1pPr>
+            <a:lvl2pPr marL="457200" indent="0">
+              <a:buNone/>
+              <a:defRPr sz="2800"/>
+            </a:lvl2pPr>
+            <a:lvl3pPr marL="914400" indent="0">
+              <a:buNone/>
+              <a:defRPr sz="2400"/>
+            </a:lvl3pPr>
+            <a:lvl4pPr marL="1371600" indent="0">
+              <a:buNone/>
+              <a:defRPr sz="2000"/>
+            </a:lvl4pPr>
+            <a:lvl5pPr marL="1828800" indent="0">
+              <a:buNone/>
+              <a:defRPr sz="2000"/>
+            </a:lvl5pPr>
+            <a:lvl6pPr marL="2286000" indent="0">
+              <a:buNone/>
+              <a:defRPr sz="2000"/>
+            </a:lvl6pPr>
+            <a:lvl7pPr marL="2743200" indent="0">
+              <a:buNone/>
+              <a:defRPr sz="2000"/>
+            </a:lvl7pPr>
+            <a:lvl8pPr marL="3200400" indent="0">
+              <a:buNone/>
+              <a:defRPr sz="2000"/>
+            </a:lvl8pPr>
+            <a:lvl9pPr marL="3657600" indent="0">
+              <a:buNone/>
+              <a:defRPr sz="2000"/>
+            </a:lvl9pPr>
+          </a:lstStyle>
+          <a:p>
+            <a:r>
+              <a:rPr lang="en-US"/>
+              <a:t>Click icon to add picture</a:t>
+            </a:r>
+            <a:endParaRPr lang="en-US" dirty="0"/>
+          </a:p>
+        </p:txBody>
+      </p:sp>
+      <p:sp>
+        <p:nvSpPr>
+          <p:cNvPr id="4" name="Text Placeholder 3"/>
+          <p:cNvSpPr>
+            <a:spLocks noGrp="1"/>
+          </p:cNvSpPr>
+          <p:nvPr>
+            <p:ph type="body" sz="half" idx="2"/>
+          </p:nvPr>
+        </p:nvSpPr>
+        <p:spPr>
+          <a:xfrm>
+            <a:off x="822959" y="5907024"/>
+            <a:ext cx="7589520" cy="594360"/>
+          </a:xfrm>
+        </p:spPr>
+        <p:txBody>
+          <a:bodyPr lIns="91440" tIns="0" rIns="91440" bIns="0">
+            <a:normAutofit/>
+          </a:bodyPr>
+          <a:lstStyle>
+            <a:lvl1pPr marL="0" indent="0">
+              <a:spcBef>
+                <a:spcPts val="0"/>
+              </a:spcBef>
+              <a:spcAft>
+                <a:spcPts val="600"/>
+              </a:spcAft>
+              <a:buNone/>
+              <a:defRPr sz="1500">
+                <a:solidFill>
+                  <a:srgbClr val="FFFFFF"/>
+                </a:solidFill>
+              </a:defRPr>
+            </a:lvl1pPr>
+            <a:lvl2pPr marL="457200" indent="0">
+              <a:buNone/>
+              <a:defRPr sz="1200"/>
+            </a:lvl2pPr>
+            <a:lvl3pPr marL="914400" indent="0">
+              <a:buNone/>
+              <a:defRPr sz="1000"/>
+            </a:lvl3pPr>
+            <a:lvl4pPr marL="1371600" indent="0">
+              <a:buNone/>
+              <a:defRPr sz="900"/>
+            </a:lvl4pPr>
+            <a:lvl5pPr marL="1828800" indent="0">
+              <a:buNone/>
+              <a:defRPr sz="900"/>
+            </a:lvl5pPr>
+            <a:lvl6pPr marL="2286000" indent="0">
+              <a:buNone/>
+              <a:defRPr sz="900"/>
+            </a:lvl6pPr>
+            <a:lvl7pPr marL="2743200" indent="0">
+              <a:buNone/>
+              <a:defRPr sz="900"/>
+            </a:lvl7pPr>
+            <a:lvl8pPr marL="3200400" indent="0">
+              <a:buNone/>
+              <a:defRPr sz="900"/>
+            </a:lvl8pPr>
+            <a:lvl9pPr marL="3657600" indent="0">
+              <a:buNone/>
+              <a:defRPr sz="900"/>
+            </a:lvl9pPr>
+          </a:lstStyle>
+          <a:p>
+            <a:pPr lvl="0"/>
+            <a:r>
+              <a:rPr lang="en-US"/>
+              <a:t>Edit Master text styles</a:t>
+            </a:r>
+          </a:p>
+        </p:txBody>
+      </p:sp>
+      <p:sp>
+        <p:nvSpPr>
+          <p:cNvPr id="5" name="Date Placeholder 4"/>
+          <p:cNvSpPr>
+            <a:spLocks noGrp="1"/>
+          </p:cNvSpPr>
+          <p:nvPr>
+            <p:ph type="dt" sz="half" idx="10"/>
+          </p:nvPr>
+        </p:nvSpPr>
+        <p:spPr/>
+        <p:txBody>
+          <a:bodyPr/>
+          <a:lstStyle/>
+          <a:p>
+            <a:fld id="{1804BD83-BD5D-427F-97C8-2354C6E70318}" type="datetime1">
+              <a:rPr lang="en-US" smtClean="0"/>
+              <a:t>7/7/2016</a:t>
+            </a:fld>
+            <a:endParaRPr lang="en-US"/>
+          </a:p>
+        </p:txBody>
+      </p:sp>
+      <p:sp>
+        <p:nvSpPr>
+          <p:cNvPr id="6" name="Footer Placeholder 5"/>
+          <p:cNvSpPr>
+            <a:spLocks noGrp="1"/>
+          </p:cNvSpPr>
+          <p:nvPr>
+            <p:ph type="ftr" sz="quarter" idx="11"/>
+          </p:nvPr>
+        </p:nvSpPr>
+        <p:spPr/>
+        <p:txBody>
+          <a:bodyPr/>
+          <a:lstStyle/>
+          <a:p>
+            <a:r>
+              <a:rPr lang="en-US"/>
+              <a:t>© 2015 EV3Lessons.com, Last edit 7/06/2016</a:t>
+            </a:r>
+          </a:p>
+        </p:txBody>
+      </p:sp>
+      <p:sp>
+        <p:nvSpPr>
+          <p:cNvPr id="7" name="Slide Number Placeholder 6"/>
+          <p:cNvSpPr>
+            <a:spLocks noGrp="1"/>
+          </p:cNvSpPr>
+          <p:nvPr>
+            <p:ph type="sldNum" sz="quarter" idx="12"/>
+          </p:nvPr>
+        </p:nvSpPr>
+        <p:spPr/>
+        <p:txBody>
+          <a:bodyPr/>
+          <a:lstStyle/>
+          <a:p>
+            <a:fld id="{4382A7F7-08BF-4252-8141-63FB96055BBB}" type="slidenum">
+              <a:rPr lang="en-US" smtClean="0"/>
+              <a:t>‹#›</a:t>
+            </a:fld>
+            <a:endParaRPr lang="en-US"/>
+          </a:p>
+        </p:txBody>
+      </p:sp>
+    </p:spTree>
+    <p:extLst>
+      <p:ext uri="{BB962C8B-B14F-4D97-AF65-F5344CB8AC3E}">
+        <p14:creationId xmlns:p14="http://schemas.microsoft.com/office/powerpoint/2010/main" val="767086534"/>
+      </p:ext>
+    </p:extLst>
+  </p:cSld>
+  <p:clrMapOvr>
+    <a:masterClrMapping/>
+  </p:clrMapOvr>
+</p:sldLayout>
+</file>
+
+<file path=ppt/slideLayouts/slideLayout21.xml><?xml version="1.0" encoding="utf-8"?>
+<p:sldLayout xmlns:a="http://schemas.openxmlformats.org/drawingml/2006/main" xmlns:r="http://schemas.openxmlformats.org/officeDocument/2006/relationships" xmlns:p="http://schemas.openxmlformats.org/presentationml/2006/main" type="vertTx" preserve="1">
+  <p:cSld name="Title and Vertical Text">
+    <p:spTree>
+      <p:nvGrpSpPr>
+        <p:cNvPr id="1" name=""/>
+        <p:cNvGrpSpPr/>
+        <p:nvPr/>
+      </p:nvGrpSpPr>
+      <p:grpSpPr>
+        <a:xfrm>
+          <a:off x="0" y="0"/>
+          <a:ext cx="0" cy="0"/>
+          <a:chOff x="0" y="0"/>
+          <a:chExt cx="0" cy="0"/>
+        </a:xfrm>
+      </p:grpSpPr>
+      <p:sp>
+        <p:nvSpPr>
+          <p:cNvPr id="2" name="Title 1"/>
+          <p:cNvSpPr>
+            <a:spLocks noGrp="1"/>
+          </p:cNvSpPr>
+          <p:nvPr>
+            <p:ph type="title"/>
+          </p:nvPr>
+        </p:nvSpPr>
+        <p:spPr/>
+        <p:txBody>
+          <a:bodyPr/>
+          <a:lstStyle/>
+          <a:p>
+            <a:r>
+              <a:rPr lang="en-US"/>
+              <a:t>Click to edit Master title style</a:t>
+            </a:r>
+            <a:endParaRPr lang="en-US" dirty="0"/>
+          </a:p>
+        </p:txBody>
+      </p:sp>
+      <p:sp>
+        <p:nvSpPr>
+          <p:cNvPr id="3" name="Vertical Text Placeholder 2"/>
+          <p:cNvSpPr>
+            <a:spLocks noGrp="1"/>
+          </p:cNvSpPr>
+          <p:nvPr>
+            <p:ph type="body" orient="vert" idx="1"/>
+          </p:nvPr>
+        </p:nvSpPr>
+        <p:spPr/>
+        <p:txBody>
+          <a:bodyPr vert="eaVert" lIns="45720" tIns="0" rIns="45720" bIns="0"/>
+          <a:lstStyle/>
+          <a:p>
+            <a:pPr lvl="0"/>
+            <a:r>
+              <a:rPr lang="en-US"/>
+              <a:t>Edit Master text styles</a:t>
+            </a:r>
+          </a:p>
+          <a:p>
+            <a:pPr lvl="1"/>
+            <a:r>
+              <a:rPr lang="en-US"/>
+              <a:t>Second level</a:t>
+            </a:r>
+          </a:p>
+          <a:p>
+            <a:pPr lvl="2"/>
+            <a:r>
+              <a:rPr lang="en-US"/>
+              <a:t>Third level</a:t>
+            </a:r>
+          </a:p>
+          <a:p>
+            <a:pPr lvl="3"/>
+            <a:r>
+              <a:rPr lang="en-US"/>
+              <a:t>Fourth level</a:t>
+            </a:r>
+          </a:p>
+          <a:p>
+            <a:pPr lvl="4"/>
+            <a:r>
+              <a:rPr lang="en-US"/>
+              <a:t>Fifth level</a:t>
+            </a:r>
+            <a:endParaRPr lang="en-US" dirty="0"/>
+          </a:p>
+        </p:txBody>
+      </p:sp>
+      <p:sp>
+        <p:nvSpPr>
+          <p:cNvPr id="4" name="Date Placeholder 3"/>
+          <p:cNvSpPr>
+            <a:spLocks noGrp="1"/>
+          </p:cNvSpPr>
+          <p:nvPr>
+            <p:ph type="dt" sz="half" idx="10"/>
+          </p:nvPr>
+        </p:nvSpPr>
+        <p:spPr/>
+        <p:txBody>
+          <a:bodyPr/>
+          <a:lstStyle/>
+          <a:p>
+            <a:fld id="{381B288F-AF23-433B-B70B-271577BBAC2B}" type="datetime1">
+              <a:rPr lang="en-US" smtClean="0"/>
+              <a:t>7/7/2016</a:t>
+            </a:fld>
+            <a:endParaRPr lang="en-US"/>
+          </a:p>
+        </p:txBody>
+      </p:sp>
+      <p:sp>
+        <p:nvSpPr>
+          <p:cNvPr id="5" name="Footer Placeholder 4"/>
+          <p:cNvSpPr>
+            <a:spLocks noGrp="1"/>
+          </p:cNvSpPr>
+          <p:nvPr>
+            <p:ph type="ftr" sz="quarter" idx="11"/>
+          </p:nvPr>
+        </p:nvSpPr>
+        <p:spPr/>
+        <p:txBody>
+          <a:bodyPr/>
+          <a:lstStyle/>
+          <a:p>
+            <a:r>
+              <a:rPr lang="en-US"/>
+              <a:t>© 2015 EV3Lessons.com, Last edit 7/06/2016</a:t>
+            </a:r>
+          </a:p>
+        </p:txBody>
+      </p:sp>
+      <p:sp>
+        <p:nvSpPr>
+          <p:cNvPr id="6" name="Slide Number Placeholder 5"/>
+          <p:cNvSpPr>
+            <a:spLocks noGrp="1"/>
+          </p:cNvSpPr>
+          <p:nvPr>
+            <p:ph type="sldNum" sz="quarter" idx="12"/>
+          </p:nvPr>
+        </p:nvSpPr>
+        <p:spPr/>
+        <p:txBody>
+          <a:bodyPr/>
+          <a:lstStyle/>
+          <a:p>
+            <a:fld id="{4382A7F7-08BF-4252-8141-63FB96055BBB}" type="slidenum">
+              <a:rPr lang="en-US" smtClean="0"/>
+              <a:t>‹#›</a:t>
+            </a:fld>
+            <a:endParaRPr lang="en-US"/>
+          </a:p>
+        </p:txBody>
+      </p:sp>
+    </p:spTree>
+    <p:extLst>
+      <p:ext uri="{BB962C8B-B14F-4D97-AF65-F5344CB8AC3E}">
+        <p14:creationId xmlns:p14="http://schemas.microsoft.com/office/powerpoint/2010/main" val="438590991"/>
+      </p:ext>
+    </p:extLst>
+  </p:cSld>
+  <p:clrMapOvr>
+    <a:masterClrMapping/>
+  </p:clrMapOvr>
+</p:sldLayout>
+</file>
+
+<file path=ppt/slideLayouts/slideLayout22.xml><?xml version="1.0" encoding="utf-8"?>
+<p:sldLayout xmlns:a="http://schemas.openxmlformats.org/drawingml/2006/main" xmlns:r="http://schemas.openxmlformats.org/officeDocument/2006/relationships" xmlns:p="http://schemas.openxmlformats.org/presentationml/2006/main" showMasterSp="0" type="vertTitleAndTx" preserve="1">
+  <p:cSld name="Vertical Title and Text">
+    <p:spTree>
+      <p:nvGrpSpPr>
+        <p:cNvPr id="1" name=""/>
+        <p:cNvGrpSpPr/>
+        <p:nvPr/>
+      </p:nvGrpSpPr>
+      <p:grpSpPr>
+        <a:xfrm>
+          <a:off x="0" y="0"/>
+          <a:ext cx="0" cy="0"/>
+          <a:chOff x="0" y="0"/>
+          <a:chExt cx="0" cy="0"/>
+        </a:xfrm>
+      </p:grpSpPr>
+      <p:sp>
+        <p:nvSpPr>
+          <p:cNvPr id="7" name="Rectangle 6"/>
+          <p:cNvSpPr/>
+          <p:nvPr/>
+        </p:nvSpPr>
+        <p:spPr>
+          <a:xfrm>
+            <a:off x="2382" y="6400800"/>
+            <a:ext cx="9141619" cy="457200"/>
+          </a:xfrm>
+          <a:prstGeom prst="rect">
+            <a:avLst/>
+          </a:prstGeom>
+          <a:solidFill>
+            <a:schemeClr val="accent2"/>
+          </a:solidFill>
+          <a:ln>
+            <a:noFill/>
+          </a:ln>
+        </p:spPr>
+        <p:style>
+          <a:lnRef idx="2">
+            <a:schemeClr val="accent1">
+              <a:shade val="50000"/>
+            </a:schemeClr>
+          </a:lnRef>
+          <a:fillRef idx="1">
+            <a:schemeClr val="accent1"/>
+          </a:fillRef>
+          <a:effectRef idx="0">
+            <a:schemeClr val="accent1"/>
+          </a:effectRef>
+          <a:fontRef idx="minor">
+            <a:schemeClr val="lt1"/>
+          </a:fontRef>
+        </p:style>
+      </p:sp>
+      <p:sp>
+        <p:nvSpPr>
+          <p:cNvPr id="8" name="Rectangle 7"/>
+          <p:cNvSpPr/>
+          <p:nvPr/>
+        </p:nvSpPr>
+        <p:spPr>
+          <a:xfrm>
+            <a:off x="12" y="6334316"/>
+            <a:ext cx="9141619" cy="64008"/>
+          </a:xfrm>
+          <a:prstGeom prst="rect">
+            <a:avLst/>
+          </a:prstGeom>
+          <a:solidFill>
+            <a:schemeClr val="accent1"/>
+          </a:solidFill>
+          <a:ln>
+            <a:noFill/>
+          </a:ln>
+        </p:spPr>
+        <p:style>
+          <a:lnRef idx="2">
+            <a:schemeClr val="accent1">
+              <a:shade val="50000"/>
+            </a:schemeClr>
+          </a:lnRef>
+          <a:fillRef idx="1">
+            <a:schemeClr val="accent1"/>
+          </a:fillRef>
+          <a:effectRef idx="0">
+            <a:schemeClr val="accent1"/>
+          </a:effectRef>
+          <a:fontRef idx="minor">
+            <a:schemeClr val="lt1"/>
+          </a:fontRef>
+        </p:style>
+      </p:sp>
+      <p:sp>
+        <p:nvSpPr>
+          <p:cNvPr id="2" name="Vertical Title 1"/>
+          <p:cNvSpPr>
+            <a:spLocks noGrp="1"/>
+          </p:cNvSpPr>
+          <p:nvPr>
+            <p:ph type="title" orient="vert"/>
+          </p:nvPr>
+        </p:nvSpPr>
+        <p:spPr>
+          <a:xfrm>
+            <a:off x="6543675" y="414779"/>
+            <a:ext cx="1971675" cy="5757421"/>
+          </a:xfrm>
+        </p:spPr>
+        <p:txBody>
+          <a:bodyPr vert="eaVert"/>
+          <a:lstStyle/>
+          <a:p>
+            <a:r>
+              <a:rPr lang="en-US"/>
+              <a:t>Click to edit Master title style</a:t>
+            </a:r>
+            <a:endParaRPr lang="en-US" dirty="0"/>
+          </a:p>
+        </p:txBody>
+      </p:sp>
+      <p:sp>
+        <p:nvSpPr>
+          <p:cNvPr id="3" name="Vertical Text Placeholder 2"/>
+          <p:cNvSpPr>
+            <a:spLocks noGrp="1"/>
+          </p:cNvSpPr>
+          <p:nvPr>
+            <p:ph type="body" orient="vert" idx="1"/>
+          </p:nvPr>
+        </p:nvSpPr>
+        <p:spPr>
+          <a:xfrm>
+            <a:off x="628650" y="414779"/>
+            <a:ext cx="5800725" cy="5757420"/>
+          </a:xfrm>
+        </p:spPr>
+        <p:txBody>
+          <a:bodyPr vert="eaVert" lIns="45720" tIns="0" rIns="45720" bIns="0"/>
+          <a:lstStyle/>
+          <a:p>
+            <a:pPr lvl="0"/>
+            <a:r>
+              <a:rPr lang="en-US"/>
+              <a:t>Edit Master text styles</a:t>
+            </a:r>
+          </a:p>
+          <a:p>
+            <a:pPr lvl="1"/>
+            <a:r>
+              <a:rPr lang="en-US"/>
+              <a:t>Second level</a:t>
+            </a:r>
+          </a:p>
+          <a:p>
+            <a:pPr lvl="2"/>
+            <a:r>
+              <a:rPr lang="en-US"/>
+              <a:t>Third level</a:t>
+            </a:r>
+          </a:p>
+          <a:p>
+            <a:pPr lvl="3"/>
+            <a:r>
+              <a:rPr lang="en-US"/>
+              <a:t>Fourth level</a:t>
+            </a:r>
+          </a:p>
+          <a:p>
+            <a:pPr lvl="4"/>
+            <a:r>
+              <a:rPr lang="en-US"/>
+              <a:t>Fifth level</a:t>
+            </a:r>
+            <a:endParaRPr lang="en-US" dirty="0"/>
+          </a:p>
+        </p:txBody>
+      </p:sp>
+      <p:sp>
+        <p:nvSpPr>
+          <p:cNvPr id="4" name="Date Placeholder 3"/>
+          <p:cNvSpPr>
+            <a:spLocks noGrp="1"/>
+          </p:cNvSpPr>
+          <p:nvPr>
+            <p:ph type="dt" sz="half" idx="10"/>
+          </p:nvPr>
+        </p:nvSpPr>
+        <p:spPr/>
+        <p:txBody>
+          <a:bodyPr/>
+          <a:lstStyle/>
+          <a:p>
+            <a:fld id="{14309F9C-C689-4691-801D-AC5CB7E0FEDD}" type="datetime1">
+              <a:rPr lang="en-US" smtClean="0"/>
+              <a:t>7/7/2016</a:t>
+            </a:fld>
+            <a:endParaRPr lang="en-US"/>
+          </a:p>
+        </p:txBody>
+      </p:sp>
+      <p:sp>
+        <p:nvSpPr>
+          <p:cNvPr id="5" name="Footer Placeholder 4"/>
+          <p:cNvSpPr>
+            <a:spLocks noGrp="1"/>
+          </p:cNvSpPr>
+          <p:nvPr>
+            <p:ph type="ftr" sz="quarter" idx="11"/>
+          </p:nvPr>
+        </p:nvSpPr>
+        <p:spPr/>
+        <p:txBody>
+          <a:bodyPr/>
+          <a:lstStyle/>
+          <a:p>
+            <a:r>
+              <a:rPr lang="en-US"/>
+              <a:t>© 2015 EV3Lessons.com, Last edit 7/06/2016</a:t>
+            </a:r>
+          </a:p>
+        </p:txBody>
+      </p:sp>
+      <p:sp>
+        <p:nvSpPr>
+          <p:cNvPr id="6" name="Slide Number Placeholder 5"/>
+          <p:cNvSpPr>
+            <a:spLocks noGrp="1"/>
+          </p:cNvSpPr>
+          <p:nvPr>
+            <p:ph type="sldNum" sz="quarter" idx="12"/>
+          </p:nvPr>
+        </p:nvSpPr>
+        <p:spPr/>
+        <p:txBody>
+          <a:bodyPr/>
+          <a:lstStyle/>
+          <a:p>
+            <a:fld id="{4382A7F7-08BF-4252-8141-63FB96055BBB}" type="slidenum">
+              <a:rPr lang="en-US" smtClean="0"/>
+              <a:t>‹#›</a:t>
+            </a:fld>
+            <a:endParaRPr lang="en-US"/>
+          </a:p>
+        </p:txBody>
+      </p:sp>
+    </p:spTree>
+    <p:extLst>
+      <p:ext uri="{BB962C8B-B14F-4D97-AF65-F5344CB8AC3E}">
+        <p14:creationId xmlns:p14="http://schemas.microsoft.com/office/powerpoint/2010/main" val="793842565"/>
       </p:ext>
     </p:extLst>
   </p:cSld>
@@ -1962,7 +5130,7 @@
           </a:lstStyle>
           <a:p>
             <a:r>
-              <a:rPr lang="en-US" smtClean="0"/>
+              <a:rPr lang="en-US"/>
               <a:t>Click to edit Master title style</a:t>
             </a:r>
             <a:endParaRPr lang="en-US" dirty="0"/>
@@ -2083,30 +5251,30 @@
           <a:p>
             <a:pPr lvl="0"/>
             <a:r>
+              <a:rPr lang="en-US"/>
+              <a:t>Click to edit Master text styles</a:t>
+            </a:r>
+          </a:p>
+        </p:txBody>
+      </p:sp>
+      <p:sp>
+        <p:nvSpPr>
+          <p:cNvPr id="4" name="Date Placeholder 3"/>
+          <p:cNvSpPr>
+            <a:spLocks noGrp="1"/>
+          </p:cNvSpPr>
+          <p:nvPr>
+            <p:ph type="dt" sz="half" idx="10"/>
+          </p:nvPr>
+        </p:nvSpPr>
+        <p:spPr/>
+        <p:txBody>
+          <a:bodyPr/>
+          <a:lstStyle/>
+          <a:p>
+            <a:fld id="{7B3CEF4A-66A4-4E36-A472-28FB2F1942E9}" type="datetime1">
               <a:rPr lang="en-US" smtClean="0"/>
-              <a:t>Click to edit Master text styles</a:t>
-            </a:r>
-          </a:p>
-        </p:txBody>
-      </p:sp>
-      <p:sp>
-        <p:nvSpPr>
-          <p:cNvPr id="4" name="Date Placeholder 3"/>
-          <p:cNvSpPr>
-            <a:spLocks noGrp="1"/>
-          </p:cNvSpPr>
-          <p:nvPr>
-            <p:ph type="dt" sz="half" idx="10"/>
-          </p:nvPr>
-        </p:nvSpPr>
-        <p:spPr/>
-        <p:txBody>
-          <a:bodyPr/>
-          <a:lstStyle/>
-          <a:p>
-            <a:fld id="{719062A6-538C-914A-A4D7-9D77EAAE33AB}" type="datetime1">
-              <a:rPr lang="en-US" smtClean="0"/>
-              <a:t>11/13/15</a:t>
+              <a:t>7/7/2016</a:t>
             </a:fld>
             <a:endParaRPr lang="en-US"/>
           </a:p>
@@ -2128,10 +5296,9 @@
           <a:lstStyle/>
           <a:p>
             <a:r>
-              <a:rPr lang="sk-SK" smtClean="0"/>
-              <a:t>© 2015 EV3Lessons.com, Last edit 11/13/2015</a:t>
-            </a:r>
-            <a:endParaRPr lang="en-US"/>
+              <a:rPr lang="en-US"/>
+              <a:t>© 2015 EV3Lessons.com, Last edit 7/06/2016</a:t>
+            </a:r>
           </a:p>
         </p:txBody>
       </p:sp>
@@ -2247,7 +5414,7 @@
           <a:lstStyle/>
           <a:p>
             <a:r>
-              <a:rPr lang="en-US" smtClean="0"/>
+              <a:rPr lang="en-US"/>
               <a:t>Click to edit Master title style</a:t>
             </a:r>
             <a:endParaRPr lang="en-US" dirty="0"/>
@@ -2276,35 +5443,35 @@
           <a:p>
             <a:pPr lvl="0"/>
             <a:r>
-              <a:rPr lang="en-US" smtClean="0"/>
+              <a:rPr lang="en-US"/>
               <a:t>Click to edit Master text styles</a:t>
             </a:r>
           </a:p>
           <a:p>
             <a:pPr lvl="1"/>
             <a:r>
-              <a:rPr lang="en-US" smtClean="0"/>
+              <a:rPr lang="en-US"/>
               <a:t>Second level</a:t>
             </a:r>
           </a:p>
           <a:p>
             <a:pPr lvl="2"/>
             <a:r>
-              <a:rPr lang="en-US" smtClean="0"/>
+              <a:rPr lang="en-US"/>
               <a:t>Third level</a:t>
             </a:r>
           </a:p>
           <a:p>
             <a:pPr lvl="3"/>
             <a:r>
-              <a:rPr lang="en-US" smtClean="0"/>
+              <a:rPr lang="en-US"/>
               <a:t>Fourth level</a:t>
             </a:r>
           </a:p>
           <a:p>
             <a:pPr lvl="4"/>
             <a:r>
-              <a:rPr lang="en-US" smtClean="0"/>
+              <a:rPr lang="en-US"/>
               <a:t>Fifth level</a:t>
             </a:r>
             <a:endParaRPr lang="en-US" dirty="0"/>
@@ -2333,59 +5500,59 @@
           <a:p>
             <a:pPr lvl="0"/>
             <a:r>
+              <a:rPr lang="en-US"/>
+              <a:t>Click to edit Master text styles</a:t>
+            </a:r>
+          </a:p>
+          <a:p>
+            <a:pPr lvl="1"/>
+            <a:r>
+              <a:rPr lang="en-US"/>
+              <a:t>Second level</a:t>
+            </a:r>
+          </a:p>
+          <a:p>
+            <a:pPr lvl="2"/>
+            <a:r>
+              <a:rPr lang="en-US"/>
+              <a:t>Third level</a:t>
+            </a:r>
+          </a:p>
+          <a:p>
+            <a:pPr lvl="3"/>
+            <a:r>
+              <a:rPr lang="en-US"/>
+              <a:t>Fourth level</a:t>
+            </a:r>
+          </a:p>
+          <a:p>
+            <a:pPr lvl="4"/>
+            <a:r>
+              <a:rPr lang="en-US"/>
+              <a:t>Fifth level</a:t>
+            </a:r>
+            <a:endParaRPr lang="en-US" dirty="0"/>
+          </a:p>
+        </p:txBody>
+      </p:sp>
+      <p:sp>
+        <p:nvSpPr>
+          <p:cNvPr id="5" name="Date Placeholder 4"/>
+          <p:cNvSpPr>
+            <a:spLocks noGrp="1"/>
+          </p:cNvSpPr>
+          <p:nvPr>
+            <p:ph type="dt" sz="half" idx="10"/>
+          </p:nvPr>
+        </p:nvSpPr>
+        <p:spPr/>
+        <p:txBody>
+          <a:bodyPr/>
+          <a:lstStyle/>
+          <a:p>
+            <a:fld id="{AC0DCCDB-71AE-4D8A-B0F6-FA4D19E2B0BE}" type="datetime1">
               <a:rPr lang="en-US" smtClean="0"/>
-              <a:t>Click to edit Master text styles</a:t>
-            </a:r>
-          </a:p>
-          <a:p>
-            <a:pPr lvl="1"/>
-            <a:r>
-              <a:rPr lang="en-US" smtClean="0"/>
-              <a:t>Second level</a:t>
-            </a:r>
-          </a:p>
-          <a:p>
-            <a:pPr lvl="2"/>
-            <a:r>
-              <a:rPr lang="en-US" smtClean="0"/>
-              <a:t>Third level</a:t>
-            </a:r>
-          </a:p>
-          <a:p>
-            <a:pPr lvl="3"/>
-            <a:r>
-              <a:rPr lang="en-US" smtClean="0"/>
-              <a:t>Fourth level</a:t>
-            </a:r>
-          </a:p>
-          <a:p>
-            <a:pPr lvl="4"/>
-            <a:r>
-              <a:rPr lang="en-US" smtClean="0"/>
-              <a:t>Fifth level</a:t>
-            </a:r>
-            <a:endParaRPr lang="en-US" dirty="0"/>
-          </a:p>
-        </p:txBody>
-      </p:sp>
-      <p:sp>
-        <p:nvSpPr>
-          <p:cNvPr id="5" name="Date Placeholder 4"/>
-          <p:cNvSpPr>
-            <a:spLocks noGrp="1"/>
-          </p:cNvSpPr>
-          <p:nvPr>
-            <p:ph type="dt" sz="half" idx="10"/>
-          </p:nvPr>
-        </p:nvSpPr>
-        <p:spPr/>
-        <p:txBody>
-          <a:bodyPr/>
-          <a:lstStyle/>
-          <a:p>
-            <a:fld id="{FBA86DE5-4727-3C44-A125-458AC819E1C1}" type="datetime1">
-              <a:rPr lang="en-US" smtClean="0"/>
-              <a:t>11/13/15</a:t>
+              <a:t>7/7/2016</a:t>
             </a:fld>
             <a:endParaRPr lang="en-US"/>
           </a:p>
@@ -2406,6 +5573,10 @@
           <a:bodyPr/>
           <a:lstStyle/>
           <a:p>
+            <a:r>
+              <a:rPr lang="en-US"/>
+              <a:t>© 2015 EV3Lessons.com, Last edit 7/06/2016</a:t>
+            </a:r>
             <a:endParaRPr lang="en-US" dirty="0"/>
           </a:p>
         </p:txBody>
@@ -2484,7 +5655,7 @@
           <a:lstStyle/>
           <a:p>
             <a:r>
-              <a:rPr lang="en-US" smtClean="0"/>
+              <a:rPr lang="en-US"/>
               <a:t>Click to edit Master title style</a:t>
             </a:r>
             <a:endParaRPr lang="en-US" dirty="0"/>
@@ -2556,7 +5727,7 @@
           <a:p>
             <a:pPr lvl="0"/>
             <a:r>
-              <a:rPr lang="en-US" smtClean="0"/>
+              <a:rPr lang="en-US"/>
               <a:t>Click to edit Master text styles</a:t>
             </a:r>
           </a:p>
@@ -2584,35 +5755,35 @@
           <a:p>
             <a:pPr lvl="0"/>
             <a:r>
-              <a:rPr lang="en-US" smtClean="0"/>
+              <a:rPr lang="en-US"/>
               <a:t>Click to edit Master text styles</a:t>
             </a:r>
           </a:p>
           <a:p>
             <a:pPr lvl="1"/>
             <a:r>
-              <a:rPr lang="en-US" smtClean="0"/>
+              <a:rPr lang="en-US"/>
               <a:t>Second level</a:t>
             </a:r>
           </a:p>
           <a:p>
             <a:pPr lvl="2"/>
             <a:r>
-              <a:rPr lang="en-US" smtClean="0"/>
+              <a:rPr lang="en-US"/>
               <a:t>Third level</a:t>
             </a:r>
           </a:p>
           <a:p>
             <a:pPr lvl="3"/>
             <a:r>
-              <a:rPr lang="en-US" smtClean="0"/>
+              <a:rPr lang="en-US"/>
               <a:t>Fourth level</a:t>
             </a:r>
           </a:p>
           <a:p>
             <a:pPr lvl="4"/>
             <a:r>
-              <a:rPr lang="en-US" smtClean="0"/>
+              <a:rPr lang="en-US"/>
               <a:t>Fifth level</a:t>
             </a:r>
             <a:endParaRPr lang="en-US" dirty="0"/>
@@ -2684,7 +5855,7 @@
           <a:p>
             <a:pPr lvl="0"/>
             <a:r>
-              <a:rPr lang="en-US" smtClean="0"/>
+              <a:rPr lang="en-US"/>
               <a:t>Click to edit Master text styles</a:t>
             </a:r>
           </a:p>
@@ -2712,59 +5883,59 @@
           <a:p>
             <a:pPr lvl="0"/>
             <a:r>
+              <a:rPr lang="en-US"/>
+              <a:t>Click to edit Master text styles</a:t>
+            </a:r>
+          </a:p>
+          <a:p>
+            <a:pPr lvl="1"/>
+            <a:r>
+              <a:rPr lang="en-US"/>
+              <a:t>Second level</a:t>
+            </a:r>
+          </a:p>
+          <a:p>
+            <a:pPr lvl="2"/>
+            <a:r>
+              <a:rPr lang="en-US"/>
+              <a:t>Third level</a:t>
+            </a:r>
+          </a:p>
+          <a:p>
+            <a:pPr lvl="3"/>
+            <a:r>
+              <a:rPr lang="en-US"/>
+              <a:t>Fourth level</a:t>
+            </a:r>
+          </a:p>
+          <a:p>
+            <a:pPr lvl="4"/>
+            <a:r>
+              <a:rPr lang="en-US"/>
+              <a:t>Fifth level</a:t>
+            </a:r>
+            <a:endParaRPr lang="en-US" dirty="0"/>
+          </a:p>
+        </p:txBody>
+      </p:sp>
+      <p:sp>
+        <p:nvSpPr>
+          <p:cNvPr id="7" name="Date Placeholder 6"/>
+          <p:cNvSpPr>
+            <a:spLocks noGrp="1"/>
+          </p:cNvSpPr>
+          <p:nvPr>
+            <p:ph type="dt" sz="half" idx="10"/>
+          </p:nvPr>
+        </p:nvSpPr>
+        <p:spPr/>
+        <p:txBody>
+          <a:bodyPr/>
+          <a:lstStyle/>
+          <a:p>
+            <a:fld id="{4BC7CD09-89EE-4427-B9B2-0950C940050A}" type="datetime1">
               <a:rPr lang="en-US" smtClean="0"/>
-              <a:t>Click to edit Master text styles</a:t>
-            </a:r>
-          </a:p>
-          <a:p>
-            <a:pPr lvl="1"/>
-            <a:r>
-              <a:rPr lang="en-US" smtClean="0"/>
-              <a:t>Second level</a:t>
-            </a:r>
-          </a:p>
-          <a:p>
-            <a:pPr lvl="2"/>
-            <a:r>
-              <a:rPr lang="en-US" smtClean="0"/>
-              <a:t>Third level</a:t>
-            </a:r>
-          </a:p>
-          <a:p>
-            <a:pPr lvl="3"/>
-            <a:r>
-              <a:rPr lang="en-US" smtClean="0"/>
-              <a:t>Fourth level</a:t>
-            </a:r>
-          </a:p>
-          <a:p>
-            <a:pPr lvl="4"/>
-            <a:r>
-              <a:rPr lang="en-US" smtClean="0"/>
-              <a:t>Fifth level</a:t>
-            </a:r>
-            <a:endParaRPr lang="en-US" dirty="0"/>
-          </a:p>
-        </p:txBody>
-      </p:sp>
-      <p:sp>
-        <p:nvSpPr>
-          <p:cNvPr id="7" name="Date Placeholder 6"/>
-          <p:cNvSpPr>
-            <a:spLocks noGrp="1"/>
-          </p:cNvSpPr>
-          <p:nvPr>
-            <p:ph type="dt" sz="half" idx="10"/>
-          </p:nvPr>
-        </p:nvSpPr>
-        <p:spPr/>
-        <p:txBody>
-          <a:bodyPr/>
-          <a:lstStyle/>
-          <a:p>
-            <a:fld id="{18F252B0-687D-184F-B682-0021640A5D63}" type="datetime1">
-              <a:rPr lang="en-US" smtClean="0"/>
-              <a:t>11/13/15</a:t>
+              <a:t>7/7/2016</a:t>
             </a:fld>
             <a:endParaRPr lang="en-US"/>
           </a:p>
@@ -2786,10 +5957,9 @@
           <a:lstStyle/>
           <a:p>
             <a:r>
-              <a:rPr lang="sk-SK" smtClean="0"/>
-              <a:t>© 2015 EV3Lessons.com, Last edit 11/13/2015</a:t>
-            </a:r>
-            <a:endParaRPr lang="en-US"/>
+              <a:rPr lang="en-US"/>
+              <a:t>© 2015 EV3Lessons.com, Last edit 7/06/2016</a:t>
+            </a:r>
           </a:p>
         </p:txBody>
       </p:sp>
@@ -2862,31 +6032,31 @@
           <a:lstStyle/>
           <a:p>
             <a:r>
+              <a:rPr lang="en-US"/>
+              <a:t>Click to edit Master title style</a:t>
+            </a:r>
+            <a:endParaRPr lang="en-US" dirty="0"/>
+          </a:p>
+        </p:txBody>
+      </p:sp>
+      <p:sp>
+        <p:nvSpPr>
+          <p:cNvPr id="3" name="Date Placeholder 2"/>
+          <p:cNvSpPr>
+            <a:spLocks noGrp="1"/>
+          </p:cNvSpPr>
+          <p:nvPr>
+            <p:ph type="dt" sz="half" idx="10"/>
+          </p:nvPr>
+        </p:nvSpPr>
+        <p:spPr/>
+        <p:txBody>
+          <a:bodyPr/>
+          <a:lstStyle/>
+          <a:p>
+            <a:fld id="{F610A6C2-8176-4789-A4FF-B6F274F7959C}" type="datetime1">
               <a:rPr lang="en-US" smtClean="0"/>
-              <a:t>Click to edit Master title style</a:t>
-            </a:r>
-            <a:endParaRPr lang="en-US" dirty="0"/>
-          </a:p>
-        </p:txBody>
-      </p:sp>
-      <p:sp>
-        <p:nvSpPr>
-          <p:cNvPr id="3" name="Date Placeholder 2"/>
-          <p:cNvSpPr>
-            <a:spLocks noGrp="1"/>
-          </p:cNvSpPr>
-          <p:nvPr>
-            <p:ph type="dt" sz="half" idx="10"/>
-          </p:nvPr>
-        </p:nvSpPr>
-        <p:spPr/>
-        <p:txBody>
-          <a:bodyPr/>
-          <a:lstStyle/>
-          <a:p>
-            <a:fld id="{3457AD7A-12C8-EA48-9011-B2F46261DD98}" type="datetime1">
-              <a:rPr lang="en-US" smtClean="0"/>
-              <a:t>11/13/15</a:t>
+              <a:t>7/7/2016</a:t>
             </a:fld>
             <a:endParaRPr lang="en-US"/>
           </a:p>
@@ -2908,10 +6078,9 @@
           <a:lstStyle/>
           <a:p>
             <a:r>
-              <a:rPr lang="sk-SK" smtClean="0"/>
-              <a:t>© 2015 EV3Lessons.com, Last edit 11/13/2015</a:t>
-            </a:r>
-            <a:endParaRPr lang="en-US"/>
+              <a:rPr lang="en-US"/>
+              <a:t>© 2015 EV3Lessons.com, Last edit 7/06/2016</a:t>
+            </a:r>
           </a:p>
         </p:txBody>
       </p:sp>
@@ -3059,9 +6228,9 @@
           <a:bodyPr/>
           <a:lstStyle/>
           <a:p>
-            <a:fld id="{77D3C5C7-2346-9A49-8660-921460E2744B}" type="datetime1">
+            <a:fld id="{8A5EEBE9-D54B-42CD-8C1B-3770CFC98156}" type="datetime1">
               <a:rPr lang="en-US" smtClean="0"/>
-              <a:t>11/13/15</a:t>
+              <a:t>7/7/2016</a:t>
             </a:fld>
             <a:endParaRPr lang="en-US"/>
           </a:p>
@@ -3091,10 +6260,9 @@
           </a:lstStyle>
           <a:p>
             <a:r>
-              <a:rPr lang="sk-SK" smtClean="0"/>
-              <a:t>© 2015 EV3Lessons.com, Last edit 11/13/2015</a:t>
-            </a:r>
-            <a:endParaRPr lang="en-US"/>
+              <a:rPr lang="en-US"/>
+              <a:t>© 2015 EV3Lessons.com, Last edit 7/06/2016</a:t>
+            </a:r>
           </a:p>
         </p:txBody>
       </p:sp>
@@ -3258,7 +6426,7 @@
           </a:lstStyle>
           <a:p>
             <a:r>
-              <a:rPr lang="en-US" smtClean="0"/>
+              <a:rPr lang="en-US"/>
               <a:t>Click to edit Master title style</a:t>
             </a:r>
             <a:endParaRPr lang="en-US" dirty="0"/>
@@ -3287,35 +6455,35 @@
           <a:p>
             <a:pPr lvl="0"/>
             <a:r>
-              <a:rPr lang="en-US" smtClean="0"/>
+              <a:rPr lang="en-US"/>
               <a:t>Click to edit Master text styles</a:t>
             </a:r>
           </a:p>
           <a:p>
             <a:pPr lvl="1"/>
             <a:r>
-              <a:rPr lang="en-US" smtClean="0"/>
+              <a:rPr lang="en-US"/>
               <a:t>Second level</a:t>
             </a:r>
           </a:p>
           <a:p>
             <a:pPr lvl="2"/>
             <a:r>
-              <a:rPr lang="en-US" smtClean="0"/>
+              <a:rPr lang="en-US"/>
               <a:t>Third level</a:t>
             </a:r>
           </a:p>
           <a:p>
             <a:pPr lvl="3"/>
             <a:r>
-              <a:rPr lang="en-US" smtClean="0"/>
+              <a:rPr lang="en-US"/>
               <a:t>Fourth level</a:t>
             </a:r>
           </a:p>
           <a:p>
             <a:pPr lvl="4"/>
             <a:r>
-              <a:rPr lang="en-US" smtClean="0"/>
+              <a:rPr lang="en-US"/>
               <a:t>Fifth level</a:t>
             </a:r>
             <a:endParaRPr lang="en-US" dirty="0"/>
@@ -3387,7 +6555,7 @@
           <a:p>
             <a:pPr lvl="0"/>
             <a:r>
-              <a:rPr lang="en-US" smtClean="0"/>
+              <a:rPr lang="en-US"/>
               <a:t>Click to edit Master text styles</a:t>
             </a:r>
           </a:p>
@@ -3417,9 +6585,9 @@
             </a:lvl1pPr>
           </a:lstStyle>
           <a:p>
-            <a:fld id="{E5A27797-1683-ED47-A74A-6DEBEDA39DC8}" type="datetime1">
+            <a:fld id="{8C5E233D-5DAD-4DF0-BD04-0B158FF7A0ED}" type="datetime1">
               <a:rPr lang="en-US" smtClean="0"/>
-              <a:t>11/13/15</a:t>
+              <a:t>7/7/2016</a:t>
             </a:fld>
             <a:endParaRPr lang="en-US"/>
           </a:p>
@@ -3454,10 +6622,9 @@
           </a:lstStyle>
           <a:p>
             <a:r>
-              <a:rPr lang="sk-SK" smtClean="0"/>
-              <a:t>© 2015 EV3Lessons.com, Last edit 11/13/2015</a:t>
-            </a:r>
-            <a:endParaRPr lang="en-US"/>
+              <a:rPr lang="en-US"/>
+              <a:t>© 2015 EV3Lessons.com, Last edit 7/06/2016</a:t>
+            </a:r>
           </a:p>
         </p:txBody>
       </p:sp>
@@ -3629,7 +6796,7 @@
           </a:lstStyle>
           <a:p>
             <a:r>
-              <a:rPr lang="en-US" smtClean="0"/>
+              <a:rPr lang="en-US"/>
               <a:t>Click to edit Master title style</a:t>
             </a:r>
             <a:endParaRPr lang="en-US" dirty="0"/>
@@ -3704,7 +6871,7 @@
           </a:lstStyle>
           <a:p>
             <a:r>
-              <a:rPr lang="en-US" smtClean="0"/>
+              <a:rPr lang="en-US"/>
               <a:t>Drag picture to placeholder or click icon to add</a:t>
             </a:r>
             <a:endParaRPr lang="en-US" dirty="0"/>
@@ -3782,30 +6949,30 @@
           <a:p>
             <a:pPr lvl="0"/>
             <a:r>
+              <a:rPr lang="en-US"/>
+              <a:t>Click to edit Master text styles</a:t>
+            </a:r>
+          </a:p>
+        </p:txBody>
+      </p:sp>
+      <p:sp>
+        <p:nvSpPr>
+          <p:cNvPr id="5" name="Date Placeholder 4"/>
+          <p:cNvSpPr>
+            <a:spLocks noGrp="1"/>
+          </p:cNvSpPr>
+          <p:nvPr>
+            <p:ph type="dt" sz="half" idx="10"/>
+          </p:nvPr>
+        </p:nvSpPr>
+        <p:spPr/>
+        <p:txBody>
+          <a:bodyPr/>
+          <a:lstStyle/>
+          <a:p>
+            <a:fld id="{AA75DCBC-56C6-4900-9962-F81EBC97CC51}" type="datetime1">
               <a:rPr lang="en-US" smtClean="0"/>
-              <a:t>Click to edit Master text styles</a:t>
-            </a:r>
-          </a:p>
-        </p:txBody>
-      </p:sp>
-      <p:sp>
-        <p:nvSpPr>
-          <p:cNvPr id="5" name="Date Placeholder 4"/>
-          <p:cNvSpPr>
-            <a:spLocks noGrp="1"/>
-          </p:cNvSpPr>
-          <p:nvPr>
-            <p:ph type="dt" sz="half" idx="10"/>
-          </p:nvPr>
-        </p:nvSpPr>
-        <p:spPr/>
-        <p:txBody>
-          <a:bodyPr/>
-          <a:lstStyle/>
-          <a:p>
-            <a:fld id="{9F9CFCDA-76FF-C942-8304-6FF0EF7EF019}" type="datetime1">
-              <a:rPr lang="en-US" smtClean="0"/>
-              <a:t>11/13/15</a:t>
+              <a:t>7/7/2016</a:t>
             </a:fld>
             <a:endParaRPr lang="en-US"/>
           </a:p>
@@ -3827,10 +6994,9 @@
           <a:lstStyle/>
           <a:p>
             <a:r>
-              <a:rPr lang="sk-SK" smtClean="0"/>
-              <a:t>© 2015 EV3Lessons.com, Last edit 11/13/2015</a:t>
-            </a:r>
-            <a:endParaRPr lang="en-US"/>
+              <a:rPr lang="en-US"/>
+              <a:t>© 2015 EV3Lessons.com, Last edit 7/06/2016</a:t>
+            </a:r>
           </a:p>
         </p:txBody>
       </p:sp>
@@ -3996,7 +7162,7 @@
           <a:lstStyle/>
           <a:p>
             <a:r>
-              <a:rPr lang="en-US" smtClean="0"/>
+              <a:rPr lang="en-US"/>
               <a:t>Click to edit Master title style</a:t>
             </a:r>
             <a:endParaRPr lang="en-US" dirty="0"/>
@@ -4030,35 +7196,35 @@
           <a:p>
             <a:pPr lvl="0"/>
             <a:r>
-              <a:rPr lang="en-US" smtClean="0"/>
+              <a:rPr lang="en-US"/>
               <a:t>Click to edit Master text styles</a:t>
             </a:r>
           </a:p>
           <a:p>
             <a:pPr lvl="1"/>
             <a:r>
-              <a:rPr lang="en-US" smtClean="0"/>
+              <a:rPr lang="en-US"/>
               <a:t>Second level</a:t>
             </a:r>
           </a:p>
           <a:p>
             <a:pPr lvl="2"/>
             <a:r>
-              <a:rPr lang="en-US" smtClean="0"/>
+              <a:rPr lang="en-US"/>
               <a:t>Third level</a:t>
             </a:r>
           </a:p>
           <a:p>
             <a:pPr lvl="3"/>
             <a:r>
-              <a:rPr lang="en-US" smtClean="0"/>
+              <a:rPr lang="en-US"/>
               <a:t>Fourth level</a:t>
             </a:r>
           </a:p>
           <a:p>
             <a:pPr lvl="4"/>
             <a:r>
-              <a:rPr lang="en-US" smtClean="0"/>
+              <a:rPr lang="en-US"/>
               <a:t>Fifth level</a:t>
             </a:r>
             <a:endParaRPr lang="en-US" dirty="0"/>
@@ -4096,9 +7262,9 @@
             </a:lvl1pPr>
           </a:lstStyle>
           <a:p>
-            <a:fld id="{0604F77D-FCB8-A946-86A9-D14BD65D0D3D}" type="datetime1">
+            <a:fld id="{C7635549-8895-4789-B0F3-226371CC24B2}" type="datetime1">
               <a:rPr lang="en-US" smtClean="0"/>
-              <a:t>11/13/15</a:t>
+              <a:t>7/7/2016</a:t>
             </a:fld>
             <a:endParaRPr lang="en-US" dirty="0"/>
           </a:p>
@@ -4136,8 +7302,8 @@
           </a:lstStyle>
           <a:p>
             <a:r>
-              <a:rPr lang="sk-SK" smtClean="0"/>
-              <a:t>© 2015 EV3Lessons.com, Last edit 11/13/2015</a:t>
+              <a:rPr lang="en-US"/>
+              <a:t>© 2015 EV3Lessons.com, Last edit 7/06/2016</a:t>
             </a:r>
             <a:endParaRPr lang="en-US" dirty="0"/>
           </a:p>
@@ -4279,7 +7445,823 @@
     <p:sldLayoutId id="2147483736" r:id="rId10"/>
     <p:sldLayoutId id="2147483737" r:id="rId11"/>
   </p:sldLayoutIdLst>
-  <p:hf hdr="0" dt="0"/>
+  <p:hf sldNum="0" hdr="0" dt="0"/>
+  <p:txStyles>
+    <p:titleStyle>
+      <a:lvl1pPr algn="l" defTabSz="914400" rtl="0" eaLnBrk="1" latinLnBrk="0" hangingPunct="1">
+        <a:lnSpc>
+          <a:spcPct val="85000"/>
+        </a:lnSpc>
+        <a:spcBef>
+          <a:spcPct val="0"/>
+        </a:spcBef>
+        <a:buNone/>
+        <a:defRPr sz="4800" kern="1200" spc="-50" baseline="0">
+          <a:solidFill>
+            <a:schemeClr val="tx1">
+              <a:lumMod val="75000"/>
+              <a:lumOff val="25000"/>
+            </a:schemeClr>
+          </a:solidFill>
+          <a:latin typeface="+mj-lt"/>
+          <a:ea typeface="+mj-ea"/>
+          <a:cs typeface="+mj-cs"/>
+        </a:defRPr>
+      </a:lvl1pPr>
+    </p:titleStyle>
+    <p:bodyStyle>
+      <a:lvl1pPr marL="91440" indent="-91440" algn="l" defTabSz="914400" rtl="0" eaLnBrk="1" latinLnBrk="0" hangingPunct="1">
+        <a:lnSpc>
+          <a:spcPct val="90000"/>
+        </a:lnSpc>
+        <a:spcBef>
+          <a:spcPts val="1200"/>
+        </a:spcBef>
+        <a:spcAft>
+          <a:spcPts val="200"/>
+        </a:spcAft>
+        <a:buClr>
+          <a:schemeClr val="accent1"/>
+        </a:buClr>
+        <a:buSzPct val="100000"/>
+        <a:buFont typeface="Calibri" panose="020F0502020204030204" pitchFamily="34" charset="0"/>
+        <a:buChar char=" "/>
+        <a:defRPr sz="2000" kern="1200">
+          <a:solidFill>
+            <a:schemeClr val="tx1">
+              <a:lumMod val="75000"/>
+              <a:lumOff val="25000"/>
+            </a:schemeClr>
+          </a:solidFill>
+          <a:latin typeface="+mn-lt"/>
+          <a:ea typeface="+mn-ea"/>
+          <a:cs typeface="+mn-cs"/>
+        </a:defRPr>
+      </a:lvl1pPr>
+      <a:lvl2pPr marL="384048" indent="-182880" algn="l" defTabSz="914400" rtl="0" eaLnBrk="1" latinLnBrk="0" hangingPunct="1">
+        <a:lnSpc>
+          <a:spcPct val="90000"/>
+        </a:lnSpc>
+        <a:spcBef>
+          <a:spcPts val="200"/>
+        </a:spcBef>
+        <a:spcAft>
+          <a:spcPts val="400"/>
+        </a:spcAft>
+        <a:buClr>
+          <a:schemeClr val="accent1"/>
+        </a:buClr>
+        <a:buFont typeface="Calibri" pitchFamily="34" charset="0"/>
+        <a:buChar char="◦"/>
+        <a:defRPr sz="1800" kern="1200">
+          <a:solidFill>
+            <a:schemeClr val="tx1">
+              <a:lumMod val="75000"/>
+              <a:lumOff val="25000"/>
+            </a:schemeClr>
+          </a:solidFill>
+          <a:latin typeface="+mn-lt"/>
+          <a:ea typeface="+mn-ea"/>
+          <a:cs typeface="+mn-cs"/>
+        </a:defRPr>
+      </a:lvl2pPr>
+      <a:lvl3pPr marL="566928" indent="-182880" algn="l" defTabSz="914400" rtl="0" eaLnBrk="1" latinLnBrk="0" hangingPunct="1">
+        <a:lnSpc>
+          <a:spcPct val="90000"/>
+        </a:lnSpc>
+        <a:spcBef>
+          <a:spcPts val="200"/>
+        </a:spcBef>
+        <a:spcAft>
+          <a:spcPts val="400"/>
+        </a:spcAft>
+        <a:buClr>
+          <a:schemeClr val="accent1"/>
+        </a:buClr>
+        <a:buFont typeface="Calibri" pitchFamily="34" charset="0"/>
+        <a:buChar char="◦"/>
+        <a:defRPr sz="1400" kern="1200">
+          <a:solidFill>
+            <a:schemeClr val="tx1">
+              <a:lumMod val="75000"/>
+              <a:lumOff val="25000"/>
+            </a:schemeClr>
+          </a:solidFill>
+          <a:latin typeface="+mn-lt"/>
+          <a:ea typeface="+mn-ea"/>
+          <a:cs typeface="+mn-cs"/>
+        </a:defRPr>
+      </a:lvl3pPr>
+      <a:lvl4pPr marL="749808" indent="-182880" algn="l" defTabSz="914400" rtl="0" eaLnBrk="1" latinLnBrk="0" hangingPunct="1">
+        <a:lnSpc>
+          <a:spcPct val="90000"/>
+        </a:lnSpc>
+        <a:spcBef>
+          <a:spcPts val="200"/>
+        </a:spcBef>
+        <a:spcAft>
+          <a:spcPts val="400"/>
+        </a:spcAft>
+        <a:buClr>
+          <a:schemeClr val="accent1"/>
+        </a:buClr>
+        <a:buFont typeface="Calibri" pitchFamily="34" charset="0"/>
+        <a:buChar char="◦"/>
+        <a:defRPr sz="1400" kern="1200">
+          <a:solidFill>
+            <a:schemeClr val="tx1">
+              <a:lumMod val="75000"/>
+              <a:lumOff val="25000"/>
+            </a:schemeClr>
+          </a:solidFill>
+          <a:latin typeface="+mn-lt"/>
+          <a:ea typeface="+mn-ea"/>
+          <a:cs typeface="+mn-cs"/>
+        </a:defRPr>
+      </a:lvl4pPr>
+      <a:lvl5pPr marL="932688" indent="-182880" algn="l" defTabSz="914400" rtl="0" eaLnBrk="1" latinLnBrk="0" hangingPunct="1">
+        <a:lnSpc>
+          <a:spcPct val="90000"/>
+        </a:lnSpc>
+        <a:spcBef>
+          <a:spcPts val="200"/>
+        </a:spcBef>
+        <a:spcAft>
+          <a:spcPts val="400"/>
+        </a:spcAft>
+        <a:buClr>
+          <a:schemeClr val="accent1"/>
+        </a:buClr>
+        <a:buFont typeface="Calibri" pitchFamily="34" charset="0"/>
+        <a:buChar char="◦"/>
+        <a:defRPr sz="1400" kern="1200">
+          <a:solidFill>
+            <a:schemeClr val="tx1">
+              <a:lumMod val="75000"/>
+              <a:lumOff val="25000"/>
+            </a:schemeClr>
+          </a:solidFill>
+          <a:latin typeface="+mn-lt"/>
+          <a:ea typeface="+mn-ea"/>
+          <a:cs typeface="+mn-cs"/>
+        </a:defRPr>
+      </a:lvl5pPr>
+      <a:lvl6pPr marL="1100000" indent="-228600" algn="l" defTabSz="914400" rtl="0" eaLnBrk="1" latinLnBrk="0" hangingPunct="1">
+        <a:lnSpc>
+          <a:spcPct val="90000"/>
+        </a:lnSpc>
+        <a:spcBef>
+          <a:spcPts val="200"/>
+        </a:spcBef>
+        <a:spcAft>
+          <a:spcPts val="400"/>
+        </a:spcAft>
+        <a:buClr>
+          <a:schemeClr val="accent1"/>
+        </a:buClr>
+        <a:buFont typeface="Calibri" pitchFamily="34" charset="0"/>
+        <a:buChar char="◦"/>
+        <a:defRPr sz="1400" kern="1200">
+          <a:solidFill>
+            <a:schemeClr val="tx1">
+              <a:lumMod val="75000"/>
+              <a:lumOff val="25000"/>
+            </a:schemeClr>
+          </a:solidFill>
+          <a:latin typeface="+mn-lt"/>
+          <a:ea typeface="+mn-ea"/>
+          <a:cs typeface="+mn-cs"/>
+        </a:defRPr>
+      </a:lvl6pPr>
+      <a:lvl7pPr marL="1300000" indent="-228600" algn="l" defTabSz="914400" rtl="0" eaLnBrk="1" latinLnBrk="0" hangingPunct="1">
+        <a:lnSpc>
+          <a:spcPct val="90000"/>
+        </a:lnSpc>
+        <a:spcBef>
+          <a:spcPts val="200"/>
+        </a:spcBef>
+        <a:spcAft>
+          <a:spcPts val="400"/>
+        </a:spcAft>
+        <a:buClr>
+          <a:schemeClr val="accent1"/>
+        </a:buClr>
+        <a:buFont typeface="Calibri" pitchFamily="34" charset="0"/>
+        <a:buChar char="◦"/>
+        <a:defRPr sz="1400" kern="1200">
+          <a:solidFill>
+            <a:schemeClr val="tx1">
+              <a:lumMod val="75000"/>
+              <a:lumOff val="25000"/>
+            </a:schemeClr>
+          </a:solidFill>
+          <a:latin typeface="+mn-lt"/>
+          <a:ea typeface="+mn-ea"/>
+          <a:cs typeface="+mn-cs"/>
+        </a:defRPr>
+      </a:lvl7pPr>
+      <a:lvl8pPr marL="1500000" indent="-228600" algn="l" defTabSz="914400" rtl="0" eaLnBrk="1" latinLnBrk="0" hangingPunct="1">
+        <a:lnSpc>
+          <a:spcPct val="90000"/>
+        </a:lnSpc>
+        <a:spcBef>
+          <a:spcPts val="200"/>
+        </a:spcBef>
+        <a:spcAft>
+          <a:spcPts val="400"/>
+        </a:spcAft>
+        <a:buClr>
+          <a:schemeClr val="accent1"/>
+        </a:buClr>
+        <a:buFont typeface="Calibri" pitchFamily="34" charset="0"/>
+        <a:buChar char="◦"/>
+        <a:defRPr sz="1400" kern="1200">
+          <a:solidFill>
+            <a:schemeClr val="tx1">
+              <a:lumMod val="75000"/>
+              <a:lumOff val="25000"/>
+            </a:schemeClr>
+          </a:solidFill>
+          <a:latin typeface="+mn-lt"/>
+          <a:ea typeface="+mn-ea"/>
+          <a:cs typeface="+mn-cs"/>
+        </a:defRPr>
+      </a:lvl8pPr>
+      <a:lvl9pPr marL="1700000" indent="-228600" algn="l" defTabSz="914400" rtl="0" eaLnBrk="1" latinLnBrk="0" hangingPunct="1">
+        <a:lnSpc>
+          <a:spcPct val="90000"/>
+        </a:lnSpc>
+        <a:spcBef>
+          <a:spcPts val="200"/>
+        </a:spcBef>
+        <a:spcAft>
+          <a:spcPts val="400"/>
+        </a:spcAft>
+        <a:buClr>
+          <a:schemeClr val="accent1"/>
+        </a:buClr>
+        <a:buFont typeface="Calibri" pitchFamily="34" charset="0"/>
+        <a:buChar char="◦"/>
+        <a:defRPr sz="1400" kern="1200">
+          <a:solidFill>
+            <a:schemeClr val="tx1">
+              <a:lumMod val="75000"/>
+              <a:lumOff val="25000"/>
+            </a:schemeClr>
+          </a:solidFill>
+          <a:latin typeface="+mn-lt"/>
+          <a:ea typeface="+mn-ea"/>
+          <a:cs typeface="+mn-cs"/>
+        </a:defRPr>
+      </a:lvl9pPr>
+    </p:bodyStyle>
+    <p:otherStyle>
+      <a:defPPr>
+        <a:defRPr lang="en-US"/>
+      </a:defPPr>
+      <a:lvl1pPr marL="0" algn="l" defTabSz="914400" rtl="0" eaLnBrk="1" latinLnBrk="0" hangingPunct="1">
+        <a:defRPr sz="1800" kern="1200">
+          <a:solidFill>
+            <a:schemeClr val="tx1"/>
+          </a:solidFill>
+          <a:latin typeface="+mn-lt"/>
+          <a:ea typeface="+mn-ea"/>
+          <a:cs typeface="+mn-cs"/>
+        </a:defRPr>
+      </a:lvl1pPr>
+      <a:lvl2pPr marL="457200" algn="l" defTabSz="914400" rtl="0" eaLnBrk="1" latinLnBrk="0" hangingPunct="1">
+        <a:defRPr sz="1800" kern="1200">
+          <a:solidFill>
+            <a:schemeClr val="tx1"/>
+          </a:solidFill>
+          <a:latin typeface="+mn-lt"/>
+          <a:ea typeface="+mn-ea"/>
+          <a:cs typeface="+mn-cs"/>
+        </a:defRPr>
+      </a:lvl2pPr>
+      <a:lvl3pPr marL="914400" algn="l" defTabSz="914400" rtl="0" eaLnBrk="1" latinLnBrk="0" hangingPunct="1">
+        <a:defRPr sz="1800" kern="1200">
+          <a:solidFill>
+            <a:schemeClr val="tx1"/>
+          </a:solidFill>
+          <a:latin typeface="+mn-lt"/>
+          <a:ea typeface="+mn-ea"/>
+          <a:cs typeface="+mn-cs"/>
+        </a:defRPr>
+      </a:lvl3pPr>
+      <a:lvl4pPr marL="1371600" algn="l" defTabSz="914400" rtl="0" eaLnBrk="1" latinLnBrk="0" hangingPunct="1">
+        <a:defRPr sz="1800" kern="1200">
+          <a:solidFill>
+            <a:schemeClr val="tx1"/>
+          </a:solidFill>
+          <a:latin typeface="+mn-lt"/>
+          <a:ea typeface="+mn-ea"/>
+          <a:cs typeface="+mn-cs"/>
+        </a:defRPr>
+      </a:lvl4pPr>
+      <a:lvl5pPr marL="1828800" algn="l" defTabSz="914400" rtl="0" eaLnBrk="1" latinLnBrk="0" hangingPunct="1">
+        <a:defRPr sz="1800" kern="1200">
+          <a:solidFill>
+            <a:schemeClr val="tx1"/>
+          </a:solidFill>
+          <a:latin typeface="+mn-lt"/>
+          <a:ea typeface="+mn-ea"/>
+          <a:cs typeface="+mn-cs"/>
+        </a:defRPr>
+      </a:lvl5pPr>
+      <a:lvl6pPr marL="2286000" algn="l" defTabSz="914400" rtl="0" eaLnBrk="1" latinLnBrk="0" hangingPunct="1">
+        <a:defRPr sz="1800" kern="1200">
+          <a:solidFill>
+            <a:schemeClr val="tx1"/>
+          </a:solidFill>
+          <a:latin typeface="+mn-lt"/>
+          <a:ea typeface="+mn-ea"/>
+          <a:cs typeface="+mn-cs"/>
+        </a:defRPr>
+      </a:lvl6pPr>
+      <a:lvl7pPr marL="2743200" algn="l" defTabSz="914400" rtl="0" eaLnBrk="1" latinLnBrk="0" hangingPunct="1">
+        <a:defRPr sz="1800" kern="1200">
+          <a:solidFill>
+            <a:schemeClr val="tx1"/>
+          </a:solidFill>
+          <a:latin typeface="+mn-lt"/>
+          <a:ea typeface="+mn-ea"/>
+          <a:cs typeface="+mn-cs"/>
+        </a:defRPr>
+      </a:lvl7pPr>
+      <a:lvl8pPr marL="3200400" algn="l" defTabSz="914400" rtl="0" eaLnBrk="1" latinLnBrk="0" hangingPunct="1">
+        <a:defRPr sz="1800" kern="1200">
+          <a:solidFill>
+            <a:schemeClr val="tx1"/>
+          </a:solidFill>
+          <a:latin typeface="+mn-lt"/>
+          <a:ea typeface="+mn-ea"/>
+          <a:cs typeface="+mn-cs"/>
+        </a:defRPr>
+      </a:lvl8pPr>
+      <a:lvl9pPr marL="3657600" algn="l" defTabSz="914400" rtl="0" eaLnBrk="1" latinLnBrk="0" hangingPunct="1">
+        <a:defRPr sz="1800" kern="1200">
+          <a:solidFill>
+            <a:schemeClr val="tx1"/>
+          </a:solidFill>
+          <a:latin typeface="+mn-lt"/>
+          <a:ea typeface="+mn-ea"/>
+          <a:cs typeface="+mn-cs"/>
+        </a:defRPr>
+      </a:lvl9pPr>
+    </p:otherStyle>
+  </p:txStyles>
+</p:sldMaster>
+</file>
+
+<file path=ppt/slideMasters/slideMaster2.xml><?xml version="1.0" encoding="utf-8"?>
+<p:sldMaster xmlns:a="http://schemas.openxmlformats.org/drawingml/2006/main" xmlns:r="http://schemas.openxmlformats.org/officeDocument/2006/relationships" xmlns:p="http://schemas.openxmlformats.org/presentationml/2006/main" preserve="1">
+  <p:cSld>
+    <p:bg>
+      <p:bgRef idx="1001">
+        <a:schemeClr val="bg1"/>
+      </p:bgRef>
+    </p:bg>
+    <p:spTree>
+      <p:nvGrpSpPr>
+        <p:cNvPr id="1" name=""/>
+        <p:cNvGrpSpPr/>
+        <p:nvPr/>
+      </p:nvGrpSpPr>
+      <p:grpSpPr>
+        <a:xfrm>
+          <a:off x="0" y="0"/>
+          <a:ext cx="0" cy="0"/>
+          <a:chOff x="0" y="0"/>
+          <a:chExt cx="0" cy="0"/>
+        </a:xfrm>
+      </p:grpSpPr>
+      <p:sp>
+        <p:nvSpPr>
+          <p:cNvPr id="7" name="Rectangle 6"/>
+          <p:cNvSpPr/>
+          <p:nvPr/>
+        </p:nvSpPr>
+        <p:spPr>
+          <a:xfrm>
+            <a:off x="0" y="6400800"/>
+            <a:ext cx="9144001" cy="457200"/>
+          </a:xfrm>
+          <a:prstGeom prst="rect">
+            <a:avLst/>
+          </a:prstGeom>
+          <a:solidFill>
+            <a:srgbClr val="0070C0"/>
+          </a:solidFill>
+          <a:ln>
+            <a:solidFill>
+              <a:srgbClr val="0070C0"/>
+            </a:solidFill>
+          </a:ln>
+        </p:spPr>
+        <p:style>
+          <a:lnRef idx="2">
+            <a:schemeClr val="accent1">
+              <a:shade val="50000"/>
+            </a:schemeClr>
+          </a:lnRef>
+          <a:fillRef idx="1">
+            <a:schemeClr val="accent1"/>
+          </a:fillRef>
+          <a:effectRef idx="0">
+            <a:schemeClr val="accent1"/>
+          </a:effectRef>
+          <a:fontRef idx="minor">
+            <a:schemeClr val="lt1"/>
+          </a:fontRef>
+        </p:style>
+      </p:sp>
+      <p:sp>
+        <p:nvSpPr>
+          <p:cNvPr id="9" name="Rectangle 8"/>
+          <p:cNvSpPr/>
+          <p:nvPr/>
+        </p:nvSpPr>
+        <p:spPr>
+          <a:xfrm>
+            <a:off x="0" y="6334315"/>
+            <a:ext cx="4487333" cy="92382"/>
+          </a:xfrm>
+          <a:prstGeom prst="rect">
+            <a:avLst/>
+          </a:prstGeom>
+          <a:solidFill>
+            <a:srgbClr val="00B050"/>
+          </a:solidFill>
+          <a:ln>
+            <a:noFill/>
+          </a:ln>
+        </p:spPr>
+        <p:style>
+          <a:lnRef idx="2">
+            <a:schemeClr val="accent1">
+              <a:shade val="50000"/>
+            </a:schemeClr>
+          </a:lnRef>
+          <a:fillRef idx="1">
+            <a:schemeClr val="accent1"/>
+          </a:fillRef>
+          <a:effectRef idx="0">
+            <a:schemeClr val="accent1"/>
+          </a:effectRef>
+          <a:fontRef idx="minor">
+            <a:schemeClr val="lt1"/>
+          </a:fontRef>
+        </p:style>
+      </p:sp>
+      <p:sp>
+        <p:nvSpPr>
+          <p:cNvPr id="2" name="Title Placeholder 1"/>
+          <p:cNvSpPr>
+            <a:spLocks noGrp="1"/>
+          </p:cNvSpPr>
+          <p:nvPr>
+            <p:ph type="title"/>
+          </p:nvPr>
+        </p:nvSpPr>
+        <p:spPr>
+          <a:xfrm>
+            <a:off x="227874" y="287088"/>
+            <a:ext cx="8596812" cy="874055"/>
+          </a:xfrm>
+          <a:prstGeom prst="rect">
+            <a:avLst/>
+          </a:prstGeom>
+        </p:spPr>
+        <p:txBody>
+          <a:bodyPr vert="horz" lIns="91440" tIns="45720" rIns="91440" bIns="45720" rtlCol="0" anchor="b">
+            <a:normAutofit/>
+          </a:bodyPr>
+          <a:lstStyle/>
+          <a:p>
+            <a:r>
+              <a:rPr lang="en-US"/>
+              <a:t>Click to edit Master title style</a:t>
+            </a:r>
+            <a:endParaRPr lang="en-US" dirty="0"/>
+          </a:p>
+        </p:txBody>
+      </p:sp>
+      <p:sp>
+        <p:nvSpPr>
+          <p:cNvPr id="3" name="Text Placeholder 2"/>
+          <p:cNvSpPr>
+            <a:spLocks noGrp="1"/>
+          </p:cNvSpPr>
+          <p:nvPr>
+            <p:ph type="body" idx="1"/>
+          </p:nvPr>
+        </p:nvSpPr>
+        <p:spPr>
+          <a:xfrm>
+            <a:off x="227874" y="1505616"/>
+            <a:ext cx="8596811" cy="4654528"/>
+          </a:xfrm>
+          <a:prstGeom prst="rect">
+            <a:avLst/>
+          </a:prstGeom>
+        </p:spPr>
+        <p:txBody>
+          <a:bodyPr vert="horz" lIns="0" tIns="45720" rIns="0" bIns="45720" rtlCol="0">
+            <a:normAutofit/>
+          </a:bodyPr>
+          <a:lstStyle/>
+          <a:p>
+            <a:pPr lvl="0"/>
+            <a:r>
+              <a:rPr lang="en-US"/>
+              <a:t>Edit Master text styles</a:t>
+            </a:r>
+          </a:p>
+          <a:p>
+            <a:pPr lvl="1"/>
+            <a:r>
+              <a:rPr lang="en-US"/>
+              <a:t>Second level</a:t>
+            </a:r>
+          </a:p>
+          <a:p>
+            <a:pPr lvl="2"/>
+            <a:r>
+              <a:rPr lang="en-US"/>
+              <a:t>Third level</a:t>
+            </a:r>
+          </a:p>
+          <a:p>
+            <a:pPr lvl="3"/>
+            <a:r>
+              <a:rPr lang="en-US"/>
+              <a:t>Fourth level</a:t>
+            </a:r>
+          </a:p>
+          <a:p>
+            <a:pPr lvl="4"/>
+            <a:r>
+              <a:rPr lang="en-US"/>
+              <a:t>Fifth level</a:t>
+            </a:r>
+            <a:endParaRPr lang="en-US" dirty="0"/>
+          </a:p>
+        </p:txBody>
+      </p:sp>
+      <p:sp>
+        <p:nvSpPr>
+          <p:cNvPr id="4" name="Date Placeholder 3"/>
+          <p:cNvSpPr>
+            <a:spLocks noGrp="1"/>
+          </p:cNvSpPr>
+          <p:nvPr>
+            <p:ph type="dt" sz="half" idx="2"/>
+          </p:nvPr>
+        </p:nvSpPr>
+        <p:spPr>
+          <a:xfrm>
+            <a:off x="822961" y="6459786"/>
+            <a:ext cx="1854203" cy="365125"/>
+          </a:xfrm>
+          <a:prstGeom prst="rect">
+            <a:avLst/>
+          </a:prstGeom>
+        </p:spPr>
+        <p:txBody>
+          <a:bodyPr vert="horz" lIns="91440" tIns="45720" rIns="91440" bIns="45720" rtlCol="0" anchor="ctr"/>
+          <a:lstStyle>
+            <a:lvl1pPr algn="l">
+              <a:defRPr sz="900">
+                <a:solidFill>
+                  <a:srgbClr val="FFFFFF"/>
+                </a:solidFill>
+              </a:defRPr>
+            </a:lvl1pPr>
+          </a:lstStyle>
+          <a:p>
+            <a:fld id="{4CF73676-29B8-4A10-A522-9786BF6F2E84}" type="datetime1">
+              <a:rPr lang="en-US" smtClean="0"/>
+              <a:t>7/7/2016</a:t>
+            </a:fld>
+            <a:endParaRPr lang="en-US" dirty="0"/>
+          </a:p>
+        </p:txBody>
+      </p:sp>
+      <p:sp>
+        <p:nvSpPr>
+          <p:cNvPr id="5" name="Footer Placeholder 4"/>
+          <p:cNvSpPr>
+            <a:spLocks noGrp="1"/>
+          </p:cNvSpPr>
+          <p:nvPr>
+            <p:ph type="ftr" sz="quarter" idx="3"/>
+          </p:nvPr>
+        </p:nvSpPr>
+        <p:spPr>
+          <a:xfrm>
+            <a:off x="2764639" y="6459786"/>
+            <a:ext cx="3617103" cy="365125"/>
+          </a:xfrm>
+          <a:prstGeom prst="rect">
+            <a:avLst/>
+          </a:prstGeom>
+        </p:spPr>
+        <p:txBody>
+          <a:bodyPr vert="horz" lIns="91440" tIns="45720" rIns="91440" bIns="45720" rtlCol="0" anchor="ctr"/>
+          <a:lstStyle>
+            <a:lvl1pPr algn="ctr">
+              <a:defRPr sz="900" cap="all" baseline="0">
+                <a:solidFill>
+                  <a:srgbClr val="FFFFFF"/>
+                </a:solidFill>
+              </a:defRPr>
+            </a:lvl1pPr>
+          </a:lstStyle>
+          <a:p>
+            <a:r>
+              <a:rPr lang="en-US"/>
+              <a:t>© 2015 EV3Lessons.com, Last edit 7/06/2016</a:t>
+            </a:r>
+            <a:endParaRPr lang="en-US" dirty="0"/>
+          </a:p>
+        </p:txBody>
+      </p:sp>
+      <p:sp>
+        <p:nvSpPr>
+          <p:cNvPr id="6" name="Slide Number Placeholder 5"/>
+          <p:cNvSpPr>
+            <a:spLocks noGrp="1"/>
+          </p:cNvSpPr>
+          <p:nvPr>
+            <p:ph type="sldNum" sz="quarter" idx="4"/>
+          </p:nvPr>
+        </p:nvSpPr>
+        <p:spPr>
+          <a:xfrm>
+            <a:off x="7425344" y="6459786"/>
+            <a:ext cx="984019" cy="365125"/>
+          </a:xfrm>
+          <a:prstGeom prst="rect">
+            <a:avLst/>
+          </a:prstGeom>
+        </p:spPr>
+        <p:txBody>
+          <a:bodyPr vert="horz" lIns="91440" tIns="45720" rIns="91440" bIns="45720" rtlCol="0" anchor="ctr"/>
+          <a:lstStyle>
+            <a:lvl1pPr algn="r">
+              <a:defRPr sz="1050">
+                <a:solidFill>
+                  <a:srgbClr val="FFFFFF"/>
+                </a:solidFill>
+              </a:defRPr>
+            </a:lvl1pPr>
+          </a:lstStyle>
+          <a:p>
+            <a:fld id="{4382A7F7-08BF-4252-8141-63FB96055BBB}" type="slidenum">
+              <a:rPr lang="en-US" smtClean="0"/>
+              <a:t>‹#›</a:t>
+            </a:fld>
+            <a:endParaRPr lang="en-US"/>
+          </a:p>
+        </p:txBody>
+      </p:sp>
+      <p:cxnSp>
+        <p:nvCxnSpPr>
+          <p:cNvPr id="10" name="Straight Connector 9"/>
+          <p:cNvCxnSpPr/>
+          <p:nvPr/>
+        </p:nvCxnSpPr>
+        <p:spPr>
+          <a:xfrm flipV="1">
+            <a:off x="227874" y="1335314"/>
+            <a:ext cx="8596811" cy="1"/>
+          </a:xfrm>
+          <a:prstGeom prst="line">
+            <a:avLst/>
+          </a:prstGeom>
+          <a:ln w="6350">
+            <a:solidFill>
+              <a:schemeClr val="tx1">
+                <a:lumMod val="50000"/>
+                <a:lumOff val="50000"/>
+              </a:schemeClr>
+            </a:solidFill>
+          </a:ln>
+        </p:spPr>
+        <p:style>
+          <a:lnRef idx="1">
+            <a:schemeClr val="accent1"/>
+          </a:lnRef>
+          <a:fillRef idx="0">
+            <a:schemeClr val="accent1"/>
+          </a:fillRef>
+          <a:effectRef idx="0">
+            <a:schemeClr val="accent1"/>
+          </a:effectRef>
+          <a:fontRef idx="minor">
+            <a:schemeClr val="tx1"/>
+          </a:fontRef>
+        </p:style>
+      </p:cxnSp>
+      <p:sp>
+        <p:nvSpPr>
+          <p:cNvPr id="11" name="Rectangle 10"/>
+          <p:cNvSpPr/>
+          <p:nvPr/>
+        </p:nvSpPr>
+        <p:spPr>
+          <a:xfrm>
+            <a:off x="4487333" y="6334315"/>
+            <a:ext cx="4656667" cy="92382"/>
+          </a:xfrm>
+          <a:prstGeom prst="rect">
+            <a:avLst/>
+          </a:prstGeom>
+          <a:solidFill>
+            <a:srgbClr val="7030A0"/>
+          </a:solidFill>
+          <a:ln>
+            <a:noFill/>
+          </a:ln>
+        </p:spPr>
+        <p:style>
+          <a:lnRef idx="2">
+            <a:schemeClr val="accent1">
+              <a:shade val="50000"/>
+            </a:schemeClr>
+          </a:lnRef>
+          <a:fillRef idx="1">
+            <a:schemeClr val="accent1"/>
+          </a:fillRef>
+          <a:effectRef idx="0">
+            <a:schemeClr val="accent1"/>
+          </a:effectRef>
+          <a:fontRef idx="minor">
+            <a:schemeClr val="lt1"/>
+          </a:fontRef>
+        </p:style>
+      </p:sp>
+      <p:sp>
+        <p:nvSpPr>
+          <p:cNvPr id="12" name="Rectangle 11"/>
+          <p:cNvSpPr/>
+          <p:nvPr userDrawn="1"/>
+        </p:nvSpPr>
+        <p:spPr>
+          <a:xfrm>
+            <a:off x="4487333" y="6334315"/>
+            <a:ext cx="4656667" cy="92382"/>
+          </a:xfrm>
+          <a:prstGeom prst="rect">
+            <a:avLst/>
+          </a:prstGeom>
+          <a:solidFill>
+            <a:srgbClr val="7030A0"/>
+          </a:solidFill>
+          <a:ln>
+            <a:noFill/>
+          </a:ln>
+        </p:spPr>
+        <p:style>
+          <a:lnRef idx="2">
+            <a:schemeClr val="accent1">
+              <a:shade val="50000"/>
+            </a:schemeClr>
+          </a:lnRef>
+          <a:fillRef idx="1">
+            <a:schemeClr val="accent1"/>
+          </a:fillRef>
+          <a:effectRef idx="0">
+            <a:schemeClr val="accent1"/>
+          </a:effectRef>
+          <a:fontRef idx="minor">
+            <a:schemeClr val="lt1"/>
+          </a:fontRef>
+        </p:style>
+      </p:sp>
+    </p:spTree>
+    <p:extLst>
+      <p:ext uri="{BB962C8B-B14F-4D97-AF65-F5344CB8AC3E}">
+        <p14:creationId xmlns:p14="http://schemas.microsoft.com/office/powerpoint/2010/main" val="832967612"/>
+      </p:ext>
+    </p:extLst>
+  </p:cSld>
+  <p:clrMap bg1="lt1" tx1="dk1" bg2="lt2" tx2="dk2" accent1="accent1" accent2="accent2" accent3="accent3" accent4="accent4" accent5="accent5" accent6="accent6" hlink="hlink" folHlink="folHlink"/>
+  <p:sldLayoutIdLst>
+    <p:sldLayoutId id="2147483739" r:id="rId1"/>
+    <p:sldLayoutId id="2147483740" r:id="rId2"/>
+    <p:sldLayoutId id="2147483741" r:id="rId3"/>
+    <p:sldLayoutId id="2147483742" r:id="rId4"/>
+    <p:sldLayoutId id="2147483743" r:id="rId5"/>
+    <p:sldLayoutId id="2147483744" r:id="rId6"/>
+    <p:sldLayoutId id="2147483745" r:id="rId7"/>
+    <p:sldLayoutId id="2147483746" r:id="rId8"/>
+    <p:sldLayoutId id="2147483747" r:id="rId9"/>
+    <p:sldLayoutId id="2147483748" r:id="rId10"/>
+    <p:sldLayoutId id="2147483749" r:id="rId11"/>
+  </p:sldLayoutIdLst>
+  <p:hf sldNum="0" hdr="0" dt="0"/>
   <p:txStyles>
     <p:titleStyle>
       <a:lvl1pPr algn="l" defTabSz="914400" rtl="0" eaLnBrk="1" latinLnBrk="0" hangingPunct="1">
@@ -4678,15 +8660,14 @@
         <p:spPr/>
         <p:txBody>
           <a:bodyPr>
-            <a:normAutofit fontScale="90000"/>
+            <a:normAutofit/>
           </a:bodyPr>
           <a:lstStyle/>
           <a:p>
             <a:r>
-              <a:rPr lang="en-US" dirty="0" smtClean="0"/>
+              <a:rPr lang="en-US" dirty="0"/>
               <a:t>INTERMEDIATE PROGRAMMING LESSON</a:t>
             </a:r>
-            <a:endParaRPr lang="en-US" dirty="0"/>
           </a:p>
         </p:txBody>
       </p:sp>
@@ -4713,10 +8694,9 @@
           <a:lstStyle/>
           <a:p>
             <a:r>
-              <a:rPr lang="en-US" smtClean="0"/>
+              <a:rPr lang="en-US"/>
               <a:t>COLOR LINE FOLLOWER MY BLOCK WITH INPUTS: MOVE FOR DISTANCE</a:t>
             </a:r>
-            <a:endParaRPr lang="en-US"/>
           </a:p>
         </p:txBody>
       </p:sp>
@@ -4766,11 +8746,11 @@
           <a:lstStyle/>
           <a:p>
             <a:r>
-              <a:rPr lang="en-US" dirty="0" smtClean="0"/>
+              <a:rPr lang="en-US" dirty="0"/>
               <a:t>Step 3B: Wire the </a:t>
             </a:r>
             <a:r>
-              <a:rPr lang="en-US" smtClean="0"/>
+              <a:rPr lang="en-US"/>
               <a:t>My Block</a:t>
             </a:r>
             <a:endParaRPr lang="en-US" dirty="0"/>
@@ -4822,10 +8802,9 @@
           <a:lstStyle/>
           <a:p>
             <a:r>
-              <a:rPr lang="en-US" smtClean="0"/>
-              <a:t>© 2015, EV3Lessons.com,  Last edit 11/5/2015</a:t>
-            </a:r>
-            <a:endParaRPr lang="en-US"/>
+              <a:rPr lang="en-US"/>
+              <a:t>© 2015 EV3Lessons.com, Last edit 7/06/2016</a:t>
+            </a:r>
           </a:p>
         </p:txBody>
       </p:sp>
@@ -4856,7 +8835,7 @@
               <a:buChar char="•"/>
             </a:pPr>
             <a:r>
-              <a:rPr lang="en-US" dirty="0" smtClean="0"/>
+              <a:rPr lang="en-US" dirty="0"/>
               <a:t>The degrees input goes into loop exit condition</a:t>
             </a:r>
           </a:p>
@@ -4866,7 +8845,7 @@
               <a:buChar char="•"/>
             </a:pPr>
             <a:r>
-              <a:rPr lang="en-US" dirty="0" smtClean="0"/>
+              <a:rPr lang="en-US" dirty="0"/>
               <a:t>The power input goes into power input on the steering block</a:t>
             </a:r>
           </a:p>
@@ -4876,10 +8855,9 @@
               <a:buChar char="•"/>
             </a:pPr>
             <a:r>
-              <a:rPr lang="en-US" dirty="0" smtClean="0"/>
+              <a:rPr lang="en-US" dirty="0"/>
               <a:t>The color input goes into color input for the switch</a:t>
             </a:r>
-            <a:endParaRPr lang="en-US" dirty="0"/>
           </a:p>
         </p:txBody>
       </p:sp>
@@ -4939,10 +8917,9 @@
           <a:lstStyle/>
           <a:p>
             <a:r>
-              <a:rPr lang="en-US" sz="1100" dirty="0" smtClean="0"/>
+              <a:rPr lang="en-US" sz="1100" dirty="0"/>
               <a:t>Degrees</a:t>
             </a:r>
-            <a:endParaRPr lang="en-US" sz="1100" dirty="0"/>
           </a:p>
         </p:txBody>
       </p:sp>
@@ -4969,10 +8946,9 @@
           <a:lstStyle/>
           <a:p>
             <a:r>
-              <a:rPr lang="en-US" sz="1100" dirty="0" smtClean="0"/>
+              <a:rPr lang="en-US" sz="1100" dirty="0"/>
               <a:t>Power</a:t>
             </a:r>
-            <a:endParaRPr lang="en-US" sz="1100" dirty="0"/>
           </a:p>
         </p:txBody>
       </p:sp>
@@ -4999,10 +8975,9 @@
           <a:lstStyle/>
           <a:p>
             <a:r>
-              <a:rPr lang="en-US" sz="1100" dirty="0" smtClean="0"/>
+              <a:rPr lang="en-US" sz="1100" dirty="0"/>
               <a:t>Color</a:t>
             </a:r>
-            <a:endParaRPr lang="en-US" sz="1100" dirty="0"/>
           </a:p>
         </p:txBody>
       </p:sp>
@@ -5016,13 +8991,6 @@
   <p:clrMapOvr>
     <a:masterClrMapping/>
   </p:clrMapOvr>
-  <p:timing>
-    <p:tnLst>
-      <p:par>
-        <p:cTn id="1" dur="indefinite" restart="never" nodeType="tmRoot"/>
-      </p:par>
-    </p:tnLst>
-  </p:timing>
 </p:sld>
 </file>
 
@@ -5089,14 +9057,9 @@
           <a:lstStyle/>
           <a:p>
             <a:r>
-              <a:rPr lang="en-US" dirty="0" smtClean="0"/>
-              <a:t>STEP 3C: </a:t>
-            </a:r>
-            <a:r>
-              <a:rPr lang="en-US" dirty="0" smtClean="0"/>
-              <a:t>Using the My Block</a:t>
-            </a:r>
-            <a:endParaRPr lang="en-US" dirty="0"/>
+              <a:rPr lang="en-US" dirty="0"/>
+              <a:t>STEP 3C: Using the My Block</a:t>
+            </a:r>
           </a:p>
         </p:txBody>
       </p:sp>
@@ -5112,8 +9075,8 @@
         </p:nvSpPr>
         <p:spPr>
           <a:xfrm>
-            <a:off x="4579936" y="1772667"/>
-            <a:ext cx="3890831" cy="4720207"/>
+            <a:off x="5204298" y="1481777"/>
+            <a:ext cx="3620388" cy="4720207"/>
           </a:xfrm>
         </p:spPr>
         <p:txBody>
@@ -5127,7 +9090,7 @@
               <a:buChar char="•"/>
             </a:pPr>
             <a:r>
-              <a:rPr lang="en-US" sz="1800" b="0" dirty="0" smtClean="0"/>
+              <a:rPr lang="en-US" sz="1800" b="0" dirty="0"/>
               <a:t>Now the My Block appears in the turquoise tab and the same My Block can be used again and again with new inputs (see left)</a:t>
             </a:r>
           </a:p>
@@ -5137,7 +9100,7 @@
               <a:buChar char="•"/>
             </a:pPr>
             <a:r>
-              <a:rPr lang="en-US" sz="1800" b="0" dirty="0" smtClean="0"/>
+              <a:rPr lang="en-US" sz="1800" b="0" dirty="0"/>
               <a:t>The first block alone solves the challenge of line following for 720 degrees.</a:t>
             </a:r>
           </a:p>
@@ -5147,7 +9110,7 @@
               <a:buChar char="•"/>
             </a:pPr>
             <a:r>
-              <a:rPr lang="en-US" sz="1800" b="0" dirty="0" smtClean="0"/>
+              <a:rPr lang="en-US" sz="1800" b="0" dirty="0"/>
               <a:t>The second block in this code is to show that the same block can be used with different inputs to follow a different line for a different distance.</a:t>
             </a:r>
           </a:p>
@@ -5164,10 +9127,9 @@
               <a:buChar char="•"/>
             </a:pPr>
             <a:r>
-              <a:rPr lang="en-US" sz="1800" b="0" dirty="0" smtClean="0"/>
+              <a:rPr lang="en-US" sz="1800" b="0" dirty="0"/>
               <a:t>If you want to learn smoother line followers, proceed to the proportional control lesson in Advanced.</a:t>
             </a:r>
-            <a:endParaRPr lang="en-US" sz="1800" b="0" dirty="0"/>
           </a:p>
           <a:p>
             <a:endParaRPr lang="en-US" sz="1800" dirty="0"/>
@@ -5190,10 +9152,9 @@
           <a:lstStyle/>
           <a:p>
             <a:r>
-              <a:rPr lang="en-US" smtClean="0"/>
-              <a:t>© 2015, EV3Lessons.com,  Last edit 11/5/2015</a:t>
-            </a:r>
-            <a:endParaRPr lang="en-US"/>
+              <a:rPr lang="en-US"/>
+              <a:t>© 2015 EV3Lessons.com, Last edit 7/06/2016</a:t>
+            </a:r>
           </a:p>
         </p:txBody>
       </p:sp>
@@ -5207,13 +9168,6 @@
   <p:clrMapOvr>
     <a:masterClrMapping/>
   </p:clrMapOvr>
-  <p:timing>
-    <p:tnLst>
-      <p:par>
-        <p:cTn id="1" dur="indefinite" restart="never" nodeType="tmRoot"/>
-      </p:par>
-    </p:tnLst>
-  </p:timing>
 </p:sld>
 </file>
 
@@ -5250,21 +9204,54 @@
           <a:lstStyle/>
           <a:p>
             <a:r>
-              <a:rPr lang="en-US" dirty="0" smtClean="0"/>
+              <a:rPr lang="en-US" dirty="0"/>
               <a:t>Credits</a:t>
             </a:r>
+          </a:p>
+        </p:txBody>
+      </p:sp>
+      <p:sp>
+        <p:nvSpPr>
+          <p:cNvPr id="3" name="Content Placeholder 2"/>
+          <p:cNvSpPr>
+            <a:spLocks noGrp="1"/>
+          </p:cNvSpPr>
+          <p:nvPr>
+            <p:ph idx="1"/>
+          </p:nvPr>
+        </p:nvSpPr>
+        <p:spPr/>
+        <p:txBody>
+          <a:bodyPr/>
+          <a:lstStyle/>
+          <a:p>
+            <a:r>
+              <a:rPr lang="en-US" dirty="0"/>
+              <a:t>This tutorial was created by Sanjay Seshan and Arvind Seshan</a:t>
+            </a:r>
+          </a:p>
+          <a:p>
+            <a:r>
+              <a:rPr lang="en-US" dirty="0"/>
+              <a:t>More lessons are available at www.ev3lessons.com</a:t>
+            </a:r>
+          </a:p>
+          <a:p>
+            <a:br>
+              <a:rPr lang="en-US" dirty="0"/>
+            </a:br>
             <a:endParaRPr lang="en-US" dirty="0"/>
           </a:p>
         </p:txBody>
       </p:sp>
       <p:sp>
         <p:nvSpPr>
-          <p:cNvPr id="3" name="Content Placeholder 2"/>
-          <p:cNvSpPr>
-            <a:spLocks noGrp="1"/>
-          </p:cNvSpPr>
-          <p:nvPr>
-            <p:ph idx="1"/>
+          <p:cNvPr id="4" name="Footer Placeholder 3"/>
+          <p:cNvSpPr>
+            <a:spLocks noGrp="1"/>
+          </p:cNvSpPr>
+          <p:nvPr>
+            <p:ph type="ftr" sz="quarter" idx="11"/>
           </p:nvPr>
         </p:nvSpPr>
         <p:spPr/>
@@ -5273,72 +9260,8 @@
           <a:lstStyle/>
           <a:p>
             <a:r>
-              <a:rPr lang="en-US" dirty="0" smtClean="0"/>
-              <a:t>This tutorial was created by Sanjay </a:t>
-            </a:r>
-            <a:r>
-              <a:rPr lang="en-US" dirty="0" err="1" smtClean="0"/>
-              <a:t>Seshan</a:t>
-            </a:r>
-            <a:r>
-              <a:rPr lang="en-US" dirty="0" smtClean="0"/>
-              <a:t> and Arvind </a:t>
-            </a:r>
-            <a:r>
-              <a:rPr lang="en-US" dirty="0" err="1" smtClean="0"/>
-              <a:t>Seshan</a:t>
-            </a:r>
-            <a:r>
-              <a:rPr lang="en-US" dirty="0" smtClean="0"/>
-              <a:t> from Droids Robotics.</a:t>
-            </a:r>
-          </a:p>
-          <a:p>
-            <a:r>
-              <a:rPr lang="en-US" dirty="0" smtClean="0"/>
-              <a:t>More lessons are available at www.ev3lessons.com</a:t>
-            </a:r>
-          </a:p>
-          <a:p>
-            <a:r>
-              <a:rPr lang="en-US" dirty="0" smtClean="0"/>
-              <a:t>Author’s Email: </a:t>
-            </a:r>
-            <a:r>
-              <a:rPr lang="en-US" dirty="0" smtClean="0">
-                <a:hlinkClick r:id="rId3"/>
-              </a:rPr>
-              <a:t>team@droidsrobotics.org</a:t>
-            </a:r>
-            <a:r>
-              <a:rPr lang="en-US" smtClean="0"/>
-              <a:t/>
-            </a:r>
-            <a:br>
-              <a:rPr lang="en-US" smtClean="0"/>
-            </a:br>
-            <a:endParaRPr lang="en-US" dirty="0" smtClean="0"/>
-          </a:p>
-        </p:txBody>
-      </p:sp>
-      <p:sp>
-        <p:nvSpPr>
-          <p:cNvPr id="4" name="Footer Placeholder 3"/>
-          <p:cNvSpPr>
-            <a:spLocks noGrp="1"/>
-          </p:cNvSpPr>
-          <p:nvPr>
-            <p:ph type="ftr" sz="quarter" idx="11"/>
-          </p:nvPr>
-        </p:nvSpPr>
-        <p:spPr/>
-        <p:txBody>
-          <a:bodyPr/>
-          <a:lstStyle/>
-          <a:p>
-            <a:r>
-              <a:rPr lang="en-US" smtClean="0"/>
-              <a:t>© 2015, EV3Lessons.com,  Last edit 11/5/2015</a:t>
+              <a:rPr lang="en-US"/>
+              <a:t>© 2015 EV3Lessons.com, Last edit 7/06/2016</a:t>
             </a:r>
             <a:endParaRPr lang="en-US" dirty="0"/>
           </a:p>
@@ -5369,7 +9292,7 @@
           <a:effectLst/>
           <a:extLst>
             <a:ext uri="{91240B29-F687-4f45-9708-019B960494DF}">
-              <a14:hiddenLine xmlns:a14="http://schemas.microsoft.com/office/drawing/2010/main" xmlns="" w="9525">
+              <a14:hiddenLine xmlns="" xmlns:a14="http://schemas.microsoft.com/office/drawing/2010/main" w="9525">
                 <a:solidFill>
                   <a:schemeClr val="tx1"/>
                 </a:solidFill>
@@ -5379,7 +9302,7 @@
               </a14:hiddenLine>
             </a:ext>
             <a:ext uri="{AF507438-7753-43e0-B8FC-AC1667EBCBE1}">
-              <a14:hiddenEffects xmlns:a14="http://schemas.microsoft.com/office/drawing/2010/main" xmlns="">
+              <a14:hiddenEffects xmlns="" xmlns:a14="http://schemas.microsoft.com/office/drawing/2010/main">
                 <a:effectLst>
                   <a:outerShdw dist="35921" dir="2700000" algn="ctr" rotWithShape="0">
                     <a:schemeClr val="bg2"/>
@@ -5542,7 +9465,7 @@
               <a:tabLst/>
             </a:pPr>
             <a:r>
-              <a:rPr kumimoji="0" lang="en-US" altLang="en-US" sz="2000" b="0" i="0" u="none" strike="noStrike" cap="none" normalizeH="0" baseline="0" dirty="0" smtClean="0">
+              <a:rPr kumimoji="0" lang="en-US" altLang="en-US" sz="2000" b="0" i="0" u="none" strike="noStrike" cap="none" normalizeH="0" baseline="0" dirty="0">
                 <a:ln>
                   <a:noFill/>
                 </a:ln>
@@ -5554,20 +9477,8 @@
               </a:rPr>
               <a:t>                         </a:t>
             </a:r>
-            <a:r>
-              <a:rPr kumimoji="0" lang="en-US" altLang="en-US" sz="1600" b="0" i="0" u="none" strike="noStrike" cap="none" normalizeH="0" baseline="0" dirty="0" smtClean="0">
-                <a:ln>
-                  <a:noFill/>
-                </a:ln>
-                <a:solidFill>
-                  <a:schemeClr val="tx1"/>
-                </a:solidFill>
-                <a:effectLst/>
-              </a:rPr>
-              <a:t/>
-            </a:r>
             <a:br>
-              <a:rPr kumimoji="0" lang="en-US" altLang="en-US" sz="1600" b="0" i="0" u="none" strike="noStrike" cap="none" normalizeH="0" baseline="0" dirty="0" smtClean="0">
+              <a:rPr kumimoji="0" lang="en-US" altLang="en-US" sz="1600" b="0" i="0" u="none" strike="noStrike" cap="none" normalizeH="0" baseline="0" dirty="0">
                 <a:ln>
                   <a:noFill/>
                 </a:ln>
@@ -5578,7 +9489,7 @@
               </a:rPr>
             </a:br>
             <a:r>
-              <a:rPr kumimoji="0" lang="en-US" altLang="en-US" sz="2000" b="0" i="0" u="none" strike="noStrike" cap="none" normalizeH="0" baseline="0" dirty="0" smtClean="0">
+              <a:rPr kumimoji="0" lang="en-US" altLang="en-US" sz="2000" b="0" i="0" u="none" strike="noStrike" cap="none" normalizeH="0" baseline="0" dirty="0">
                 <a:ln>
                   <a:noFill/>
                 </a:ln>
@@ -5591,7 +9502,7 @@
               <a:t>This work is licensed under a </a:t>
             </a:r>
             <a:r>
-              <a:rPr kumimoji="0" lang="en-US" altLang="en-US" sz="2000" b="0" i="0" u="none" strike="noStrike" cap="none" normalizeH="0" baseline="0" dirty="0" smtClean="0">
+              <a:rPr kumimoji="0" lang="en-US" altLang="en-US" sz="2000" b="0" i="0" u="none" strike="noStrike" cap="none" normalizeH="0" baseline="0" dirty="0">
                 <a:ln>
                   <a:noFill/>
                 </a:ln>
@@ -5600,12 +9511,12 @@
                 </a:solidFill>
                 <a:effectLst/>
                 <a:latin typeface="Helvetica Neue"/>
-                <a:hlinkClick r:id="rId4"/>
+                <a:hlinkClick r:id="rId3"/>
               </a:rPr>
               <a:t>Creative Commons Attribution-</a:t>
             </a:r>
             <a:r>
-              <a:rPr kumimoji="0" lang="en-US" altLang="en-US" sz="2000" b="0" i="0" u="none" strike="noStrike" cap="none" normalizeH="0" baseline="0" dirty="0" err="1" smtClean="0">
+              <a:rPr kumimoji="0" lang="en-US" altLang="en-US" sz="2000" b="0" i="0" u="none" strike="noStrike" cap="none" normalizeH="0" baseline="0" dirty="0" err="1">
                 <a:ln>
                   <a:noFill/>
                 </a:ln>
@@ -5614,12 +9525,12 @@
                 </a:solidFill>
                 <a:effectLst/>
                 <a:latin typeface="Helvetica Neue"/>
-                <a:hlinkClick r:id="rId4"/>
+                <a:hlinkClick r:id="rId3"/>
               </a:rPr>
               <a:t>NonCommercial</a:t>
             </a:r>
             <a:r>
-              <a:rPr kumimoji="0" lang="en-US" altLang="en-US" sz="2000" b="0" i="0" u="none" strike="noStrike" cap="none" normalizeH="0" baseline="0" dirty="0" smtClean="0">
+              <a:rPr kumimoji="0" lang="en-US" altLang="en-US" sz="2000" b="0" i="0" u="none" strike="noStrike" cap="none" normalizeH="0" baseline="0" dirty="0">
                 <a:ln>
                   <a:noFill/>
                 </a:ln>
@@ -5628,12 +9539,12 @@
                 </a:solidFill>
                 <a:effectLst/>
                 <a:latin typeface="Helvetica Neue"/>
-                <a:hlinkClick r:id="rId4"/>
+                <a:hlinkClick r:id="rId3"/>
               </a:rPr>
               <a:t>-</a:t>
             </a:r>
             <a:r>
-              <a:rPr kumimoji="0" lang="en-US" altLang="en-US" sz="2000" b="0" i="0" u="none" strike="noStrike" cap="none" normalizeH="0" baseline="0" dirty="0" err="1" smtClean="0">
+              <a:rPr kumimoji="0" lang="en-US" altLang="en-US" sz="2000" b="0" i="0" u="none" strike="noStrike" cap="none" normalizeH="0" baseline="0" dirty="0" err="1">
                 <a:ln>
                   <a:noFill/>
                 </a:ln>
@@ -5642,12 +9553,12 @@
                 </a:solidFill>
                 <a:effectLst/>
                 <a:latin typeface="Helvetica Neue"/>
-                <a:hlinkClick r:id="rId4"/>
+                <a:hlinkClick r:id="rId3"/>
               </a:rPr>
               <a:t>ShareAlike</a:t>
             </a:r>
             <a:r>
-              <a:rPr kumimoji="0" lang="en-US" altLang="en-US" sz="2000" b="0" i="0" u="none" strike="noStrike" cap="none" normalizeH="0" baseline="0" dirty="0" smtClean="0">
+              <a:rPr kumimoji="0" lang="en-US" altLang="en-US" sz="2000" b="0" i="0" u="none" strike="noStrike" cap="none" normalizeH="0" baseline="0" dirty="0">
                 <a:ln>
                   <a:noFill/>
                 </a:ln>
@@ -5656,12 +9567,12 @@
                 </a:solidFill>
                 <a:effectLst/>
                 <a:latin typeface="Helvetica Neue"/>
-                <a:hlinkClick r:id="rId4"/>
+                <a:hlinkClick r:id="rId3"/>
               </a:rPr>
               <a:t> 4.0 International License</a:t>
             </a:r>
             <a:r>
-              <a:rPr kumimoji="0" lang="en-US" altLang="en-US" sz="2000" b="0" i="0" u="none" strike="noStrike" cap="none" normalizeH="0" baseline="0" dirty="0" smtClean="0">
+              <a:rPr kumimoji="0" lang="en-US" altLang="en-US" sz="2000" b="0" i="0" u="none" strike="noStrike" cap="none" normalizeH="0" baseline="0" dirty="0">
                 <a:ln>
                   <a:noFill/>
                 </a:ln>
@@ -5674,7 +9585,7 @@
               <a:t>.</a:t>
             </a:r>
             <a:r>
-              <a:rPr kumimoji="0" lang="en-US" altLang="en-US" sz="1600" b="0" i="0" u="none" strike="noStrike" cap="none" normalizeH="0" baseline="0" dirty="0" smtClean="0">
+              <a:rPr kumimoji="0" lang="en-US" altLang="en-US" sz="1600" b="0" i="0" u="none" strike="noStrike" cap="none" normalizeH="0" baseline="0" dirty="0">
                 <a:ln>
                   <a:noFill/>
                 </a:ln>
@@ -5685,7 +9596,7 @@
               </a:rPr>
               <a:t> </a:t>
             </a:r>
-            <a:endParaRPr kumimoji="0" lang="en-US" altLang="en-US" sz="2000" b="0" i="0" u="none" strike="noStrike" cap="none" normalizeH="0" baseline="0" dirty="0" smtClean="0">
+            <a:endParaRPr kumimoji="0" lang="en-US" altLang="en-US" sz="2000" b="0" i="0" u="none" strike="noStrike" cap="none" normalizeH="0" baseline="0" dirty="0">
               <a:ln>
                 <a:noFill/>
               </a:ln>
@@ -5701,7 +9612,7 @@
       <p:pic>
         <p:nvPicPr>
           <p:cNvPr id="2050" name="Picture 2" descr="Creative Commons License">
-            <a:hlinkClick r:id="rId4"/>
+            <a:hlinkClick r:id="rId3"/>
           </p:cNvPr>
           <p:cNvPicPr>
             <a:picLocks noChangeAspect="1" noChangeArrowheads="1"/>
@@ -5709,7 +9620,7 @@
           <p:nvPr/>
         </p:nvPicPr>
         <p:blipFill>
-          <a:blip r:embed="rId5">
+          <a:blip r:embed="rId4">
             <a:extLst>
               <a:ext uri="{28A0092B-C50C-407E-A947-70E740481C1C}">
                 <a14:useLocalDpi xmlns:a14="http://schemas.microsoft.com/office/drawing/2010/main" val="0"/>
@@ -5732,7 +9643,7 @@
           <a:noFill/>
           <a:extLst>
             <a:ext uri="{909E8E84-426E-40dd-AFC4-6F175D3DCCD1}">
-              <a14:hiddenFill xmlns:a14="http://schemas.microsoft.com/office/drawing/2010/main" xmlns="">
+              <a14:hiddenFill xmlns="" xmlns:a14="http://schemas.microsoft.com/office/drawing/2010/main">
                 <a:solidFill>
                   <a:srgbClr val="FFFFFF"/>
                 </a:solidFill>
@@ -5751,13 +9662,6 @@
   <p:clrMapOvr>
     <a:masterClrMapping/>
   </p:clrMapOvr>
-  <p:timing>
-    <p:tnLst>
-      <p:par>
-        <p:cTn id="1" dur="indefinite" restart="never" nodeType="tmRoot"/>
-      </p:par>
-    </p:tnLst>
-  </p:timing>
 </p:sld>
 </file>
 
@@ -5794,7 +9698,7 @@
           <a:lstStyle/>
           <a:p>
             <a:r>
-              <a:rPr lang="en-US" smtClean="0"/>
+              <a:rPr lang="en-US"/>
               <a:t>Lesson Objectives</a:t>
             </a:r>
             <a:endParaRPr lang="en-US" dirty="0"/>
@@ -5821,7 +9725,7 @@
               <a:buAutoNum type="arabicPeriod"/>
             </a:pPr>
             <a:r>
-              <a:rPr lang="en-US" dirty="0" smtClean="0"/>
+              <a:rPr lang="en-US" dirty="0"/>
               <a:t>Learn how to write a line follower that takes multiple inputs</a:t>
             </a:r>
           </a:p>
@@ -5831,7 +9735,7 @@
               <a:buAutoNum type="arabicPeriod"/>
             </a:pPr>
             <a:r>
-              <a:rPr lang="en-US" dirty="0" smtClean="0"/>
+              <a:rPr lang="en-US" dirty="0"/>
               <a:t>Learn how to write a line follower that stops after a certain number of degrees</a:t>
             </a:r>
           </a:p>
@@ -5841,31 +9745,30 @@
               <a:buAutoNum type="arabicPeriod"/>
             </a:pPr>
             <a:r>
-              <a:rPr lang="en-US" dirty="0" smtClean="0"/>
+              <a:rPr lang="en-US" dirty="0"/>
               <a:t>Practice making a useful My Block</a:t>
             </a:r>
           </a:p>
           <a:p>
-            <a:endParaRPr lang="en-US" dirty="0" smtClean="0"/>
-          </a:p>
-          <a:p>
-            <a:endParaRPr lang="en-US" dirty="0" smtClean="0"/>
-          </a:p>
-          <a:p>
-            <a:r>
-              <a:rPr lang="en-US" dirty="0" smtClean="0"/>
+            <a:endParaRPr lang="en-US" dirty="0"/>
+          </a:p>
+          <a:p>
+            <a:endParaRPr lang="en-US" dirty="0"/>
+          </a:p>
+          <a:p>
+            <a:r>
+              <a:rPr lang="en-US" dirty="0"/>
               <a:t>Prerequisites: My Blocks with Inputs &amp; Outputs, Data wires, Loops, Switches.</a:t>
             </a:r>
           </a:p>
           <a:p>
-            <a:endParaRPr lang="en-US" dirty="0" smtClean="0"/>
-          </a:p>
-          <a:p>
-            <a:r>
-              <a:rPr lang="en-US" dirty="0" smtClean="0"/>
+            <a:endParaRPr lang="en-US" dirty="0"/>
+          </a:p>
+          <a:p>
+            <a:r>
+              <a:rPr lang="en-US" dirty="0"/>
               <a:t>The code uses Blue Comment Blocks.  Make sure you are running the most recent version of the EV3 Software. EV3Lessons has Quick Guides to help you.</a:t>
             </a:r>
-            <a:endParaRPr lang="en-US" dirty="0" smtClean="0"/>
           </a:p>
         </p:txBody>
       </p:sp>
@@ -5885,10 +9788,9 @@
           <a:lstStyle/>
           <a:p>
             <a:r>
-              <a:rPr lang="en-US" smtClean="0"/>
-              <a:t>© 2015, EV3Lessons.com,  Last edit 11/5/2015</a:t>
-            </a:r>
-            <a:endParaRPr lang="en-US"/>
+              <a:rPr lang="en-US"/>
+              <a:t>© 2015 EV3Lessons.com, Last edit 7/06/2016</a:t>
+            </a:r>
           </a:p>
         </p:txBody>
       </p:sp>
@@ -5902,13 +9804,6 @@
   <p:clrMapOvr>
     <a:masterClrMapping/>
   </p:clrMapOvr>
-  <p:timing>
-    <p:tnLst>
-      <p:par>
-        <p:cTn id="1" dur="indefinite" restart="never" nodeType="tmRoot"/>
-      </p:par>
-    </p:tnLst>
-  </p:timing>
 </p:sld>
 </file>
 
@@ -5948,22 +9843,9 @@
           <a:p>
             <a:pPr marL="233363" indent="-233363"/>
             <a:r>
-              <a:rPr lang="en-US" dirty="0" smtClean="0"/>
-              <a:t>My </a:t>
-            </a:r>
-            <a:r>
-              <a:rPr lang="en-US" dirty="0" smtClean="0"/>
-              <a:t>Block Line Follower with </a:t>
-            </a:r>
-            <a:r>
               <a:rPr lang="en-US" dirty="0"/>
-              <a:t>I</a:t>
-            </a:r>
-            <a:r>
-              <a:rPr lang="en-US" dirty="0" smtClean="0"/>
-              <a:t>nputs</a:t>
-            </a:r>
-            <a:endParaRPr lang="en-US" dirty="0"/>
+              <a:t>My Block Line Follower with Inputs</a:t>
+            </a:r>
           </a:p>
         </p:txBody>
       </p:sp>
@@ -5994,7 +9876,7 @@
               <a:buChar char="•"/>
             </a:pPr>
             <a:r>
-              <a:rPr lang="en-US" b="0" dirty="0" smtClean="0"/>
+              <a:rPr lang="en-US" b="0" dirty="0"/>
               <a:t>Making a My Block out of your line follower reduces the length of your code and makes it reusable</a:t>
             </a:r>
           </a:p>
@@ -6004,16 +9886,8 @@
               <a:buChar char="•"/>
             </a:pPr>
             <a:r>
-              <a:rPr lang="en-US" b="0" dirty="0" smtClean="0"/>
-              <a:t>Learning to write a line follower that takes multiple inputs </a:t>
-            </a:r>
-            <a:r>
               <a:rPr lang="en-US" b="0" dirty="0"/>
-              <a:t>(</a:t>
-            </a:r>
-            <a:r>
-              <a:rPr lang="en-US" b="0" dirty="0" smtClean="0"/>
-              <a:t>power, degrees and color) can be very useful</a:t>
+              <a:t>Learning to write a line follower that takes multiple inputs (power, degrees and color) can be very useful</a:t>
             </a:r>
           </a:p>
           <a:p>
@@ -6022,13 +9896,13 @@
               <a:buChar char="•"/>
             </a:pPr>
             <a:r>
-              <a:rPr lang="en-US" dirty="0" smtClean="0"/>
+              <a:rPr lang="en-US" dirty="0"/>
               <a:t>Every time you want a line follower that goes a different distance, you just need to change the input!</a:t>
             </a:r>
-            <a:endParaRPr lang="en-US" b="0" dirty="0" smtClean="0"/>
-          </a:p>
-          <a:p>
-            <a:endParaRPr lang="en-US" b="0" dirty="0" smtClean="0"/>
+            <a:endParaRPr lang="en-US" b="0" dirty="0"/>
+          </a:p>
+          <a:p>
+            <a:endParaRPr lang="en-US" b="0" dirty="0"/>
           </a:p>
         </p:txBody>
       </p:sp>
@@ -6048,10 +9922,9 @@
           <a:lstStyle/>
           <a:p>
             <a:r>
-              <a:rPr lang="en-US" smtClean="0"/>
-              <a:t>© 2015, EV3Lessons.com,  Last edit 11/5/2015</a:t>
-            </a:r>
-            <a:endParaRPr lang="en-US"/>
+              <a:rPr lang="en-US"/>
+              <a:t>© 2015 EV3Lessons.com, Last edit 7/06/2016</a:t>
+            </a:r>
           </a:p>
         </p:txBody>
       </p:sp>
@@ -6065,21 +9938,6 @@
   <p:clrMapOvr>
     <a:masterClrMapping/>
   </p:clrMapOvr>
-  <mc:AlternateContent xmlns:mc="http://schemas.openxmlformats.org/markup-compatibility/2006" xmlns:p14="http://schemas.microsoft.com/office/powerpoint/2010/main">
-    <mc:Choice Requires="p14">
-      <p:transition spd="slow" p14:dur="2000"/>
-    </mc:Choice>
-    <mc:Fallback xmlns="">
-      <p:transition xmlns:p14="http://schemas.microsoft.com/office/powerpoint/2010/main" spd="slow"/>
-    </mc:Fallback>
-  </mc:AlternateContent>
-  <p:timing>
-    <p:tnLst>
-      <p:par>
-        <p:cTn id="1" dur="indefinite" restart="never" nodeType="tmRoot"/>
-      </p:par>
-    </p:tnLst>
-  </p:timing>
 </p:sld>
 </file>
 
@@ -6116,10 +9974,9 @@
           <a:lstStyle/>
           <a:p>
             <a:r>
-              <a:rPr lang="en-US" dirty="0" smtClean="0"/>
+              <a:rPr lang="en-US" dirty="0"/>
               <a:t>Tips to Succeed</a:t>
             </a:r>
-            <a:endParaRPr lang="en-US" dirty="0"/>
           </a:p>
         </p:txBody>
       </p:sp>
@@ -6142,7 +9999,7 @@
               <a:buNone/>
             </a:pPr>
             <a:r>
-              <a:rPr lang="en-US" dirty="0" smtClean="0"/>
+              <a:rPr lang="en-US" dirty="0"/>
               <a:t>You will need to know how to make a Simple Color Line Follower program and how to make a My Block with inputs</a:t>
             </a:r>
           </a:p>
@@ -6151,7 +10008,7 @@
               <a:buNone/>
             </a:pPr>
             <a:r>
-              <a:rPr lang="en-US" dirty="0" smtClean="0"/>
+              <a:rPr lang="en-US" dirty="0"/>
               <a:t>Since you will use your EV3 Color Sensor in Color Mode, you will not have to Calibrate your color sensor for this lesson</a:t>
             </a:r>
           </a:p>
@@ -6160,7 +10017,7 @@
               <a:buNone/>
             </a:pPr>
             <a:r>
-              <a:rPr lang="en-US" dirty="0" smtClean="0"/>
+              <a:rPr lang="en-US" dirty="0"/>
               <a:t>Check which ports you have your color sensor connected to and adjust the code as needed</a:t>
             </a:r>
           </a:p>
@@ -6169,7 +10026,7 @@
               <a:buNone/>
             </a:pPr>
             <a:r>
-              <a:rPr lang="en-US" dirty="0" smtClean="0"/>
+              <a:rPr lang="en-US" dirty="0"/>
               <a:t>You may have to adjust the speed or direction to work for your robot.  Make sure that the the color sensor is in front of the wheels in the direction of travel.</a:t>
             </a:r>
           </a:p>
@@ -6178,20 +10035,10 @@
               <a:buNone/>
             </a:pPr>
             <a:r>
-              <a:rPr lang="en-US" dirty="0" smtClean="0"/>
+              <a:rPr lang="en-US" dirty="0"/>
               <a:t>Make sure you place the robot on the side of the line that you are following.  The most common mistake is placing the robot on the wrong side of the line to begin with.</a:t>
             </a:r>
           </a:p>
-          <a:p>
-            <a:pPr marL="0" indent="0">
-              <a:buNone/>
-            </a:pPr>
-            <a:r>
-              <a:rPr lang="en-US" dirty="0" smtClean="0"/>
-              <a:t>Follow along in the companion EV3 File.</a:t>
-            </a:r>
-            <a:endParaRPr lang="en-US" dirty="0"/>
-          </a:p>
         </p:txBody>
       </p:sp>
       <p:sp>
@@ -6210,10 +10057,9 @@
           <a:lstStyle/>
           <a:p>
             <a:r>
-              <a:rPr lang="en-US" smtClean="0"/>
-              <a:t>© 2015, EV3Lessons.com,  Last edit 11/5/2015</a:t>
-            </a:r>
-            <a:endParaRPr lang="en-US"/>
+              <a:rPr lang="en-US"/>
+              <a:t>© 2015 EV3Lessons.com, Last edit 7/06/2016</a:t>
+            </a:r>
           </a:p>
         </p:txBody>
       </p:sp>
@@ -6227,13 +10073,6 @@
   <p:clrMapOvr>
     <a:masterClrMapping/>
   </p:clrMapOvr>
-  <p:timing>
-    <p:tnLst>
-      <p:par>
-        <p:cTn id="1" dur="indefinite" restart="never" nodeType="tmRoot"/>
-      </p:par>
-    </p:tnLst>
-  </p:timing>
 </p:sld>
 </file>
 
@@ -6270,21 +10109,43 @@
           <a:lstStyle/>
           <a:p>
             <a:r>
-              <a:rPr lang="en-US" dirty="0" smtClean="0"/>
+              <a:rPr lang="en-US" dirty="0"/>
               <a:t>New Block</a:t>
             </a:r>
+          </a:p>
+        </p:txBody>
+      </p:sp>
+      <p:sp>
+        <p:nvSpPr>
+          <p:cNvPr id="3" name="Content Placeholder 2"/>
+          <p:cNvSpPr>
+            <a:spLocks noGrp="1"/>
+          </p:cNvSpPr>
+          <p:nvPr>
+            <p:ph idx="1"/>
+          </p:nvPr>
+        </p:nvSpPr>
+        <p:spPr/>
+        <p:txBody>
+          <a:bodyPr/>
+          <a:lstStyle/>
+          <a:p>
+            <a:r>
+              <a:rPr lang="en-US"/>
+              <a:t>In this lesson, you will use the Sensor Block from the yellow tab for the first time.</a:t>
+            </a:r>
             <a:endParaRPr lang="en-US" dirty="0"/>
           </a:p>
         </p:txBody>
       </p:sp>
       <p:sp>
         <p:nvSpPr>
-          <p:cNvPr id="3" name="Content Placeholder 2"/>
-          <p:cNvSpPr>
-            <a:spLocks noGrp="1"/>
-          </p:cNvSpPr>
-          <p:nvPr>
-            <p:ph idx="1"/>
+          <p:cNvPr id="4" name="Footer Placeholder 3"/>
+          <p:cNvSpPr>
+            <a:spLocks noGrp="1"/>
+          </p:cNvSpPr>
+          <p:nvPr>
+            <p:ph type="ftr" sz="quarter" idx="11"/>
           </p:nvPr>
         </p:nvSpPr>
         <p:spPr/>
@@ -6293,33 +10154,9 @@
           <a:lstStyle/>
           <a:p>
             <a:r>
-              <a:rPr lang="en-US" smtClean="0"/>
-              <a:t>In this lesson, you will use the Sensor Block from the yellow tab for the first time.</a:t>
-            </a:r>
-            <a:endParaRPr lang="en-US" dirty="0"/>
-          </a:p>
-        </p:txBody>
-      </p:sp>
-      <p:sp>
-        <p:nvSpPr>
-          <p:cNvPr id="4" name="Footer Placeholder 3"/>
-          <p:cNvSpPr>
-            <a:spLocks noGrp="1"/>
-          </p:cNvSpPr>
-          <p:nvPr>
-            <p:ph type="ftr" sz="quarter" idx="11"/>
-          </p:nvPr>
-        </p:nvSpPr>
-        <p:spPr/>
-        <p:txBody>
-          <a:bodyPr/>
-          <a:lstStyle/>
-          <a:p>
-            <a:r>
-              <a:rPr lang="en-US" smtClean="0"/>
-              <a:t>© 2015, EV3Lessons.com,  Last edit 11/5/2015</a:t>
-            </a:r>
-            <a:endParaRPr lang="en-US"/>
+              <a:rPr lang="en-US"/>
+              <a:t>© 2015 EV3Lessons.com, Last edit 7/06/2016</a:t>
+            </a:r>
           </a:p>
         </p:txBody>
       </p:sp>
@@ -6406,7 +10243,7 @@
           <a:lstStyle/>
           <a:p>
             <a:r>
-              <a:rPr lang="en-US" dirty="0" smtClean="0"/>
+              <a:rPr lang="en-US" dirty="0"/>
               <a:t>We will use the Motor Rotation block.  This is the rotation sensor.</a:t>
             </a:r>
           </a:p>
@@ -6415,7 +10252,7 @@
           </a:p>
           <a:p>
             <a:r>
-              <a:rPr lang="en-US" dirty="0" smtClean="0"/>
+              <a:rPr lang="en-US" dirty="0"/>
               <a:t>The block has many useful modes.</a:t>
             </a:r>
           </a:p>
@@ -6424,7 +10261,7 @@
           </a:p>
           <a:p>
             <a:r>
-              <a:rPr lang="en-US" dirty="0" smtClean="0"/>
+              <a:rPr lang="en-US" dirty="0"/>
               <a:t>In this lesson, we learn to use it in reset mode so that the value in the sensor will be set to 0.</a:t>
             </a:r>
           </a:p>
@@ -6565,10 +10402,9 @@
           <a:lstStyle/>
           <a:p>
             <a:r>
-              <a:rPr lang="en-US" dirty="0" smtClean="0"/>
+              <a:rPr lang="en-US" dirty="0"/>
               <a:t>Color Follower for Distance</a:t>
             </a:r>
-            <a:endParaRPr lang="en-US" dirty="0"/>
           </a:p>
         </p:txBody>
       </p:sp>
@@ -6593,52 +10429,52 @@
           <a:lstStyle/>
           <a:p>
             <a:r>
-              <a:rPr lang="en-US" dirty="0" smtClean="0"/>
+              <a:rPr lang="en-US" dirty="0"/>
               <a:t>STEP 1: Create a simple color line follower program</a:t>
             </a:r>
           </a:p>
           <a:p>
             <a:r>
-              <a:rPr lang="en-US" dirty="0" smtClean="0"/>
+              <a:rPr lang="en-US" dirty="0"/>
               <a:t>STEP 2: </a:t>
             </a:r>
           </a:p>
           <a:p>
             <a:r>
-              <a:rPr lang="en-US" dirty="0" smtClean="0"/>
+              <a:rPr lang="en-US" dirty="0"/>
               <a:t>	A. Include a “reset the rotation” sensor block to delete any prior readings</a:t>
             </a:r>
           </a:p>
           <a:p>
             <a:r>
-              <a:rPr lang="en-US" dirty="0" smtClean="0"/>
+              <a:rPr lang="en-US" dirty="0"/>
               <a:t>	B. Exit the line follower loop when the robot has moved certain degrees</a:t>
             </a:r>
           </a:p>
           <a:p>
             <a:r>
-              <a:rPr lang="en-US" dirty="0" smtClean="0"/>
+              <a:rPr lang="en-US" dirty="0"/>
               <a:t>STEP 3:</a:t>
             </a:r>
           </a:p>
           <a:p>
             <a:r>
-              <a:rPr lang="en-US" dirty="0" smtClean="0"/>
+              <a:rPr lang="en-US" dirty="0"/>
               <a:t>	A. Create a My Block with the code in Step 2 with inputs for degrees, power and color. </a:t>
             </a:r>
           </a:p>
           <a:p>
             <a:r>
-              <a:rPr lang="en-US" dirty="0" smtClean="0"/>
+              <a:rPr lang="en-US" dirty="0"/>
               <a:t>	B. Wire the inputs in the My Block</a:t>
             </a:r>
           </a:p>
           <a:p>
-            <a:endParaRPr lang="en-US" dirty="0" smtClean="0"/>
-          </a:p>
-          <a:p>
             <a:endParaRPr lang="en-US" dirty="0"/>
           </a:p>
+          <a:p>
+            <a:endParaRPr lang="en-US" dirty="0"/>
+          </a:p>
         </p:txBody>
       </p:sp>
       <p:sp>
@@ -6657,10 +10493,9 @@
           <a:lstStyle/>
           <a:p>
             <a:r>
-              <a:rPr lang="en-US" smtClean="0"/>
-              <a:t>© 2015, EV3Lessons.com,  Last edit 11/5/2015</a:t>
-            </a:r>
-            <a:endParaRPr lang="en-US"/>
+              <a:rPr lang="en-US"/>
+              <a:t>© 2015 EV3Lessons.com, Last edit 7/06/2016</a:t>
+            </a:r>
           </a:p>
         </p:txBody>
       </p:sp>
@@ -6687,18 +10522,13 @@
           <a:lstStyle/>
           <a:p>
             <a:r>
-              <a:rPr lang="en-US" sz="1400" dirty="0" smtClean="0">
+              <a:rPr lang="en-US" sz="1400" dirty="0">
                 <a:solidFill>
                   <a:srgbClr val="FF0000"/>
                 </a:solidFill>
               </a:rPr>
               <a:t>Challenge: Write a line follower My Block that follows a colored line and stops after moving a certain number of degrees.  The line follower should take three inputs (degrees, power and color to follow).</a:t>
             </a:r>
-            <a:endParaRPr lang="en-US" sz="1400" dirty="0">
-              <a:solidFill>
-                <a:srgbClr val="FF0000"/>
-              </a:solidFill>
-            </a:endParaRPr>
           </a:p>
         </p:txBody>
       </p:sp>
@@ -6961,10 +10791,9 @@
           <a:lstStyle/>
           <a:p>
             <a:r>
-              <a:rPr lang="en-US" sz="1200" dirty="0" smtClean="0"/>
+              <a:rPr lang="en-US" sz="1200" dirty="0"/>
               <a:t>Goal: Stop after 720 degrees</a:t>
             </a:r>
-            <a:endParaRPr lang="en-US" sz="1200" dirty="0"/>
           </a:p>
         </p:txBody>
       </p:sp>
@@ -7084,10 +10913,9 @@
           <a:lstStyle/>
           <a:p>
             <a:r>
-              <a:rPr lang="en-US" dirty="0" smtClean="0"/>
+              <a:rPr lang="en-US" dirty="0"/>
               <a:t>Step 1: Simple Color Line Follower</a:t>
             </a:r>
-            <a:endParaRPr lang="en-US" dirty="0"/>
           </a:p>
         </p:txBody>
       </p:sp>
@@ -7107,8 +10935,8 @@
           <a:lstStyle/>
           <a:p>
             <a:r>
-              <a:rPr lang="en-US" smtClean="0"/>
-              <a:t>© 2015, EV3Lessons.com,  Last edit 11/5/2015</a:t>
+              <a:rPr lang="en-US"/>
+              <a:t>© 2015 EV3Lessons.com, Last edit 7/06/2016</a:t>
             </a:r>
             <a:endParaRPr lang="en-US" dirty="0"/>
           </a:p>
@@ -7154,13 +10982,6 @@
   <p:clrMapOvr>
     <a:masterClrMapping/>
   </p:clrMapOvr>
-  <p:timing>
-    <p:tnLst>
-      <p:par>
-        <p:cTn id="1" dur="indefinite" restart="never" nodeType="tmRoot"/>
-      </p:par>
-    </p:tnLst>
-  </p:timing>
 </p:sld>
 </file>
 
@@ -7197,10 +11018,9 @@
           <a:lstStyle/>
           <a:p>
             <a:r>
-              <a:rPr lang="en-US" dirty="0" smtClean="0"/>
+              <a:rPr lang="en-US" dirty="0"/>
               <a:t>Step 2: Add Reset &amp; Loop Exit</a:t>
             </a:r>
-            <a:endParaRPr lang="en-US" dirty="0"/>
           </a:p>
         </p:txBody>
       </p:sp>
@@ -7220,33 +11040,9 @@
           <a:lstStyle/>
           <a:p>
             <a:r>
-              <a:rPr lang="sk-SK" smtClean="0"/>
-              <a:t>© 2015 EV3Lessons.com, Last edit 11/13/2015</a:t>
-            </a:r>
-            <a:endParaRPr lang="en-US"/>
-          </a:p>
-        </p:txBody>
-      </p:sp>
-      <p:sp>
-        <p:nvSpPr>
-          <p:cNvPr id="5" name="Slide Number Placeholder 4"/>
-          <p:cNvSpPr>
-            <a:spLocks noGrp="1"/>
-          </p:cNvSpPr>
-          <p:nvPr>
-            <p:ph type="sldNum" sz="quarter" idx="12"/>
-          </p:nvPr>
-        </p:nvSpPr>
-        <p:spPr/>
-        <p:txBody>
-          <a:bodyPr/>
-          <a:lstStyle/>
-          <a:p>
-            <a:fld id="{4382A7F7-08BF-4252-8141-63FB96055BBB}" type="slidenum">
-              <a:rPr lang="en-US" smtClean="0"/>
-              <a:t>8</a:t>
-            </a:fld>
-            <a:endParaRPr lang="en-US"/>
+              <a:rPr lang="en-US"/>
+              <a:t>© 2015 EV3Lessons.com, Last edit 7/06/2016</a:t>
+            </a:r>
           </a:p>
         </p:txBody>
       </p:sp>
@@ -7404,10 +11200,9 @@
           <a:lstStyle/>
           <a:p>
             <a:r>
-              <a:rPr lang="en-US" dirty="0" smtClean="0"/>
+              <a:rPr lang="en-US" dirty="0"/>
               <a:t>Step 3a: Create a My Block</a:t>
             </a:r>
-            <a:endParaRPr lang="en-US" dirty="0"/>
           </a:p>
         </p:txBody>
       </p:sp>
@@ -7427,10 +11222,9 @@
           <a:lstStyle/>
           <a:p>
             <a:r>
-              <a:rPr lang="en-US" smtClean="0"/>
-              <a:t>© 2015, EV3Lessons.com,  Last edit 11/5/2015</a:t>
-            </a:r>
-            <a:endParaRPr lang="en-US"/>
+              <a:rPr lang="en-US"/>
+              <a:t>© 2015 EV3Lessons.com, Last edit 7/06/2016</a:t>
+            </a:r>
           </a:p>
         </p:txBody>
       </p:sp>
@@ -7509,7 +11303,7 @@
               <a:buAutoNum type="alphaUcPeriod"/>
             </a:pPr>
             <a:r>
-              <a:rPr lang="en-US" sz="2400" dirty="0" smtClean="0">
+              <a:rPr lang="en-US" sz="2400" dirty="0">
                 <a:solidFill>
                   <a:srgbClr val="00B0F0"/>
                 </a:solidFill>
@@ -7522,7 +11316,7 @@
               <a:buFont typeface="+mj-lt"/>
               <a:buAutoNum type="alphaUcPeriod"/>
             </a:pPr>
-            <a:endParaRPr lang="en-US" sz="2400" dirty="0" smtClean="0">
+            <a:endParaRPr lang="en-US" sz="2400" dirty="0">
               <a:solidFill>
                 <a:srgbClr val="00B050"/>
               </a:solidFill>
@@ -7534,7 +11328,7 @@
               <a:buAutoNum type="alphaUcPeriod"/>
             </a:pPr>
             <a:r>
-              <a:rPr lang="en-US" sz="2400" dirty="0" smtClean="0">
+              <a:rPr lang="en-US" sz="2400" dirty="0">
                 <a:solidFill>
                   <a:srgbClr val="FF0000"/>
                 </a:solidFill>
@@ -7542,7 +11336,7 @@
               <a:t>Add 3 inputs: one for power and one for color, and one for degrees</a:t>
             </a:r>
             <a:r>
-              <a:rPr lang="en-US" sz="2400" dirty="0" smtClean="0">
+              <a:rPr lang="en-US" sz="2400" dirty="0">
                 <a:solidFill>
                   <a:srgbClr val="00B050"/>
                 </a:solidFill>
@@ -7555,27 +11349,27 @@
               <a:buFont typeface="+mj-lt"/>
               <a:buAutoNum type="alphaUcPeriod"/>
             </a:pPr>
-            <a:endParaRPr lang="en-US" sz="2400" dirty="0" smtClean="0">
-              <a:solidFill>
-                <a:srgbClr val="00B050"/>
-              </a:solidFill>
-            </a:endParaRPr>
-          </a:p>
-          <a:p>
-            <a:pPr marL="342900" indent="-342900">
-              <a:buFont typeface="Arial" panose="020B0604020202020204" pitchFamily="34" charset="0"/>
-              <a:buChar char="•"/>
-            </a:pPr>
-            <a:r>
-              <a:rPr lang="en-US" sz="2400" dirty="0"/>
-              <a:t>Refer to the My Blocks with Inputs &amp; Outputs lesson if you need help setting up the My Block</a:t>
-            </a:r>
             <a:endParaRPr lang="en-US" sz="2400" dirty="0">
               <a:solidFill>
                 <a:srgbClr val="00B050"/>
               </a:solidFill>
             </a:endParaRPr>
           </a:p>
+          <a:p>
+            <a:pPr marL="342900" indent="-342900">
+              <a:buFont typeface="Arial" panose="020B0604020202020204" pitchFamily="34" charset="0"/>
+              <a:buChar char="•"/>
+            </a:pPr>
+            <a:r>
+              <a:rPr lang="en-US" sz="2400" dirty="0"/>
+              <a:t>Refer to the My Blocks with Inputs &amp; Outputs lesson if you need help setting up the My Block</a:t>
+            </a:r>
+            <a:endParaRPr lang="en-US" sz="2400" dirty="0">
+              <a:solidFill>
+                <a:srgbClr val="00B050"/>
+              </a:solidFill>
+            </a:endParaRPr>
+          </a:p>
         </p:txBody>
       </p:sp>
       <p:sp>
@@ -7601,18 +11395,13 @@
           <a:lstStyle/>
           <a:p>
             <a:r>
-              <a:rPr lang="en-US" sz="2800" b="1" dirty="0" smtClean="0">
+              <a:rPr lang="en-US" sz="2800" b="1" dirty="0">
                 <a:solidFill>
                   <a:srgbClr val="FF0000"/>
                 </a:solidFill>
               </a:rPr>
               <a:t>B</a:t>
             </a:r>
-            <a:endParaRPr lang="en-US" sz="2800" b="1" dirty="0">
-              <a:solidFill>
-                <a:srgbClr val="FF0000"/>
-              </a:solidFill>
-            </a:endParaRPr>
           </a:p>
         </p:txBody>
       </p:sp>
@@ -7689,13 +11478,6 @@
   <p:clrMapOvr>
     <a:masterClrMapping/>
   </p:clrMapOvr>
-  <p:timing>
-    <p:tnLst>
-      <p:par>
-        <p:cTn id="1" dur="indefinite" restart="never" nodeType="tmRoot"/>
-      </p:par>
-    </p:tnLst>
-  </p:timing>
 </p:sld>
 </file>
 
@@ -7983,9 +11765,9 @@
 </file>
 
 <file path=ppt/theme/theme2.xml><?xml version="1.0" encoding="utf-8"?>
-<a:theme xmlns:a="http://schemas.openxmlformats.org/drawingml/2006/main" name="Office Theme">
+<a:theme xmlns:a="http://schemas.openxmlformats.org/drawingml/2006/main" name="intermediatev2">
   <a:themeElements>
-    <a:clrScheme name="Office">
+    <a:clrScheme name="Blue II">
       <a:dk1>
         <a:sysClr val="windowText" lastClr="000000"/>
       </a:dk1>
@@ -7993,39 +11775,39 @@
         <a:sysClr val="window" lastClr="FFFFFF"/>
       </a:lt1>
       <a:dk2>
-        <a:srgbClr val="1F497D"/>
+        <a:srgbClr val="335B74"/>
       </a:dk2>
       <a:lt2>
-        <a:srgbClr val="EEECE1"/>
+        <a:srgbClr val="DFE3E5"/>
       </a:lt2>
       <a:accent1>
-        <a:srgbClr val="4F81BD"/>
+        <a:srgbClr val="1CADE4"/>
       </a:accent1>
       <a:accent2>
-        <a:srgbClr val="C0504D"/>
+        <a:srgbClr val="2683C6"/>
       </a:accent2>
       <a:accent3>
-        <a:srgbClr val="9BBB59"/>
+        <a:srgbClr val="27CED7"/>
       </a:accent3>
       <a:accent4>
-        <a:srgbClr val="8064A2"/>
+        <a:srgbClr val="42BA97"/>
       </a:accent4>
       <a:accent5>
-        <a:srgbClr val="4BACC6"/>
+        <a:srgbClr val="3E8853"/>
       </a:accent5>
       <a:accent6>
-        <a:srgbClr val="F79646"/>
+        <a:srgbClr val="62A39F"/>
       </a:accent6>
       <a:hlink>
-        <a:srgbClr val="0000FF"/>
+        <a:srgbClr val="6EAC1C"/>
       </a:hlink>
       <a:folHlink>
-        <a:srgbClr val="800080"/>
+        <a:srgbClr val="B26B02"/>
       </a:folHlink>
     </a:clrScheme>
-    <a:fontScheme name="Office">
+    <a:fontScheme name="Retrospect">
       <a:majorFont>
-        <a:latin typeface="Calibri"/>
+        <a:latin typeface="Calibri Light" panose="020F0302020204030204"/>
         <a:ea typeface=""/>
         <a:cs typeface=""/>
         <a:font script="Jpan" typeface="ＭＳ Ｐゴシック"/>
@@ -8060,7 +11842,7 @@
         <a:font script="Geor" typeface="Sylfaen"/>
       </a:majorFont>
       <a:minorFont>
-        <a:latin typeface="Calibri"/>
+        <a:latin typeface="Calibri" panose="020F0502020204030204"/>
         <a:ea typeface=""/>
         <a:cs typeface=""/>
         <a:font script="Jpan" typeface="ＭＳ Ｐゴシック"/>
@@ -8095,7 +11877,7 @@
         <a:font script="Geor" typeface="Sylfaen"/>
       </a:minorFont>
     </a:fontScheme>
-    <a:fmtScheme name="Office">
+    <a:fmtScheme name="Retrospect">
       <a:fillStyleLst>
         <a:solidFill>
           <a:schemeClr val="phClr"/>
@@ -8104,52 +11886,73 @@
           <a:gsLst>
             <a:gs pos="0">
               <a:schemeClr val="phClr">
-                <a:tint val="50000"/>
-                <a:satMod val="300000"/>
+                <a:tint val="65000"/>
+                <a:shade val="92000"/>
+                <a:satMod val="130000"/>
               </a:schemeClr>
             </a:gs>
-            <a:gs pos="35000">
+            <a:gs pos="45000">
               <a:schemeClr val="phClr">
-                <a:tint val="37000"/>
-                <a:satMod val="300000"/>
+                <a:tint val="60000"/>
+                <a:shade val="99000"/>
+                <a:satMod val="120000"/>
               </a:schemeClr>
             </a:gs>
             <a:gs pos="100000">
               <a:schemeClr val="phClr">
-                <a:tint val="15000"/>
-                <a:satMod val="350000"/>
+                <a:tint val="55000"/>
+                <a:satMod val="140000"/>
               </a:schemeClr>
             </a:gs>
           </a:gsLst>
-          <a:lin ang="16200000" scaled="1"/>
+          <a:path path="circle">
+            <a:fillToRect l="100000" t="100000" r="100000" b="100000"/>
+          </a:path>
         </a:gradFill>
         <a:gradFill rotWithShape="1">
           <a:gsLst>
             <a:gs pos="0">
               <a:schemeClr val="phClr">
+                <a:shade val="85000"/>
+                <a:satMod val="130000"/>
+              </a:schemeClr>
+            </a:gs>
+            <a:gs pos="34000">
+              <a:schemeClr val="phClr">
+                <a:shade val="87000"/>
+                <a:satMod val="125000"/>
+              </a:schemeClr>
+            </a:gs>
+            <a:gs pos="70000">
+              <a:schemeClr val="phClr">
                 <a:tint val="100000"/>
-                <a:shade val="100000"/>
+                <a:shade val="90000"/>
                 <a:satMod val="130000"/>
               </a:schemeClr>
             </a:gs>
             <a:gs pos="100000">
               <a:schemeClr val="phClr">
-                <a:tint val="50000"/>
+                <a:tint val="100000"/>
                 <a:shade val="100000"/>
-                <a:satMod val="350000"/>
+                <a:satMod val="110000"/>
               </a:schemeClr>
             </a:gs>
           </a:gsLst>
-          <a:lin ang="16200000" scaled="0"/>
+          <a:path path="circle">
+            <a:fillToRect l="100000" t="100000" r="100000" b="100000"/>
+          </a:path>
         </a:gradFill>
       </a:fillStyleLst>
       <a:lnStyleLst>
-        <a:ln w="9525" cap="flat" cmpd="sng" algn="ctr">
+        <a:ln w="12700" cap="flat" cmpd="sng" algn="ctr">
           <a:solidFill>
-            <a:schemeClr val="phClr">
-              <a:shade val="95000"/>
-              <a:satMod val="105000"/>
-            </a:schemeClr>
+            <a:schemeClr val="phClr"/>
+          </a:solidFill>
+          <a:prstDash val="solid"/>
+        </a:ln>
+        <a:ln w="15875" cap="flat" cmpd="sng" algn="ctr">
+          <a:solidFill>
+            <a:schemeClr val="phClr"/>
           </a:solidFill>
           <a:prstDash val="solid"/>
         </a:ln>
@@ -8159,37 +11962,25 @@
           </a:solidFill>
           <a:prstDash val="solid"/>
         </a:ln>
-        <a:ln w="38100" cap="flat" cmpd="sng" algn="ctr">
-          <a:solidFill>
-            <a:schemeClr val="phClr"/>
-          </a:solidFill>
-          <a:prstDash val="solid"/>
-        </a:ln>
       </a:lnStyleLst>
       <a:effectStyleLst>
         <a:effectStyle>
+          <a:effectLst/>
+        </a:effectStyle>
+        <a:effectStyle>
           <a:effectLst>
-            <a:outerShdw blurRad="40000" dist="20000" dir="5400000" rotWithShape="0">
+            <a:outerShdw blurRad="38100" dist="25400" dir="2700000" algn="br" rotWithShape="0">
               <a:srgbClr val="000000">
-                <a:alpha val="38000"/>
+                <a:alpha val="60000"/>
               </a:srgbClr>
             </a:outerShdw>
           </a:effectLst>
         </a:effectStyle>
         <a:effectStyle>
           <a:effectLst>
-            <a:outerShdw blurRad="40000" dist="23000" dir="5400000" rotWithShape="0">
+            <a:outerShdw blurRad="44450" dist="25400" dir="2700000" algn="br" rotWithShape="0">
               <a:srgbClr val="000000">
-                <a:alpha val="35000"/>
-              </a:srgbClr>
-            </a:outerShdw>
-          </a:effectLst>
-        </a:effectStyle>
-        <a:effectStyle>
-          <a:effectLst>
-            <a:outerShdw blurRad="40000" dist="23000" dir="5400000" rotWithShape="0">
-              <a:srgbClr val="000000">
-                <a:alpha val="35000"/>
+                <a:alpha val="60000"/>
               </a:srgbClr>
             </a:outerShdw>
           </a:effectLst>
@@ -8198,11 +11989,11 @@
               <a:rot lat="0" lon="0" rev="0"/>
             </a:camera>
             <a:lightRig rig="threePt" dir="t">
-              <a:rot lat="0" lon="0" rev="1200000"/>
+              <a:rot lat="0" lon="0" rev="19800000"/>
             </a:lightRig>
           </a:scene3d>
-          <a:sp3d>
-            <a:bevelT w="63500" h="25400"/>
+          <a:sp3d prstMaterial="flat">
+            <a:bevelT w="25400" h="31750"/>
           </a:sp3d>
         </a:effectStyle>
       </a:effectStyleLst>
@@ -8210,95 +12001,49 @@
         <a:solidFill>
           <a:schemeClr val="phClr"/>
         </a:solidFill>
+        <a:solidFill>
+          <a:schemeClr val="phClr">
+            <a:tint val="90000"/>
+            <a:shade val="97000"/>
+            <a:satMod val="130000"/>
+          </a:schemeClr>
+        </a:solidFill>
         <a:gradFill rotWithShape="1">
           <a:gsLst>
             <a:gs pos="0">
               <a:schemeClr val="phClr">
-                <a:tint val="40000"/>
-                <a:satMod val="350000"/>
+                <a:tint val="96000"/>
+                <a:shade val="99000"/>
+                <a:satMod val="140000"/>
               </a:schemeClr>
             </a:gs>
-            <a:gs pos="40000">
+            <a:gs pos="65000">
               <a:schemeClr val="phClr">
-                <a:tint val="45000"/>
-                <a:shade val="99000"/>
-                <a:satMod val="350000"/>
+                <a:tint val="100000"/>
+                <a:shade val="80000"/>
+                <a:satMod val="130000"/>
               </a:schemeClr>
             </a:gs>
             <a:gs pos="100000">
               <a:schemeClr val="phClr">
-                <a:shade val="20000"/>
-                <a:satMod val="255000"/>
+                <a:tint val="100000"/>
+                <a:shade val="48000"/>
+                <a:satMod val="120000"/>
               </a:schemeClr>
             </a:gs>
           </a:gsLst>
-          <a:path path="circle">
-            <a:fillToRect l="50000" t="-80000" r="50000" b="180000"/>
-          </a:path>
-        </a:gradFill>
-        <a:gradFill rotWithShape="1">
-          <a:gsLst>
-            <a:gs pos="0">
-              <a:schemeClr val="phClr">
-                <a:tint val="80000"/>
-                <a:satMod val="300000"/>
-              </a:schemeClr>
-            </a:gs>
-            <a:gs pos="100000">
-              <a:schemeClr val="phClr">
-                <a:shade val="30000"/>
-                <a:satMod val="200000"/>
-              </a:schemeClr>
-            </a:gs>
-          </a:gsLst>
-          <a:path path="circle">
-            <a:fillToRect l="50000" t="50000" r="50000" b="50000"/>
-          </a:path>
+          <a:lin ang="16200000" scaled="0"/>
         </a:gradFill>
       </a:bgFillStyleLst>
     </a:fmtScheme>
   </a:themeElements>
-  <a:objectDefaults>
-    <a:spDef>
-      <a:spPr/>
-      <a:bodyPr/>
-      <a:lstStyle/>
-      <a:style>
-        <a:lnRef idx="1">
-          <a:schemeClr val="accent1"/>
-        </a:lnRef>
-        <a:fillRef idx="3">
-          <a:schemeClr val="accent1"/>
-        </a:fillRef>
-        <a:effectRef idx="2">
-          <a:schemeClr val="accent1"/>
-        </a:effectRef>
-        <a:fontRef idx="minor">
-          <a:schemeClr val="lt1"/>
-        </a:fontRef>
-      </a:style>
-    </a:spDef>
-    <a:lnDef>
-      <a:spPr/>
-      <a:bodyPr/>
-      <a:lstStyle/>
-      <a:style>
-        <a:lnRef idx="2">
-          <a:schemeClr val="accent1"/>
-        </a:lnRef>
-        <a:fillRef idx="0">
-          <a:schemeClr val="accent1"/>
-        </a:fillRef>
-        <a:effectRef idx="1">
-          <a:schemeClr val="accent1"/>
-        </a:effectRef>
-        <a:fontRef idx="minor">
-          <a:schemeClr val="tx1"/>
-        </a:fontRef>
-      </a:style>
-    </a:lnDef>
-  </a:objectDefaults>
+  <a:objectDefaults/>
   <a:extraClrSchemeLst/>
+  <a:extLst>
+    <a:ext uri="{05A4C25C-085E-4340-85A3-A5531E510DB2}">
+      <thm15:themeFamily xmlns:thm15="http://schemas.microsoft.com/office/thememl/2012/main" name="intermediatev2" id="{63F5E447-E8B5-4335-8726-12777BA731C5}" vid="{7C754D33-5435-4000-AB94-F54A58B2A981}"/>
+    </a:ext>
+  </a:extLst>
 </a:theme>
 </file>
 
@@ -8620,4 +12365,324 @@
   </a:objectDefaults>
   <a:extraClrSchemeLst/>
 </a:theme>
+</file>
+
+<file path=ppt/theme/theme4.xml><?xml version="1.0" encoding="utf-8"?>
+<a:theme xmlns:a="http://schemas.openxmlformats.org/drawingml/2006/main" name="Office Theme">
+  <a:themeElements>
+    <a:clrScheme name="Office">
+      <a:dk1>
+        <a:sysClr val="windowText" lastClr="000000"/>
+      </a:dk1>
+      <a:lt1>
+        <a:sysClr val="window" lastClr="FFFFFF"/>
+      </a:lt1>
+      <a:dk2>
+        <a:srgbClr val="1F497D"/>
+      </a:dk2>
+      <a:lt2>
+        <a:srgbClr val="EEECE1"/>
+      </a:lt2>
+      <a:accent1>
+        <a:srgbClr val="4F81BD"/>
+      </a:accent1>
+      <a:accent2>
+        <a:srgbClr val="C0504D"/>
+      </a:accent2>
+      <a:accent3>
+        <a:srgbClr val="9BBB59"/>
+      </a:accent3>
+      <a:accent4>
+        <a:srgbClr val="8064A2"/>
+      </a:accent4>
+      <a:accent5>
+        <a:srgbClr val="4BACC6"/>
+      </a:accent5>
+      <a:accent6>
+        <a:srgbClr val="F79646"/>
+      </a:accent6>
+      <a:hlink>
+        <a:srgbClr val="0000FF"/>
+      </a:hlink>
+      <a:folHlink>
+        <a:srgbClr val="800080"/>
+      </a:folHlink>
+    </a:clrScheme>
+    <a:fontScheme name="Office">
+      <a:majorFont>
+        <a:latin typeface="Calibri"/>
+        <a:ea typeface=""/>
+        <a:cs typeface=""/>
+        <a:font script="Jpan" typeface="ＭＳ Ｐゴシック"/>
+        <a:font script="Hang" typeface="맑은 고딕"/>
+        <a:font script="Hans" typeface="宋体"/>
+        <a:font script="Hant" typeface="新細明體"/>
+        <a:font script="Arab" typeface="Times New Roman"/>
+        <a:font script="Hebr" typeface="Times New Roman"/>
+        <a:font script="Thai" typeface="Angsana New"/>
+        <a:font script="Ethi" typeface="Nyala"/>
+        <a:font script="Beng" typeface="Vrinda"/>
+        <a:font script="Gujr" typeface="Shruti"/>
+        <a:font script="Khmr" typeface="MoolBoran"/>
+        <a:font script="Knda" typeface="Tunga"/>
+        <a:font script="Guru" typeface="Raavi"/>
+        <a:font script="Cans" typeface="Euphemia"/>
+        <a:font script="Cher" typeface="Plantagenet Cherokee"/>
+        <a:font script="Yiii" typeface="Microsoft Yi Baiti"/>
+        <a:font script="Tibt" typeface="Microsoft Himalaya"/>
+        <a:font script="Thaa" typeface="MV Boli"/>
+        <a:font script="Deva" typeface="Mangal"/>
+        <a:font script="Telu" typeface="Gautami"/>
+        <a:font script="Taml" typeface="Latha"/>
+        <a:font script="Syrc" typeface="Estrangelo Edessa"/>
+        <a:font script="Orya" typeface="Kalinga"/>
+        <a:font script="Mlym" typeface="Kartika"/>
+        <a:font script="Laoo" typeface="DokChampa"/>
+        <a:font script="Sinh" typeface="Iskoola Pota"/>
+        <a:font script="Mong" typeface="Mongolian Baiti"/>
+        <a:font script="Viet" typeface="Times New Roman"/>
+        <a:font script="Uigh" typeface="Microsoft Uighur"/>
+        <a:font script="Geor" typeface="Sylfaen"/>
+      </a:majorFont>
+      <a:minorFont>
+        <a:latin typeface="Calibri"/>
+        <a:ea typeface=""/>
+        <a:cs typeface=""/>
+        <a:font script="Jpan" typeface="ＭＳ Ｐゴシック"/>
+        <a:font script="Hang" typeface="맑은 고딕"/>
+        <a:font script="Hans" typeface="宋体"/>
+        <a:font script="Hant" typeface="新細明體"/>
+        <a:font script="Arab" typeface="Arial"/>
+        <a:font script="Hebr" typeface="Arial"/>
+        <a:font script="Thai" typeface="Cordia New"/>
+        <a:font script="Ethi" typeface="Nyala"/>
+        <a:font script="Beng" typeface="Vrinda"/>
+        <a:font script="Gujr" typeface="Shruti"/>
+        <a:font script="Khmr" typeface="DaunPenh"/>
+        <a:font script="Knda" typeface="Tunga"/>
+        <a:font script="Guru" typeface="Raavi"/>
+        <a:font script="Cans" typeface="Euphemia"/>
+        <a:font script="Cher" typeface="Plantagenet Cherokee"/>
+        <a:font script="Yiii" typeface="Microsoft Yi Baiti"/>
+        <a:font script="Tibt" typeface="Microsoft Himalaya"/>
+        <a:font script="Thaa" typeface="MV Boli"/>
+        <a:font script="Deva" typeface="Mangal"/>
+        <a:font script="Telu" typeface="Gautami"/>
+        <a:font script="Taml" typeface="Latha"/>
+        <a:font script="Syrc" typeface="Estrangelo Edessa"/>
+        <a:font script="Orya" typeface="Kalinga"/>
+        <a:font script="Mlym" typeface="Kartika"/>
+        <a:font script="Laoo" typeface="DokChampa"/>
+        <a:font script="Sinh" typeface="Iskoola Pota"/>
+        <a:font script="Mong" typeface="Mongolian Baiti"/>
+        <a:font script="Viet" typeface="Arial"/>
+        <a:font script="Uigh" typeface="Microsoft Uighur"/>
+        <a:font script="Geor" typeface="Sylfaen"/>
+      </a:minorFont>
+    </a:fontScheme>
+    <a:fmtScheme name="Office">
+      <a:fillStyleLst>
+        <a:solidFill>
+          <a:schemeClr val="phClr"/>
+        </a:solidFill>
+        <a:gradFill rotWithShape="1">
+          <a:gsLst>
+            <a:gs pos="0">
+              <a:schemeClr val="phClr">
+                <a:tint val="50000"/>
+                <a:satMod val="300000"/>
+              </a:schemeClr>
+            </a:gs>
+            <a:gs pos="35000">
+              <a:schemeClr val="phClr">
+                <a:tint val="37000"/>
+                <a:satMod val="300000"/>
+              </a:schemeClr>
+            </a:gs>
+            <a:gs pos="100000">
+              <a:schemeClr val="phClr">
+                <a:tint val="15000"/>
+                <a:satMod val="350000"/>
+              </a:schemeClr>
+            </a:gs>
+          </a:gsLst>
+          <a:lin ang="16200000" scaled="1"/>
+        </a:gradFill>
+        <a:gradFill rotWithShape="1">
+          <a:gsLst>
+            <a:gs pos="0">
+              <a:schemeClr val="phClr">
+                <a:tint val="100000"/>
+                <a:shade val="100000"/>
+                <a:satMod val="130000"/>
+              </a:schemeClr>
+            </a:gs>
+            <a:gs pos="100000">
+              <a:schemeClr val="phClr">
+                <a:tint val="50000"/>
+                <a:shade val="100000"/>
+                <a:satMod val="350000"/>
+              </a:schemeClr>
+            </a:gs>
+          </a:gsLst>
+          <a:lin ang="16200000" scaled="0"/>
+        </a:gradFill>
+      </a:fillStyleLst>
+      <a:lnStyleLst>
+        <a:ln w="9525" cap="flat" cmpd="sng" algn="ctr">
+          <a:solidFill>
+            <a:schemeClr val="phClr">
+              <a:shade val="95000"/>
+              <a:satMod val="105000"/>
+            </a:schemeClr>
+          </a:solidFill>
+          <a:prstDash val="solid"/>
+        </a:ln>
+        <a:ln w="25400" cap="flat" cmpd="sng" algn="ctr">
+          <a:solidFill>
+            <a:schemeClr val="phClr"/>
+          </a:solidFill>
+          <a:prstDash val="solid"/>
+        </a:ln>
+        <a:ln w="38100" cap="flat" cmpd="sng" algn="ctr">
+          <a:solidFill>
+            <a:schemeClr val="phClr"/>
+          </a:solidFill>
+          <a:prstDash val="solid"/>
+        </a:ln>
+      </a:lnStyleLst>
+      <a:effectStyleLst>
+        <a:effectStyle>
+          <a:effectLst>
+            <a:outerShdw blurRad="40000" dist="20000" dir="5400000" rotWithShape="0">
+              <a:srgbClr val="000000">
+                <a:alpha val="38000"/>
+              </a:srgbClr>
+            </a:outerShdw>
+          </a:effectLst>
+        </a:effectStyle>
+        <a:effectStyle>
+          <a:effectLst>
+            <a:outerShdw blurRad="40000" dist="23000" dir="5400000" rotWithShape="0">
+              <a:srgbClr val="000000">
+                <a:alpha val="35000"/>
+              </a:srgbClr>
+            </a:outerShdw>
+          </a:effectLst>
+        </a:effectStyle>
+        <a:effectStyle>
+          <a:effectLst>
+            <a:outerShdw blurRad="40000" dist="23000" dir="5400000" rotWithShape="0">
+              <a:srgbClr val="000000">
+                <a:alpha val="35000"/>
+              </a:srgbClr>
+            </a:outerShdw>
+          </a:effectLst>
+          <a:scene3d>
+            <a:camera prst="orthographicFront">
+              <a:rot lat="0" lon="0" rev="0"/>
+            </a:camera>
+            <a:lightRig rig="threePt" dir="t">
+              <a:rot lat="0" lon="0" rev="1200000"/>
+            </a:lightRig>
+          </a:scene3d>
+          <a:sp3d>
+            <a:bevelT w="63500" h="25400"/>
+          </a:sp3d>
+        </a:effectStyle>
+      </a:effectStyleLst>
+      <a:bgFillStyleLst>
+        <a:solidFill>
+          <a:schemeClr val="phClr"/>
+        </a:solidFill>
+        <a:gradFill rotWithShape="1">
+          <a:gsLst>
+            <a:gs pos="0">
+              <a:schemeClr val="phClr">
+                <a:tint val="40000"/>
+                <a:satMod val="350000"/>
+              </a:schemeClr>
+            </a:gs>
+            <a:gs pos="40000">
+              <a:schemeClr val="phClr">
+                <a:tint val="45000"/>
+                <a:shade val="99000"/>
+                <a:satMod val="350000"/>
+              </a:schemeClr>
+            </a:gs>
+            <a:gs pos="100000">
+              <a:schemeClr val="phClr">
+                <a:shade val="20000"/>
+                <a:satMod val="255000"/>
+              </a:schemeClr>
+            </a:gs>
+          </a:gsLst>
+          <a:path path="circle">
+            <a:fillToRect l="50000" t="-80000" r="50000" b="180000"/>
+          </a:path>
+        </a:gradFill>
+        <a:gradFill rotWithShape="1">
+          <a:gsLst>
+            <a:gs pos="0">
+              <a:schemeClr val="phClr">
+                <a:tint val="80000"/>
+                <a:satMod val="300000"/>
+              </a:schemeClr>
+            </a:gs>
+            <a:gs pos="100000">
+              <a:schemeClr val="phClr">
+                <a:shade val="30000"/>
+                <a:satMod val="200000"/>
+              </a:schemeClr>
+            </a:gs>
+          </a:gsLst>
+          <a:path path="circle">
+            <a:fillToRect l="50000" t="50000" r="50000" b="50000"/>
+          </a:path>
+        </a:gradFill>
+      </a:bgFillStyleLst>
+    </a:fmtScheme>
+  </a:themeElements>
+  <a:objectDefaults>
+    <a:spDef>
+      <a:spPr/>
+      <a:bodyPr/>
+      <a:lstStyle/>
+      <a:style>
+        <a:lnRef idx="1">
+          <a:schemeClr val="accent1"/>
+        </a:lnRef>
+        <a:fillRef idx="3">
+          <a:schemeClr val="accent1"/>
+        </a:fillRef>
+        <a:effectRef idx="2">
+          <a:schemeClr val="accent1"/>
+        </a:effectRef>
+        <a:fontRef idx="minor">
+          <a:schemeClr val="lt1"/>
+        </a:fontRef>
+      </a:style>
+    </a:spDef>
+    <a:lnDef>
+      <a:spPr/>
+      <a:bodyPr/>
+      <a:lstStyle/>
+      <a:style>
+        <a:lnRef idx="2">
+          <a:schemeClr val="accent1"/>
+        </a:lnRef>
+        <a:fillRef idx="0">
+          <a:schemeClr val="accent1"/>
+        </a:fillRef>
+        <a:effectRef idx="1">
+          <a:schemeClr val="accent1"/>
+        </a:effectRef>
+        <a:fontRef idx="minor">
+          <a:schemeClr val="tx1"/>
+        </a:fontRef>
+      </a:style>
+    </a:lnDef>
+  </a:objectDefaults>
+  <a:extraClrSchemeLst/>
+</a:theme>
 </file>
--- a/translations/en-us/intermediate/ColorFollowerDistance.pptx
+++ b/translations/en-us/intermediate/ColorFollowerDistance.pptx
@@ -223,7 +223,7 @@
           <a:p>
             <a:fld id="{E00FA3B4-5499-9244-86B5-B0871A9DDD84}" type="datetimeFigureOut">
               <a:rPr lang="en-US" smtClean="0"/>
-              <a:t>7/7/2016</a:t>
+              <a:t>7/19/16</a:t>
             </a:fld>
             <a:endParaRPr lang="en-US"/>
           </a:p>
@@ -389,7 +389,7 @@
           <a:p>
             <a:fld id="{FD3EFF1E-85A1-6640-AFB9-C38833E80A84}" type="datetimeFigureOut">
               <a:rPr lang="en-US" smtClean="0"/>
-              <a:t>7/7/2016</a:t>
+              <a:t>7/19/16</a:t>
             </a:fld>
             <a:endParaRPr lang="en-US"/>
           </a:p>
@@ -930,7 +930,7 @@
           <a:p>
             <a:fld id="{D80834F2-D82D-4ABD-BA37-F220F9E0698E}" type="datetime1">
               <a:rPr lang="en-US" smtClean="0"/>
-              <a:t>7/7/2016</a:t>
+              <a:t>7/19/16</a:t>
             </a:fld>
             <a:endParaRPr lang="en-US"/>
           </a:p>
@@ -1190,7 +1190,7 @@
           <a:noFill/>
           <a:extLst>
             <a:ext uri="{909E8E84-426E-40dd-AFC4-6F175D3DCCD1}">
-              <a14:hiddenFill xmlns="" xmlns:a14="http://schemas.microsoft.com/office/drawing/2010/main">
+              <a14:hiddenFill xmlns:a14="http://schemas.microsoft.com/office/drawing/2010/main" xmlns="">
                 <a:solidFill>
                   <a:srgbClr val="FFFFFF"/>
                 </a:solidFill>
@@ -1321,7 +1321,7 @@
           <a:p>
             <a:fld id="{DBBD67A9-1452-485C-B73A-1B512A717C49}" type="datetime1">
               <a:rPr lang="en-US" smtClean="0"/>
-              <a:t>7/7/2016</a:t>
+              <a:t>7/19/16</a:t>
             </a:fld>
             <a:endParaRPr lang="en-US"/>
           </a:p>
@@ -1580,7 +1580,7 @@
           <a:p>
             <a:fld id="{B9FEE6F9-5FE0-49E0-B5AC-796DFE700F12}" type="datetime1">
               <a:rPr lang="en-US" smtClean="0"/>
-              <a:t>7/7/2016</a:t>
+              <a:t>7/19/16</a:t>
             </a:fld>
             <a:endParaRPr lang="en-US"/>
           </a:p>
@@ -1834,7 +1834,7 @@
           <a:p>
             <a:fld id="{D14815DD-0CCA-42EC-8E49-056E00817DA0}" type="datetime1">
               <a:rPr lang="en-US" smtClean="0"/>
-              <a:t>7/7/2016</a:t>
+              <a:t>7/19/16</a:t>
             </a:fld>
             <a:endParaRPr lang="en-US"/>
           </a:p>
@@ -2279,7 +2279,7 @@
           <a:p>
             <a:fld id="{F219133A-CFDC-4DF2-9490-DB3073A6D32C}" type="datetime1">
               <a:rPr lang="en-US" smtClean="0"/>
-              <a:t>7/7/2016</a:t>
+              <a:t>7/19/16</a:t>
             </a:fld>
             <a:endParaRPr lang="en-US"/>
           </a:p>
@@ -2625,7 +2625,7 @@
           <a:p>
             <a:fld id="{32C3C486-1BB6-41FB-8A03-5D1FAD1FD4BF}" type="datetime1">
               <a:rPr lang="en-US" smtClean="0"/>
-              <a:t>7/7/2016</a:t>
+              <a:t>7/19/16</a:t>
             </a:fld>
             <a:endParaRPr lang="en-US"/>
           </a:p>
@@ -2903,7 +2903,7 @@
           <a:p>
             <a:fld id="{722D1257-5C8A-4DE1-A08C-7CFCB6A638FF}" type="datetime1">
               <a:rPr lang="en-US" smtClean="0"/>
-              <a:t>7/7/2016</a:t>
+              <a:t>7/19/16</a:t>
             </a:fld>
             <a:endParaRPr lang="en-US"/>
           </a:p>
@@ -3286,7 +3286,7 @@
           <a:p>
             <a:fld id="{28E4BE7E-9042-4540-B0A0-C075778EBEC5}" type="datetime1">
               <a:rPr lang="en-US" smtClean="0"/>
-              <a:t>7/7/2016</a:t>
+              <a:t>7/19/16</a:t>
             </a:fld>
             <a:endParaRPr lang="en-US"/>
           </a:p>
@@ -3407,7 +3407,7 @@
           <a:p>
             <a:fld id="{2C940B1E-EF49-433A-B93C-6B560B61BE32}" type="datetime1">
               <a:rPr lang="en-US" smtClean="0"/>
-              <a:t>7/7/2016</a:t>
+              <a:t>7/19/16</a:t>
             </a:fld>
             <a:endParaRPr lang="en-US"/>
           </a:p>
@@ -3581,7 +3581,7 @@
           <a:p>
             <a:fld id="{5DCE2B37-C8E0-460F-A80D-CE79818E55B4}" type="datetime1">
               <a:rPr lang="en-US" smtClean="0"/>
-              <a:t>7/7/2016</a:t>
+              <a:t>7/19/16</a:t>
             </a:fld>
             <a:endParaRPr lang="en-US"/>
           </a:p>
@@ -3938,7 +3938,7 @@
           <a:p>
             <a:fld id="{9274C677-3F83-46AA-9140-16A297CD6D7F}" type="datetime1">
               <a:rPr lang="en-US" smtClean="0"/>
-              <a:t>7/7/2016</a:t>
+              <a:t>7/19/16</a:t>
             </a:fld>
             <a:endParaRPr lang="en-US"/>
           </a:p>
@@ -4132,7 +4132,7 @@
           <a:p>
             <a:fld id="{8BFFA0A4-E670-4607-924C-EFC02F8D61EE}" type="datetime1">
               <a:rPr lang="en-US" smtClean="0"/>
-              <a:t>7/7/2016</a:t>
+              <a:t>7/19/16</a:t>
             </a:fld>
             <a:endParaRPr lang="en-US"/>
           </a:p>
@@ -4496,7 +4496,7 @@
           <a:p>
             <a:fld id="{1804BD83-BD5D-427F-97C8-2354C6E70318}" type="datetime1">
               <a:rPr lang="en-US" smtClean="0"/>
-              <a:t>7/7/2016</a:t>
+              <a:t>7/19/16</a:t>
             </a:fld>
             <a:endParaRPr lang="en-US"/>
           </a:p>
@@ -4669,7 +4669,7 @@
           <a:p>
             <a:fld id="{381B288F-AF23-433B-B70B-271577BBAC2B}" type="datetime1">
               <a:rPr lang="en-US" smtClean="0"/>
-              <a:t>7/7/2016</a:t>
+              <a:t>7/19/16</a:t>
             </a:fld>
             <a:endParaRPr lang="en-US"/>
           </a:p>
@@ -4928,7 +4928,7 @@
           <a:p>
             <a:fld id="{14309F9C-C689-4691-801D-AC5CB7E0FEDD}" type="datetime1">
               <a:rPr lang="en-US" smtClean="0"/>
-              <a:t>7/7/2016</a:t>
+              <a:t>7/19/16</a:t>
             </a:fld>
             <a:endParaRPr lang="en-US"/>
           </a:p>
@@ -5274,7 +5274,7 @@
           <a:p>
             <a:fld id="{7B3CEF4A-66A4-4E36-A472-28FB2F1942E9}" type="datetime1">
               <a:rPr lang="en-US" smtClean="0"/>
-              <a:t>7/7/2016</a:t>
+              <a:t>7/19/16</a:t>
             </a:fld>
             <a:endParaRPr lang="en-US"/>
           </a:p>
@@ -5552,7 +5552,7 @@
           <a:p>
             <a:fld id="{AC0DCCDB-71AE-4D8A-B0F6-FA4D19E2B0BE}" type="datetime1">
               <a:rPr lang="en-US" smtClean="0"/>
-              <a:t>7/7/2016</a:t>
+              <a:t>7/19/16</a:t>
             </a:fld>
             <a:endParaRPr lang="en-US"/>
           </a:p>
@@ -5935,7 +5935,7 @@
           <a:p>
             <a:fld id="{4BC7CD09-89EE-4427-B9B2-0950C940050A}" type="datetime1">
               <a:rPr lang="en-US" smtClean="0"/>
-              <a:t>7/7/2016</a:t>
+              <a:t>7/19/16</a:t>
             </a:fld>
             <a:endParaRPr lang="en-US"/>
           </a:p>
@@ -6056,7 +6056,7 @@
           <a:p>
             <a:fld id="{F610A6C2-8176-4789-A4FF-B6F274F7959C}" type="datetime1">
               <a:rPr lang="en-US" smtClean="0"/>
-              <a:t>7/7/2016</a:t>
+              <a:t>7/19/16</a:t>
             </a:fld>
             <a:endParaRPr lang="en-US"/>
           </a:p>
@@ -6230,7 +6230,7 @@
           <a:p>
             <a:fld id="{8A5EEBE9-D54B-42CD-8C1B-3770CFC98156}" type="datetime1">
               <a:rPr lang="en-US" smtClean="0"/>
-              <a:t>7/7/2016</a:t>
+              <a:t>7/19/16</a:t>
             </a:fld>
             <a:endParaRPr lang="en-US"/>
           </a:p>
@@ -6587,7 +6587,7 @@
           <a:p>
             <a:fld id="{8C5E233D-5DAD-4DF0-BD04-0B158FF7A0ED}" type="datetime1">
               <a:rPr lang="en-US" smtClean="0"/>
-              <a:t>7/7/2016</a:t>
+              <a:t>7/19/16</a:t>
             </a:fld>
             <a:endParaRPr lang="en-US"/>
           </a:p>
@@ -6972,7 +6972,7 @@
           <a:p>
             <a:fld id="{AA75DCBC-56C6-4900-9962-F81EBC97CC51}" type="datetime1">
               <a:rPr lang="en-US" smtClean="0"/>
-              <a:t>7/7/2016</a:t>
+              <a:t>7/19/16</a:t>
             </a:fld>
             <a:endParaRPr lang="en-US"/>
           </a:p>
@@ -7264,7 +7264,7 @@
           <a:p>
             <a:fld id="{C7635549-8895-4789-B0F3-226371CC24B2}" type="datetime1">
               <a:rPr lang="en-US" smtClean="0"/>
-              <a:t>7/7/2016</a:t>
+              <a:t>7/19/16</a:t>
             </a:fld>
             <a:endParaRPr lang="en-US" dirty="0"/>
           </a:p>
@@ -8042,7 +8042,7 @@
           <a:p>
             <a:fld id="{4CF73676-29B8-4A10-A522-9786BF6F2E84}" type="datetime1">
               <a:rPr lang="en-US" smtClean="0"/>
-              <a:t>7/7/2016</a:t>
+              <a:t>7/19/16</a:t>
             </a:fld>
             <a:endParaRPr lang="en-US" dirty="0"/>
           </a:p>
@@ -8700,6 +8700,35 @@
           </a:p>
         </p:txBody>
       </p:sp>
+      <p:pic>
+        <p:nvPicPr>
+          <p:cNvPr id="4" name="Picture 3"/>
+          <p:cNvPicPr>
+            <a:picLocks noChangeAspect="1"/>
+          </p:cNvPicPr>
+          <p:nvPr/>
+        </p:nvPicPr>
+        <p:blipFill rotWithShape="1">
+          <a:blip r:embed="rId2">
+            <a:extLst>
+              <a:ext uri="{28A0092B-C50C-407E-A947-70E740481C1C}">
+                <a14:useLocalDpi xmlns:a14="http://schemas.microsoft.com/office/drawing/2010/main" val="0"/>
+              </a:ext>
+            </a:extLst>
+          </a:blip>
+          <a:srcRect l="4523" t="17619" r="3095" b="25000"/>
+          <a:stretch/>
+        </p:blipFill>
+        <p:spPr>
+          <a:xfrm>
+            <a:off x="3711108" y="4592409"/>
+            <a:ext cx="1700816" cy="1056435"/>
+          </a:xfrm>
+          <a:prstGeom prst="rect">
+            <a:avLst/>
+          </a:prstGeom>
+        </p:spPr>
+      </p:pic>
     </p:spTree>
     <p:extLst>
       <p:ext uri="{BB962C8B-B14F-4D97-AF65-F5344CB8AC3E}">
@@ -9237,6 +9266,10 @@
             </a:r>
           </a:p>
           <a:p>
+            <a:r>
+              <a:rPr lang="en-US" dirty="0"/>
+              <a:t/>
+            </a:r>
             <a:br>
               <a:rPr lang="en-US" dirty="0"/>
             </a:br>
@@ -9292,7 +9325,7 @@
           <a:effectLst/>
           <a:extLst>
             <a:ext uri="{91240B29-F687-4f45-9708-019B960494DF}">
-              <a14:hiddenLine xmlns="" xmlns:a14="http://schemas.microsoft.com/office/drawing/2010/main" w="9525">
+              <a14:hiddenLine xmlns:a14="http://schemas.microsoft.com/office/drawing/2010/main" xmlns="" w="9525">
                 <a:solidFill>
                   <a:schemeClr val="tx1"/>
                 </a:solidFill>
@@ -9302,7 +9335,7 @@
               </a14:hiddenLine>
             </a:ext>
             <a:ext uri="{AF507438-7753-43e0-B8FC-AC1667EBCBE1}">
-              <a14:hiddenEffects xmlns="" xmlns:a14="http://schemas.microsoft.com/office/drawing/2010/main">
+              <a14:hiddenEffects xmlns:a14="http://schemas.microsoft.com/office/drawing/2010/main" xmlns="">
                 <a:effectLst>
                   <a:outerShdw dist="35921" dir="2700000" algn="ctr" rotWithShape="0">
                     <a:schemeClr val="bg2"/>
@@ -9477,6 +9510,18 @@
               </a:rPr>
               <a:t>                         </a:t>
             </a:r>
+            <a:r>
+              <a:rPr kumimoji="0" lang="en-US" altLang="en-US" sz="1600" b="0" i="0" u="none" strike="noStrike" cap="none" normalizeH="0" baseline="0" dirty="0">
+                <a:ln>
+                  <a:noFill/>
+                </a:ln>
+                <a:solidFill>
+                  <a:schemeClr val="tx1"/>
+                </a:solidFill>
+                <a:effectLst/>
+              </a:rPr>
+              <a:t/>
+            </a:r>
             <a:br>
               <a:rPr kumimoji="0" lang="en-US" altLang="en-US" sz="1600" b="0" i="0" u="none" strike="noStrike" cap="none" normalizeH="0" baseline="0" dirty="0">
                 <a:ln>
@@ -9643,7 +9688,7 @@
           <a:noFill/>
           <a:extLst>
             <a:ext uri="{909E8E84-426E-40dd-AFC4-6F175D3DCCD1}">
-              <a14:hiddenFill xmlns="" xmlns:a14="http://schemas.microsoft.com/office/drawing/2010/main">
+              <a14:hiddenFill xmlns:a14="http://schemas.microsoft.com/office/drawing/2010/main" xmlns="">
                 <a:solidFill>
                   <a:srgbClr val="FFFFFF"/>
                 </a:solidFill>
